--- a/British_airways_reviews_analysis.pptx
+++ b/British_airways_reviews_analysis.pptx
@@ -2,11 +2,24 @@
 <file path=ppt/presentation.xml><?xml version="1.0" encoding="utf-8"?>
 <p:presentation xmlns:a="http://schemas.openxmlformats.org/drawingml/2006/main" xmlns:r="http://schemas.openxmlformats.org/officeDocument/2006/relationships" xmlns:p="http://schemas.openxmlformats.org/presentationml/2006/main" saveSubsetFonts="1">
   <p:sldMasterIdLst>
-    <p:sldMasterId id="2147483648" r:id="rId1"/>
+    <p:sldMasterId id="2147483660" r:id="rId1"/>
   </p:sldMasterIdLst>
   <p:sldIdLst>
     <p:sldId id="256" r:id="rId2"/>
     <p:sldId id="257" r:id="rId3"/>
+    <p:sldId id="258" r:id="rId4"/>
+    <p:sldId id="259" r:id="rId5"/>
+    <p:sldId id="266" r:id="rId6"/>
+    <p:sldId id="260" r:id="rId7"/>
+    <p:sldId id="261" r:id="rId8"/>
+    <p:sldId id="262" r:id="rId9"/>
+    <p:sldId id="263" r:id="rId10"/>
+    <p:sldId id="264" r:id="rId11"/>
+    <p:sldId id="265" r:id="rId12"/>
+    <p:sldId id="267" r:id="rId13"/>
+    <p:sldId id="268" r:id="rId14"/>
+    <p:sldId id="269" r:id="rId15"/>
+    <p:sldId id="270" r:id="rId16"/>
   </p:sldIdLst>
   <p:sldSz cx="12192000" cy="6858000"/>
   <p:notesSz cx="6858000" cy="9144000"/>
@@ -14,7 +27,7 @@
     <a:defPPr>
       <a:defRPr lang="en-US"/>
     </a:defPPr>
-    <a:lvl1pPr marL="0" algn="l" defTabSz="914400" rtl="0" eaLnBrk="1" latinLnBrk="0" hangingPunct="1">
+    <a:lvl1pPr marL="0" algn="l" defTabSz="457200" rtl="0" eaLnBrk="1" latinLnBrk="0" hangingPunct="1">
       <a:defRPr sz="1800" kern="1200">
         <a:solidFill>
           <a:schemeClr val="tx1"/>
@@ -24,7 +37,7 @@
         <a:cs typeface="+mn-cs"/>
       </a:defRPr>
     </a:lvl1pPr>
-    <a:lvl2pPr marL="457200" algn="l" defTabSz="914400" rtl="0" eaLnBrk="1" latinLnBrk="0" hangingPunct="1">
+    <a:lvl2pPr marL="457200" algn="l" defTabSz="457200" rtl="0" eaLnBrk="1" latinLnBrk="0" hangingPunct="1">
       <a:defRPr sz="1800" kern="1200">
         <a:solidFill>
           <a:schemeClr val="tx1"/>
@@ -34,7 +47,7 @@
         <a:cs typeface="+mn-cs"/>
       </a:defRPr>
     </a:lvl2pPr>
-    <a:lvl3pPr marL="914400" algn="l" defTabSz="914400" rtl="0" eaLnBrk="1" latinLnBrk="0" hangingPunct="1">
+    <a:lvl3pPr marL="914400" algn="l" defTabSz="457200" rtl="0" eaLnBrk="1" latinLnBrk="0" hangingPunct="1">
       <a:defRPr sz="1800" kern="1200">
         <a:solidFill>
           <a:schemeClr val="tx1"/>
@@ -44,7 +57,7 @@
         <a:cs typeface="+mn-cs"/>
       </a:defRPr>
     </a:lvl3pPr>
-    <a:lvl4pPr marL="1371600" algn="l" defTabSz="914400" rtl="0" eaLnBrk="1" latinLnBrk="0" hangingPunct="1">
+    <a:lvl4pPr marL="1371600" algn="l" defTabSz="457200" rtl="0" eaLnBrk="1" latinLnBrk="0" hangingPunct="1">
       <a:defRPr sz="1800" kern="1200">
         <a:solidFill>
           <a:schemeClr val="tx1"/>
@@ -54,7 +67,7 @@
         <a:cs typeface="+mn-cs"/>
       </a:defRPr>
     </a:lvl4pPr>
-    <a:lvl5pPr marL="1828800" algn="l" defTabSz="914400" rtl="0" eaLnBrk="1" latinLnBrk="0" hangingPunct="1">
+    <a:lvl5pPr marL="1828800" algn="l" defTabSz="457200" rtl="0" eaLnBrk="1" latinLnBrk="0" hangingPunct="1">
       <a:defRPr sz="1800" kern="1200">
         <a:solidFill>
           <a:schemeClr val="tx1"/>
@@ -64,7 +77,7 @@
         <a:cs typeface="+mn-cs"/>
       </a:defRPr>
     </a:lvl5pPr>
-    <a:lvl6pPr marL="2286000" algn="l" defTabSz="914400" rtl="0" eaLnBrk="1" latinLnBrk="0" hangingPunct="1">
+    <a:lvl6pPr marL="2286000" algn="l" defTabSz="457200" rtl="0" eaLnBrk="1" latinLnBrk="0" hangingPunct="1">
       <a:defRPr sz="1800" kern="1200">
         <a:solidFill>
           <a:schemeClr val="tx1"/>
@@ -74,7 +87,7 @@
         <a:cs typeface="+mn-cs"/>
       </a:defRPr>
     </a:lvl6pPr>
-    <a:lvl7pPr marL="2743200" algn="l" defTabSz="914400" rtl="0" eaLnBrk="1" latinLnBrk="0" hangingPunct="1">
+    <a:lvl7pPr marL="2743200" algn="l" defTabSz="457200" rtl="0" eaLnBrk="1" latinLnBrk="0" hangingPunct="1">
       <a:defRPr sz="1800" kern="1200">
         <a:solidFill>
           <a:schemeClr val="tx1"/>
@@ -84,7 +97,7 @@
         <a:cs typeface="+mn-cs"/>
       </a:defRPr>
     </a:lvl7pPr>
-    <a:lvl8pPr marL="3200400" algn="l" defTabSz="914400" rtl="0" eaLnBrk="1" latinLnBrk="0" hangingPunct="1">
+    <a:lvl8pPr marL="3200400" algn="l" defTabSz="457200" rtl="0" eaLnBrk="1" latinLnBrk="0" hangingPunct="1">
       <a:defRPr sz="1800" kern="1200">
         <a:solidFill>
           <a:schemeClr val="tx1"/>
@@ -94,7 +107,7 @@
         <a:cs typeface="+mn-cs"/>
       </a:defRPr>
     </a:lvl8pPr>
-    <a:lvl9pPr marL="3657600" algn="l" defTabSz="914400" rtl="0" eaLnBrk="1" latinLnBrk="0" hangingPunct="1">
+    <a:lvl9pPr marL="3657600" algn="l" defTabSz="457200" rtl="0" eaLnBrk="1" latinLnBrk="0" hangingPunct="1">
       <a:defRPr sz="1800" kern="1200">
         <a:solidFill>
           <a:schemeClr val="tx1"/>
@@ -111,6 +124,32 @@
     </p:ext>
   </p:extLst>
 </p:presentation>
+</file>
+
+<file path=ppt/commentAuthors.xml><?xml version="1.0" encoding="utf-8"?>
+<p:cmAuthorLst xmlns:a="http://schemas.openxmlformats.org/drawingml/2006/main" xmlns:r="http://schemas.openxmlformats.org/officeDocument/2006/relationships" xmlns:p="http://schemas.openxmlformats.org/presentationml/2006/main">
+  <p:cmAuthor id="1" name="Bunny David" initials="BD" lastIdx="1" clrIdx="0">
+    <p:extLst>
+      <p:ext uri="{19B8F6BF-5375-455C-9EA6-DF929625EA0E}">
+        <p15:presenceInfo xmlns:p15="http://schemas.microsoft.com/office/powerpoint/2012/main" userId="S::rakula3@gitam.in::7b483c61-7d5f-4745-8cd6-1f652827ace2" providerId="AD"/>
+      </p:ext>
+    </p:extLst>
+  </p:cmAuthor>
+</p:cmAuthorLst>
+</file>
+
+<file path=ppt/comments/comment1.xml><?xml version="1.0" encoding="utf-8"?>
+<p:cmLst xmlns:a="http://schemas.openxmlformats.org/drawingml/2006/main" xmlns:r="http://schemas.openxmlformats.org/officeDocument/2006/relationships" xmlns:p="http://schemas.openxmlformats.org/presentationml/2006/main">
+  <p:cm authorId="1" dt="2024-05-02T23:51:18.438" idx="1">
+    <p:pos x="10" y="10"/>
+    <p:text/>
+    <p:extLst>
+      <p:ext uri="{C676402C-5697-4E1C-873F-D02D1690AC5C}">
+        <p15:threadingInfo xmlns:p15="http://schemas.microsoft.com/office/powerpoint/2012/main" timeZoneBias="-330"/>
+      </p:ext>
+    </p:extLst>
+  </p:cm>
+</p:cmLst>
 </file>
 
 <file path=ppt/slideLayouts/slideLayout1.xml><?xml version="1.0" encoding="utf-8"?>
@@ -132,70 +171,123 @@
       </p:grpSpPr>
       <p:sp>
         <p:nvSpPr>
-          <p:cNvPr id="2" name="Title 1">
-            <a:extLst>
-              <a:ext uri="{FF2B5EF4-FFF2-40B4-BE49-F238E27FC236}">
-                <a16:creationId xmlns:a16="http://schemas.microsoft.com/office/drawing/2014/main" id="{0E1CB125-2F04-85CC-B9E4-859AD27DD3DF}"/>
-              </a:ext>
-            </a:extLst>
-          </p:cNvPr>
-          <p:cNvSpPr>
-            <a:spLocks noGrp="1"/>
-          </p:cNvSpPr>
-          <p:nvPr>
-            <p:ph type="ctrTitle" hasCustomPrompt="1"/>
+          <p:cNvPr id="2" name="Title 1"/>
+          <p:cNvSpPr>
+            <a:spLocks noGrp="1"/>
+          </p:cNvSpPr>
+          <p:nvPr>
+            <p:ph type="ctrTitle"/>
           </p:nvPr>
         </p:nvSpPr>
         <p:spPr>
           <a:xfrm>
-            <a:off x="1524000" y="1122363"/>
-            <a:ext cx="9144000" cy="2387600"/>
+            <a:off x="2209800" y="4464028"/>
+            <a:ext cx="9144000" cy="1641490"/>
           </a:xfrm>
         </p:spPr>
         <p:txBody>
-          <a:bodyPr anchor="b"/>
+          <a:bodyPr wrap="none" anchor="t">
+            <a:normAutofit/>
+          </a:bodyPr>
           <a:lstStyle>
-            <a:lvl1pPr algn="ctr">
-              <a:defRPr sz="6000"/>
+            <a:lvl1pPr algn="r">
+              <a:defRPr sz="9600" b="0" spc="-300">
+                <a:gradFill flip="none" rotWithShape="1">
+                  <a:gsLst>
+                    <a:gs pos="32000">
+                      <a:schemeClr val="tx1">
+                        <a:lumMod val="89000"/>
+                      </a:schemeClr>
+                    </a:gs>
+                    <a:gs pos="0">
+                      <a:schemeClr val="bg1">
+                        <a:lumMod val="41000"/>
+                        <a:lumOff val="59000"/>
+                      </a:schemeClr>
+                    </a:gs>
+                    <a:gs pos="100000">
+                      <a:schemeClr val="tx2">
+                        <a:lumMod val="0"/>
+                        <a:lumOff val="100000"/>
+                      </a:schemeClr>
+                    </a:gs>
+                  </a:gsLst>
+                  <a:lin ang="8100000" scaled="1"/>
+                  <a:tileRect/>
+                </a:gradFill>
+                <a:effectLst>
+                  <a:outerShdw blurRad="469900" dist="342900" dir="5400000" sy="-20000" rotWithShape="0">
+                    <a:prstClr val="black">
+                      <a:alpha val="66000"/>
+                    </a:prstClr>
+                  </a:outerShdw>
+                </a:effectLst>
+                <a:latin typeface="+mj-lt"/>
+              </a:defRPr>
             </a:lvl1pPr>
           </a:lstStyle>
           <a:p>
             <a:r>
-              <a:rPr lang="en-US" dirty="0"/>
-              <a:t>TITLE</a:t>
-            </a:r>
-            <a:endParaRPr lang="en-GB" dirty="0"/>
-          </a:p>
-        </p:txBody>
-      </p:sp>
-      <p:sp>
-        <p:nvSpPr>
-          <p:cNvPr id="3" name="Subtitle 2">
-            <a:extLst>
-              <a:ext uri="{FF2B5EF4-FFF2-40B4-BE49-F238E27FC236}">
-                <a16:creationId xmlns:a16="http://schemas.microsoft.com/office/drawing/2014/main" id="{968CF164-6A92-3964-A2E5-CD439A60E8D6}"/>
-              </a:ext>
-            </a:extLst>
-          </p:cNvPr>
-          <p:cNvSpPr>
-            <a:spLocks noGrp="1"/>
-          </p:cNvSpPr>
-          <p:nvPr>
-            <p:ph type="subTitle" idx="1" hasCustomPrompt="1"/>
+              <a:rPr lang="en-US"/>
+              <a:t>Click to edit Master title style</a:t>
+            </a:r>
+            <a:endParaRPr lang="en-US" dirty="0"/>
+          </a:p>
+        </p:txBody>
+      </p:sp>
+      <p:sp>
+        <p:nvSpPr>
+          <p:cNvPr id="3" name="Subtitle 2"/>
+          <p:cNvSpPr>
+            <a:spLocks noGrp="1"/>
+          </p:cNvSpPr>
+          <p:nvPr>
+            <p:ph type="subTitle" idx="1"/>
           </p:nvPr>
         </p:nvSpPr>
         <p:spPr>
           <a:xfrm>
-            <a:off x="1524000" y="3602038"/>
-            <a:ext cx="9144000" cy="1655762"/>
+            <a:off x="2209799" y="3694375"/>
+            <a:ext cx="9144000" cy="754025"/>
           </a:xfrm>
         </p:spPr>
         <p:txBody>
-          <a:bodyPr/>
+          <a:bodyPr anchor="b">
+            <a:normAutofit/>
+          </a:bodyPr>
           <a:lstStyle>
-            <a:lvl1pPr marL="0" indent="0" algn="ctr">
-              <a:buNone/>
-              <a:defRPr sz="2400"/>
+            <a:lvl1pPr marL="0" indent="0" algn="r">
+              <a:buNone/>
+              <a:defRPr sz="3200" b="0">
+                <a:gradFill flip="none" rotWithShape="1">
+                  <a:gsLst>
+                    <a:gs pos="15000">
+                      <a:schemeClr val="tx2"/>
+                    </a:gs>
+                    <a:gs pos="73000">
+                      <a:schemeClr val="tx2">
+                        <a:lumMod val="60000"/>
+                        <a:lumOff val="40000"/>
+                      </a:schemeClr>
+                    </a:gs>
+                    <a:gs pos="0">
+                      <a:schemeClr val="tx2">
+                        <a:lumMod val="90000"/>
+                        <a:lumOff val="10000"/>
+                      </a:schemeClr>
+                    </a:gs>
+                    <a:gs pos="100000">
+                      <a:schemeClr val="tx2">
+                        <a:lumMod val="0"/>
+                        <a:lumOff val="100000"/>
+                      </a:schemeClr>
+                    </a:gs>
+                  </a:gsLst>
+                  <a:lin ang="16200000" scaled="1"/>
+                  <a:tileRect/>
+                </a:gradFill>
+                <a:latin typeface="+mj-lt"/>
+              </a:defRPr>
             </a:lvl1pPr>
             <a:lvl2pPr marL="457200" indent="0" algn="ctr">
               <a:buNone/>
@@ -232,22 +324,16 @@
           </a:lstStyle>
           <a:p>
             <a:r>
-              <a:rPr lang="en-US" dirty="0"/>
-              <a:t>Subtitle</a:t>
-            </a:r>
-            <a:endParaRPr lang="en-GB" dirty="0"/>
-          </a:p>
-        </p:txBody>
-      </p:sp>
-      <p:sp>
-        <p:nvSpPr>
-          <p:cNvPr id="4" name="Date Placeholder 3">
-            <a:extLst>
-              <a:ext uri="{FF2B5EF4-FFF2-40B4-BE49-F238E27FC236}">
-                <a16:creationId xmlns:a16="http://schemas.microsoft.com/office/drawing/2014/main" id="{CF666AE8-A5E4-529C-376D-A7F21A81DCA8}"/>
-              </a:ext>
-            </a:extLst>
-          </p:cNvPr>
+              <a:rPr lang="en-US"/>
+              <a:t>Click to edit Master subtitle style</a:t>
+            </a:r>
+            <a:endParaRPr lang="en-US" dirty="0"/>
+          </a:p>
+        </p:txBody>
+      </p:sp>
+      <p:sp>
+        <p:nvSpPr>
+          <p:cNvPr id="7" name="Date Placeholder 6"/>
           <p:cNvSpPr>
             <a:spLocks noGrp="1"/>
           </p:cNvSpPr>
@@ -262,7 +348,7 @@
           <a:p>
             <a:fld id="{6670FE10-F406-47AF-8AE1-E9BA4C7E25F2}" type="datetimeFigureOut">
               <a:rPr lang="en-GB" smtClean="0"/>
-              <a:t>06/12/2022</a:t>
+              <a:t>03/05/2024</a:t>
             </a:fld>
             <a:endParaRPr lang="en-GB" dirty="0"/>
           </a:p>
@@ -270,13 +356,7 @@
       </p:sp>
       <p:sp>
         <p:nvSpPr>
-          <p:cNvPr id="5" name="Footer Placeholder 4">
-            <a:extLst>
-              <a:ext uri="{FF2B5EF4-FFF2-40B4-BE49-F238E27FC236}">
-                <a16:creationId xmlns:a16="http://schemas.microsoft.com/office/drawing/2014/main" id="{C631255B-22D2-BFD0-6E2B-2CB909435FC6}"/>
-              </a:ext>
-            </a:extLst>
-          </p:cNvPr>
+          <p:cNvPr id="8" name="Footer Placeholder 7"/>
           <p:cNvSpPr>
             <a:spLocks noGrp="1"/>
           </p:cNvSpPr>
@@ -290,21 +370,16 @@
           <a:lstStyle/>
           <a:p>
             <a:r>
-              <a:rPr lang="en-GB" dirty="0"/>
+              <a:rPr lang="en-GB"/>
               <a:t>SOLELY FOR PURPOSES OF FORAGE WORK EXPERIENCE</a:t>
             </a:r>
-          </a:p>
-        </p:txBody>
-      </p:sp>
-      <p:sp>
-        <p:nvSpPr>
-          <p:cNvPr id="6" name="Slide Number Placeholder 5">
-            <a:extLst>
-              <a:ext uri="{FF2B5EF4-FFF2-40B4-BE49-F238E27FC236}">
-                <a16:creationId xmlns:a16="http://schemas.microsoft.com/office/drawing/2014/main" id="{8B6AC3F9-8084-22E7-D885-8B98F38D04B0}"/>
-              </a:ext>
-            </a:extLst>
-          </p:cNvPr>
+            <a:endParaRPr lang="en-GB" dirty="0"/>
+          </a:p>
+        </p:txBody>
+      </p:sp>
+      <p:sp>
+        <p:nvSpPr>
+          <p:cNvPr id="9" name="Slide Number Placeholder 8"/>
           <p:cNvSpPr>
             <a:spLocks noGrp="1"/>
           </p:cNvSpPr>
@@ -327,10 +402,10 @@
       </p:sp>
       <p:sp>
         <p:nvSpPr>
-          <p:cNvPr id="7" name="Footer Placeholder 4">
+          <p:cNvPr id="4" name="Footer Placeholder 4">
             <a:extLst>
               <a:ext uri="{FF2B5EF4-FFF2-40B4-BE49-F238E27FC236}">
-                <a16:creationId xmlns:a16="http://schemas.microsoft.com/office/drawing/2014/main" id="{34687BFD-2914-5915-09E8-574865A5731A}"/>
+                <a16:creationId xmlns:a16="http://schemas.microsoft.com/office/drawing/2014/main" id="{66E2AA20-E93B-E906-BA56-F0BD9C410D64}"/>
               </a:ext>
             </a:extLst>
           </p:cNvPr>
@@ -459,17 +534,2575 @@
     </p:spTree>
     <p:extLst>
       <p:ext uri="{BB962C8B-B14F-4D97-AF65-F5344CB8AC3E}">
-        <p14:creationId xmlns:p14="http://schemas.microsoft.com/office/powerpoint/2010/main" val="1348963704"/>
+        <p14:creationId xmlns:p14="http://schemas.microsoft.com/office/powerpoint/2010/main" val="4245136421"/>
       </p:ext>
     </p:extLst>
   </p:cSld>
   <p:clrMapOvr>
     <a:masterClrMapping/>
   </p:clrMapOvr>
+  <p:transition spd="slow">
+    <p:push dir="u"/>
+  </p:transition>
 </p:sldLayout>
 </file>
 
 <file path=ppt/slideLayouts/slideLayout10.xml><?xml version="1.0" encoding="utf-8"?>
+<p:sldLayout xmlns:a="http://schemas.openxmlformats.org/drawingml/2006/main" xmlns:r="http://schemas.openxmlformats.org/officeDocument/2006/relationships" xmlns:p="http://schemas.openxmlformats.org/presentationml/2006/main" preserve="1">
+  <p:cSld name="Panoramic Picture with Caption">
+    <p:spTree>
+      <p:nvGrpSpPr>
+        <p:cNvPr id="1" name=""/>
+        <p:cNvGrpSpPr/>
+        <p:nvPr/>
+      </p:nvGrpSpPr>
+      <p:grpSpPr>
+        <a:xfrm>
+          <a:off x="0" y="0"/>
+          <a:ext cx="0" cy="0"/>
+          <a:chOff x="0" y="0"/>
+          <a:chExt cx="0" cy="0"/>
+        </a:xfrm>
+      </p:grpSpPr>
+      <p:sp>
+        <p:nvSpPr>
+          <p:cNvPr id="2" name="Title 1"/>
+          <p:cNvSpPr>
+            <a:spLocks noGrp="1"/>
+          </p:cNvSpPr>
+          <p:nvPr>
+            <p:ph type="title"/>
+          </p:nvPr>
+        </p:nvSpPr>
+        <p:spPr>
+          <a:xfrm>
+            <a:off x="839788" y="4367160"/>
+            <a:ext cx="10515600" cy="819355"/>
+          </a:xfrm>
+        </p:spPr>
+        <p:txBody>
+          <a:bodyPr anchor="b"/>
+          <a:lstStyle>
+            <a:lvl1pPr>
+              <a:defRPr sz="3200"/>
+            </a:lvl1pPr>
+          </a:lstStyle>
+          <a:p>
+            <a:r>
+              <a:rPr lang="en-US"/>
+              <a:t>Click to edit Master title style</a:t>
+            </a:r>
+            <a:endParaRPr lang="en-US" dirty="0"/>
+          </a:p>
+        </p:txBody>
+      </p:sp>
+      <p:sp>
+        <p:nvSpPr>
+          <p:cNvPr id="3" name="Picture Placeholder 2"/>
+          <p:cNvSpPr>
+            <a:spLocks noGrp="1" noChangeAspect="1"/>
+          </p:cNvSpPr>
+          <p:nvPr>
+            <p:ph type="pic" idx="1"/>
+          </p:nvPr>
+        </p:nvSpPr>
+        <p:spPr>
+          <a:xfrm>
+            <a:off x="839788" y="987425"/>
+            <a:ext cx="10515600" cy="3379735"/>
+          </a:xfrm>
+        </p:spPr>
+        <p:txBody>
+          <a:bodyPr anchor="t"/>
+          <a:lstStyle>
+            <a:lvl1pPr marL="0" indent="0">
+              <a:buNone/>
+              <a:defRPr sz="3200"/>
+            </a:lvl1pPr>
+            <a:lvl2pPr marL="457200" indent="0">
+              <a:buNone/>
+              <a:defRPr sz="2800"/>
+            </a:lvl2pPr>
+            <a:lvl3pPr marL="914400" indent="0">
+              <a:buNone/>
+              <a:defRPr sz="2400"/>
+            </a:lvl3pPr>
+            <a:lvl4pPr marL="1371600" indent="0">
+              <a:buNone/>
+              <a:defRPr sz="2000"/>
+            </a:lvl4pPr>
+            <a:lvl5pPr marL="1828800" indent="0">
+              <a:buNone/>
+              <a:defRPr sz="2000"/>
+            </a:lvl5pPr>
+            <a:lvl6pPr marL="2286000" indent="0">
+              <a:buNone/>
+              <a:defRPr sz="2000"/>
+            </a:lvl6pPr>
+            <a:lvl7pPr marL="2743200" indent="0">
+              <a:buNone/>
+              <a:defRPr sz="2000"/>
+            </a:lvl7pPr>
+            <a:lvl8pPr marL="3200400" indent="0">
+              <a:buNone/>
+              <a:defRPr sz="2000"/>
+            </a:lvl8pPr>
+            <a:lvl9pPr marL="3657600" indent="0">
+              <a:buNone/>
+              <a:defRPr sz="2000"/>
+            </a:lvl9pPr>
+          </a:lstStyle>
+          <a:p>
+            <a:r>
+              <a:rPr lang="en-US"/>
+              <a:t>Click icon to add picture</a:t>
+            </a:r>
+            <a:endParaRPr lang="en-US" dirty="0"/>
+          </a:p>
+        </p:txBody>
+      </p:sp>
+      <p:sp>
+        <p:nvSpPr>
+          <p:cNvPr id="4" name="Text Placeholder 3"/>
+          <p:cNvSpPr>
+            <a:spLocks noGrp="1"/>
+          </p:cNvSpPr>
+          <p:nvPr>
+            <p:ph type="body" sz="half" idx="2"/>
+          </p:nvPr>
+        </p:nvSpPr>
+        <p:spPr>
+          <a:xfrm>
+            <a:off x="839788" y="5186516"/>
+            <a:ext cx="10514012" cy="682472"/>
+          </a:xfrm>
+        </p:spPr>
+        <p:txBody>
+          <a:bodyPr/>
+          <a:lstStyle>
+            <a:lvl1pPr marL="0" indent="0">
+              <a:buNone/>
+              <a:defRPr sz="1600">
+                <a:gradFill>
+                  <a:gsLst>
+                    <a:gs pos="15000">
+                      <a:schemeClr val="tx2"/>
+                    </a:gs>
+                    <a:gs pos="73000">
+                      <a:schemeClr val="tx2">
+                        <a:lumMod val="60000"/>
+                        <a:lumOff val="40000"/>
+                      </a:schemeClr>
+                    </a:gs>
+                    <a:gs pos="0">
+                      <a:schemeClr val="tx1"/>
+                    </a:gs>
+                    <a:gs pos="100000">
+                      <a:schemeClr val="tx2">
+                        <a:lumMod val="0"/>
+                        <a:lumOff val="100000"/>
+                      </a:schemeClr>
+                    </a:gs>
+                  </a:gsLst>
+                  <a:lin ang="16200000" scaled="1"/>
+                </a:gradFill>
+              </a:defRPr>
+            </a:lvl1pPr>
+            <a:lvl2pPr marL="457200" indent="0">
+              <a:buNone/>
+              <a:defRPr sz="1400"/>
+            </a:lvl2pPr>
+            <a:lvl3pPr marL="914400" indent="0">
+              <a:buNone/>
+              <a:defRPr sz="1200"/>
+            </a:lvl3pPr>
+            <a:lvl4pPr marL="1371600" indent="0">
+              <a:buNone/>
+              <a:defRPr sz="1000"/>
+            </a:lvl4pPr>
+            <a:lvl5pPr marL="1828800" indent="0">
+              <a:buNone/>
+              <a:defRPr sz="1000"/>
+            </a:lvl5pPr>
+            <a:lvl6pPr marL="2286000" indent="0">
+              <a:buNone/>
+              <a:defRPr sz="1000"/>
+            </a:lvl6pPr>
+            <a:lvl7pPr marL="2743200" indent="0">
+              <a:buNone/>
+              <a:defRPr sz="1000"/>
+            </a:lvl7pPr>
+            <a:lvl8pPr marL="3200400" indent="0">
+              <a:buNone/>
+              <a:defRPr sz="1000"/>
+            </a:lvl8pPr>
+            <a:lvl9pPr marL="3657600" indent="0">
+              <a:buNone/>
+              <a:defRPr sz="1000"/>
+            </a:lvl9pPr>
+          </a:lstStyle>
+          <a:p>
+            <a:pPr lvl="0"/>
+            <a:r>
+              <a:rPr lang="en-US"/>
+              <a:t>Click to edit Master text styles</a:t>
+            </a:r>
+          </a:p>
+        </p:txBody>
+      </p:sp>
+      <p:sp>
+        <p:nvSpPr>
+          <p:cNvPr id="5" name="Date Placeholder 4"/>
+          <p:cNvSpPr>
+            <a:spLocks noGrp="1"/>
+          </p:cNvSpPr>
+          <p:nvPr>
+            <p:ph type="dt" sz="half" idx="10"/>
+          </p:nvPr>
+        </p:nvSpPr>
+        <p:spPr/>
+        <p:txBody>
+          <a:bodyPr/>
+          <a:lstStyle/>
+          <a:p>
+            <a:fld id="{6670FE10-F406-47AF-8AE1-E9BA4C7E25F2}" type="datetimeFigureOut">
+              <a:rPr lang="en-GB" smtClean="0"/>
+              <a:t>03/05/2024</a:t>
+            </a:fld>
+            <a:endParaRPr lang="en-GB"/>
+          </a:p>
+        </p:txBody>
+      </p:sp>
+      <p:sp>
+        <p:nvSpPr>
+          <p:cNvPr id="6" name="Footer Placeholder 5"/>
+          <p:cNvSpPr>
+            <a:spLocks noGrp="1"/>
+          </p:cNvSpPr>
+          <p:nvPr>
+            <p:ph type="ftr" sz="quarter" idx="11"/>
+          </p:nvPr>
+        </p:nvSpPr>
+        <p:spPr/>
+        <p:txBody>
+          <a:bodyPr/>
+          <a:lstStyle/>
+          <a:p>
+            <a:endParaRPr lang="en-GB"/>
+          </a:p>
+        </p:txBody>
+      </p:sp>
+      <p:sp>
+        <p:nvSpPr>
+          <p:cNvPr id="7" name="Slide Number Placeholder 6"/>
+          <p:cNvSpPr>
+            <a:spLocks noGrp="1"/>
+          </p:cNvSpPr>
+          <p:nvPr>
+            <p:ph type="sldNum" sz="quarter" idx="12"/>
+          </p:nvPr>
+        </p:nvSpPr>
+        <p:spPr/>
+        <p:txBody>
+          <a:bodyPr/>
+          <a:lstStyle/>
+          <a:p>
+            <a:fld id="{537AB4F7-4BD9-43F1-95BD-EA19DB6F96FE}" type="slidenum">
+              <a:rPr lang="en-GB" smtClean="0"/>
+              <a:t>‹#›</a:t>
+            </a:fld>
+            <a:endParaRPr lang="en-GB"/>
+          </a:p>
+        </p:txBody>
+      </p:sp>
+    </p:spTree>
+    <p:extLst>
+      <p:ext uri="{BB962C8B-B14F-4D97-AF65-F5344CB8AC3E}">
+        <p14:creationId xmlns:p14="http://schemas.microsoft.com/office/powerpoint/2010/main" val="1244538822"/>
+      </p:ext>
+    </p:extLst>
+  </p:cSld>
+  <p:clrMapOvr>
+    <a:masterClrMapping/>
+  </p:clrMapOvr>
+  <p:transition spd="slow">
+    <p:push dir="u"/>
+  </p:transition>
+</p:sldLayout>
+</file>
+
+<file path=ppt/slideLayouts/slideLayout11.xml><?xml version="1.0" encoding="utf-8"?>
+<p:sldLayout xmlns:a="http://schemas.openxmlformats.org/drawingml/2006/main" xmlns:r="http://schemas.openxmlformats.org/officeDocument/2006/relationships" xmlns:p="http://schemas.openxmlformats.org/presentationml/2006/main" preserve="1">
+  <p:cSld name="Title and Caption">
+    <p:spTree>
+      <p:nvGrpSpPr>
+        <p:cNvPr id="1" name=""/>
+        <p:cNvGrpSpPr/>
+        <p:nvPr/>
+      </p:nvGrpSpPr>
+      <p:grpSpPr>
+        <a:xfrm>
+          <a:off x="0" y="0"/>
+          <a:ext cx="0" cy="0"/>
+          <a:chOff x="0" y="0"/>
+          <a:chExt cx="0" cy="0"/>
+        </a:xfrm>
+      </p:grpSpPr>
+      <p:sp>
+        <p:nvSpPr>
+          <p:cNvPr id="2" name="Title 1"/>
+          <p:cNvSpPr>
+            <a:spLocks noGrp="1"/>
+          </p:cNvSpPr>
+          <p:nvPr>
+            <p:ph type="title"/>
+          </p:nvPr>
+        </p:nvSpPr>
+        <p:spPr>
+          <a:xfrm>
+            <a:off x="839788" y="365125"/>
+            <a:ext cx="10515600" cy="3534344"/>
+          </a:xfrm>
+        </p:spPr>
+        <p:txBody>
+          <a:bodyPr anchor="ctr"/>
+          <a:lstStyle>
+            <a:lvl1pPr>
+              <a:defRPr sz="3200"/>
+            </a:lvl1pPr>
+          </a:lstStyle>
+          <a:p>
+            <a:r>
+              <a:rPr lang="en-US"/>
+              <a:t>Click to edit Master title style</a:t>
+            </a:r>
+            <a:endParaRPr lang="en-US" dirty="0"/>
+          </a:p>
+        </p:txBody>
+      </p:sp>
+      <p:sp>
+        <p:nvSpPr>
+          <p:cNvPr id="4" name="Text Placeholder 3"/>
+          <p:cNvSpPr>
+            <a:spLocks noGrp="1"/>
+          </p:cNvSpPr>
+          <p:nvPr>
+            <p:ph type="body" sz="half" idx="2"/>
+          </p:nvPr>
+        </p:nvSpPr>
+        <p:spPr>
+          <a:xfrm>
+            <a:off x="839788" y="4489399"/>
+            <a:ext cx="10514012" cy="1501826"/>
+          </a:xfrm>
+        </p:spPr>
+        <p:txBody>
+          <a:bodyPr anchor="ctr"/>
+          <a:lstStyle>
+            <a:lvl1pPr marL="0" indent="0">
+              <a:buNone/>
+              <a:defRPr sz="1600"/>
+            </a:lvl1pPr>
+            <a:lvl2pPr marL="457200" indent="0">
+              <a:buNone/>
+              <a:defRPr sz="1400"/>
+            </a:lvl2pPr>
+            <a:lvl3pPr marL="914400" indent="0">
+              <a:buNone/>
+              <a:defRPr sz="1200"/>
+            </a:lvl3pPr>
+            <a:lvl4pPr marL="1371600" indent="0">
+              <a:buNone/>
+              <a:defRPr sz="1000"/>
+            </a:lvl4pPr>
+            <a:lvl5pPr marL="1828800" indent="0">
+              <a:buNone/>
+              <a:defRPr sz="1000"/>
+            </a:lvl5pPr>
+            <a:lvl6pPr marL="2286000" indent="0">
+              <a:buNone/>
+              <a:defRPr sz="1000"/>
+            </a:lvl6pPr>
+            <a:lvl7pPr marL="2743200" indent="0">
+              <a:buNone/>
+              <a:defRPr sz="1000"/>
+            </a:lvl7pPr>
+            <a:lvl8pPr marL="3200400" indent="0">
+              <a:buNone/>
+              <a:defRPr sz="1000"/>
+            </a:lvl8pPr>
+            <a:lvl9pPr marL="3657600" indent="0">
+              <a:buNone/>
+              <a:defRPr sz="1000"/>
+            </a:lvl9pPr>
+          </a:lstStyle>
+          <a:p>
+            <a:pPr lvl="0"/>
+            <a:r>
+              <a:rPr lang="en-US"/>
+              <a:t>Click to edit Master text styles</a:t>
+            </a:r>
+          </a:p>
+        </p:txBody>
+      </p:sp>
+      <p:sp>
+        <p:nvSpPr>
+          <p:cNvPr id="5" name="Date Placeholder 4"/>
+          <p:cNvSpPr>
+            <a:spLocks noGrp="1"/>
+          </p:cNvSpPr>
+          <p:nvPr>
+            <p:ph type="dt" sz="half" idx="10"/>
+          </p:nvPr>
+        </p:nvSpPr>
+        <p:spPr/>
+        <p:txBody>
+          <a:bodyPr/>
+          <a:lstStyle/>
+          <a:p>
+            <a:fld id="{6670FE10-F406-47AF-8AE1-E9BA4C7E25F2}" type="datetimeFigureOut">
+              <a:rPr lang="en-GB" smtClean="0"/>
+              <a:t>03/05/2024</a:t>
+            </a:fld>
+            <a:endParaRPr lang="en-GB"/>
+          </a:p>
+        </p:txBody>
+      </p:sp>
+      <p:sp>
+        <p:nvSpPr>
+          <p:cNvPr id="6" name="Footer Placeholder 5"/>
+          <p:cNvSpPr>
+            <a:spLocks noGrp="1"/>
+          </p:cNvSpPr>
+          <p:nvPr>
+            <p:ph type="ftr" sz="quarter" idx="11"/>
+          </p:nvPr>
+        </p:nvSpPr>
+        <p:spPr/>
+        <p:txBody>
+          <a:bodyPr/>
+          <a:lstStyle/>
+          <a:p>
+            <a:endParaRPr lang="en-GB"/>
+          </a:p>
+        </p:txBody>
+      </p:sp>
+      <p:sp>
+        <p:nvSpPr>
+          <p:cNvPr id="7" name="Slide Number Placeholder 6"/>
+          <p:cNvSpPr>
+            <a:spLocks noGrp="1"/>
+          </p:cNvSpPr>
+          <p:nvPr>
+            <p:ph type="sldNum" sz="quarter" idx="12"/>
+          </p:nvPr>
+        </p:nvSpPr>
+        <p:spPr/>
+        <p:txBody>
+          <a:bodyPr/>
+          <a:lstStyle/>
+          <a:p>
+            <a:fld id="{537AB4F7-4BD9-43F1-95BD-EA19DB6F96FE}" type="slidenum">
+              <a:rPr lang="en-GB" smtClean="0"/>
+              <a:t>‹#›</a:t>
+            </a:fld>
+            <a:endParaRPr lang="en-GB"/>
+          </a:p>
+        </p:txBody>
+      </p:sp>
+    </p:spTree>
+    <p:extLst>
+      <p:ext uri="{BB962C8B-B14F-4D97-AF65-F5344CB8AC3E}">
+        <p14:creationId xmlns:p14="http://schemas.microsoft.com/office/powerpoint/2010/main" val="1583262342"/>
+      </p:ext>
+    </p:extLst>
+  </p:cSld>
+  <p:clrMapOvr>
+    <a:masterClrMapping/>
+  </p:clrMapOvr>
+  <p:transition spd="slow">
+    <p:push dir="u"/>
+  </p:transition>
+</p:sldLayout>
+</file>
+
+<file path=ppt/slideLayouts/slideLayout12.xml><?xml version="1.0" encoding="utf-8"?>
+<p:sldLayout xmlns:a="http://schemas.openxmlformats.org/drawingml/2006/main" xmlns:r="http://schemas.openxmlformats.org/officeDocument/2006/relationships" xmlns:p="http://schemas.openxmlformats.org/presentationml/2006/main" preserve="1">
+  <p:cSld name="Quote with Caption">
+    <p:spTree>
+      <p:nvGrpSpPr>
+        <p:cNvPr id="1" name=""/>
+        <p:cNvGrpSpPr/>
+        <p:nvPr/>
+      </p:nvGrpSpPr>
+      <p:grpSpPr>
+        <a:xfrm>
+          <a:off x="0" y="0"/>
+          <a:ext cx="0" cy="0"/>
+          <a:chOff x="0" y="0"/>
+          <a:chExt cx="0" cy="0"/>
+        </a:xfrm>
+      </p:grpSpPr>
+      <p:sp>
+        <p:nvSpPr>
+          <p:cNvPr id="2" name="Title 1"/>
+          <p:cNvSpPr>
+            <a:spLocks noGrp="1"/>
+          </p:cNvSpPr>
+          <p:nvPr>
+            <p:ph type="title"/>
+          </p:nvPr>
+        </p:nvSpPr>
+        <p:spPr>
+          <a:xfrm>
+            <a:off x="1446212" y="365125"/>
+            <a:ext cx="9302752" cy="2992904"/>
+          </a:xfrm>
+        </p:spPr>
+        <p:txBody>
+          <a:bodyPr anchor="ctr"/>
+          <a:lstStyle>
+            <a:lvl1pPr>
+              <a:defRPr sz="4400"/>
+            </a:lvl1pPr>
+          </a:lstStyle>
+          <a:p>
+            <a:r>
+              <a:rPr lang="en-US"/>
+              <a:t>Click to edit Master title style</a:t>
+            </a:r>
+            <a:endParaRPr lang="en-US" dirty="0"/>
+          </a:p>
+        </p:txBody>
+      </p:sp>
+      <p:sp>
+        <p:nvSpPr>
+          <p:cNvPr id="12" name="Text Placeholder 3"/>
+          <p:cNvSpPr>
+            <a:spLocks noGrp="1"/>
+          </p:cNvSpPr>
+          <p:nvPr>
+            <p:ph type="body" sz="half" idx="13"/>
+          </p:nvPr>
+        </p:nvSpPr>
+        <p:spPr>
+          <a:xfrm>
+            <a:off x="1720644" y="3365557"/>
+            <a:ext cx="8752299" cy="548968"/>
+          </a:xfrm>
+        </p:spPr>
+        <p:txBody>
+          <a:bodyPr anchor="t">
+            <a:normAutofit/>
+          </a:bodyPr>
+          <a:lstStyle>
+            <a:lvl1pPr marL="0" indent="0">
+              <a:buNone/>
+              <a:defRPr sz="1400"/>
+            </a:lvl1pPr>
+            <a:lvl2pPr marL="457200" indent="0">
+              <a:buNone/>
+              <a:defRPr sz="1400"/>
+            </a:lvl2pPr>
+            <a:lvl3pPr marL="914400" indent="0">
+              <a:buNone/>
+              <a:defRPr sz="1200"/>
+            </a:lvl3pPr>
+            <a:lvl4pPr marL="1371600" indent="0">
+              <a:buNone/>
+              <a:defRPr sz="1000"/>
+            </a:lvl4pPr>
+            <a:lvl5pPr marL="1828800" indent="0">
+              <a:buNone/>
+              <a:defRPr sz="1000"/>
+            </a:lvl5pPr>
+            <a:lvl6pPr marL="2286000" indent="0">
+              <a:buNone/>
+              <a:defRPr sz="1000"/>
+            </a:lvl6pPr>
+            <a:lvl7pPr marL="2743200" indent="0">
+              <a:buNone/>
+              <a:defRPr sz="1000"/>
+            </a:lvl7pPr>
+            <a:lvl8pPr marL="3200400" indent="0">
+              <a:buNone/>
+              <a:defRPr sz="1000"/>
+            </a:lvl8pPr>
+            <a:lvl9pPr marL="3657600" indent="0">
+              <a:buNone/>
+              <a:defRPr sz="1000"/>
+            </a:lvl9pPr>
+          </a:lstStyle>
+          <a:p>
+            <a:pPr lvl="0"/>
+            <a:r>
+              <a:rPr lang="en-US"/>
+              <a:t>Click to edit Master text styles</a:t>
+            </a:r>
+          </a:p>
+        </p:txBody>
+      </p:sp>
+      <p:sp>
+        <p:nvSpPr>
+          <p:cNvPr id="4" name="Text Placeholder 3"/>
+          <p:cNvSpPr>
+            <a:spLocks noGrp="1"/>
+          </p:cNvSpPr>
+          <p:nvPr>
+            <p:ph type="body" sz="half" idx="2"/>
+          </p:nvPr>
+        </p:nvSpPr>
+        <p:spPr>
+          <a:xfrm>
+            <a:off x="838200" y="4501729"/>
+            <a:ext cx="10512424" cy="1489496"/>
+          </a:xfrm>
+        </p:spPr>
+        <p:txBody>
+          <a:bodyPr anchor="ctr">
+            <a:normAutofit/>
+          </a:bodyPr>
+          <a:lstStyle>
+            <a:lvl1pPr marL="0" indent="0">
+              <a:buNone/>
+              <a:defRPr sz="1600"/>
+            </a:lvl1pPr>
+            <a:lvl2pPr marL="457200" indent="0">
+              <a:buNone/>
+              <a:defRPr sz="1400"/>
+            </a:lvl2pPr>
+            <a:lvl3pPr marL="914400" indent="0">
+              <a:buNone/>
+              <a:defRPr sz="1200"/>
+            </a:lvl3pPr>
+            <a:lvl4pPr marL="1371600" indent="0">
+              <a:buNone/>
+              <a:defRPr sz="1000"/>
+            </a:lvl4pPr>
+            <a:lvl5pPr marL="1828800" indent="0">
+              <a:buNone/>
+              <a:defRPr sz="1000"/>
+            </a:lvl5pPr>
+            <a:lvl6pPr marL="2286000" indent="0">
+              <a:buNone/>
+              <a:defRPr sz="1000"/>
+            </a:lvl6pPr>
+            <a:lvl7pPr marL="2743200" indent="0">
+              <a:buNone/>
+              <a:defRPr sz="1000"/>
+            </a:lvl7pPr>
+            <a:lvl8pPr marL="3200400" indent="0">
+              <a:buNone/>
+              <a:defRPr sz="1000"/>
+            </a:lvl8pPr>
+            <a:lvl9pPr marL="3657600" indent="0">
+              <a:buNone/>
+              <a:defRPr sz="1000"/>
+            </a:lvl9pPr>
+          </a:lstStyle>
+          <a:p>
+            <a:pPr lvl="0"/>
+            <a:r>
+              <a:rPr lang="en-US"/>
+              <a:t>Click to edit Master text styles</a:t>
+            </a:r>
+          </a:p>
+        </p:txBody>
+      </p:sp>
+      <p:sp>
+        <p:nvSpPr>
+          <p:cNvPr id="5" name="Date Placeholder 4"/>
+          <p:cNvSpPr>
+            <a:spLocks noGrp="1"/>
+          </p:cNvSpPr>
+          <p:nvPr>
+            <p:ph type="dt" sz="half" idx="10"/>
+          </p:nvPr>
+        </p:nvSpPr>
+        <p:spPr/>
+        <p:txBody>
+          <a:bodyPr/>
+          <a:lstStyle/>
+          <a:p>
+            <a:fld id="{6670FE10-F406-47AF-8AE1-E9BA4C7E25F2}" type="datetimeFigureOut">
+              <a:rPr lang="en-GB" smtClean="0"/>
+              <a:t>03/05/2024</a:t>
+            </a:fld>
+            <a:endParaRPr lang="en-GB"/>
+          </a:p>
+        </p:txBody>
+      </p:sp>
+      <p:sp>
+        <p:nvSpPr>
+          <p:cNvPr id="6" name="Footer Placeholder 5"/>
+          <p:cNvSpPr>
+            <a:spLocks noGrp="1"/>
+          </p:cNvSpPr>
+          <p:nvPr>
+            <p:ph type="ftr" sz="quarter" idx="11"/>
+          </p:nvPr>
+        </p:nvSpPr>
+        <p:spPr/>
+        <p:txBody>
+          <a:bodyPr/>
+          <a:lstStyle/>
+          <a:p>
+            <a:endParaRPr lang="en-GB"/>
+          </a:p>
+        </p:txBody>
+      </p:sp>
+      <p:sp>
+        <p:nvSpPr>
+          <p:cNvPr id="7" name="Slide Number Placeholder 6"/>
+          <p:cNvSpPr>
+            <a:spLocks noGrp="1"/>
+          </p:cNvSpPr>
+          <p:nvPr>
+            <p:ph type="sldNum" sz="quarter" idx="12"/>
+          </p:nvPr>
+        </p:nvSpPr>
+        <p:spPr/>
+        <p:txBody>
+          <a:bodyPr/>
+          <a:lstStyle/>
+          <a:p>
+            <a:fld id="{537AB4F7-4BD9-43F1-95BD-EA19DB6F96FE}" type="slidenum">
+              <a:rPr lang="en-GB" smtClean="0"/>
+              <a:t>‹#›</a:t>
+            </a:fld>
+            <a:endParaRPr lang="en-GB"/>
+          </a:p>
+        </p:txBody>
+      </p:sp>
+      <p:sp>
+        <p:nvSpPr>
+          <p:cNvPr id="9" name="TextBox 8"/>
+          <p:cNvSpPr txBox="1"/>
+          <p:nvPr/>
+        </p:nvSpPr>
+        <p:spPr>
+          <a:xfrm>
+            <a:off x="1111044" y="786824"/>
+            <a:ext cx="609600" cy="584776"/>
+          </a:xfrm>
+          <a:prstGeom prst="rect">
+            <a:avLst/>
+          </a:prstGeom>
+        </p:spPr>
+        <p:txBody>
+          <a:bodyPr vert="horz" lIns="91440" tIns="45720" rIns="91440" bIns="45720" rtlCol="0" anchor="ctr">
+            <a:noAutofit/>
+          </a:bodyPr>
+          <a:lstStyle>
+            <a:lvl1pPr>
+              <a:spcBef>
+                <a:spcPct val="0"/>
+              </a:spcBef>
+              <a:buNone/>
+              <a:defRPr sz="3200" b="0" cap="all">
+                <a:ln w="3175" cmpd="sng">
+                  <a:noFill/>
+                </a:ln>
+                <a:effectLst>
+                  <a:glow rad="38100">
+                    <a:schemeClr val="bg1">
+                      <a:lumMod val="65000"/>
+                      <a:lumOff val="35000"/>
+                      <a:alpha val="40000"/>
+                    </a:schemeClr>
+                  </a:glow>
+                  <a:outerShdw blurRad="28575" dist="38100" dir="14040000" algn="tl" rotWithShape="0">
+                    <a:srgbClr val="000000">
+                      <a:alpha val="25000"/>
+                    </a:srgbClr>
+                  </a:outerShdw>
+                </a:effectLst>
+              </a:defRPr>
+            </a:lvl1pPr>
+            <a:lvl2pPr>
+              <a:defRPr>
+                <a:solidFill>
+                  <a:schemeClr val="tx2"/>
+                </a:solidFill>
+              </a:defRPr>
+            </a:lvl2pPr>
+            <a:lvl3pPr>
+              <a:defRPr>
+                <a:solidFill>
+                  <a:schemeClr val="tx2"/>
+                </a:solidFill>
+              </a:defRPr>
+            </a:lvl3pPr>
+            <a:lvl4pPr>
+              <a:defRPr>
+                <a:solidFill>
+                  <a:schemeClr val="tx2"/>
+                </a:solidFill>
+              </a:defRPr>
+            </a:lvl4pPr>
+            <a:lvl5pPr>
+              <a:defRPr>
+                <a:solidFill>
+                  <a:schemeClr val="tx2"/>
+                </a:solidFill>
+              </a:defRPr>
+            </a:lvl5pPr>
+            <a:lvl6pPr>
+              <a:defRPr>
+                <a:solidFill>
+                  <a:schemeClr val="tx2"/>
+                </a:solidFill>
+              </a:defRPr>
+            </a:lvl6pPr>
+            <a:lvl7pPr>
+              <a:defRPr>
+                <a:solidFill>
+                  <a:schemeClr val="tx2"/>
+                </a:solidFill>
+              </a:defRPr>
+            </a:lvl7pPr>
+            <a:lvl8pPr>
+              <a:defRPr>
+                <a:solidFill>
+                  <a:schemeClr val="tx2"/>
+                </a:solidFill>
+              </a:defRPr>
+            </a:lvl8pPr>
+            <a:lvl9pPr>
+              <a:defRPr>
+                <a:solidFill>
+                  <a:schemeClr val="tx2"/>
+                </a:solidFill>
+              </a:defRPr>
+            </a:lvl9pPr>
+          </a:lstStyle>
+          <a:p>
+            <a:pPr lvl="0"/>
+            <a:r>
+              <a:rPr lang="en-US" sz="8000" dirty="0">
+                <a:solidFill>
+                  <a:schemeClr val="tx1"/>
+                </a:solidFill>
+                <a:effectLst/>
+              </a:rPr>
+              <a:t>“</a:t>
+            </a:r>
+          </a:p>
+        </p:txBody>
+      </p:sp>
+      <p:sp>
+        <p:nvSpPr>
+          <p:cNvPr id="10" name="TextBox 9"/>
+          <p:cNvSpPr txBox="1"/>
+          <p:nvPr/>
+        </p:nvSpPr>
+        <p:spPr>
+          <a:xfrm>
+            <a:off x="10437812" y="2743200"/>
+            <a:ext cx="609600" cy="584776"/>
+          </a:xfrm>
+          <a:prstGeom prst="rect">
+            <a:avLst/>
+          </a:prstGeom>
+        </p:spPr>
+        <p:txBody>
+          <a:bodyPr vert="horz" lIns="91440" tIns="45720" rIns="91440" bIns="45720" rtlCol="0" anchor="ctr">
+            <a:noAutofit/>
+          </a:bodyPr>
+          <a:lstStyle>
+            <a:lvl1pPr>
+              <a:spcBef>
+                <a:spcPct val="0"/>
+              </a:spcBef>
+              <a:buNone/>
+              <a:defRPr sz="3200" b="0" cap="all">
+                <a:ln w="3175" cmpd="sng">
+                  <a:noFill/>
+                </a:ln>
+                <a:effectLst>
+                  <a:glow rad="38100">
+                    <a:schemeClr val="bg1">
+                      <a:lumMod val="65000"/>
+                      <a:lumOff val="35000"/>
+                      <a:alpha val="40000"/>
+                    </a:schemeClr>
+                  </a:glow>
+                  <a:outerShdw blurRad="28575" dist="38100" dir="14040000" algn="tl" rotWithShape="0">
+                    <a:srgbClr val="000000">
+                      <a:alpha val="25000"/>
+                    </a:srgbClr>
+                  </a:outerShdw>
+                </a:effectLst>
+              </a:defRPr>
+            </a:lvl1pPr>
+            <a:lvl2pPr>
+              <a:defRPr>
+                <a:solidFill>
+                  <a:schemeClr val="tx2"/>
+                </a:solidFill>
+              </a:defRPr>
+            </a:lvl2pPr>
+            <a:lvl3pPr>
+              <a:defRPr>
+                <a:solidFill>
+                  <a:schemeClr val="tx2"/>
+                </a:solidFill>
+              </a:defRPr>
+            </a:lvl3pPr>
+            <a:lvl4pPr>
+              <a:defRPr>
+                <a:solidFill>
+                  <a:schemeClr val="tx2"/>
+                </a:solidFill>
+              </a:defRPr>
+            </a:lvl4pPr>
+            <a:lvl5pPr>
+              <a:defRPr>
+                <a:solidFill>
+                  <a:schemeClr val="tx2"/>
+                </a:solidFill>
+              </a:defRPr>
+            </a:lvl5pPr>
+            <a:lvl6pPr>
+              <a:defRPr>
+                <a:solidFill>
+                  <a:schemeClr val="tx2"/>
+                </a:solidFill>
+              </a:defRPr>
+            </a:lvl6pPr>
+            <a:lvl7pPr>
+              <a:defRPr>
+                <a:solidFill>
+                  <a:schemeClr val="tx2"/>
+                </a:solidFill>
+              </a:defRPr>
+            </a:lvl7pPr>
+            <a:lvl8pPr>
+              <a:defRPr>
+                <a:solidFill>
+                  <a:schemeClr val="tx2"/>
+                </a:solidFill>
+              </a:defRPr>
+            </a:lvl8pPr>
+            <a:lvl9pPr>
+              <a:defRPr>
+                <a:solidFill>
+                  <a:schemeClr val="tx2"/>
+                </a:solidFill>
+              </a:defRPr>
+            </a:lvl9pPr>
+          </a:lstStyle>
+          <a:p>
+            <a:pPr lvl="0" algn="r"/>
+            <a:r>
+              <a:rPr lang="en-US" sz="8000" dirty="0">
+                <a:solidFill>
+                  <a:schemeClr val="tx1"/>
+                </a:solidFill>
+                <a:effectLst/>
+              </a:rPr>
+              <a:t>”</a:t>
+            </a:r>
+          </a:p>
+        </p:txBody>
+      </p:sp>
+    </p:spTree>
+    <p:extLst>
+      <p:ext uri="{BB962C8B-B14F-4D97-AF65-F5344CB8AC3E}">
+        <p14:creationId xmlns:p14="http://schemas.microsoft.com/office/powerpoint/2010/main" val="3859701668"/>
+      </p:ext>
+    </p:extLst>
+  </p:cSld>
+  <p:clrMapOvr>
+    <a:masterClrMapping/>
+  </p:clrMapOvr>
+  <p:transition spd="slow">
+    <p:push dir="u"/>
+  </p:transition>
+</p:sldLayout>
+</file>
+
+<file path=ppt/slideLayouts/slideLayout13.xml><?xml version="1.0" encoding="utf-8"?>
+<p:sldLayout xmlns:a="http://schemas.openxmlformats.org/drawingml/2006/main" xmlns:r="http://schemas.openxmlformats.org/officeDocument/2006/relationships" xmlns:p="http://schemas.openxmlformats.org/presentationml/2006/main" preserve="1">
+  <p:cSld name="Name Card">
+    <p:spTree>
+      <p:nvGrpSpPr>
+        <p:cNvPr id="1" name=""/>
+        <p:cNvGrpSpPr/>
+        <p:nvPr/>
+      </p:nvGrpSpPr>
+      <p:grpSpPr>
+        <a:xfrm>
+          <a:off x="0" y="0"/>
+          <a:ext cx="0" cy="0"/>
+          <a:chOff x="0" y="0"/>
+          <a:chExt cx="0" cy="0"/>
+        </a:xfrm>
+      </p:grpSpPr>
+      <p:sp>
+        <p:nvSpPr>
+          <p:cNvPr id="2" name="Title 1"/>
+          <p:cNvSpPr>
+            <a:spLocks noGrp="1"/>
+          </p:cNvSpPr>
+          <p:nvPr>
+            <p:ph type="title"/>
+          </p:nvPr>
+        </p:nvSpPr>
+        <p:spPr>
+          <a:xfrm>
+            <a:off x="839788" y="2326967"/>
+            <a:ext cx="10515600" cy="2511835"/>
+          </a:xfrm>
+        </p:spPr>
+        <p:txBody>
+          <a:bodyPr anchor="b">
+            <a:normAutofit/>
+          </a:bodyPr>
+          <a:lstStyle>
+            <a:lvl1pPr>
+              <a:defRPr sz="5400"/>
+            </a:lvl1pPr>
+          </a:lstStyle>
+          <a:p>
+            <a:r>
+              <a:rPr lang="en-US"/>
+              <a:t>Click to edit Master title style</a:t>
+            </a:r>
+            <a:endParaRPr lang="en-US" dirty="0"/>
+          </a:p>
+        </p:txBody>
+      </p:sp>
+      <p:sp>
+        <p:nvSpPr>
+          <p:cNvPr id="4" name="Text Placeholder 3"/>
+          <p:cNvSpPr>
+            <a:spLocks noGrp="1"/>
+          </p:cNvSpPr>
+          <p:nvPr>
+            <p:ph type="body" sz="half" idx="2"/>
+          </p:nvPr>
+        </p:nvSpPr>
+        <p:spPr>
+          <a:xfrm>
+            <a:off x="839788" y="4850581"/>
+            <a:ext cx="10514012" cy="1140644"/>
+          </a:xfrm>
+        </p:spPr>
+        <p:txBody>
+          <a:bodyPr anchor="t"/>
+          <a:lstStyle>
+            <a:lvl1pPr marL="0" indent="0">
+              <a:buNone/>
+              <a:defRPr sz="1600"/>
+            </a:lvl1pPr>
+            <a:lvl2pPr marL="457200" indent="0">
+              <a:buNone/>
+              <a:defRPr sz="1400"/>
+            </a:lvl2pPr>
+            <a:lvl3pPr marL="914400" indent="0">
+              <a:buNone/>
+              <a:defRPr sz="1200"/>
+            </a:lvl3pPr>
+            <a:lvl4pPr marL="1371600" indent="0">
+              <a:buNone/>
+              <a:defRPr sz="1000"/>
+            </a:lvl4pPr>
+            <a:lvl5pPr marL="1828800" indent="0">
+              <a:buNone/>
+              <a:defRPr sz="1000"/>
+            </a:lvl5pPr>
+            <a:lvl6pPr marL="2286000" indent="0">
+              <a:buNone/>
+              <a:defRPr sz="1000"/>
+            </a:lvl6pPr>
+            <a:lvl7pPr marL="2743200" indent="0">
+              <a:buNone/>
+              <a:defRPr sz="1000"/>
+            </a:lvl7pPr>
+            <a:lvl8pPr marL="3200400" indent="0">
+              <a:buNone/>
+              <a:defRPr sz="1000"/>
+            </a:lvl8pPr>
+            <a:lvl9pPr marL="3657600" indent="0">
+              <a:buNone/>
+              <a:defRPr sz="1000"/>
+            </a:lvl9pPr>
+          </a:lstStyle>
+          <a:p>
+            <a:pPr lvl="0"/>
+            <a:r>
+              <a:rPr lang="en-US"/>
+              <a:t>Click to edit Master text styles</a:t>
+            </a:r>
+          </a:p>
+        </p:txBody>
+      </p:sp>
+      <p:sp>
+        <p:nvSpPr>
+          <p:cNvPr id="5" name="Date Placeholder 4"/>
+          <p:cNvSpPr>
+            <a:spLocks noGrp="1"/>
+          </p:cNvSpPr>
+          <p:nvPr>
+            <p:ph type="dt" sz="half" idx="10"/>
+          </p:nvPr>
+        </p:nvSpPr>
+        <p:spPr/>
+        <p:txBody>
+          <a:bodyPr/>
+          <a:lstStyle/>
+          <a:p>
+            <a:fld id="{6670FE10-F406-47AF-8AE1-E9BA4C7E25F2}" type="datetimeFigureOut">
+              <a:rPr lang="en-GB" smtClean="0"/>
+              <a:t>03/05/2024</a:t>
+            </a:fld>
+            <a:endParaRPr lang="en-GB"/>
+          </a:p>
+        </p:txBody>
+      </p:sp>
+      <p:sp>
+        <p:nvSpPr>
+          <p:cNvPr id="6" name="Footer Placeholder 5"/>
+          <p:cNvSpPr>
+            <a:spLocks noGrp="1"/>
+          </p:cNvSpPr>
+          <p:nvPr>
+            <p:ph type="ftr" sz="quarter" idx="11"/>
+          </p:nvPr>
+        </p:nvSpPr>
+        <p:spPr/>
+        <p:txBody>
+          <a:bodyPr/>
+          <a:lstStyle/>
+          <a:p>
+            <a:endParaRPr lang="en-GB"/>
+          </a:p>
+        </p:txBody>
+      </p:sp>
+      <p:sp>
+        <p:nvSpPr>
+          <p:cNvPr id="7" name="Slide Number Placeholder 6"/>
+          <p:cNvSpPr>
+            <a:spLocks noGrp="1"/>
+          </p:cNvSpPr>
+          <p:nvPr>
+            <p:ph type="sldNum" sz="quarter" idx="12"/>
+          </p:nvPr>
+        </p:nvSpPr>
+        <p:spPr/>
+        <p:txBody>
+          <a:bodyPr/>
+          <a:lstStyle/>
+          <a:p>
+            <a:fld id="{537AB4F7-4BD9-43F1-95BD-EA19DB6F96FE}" type="slidenum">
+              <a:rPr lang="en-GB" smtClean="0"/>
+              <a:t>‹#›</a:t>
+            </a:fld>
+            <a:endParaRPr lang="en-GB"/>
+          </a:p>
+        </p:txBody>
+      </p:sp>
+    </p:spTree>
+    <p:extLst>
+      <p:ext uri="{BB962C8B-B14F-4D97-AF65-F5344CB8AC3E}">
+        <p14:creationId xmlns:p14="http://schemas.microsoft.com/office/powerpoint/2010/main" val="250532733"/>
+      </p:ext>
+    </p:extLst>
+  </p:cSld>
+  <p:clrMapOvr>
+    <a:masterClrMapping/>
+  </p:clrMapOvr>
+  <p:transition spd="slow">
+    <p:push dir="u"/>
+  </p:transition>
+</p:sldLayout>
+</file>
+
+<file path=ppt/slideLayouts/slideLayout14.xml><?xml version="1.0" encoding="utf-8"?>
+<p:sldLayout xmlns:a="http://schemas.openxmlformats.org/drawingml/2006/main" xmlns:r="http://schemas.openxmlformats.org/officeDocument/2006/relationships" xmlns:p="http://schemas.openxmlformats.org/presentationml/2006/main" preserve="1">
+  <p:cSld name="3 Column">
+    <p:spTree>
+      <p:nvGrpSpPr>
+        <p:cNvPr id="1" name=""/>
+        <p:cNvGrpSpPr/>
+        <p:nvPr/>
+      </p:nvGrpSpPr>
+      <p:grpSpPr>
+        <a:xfrm>
+          <a:off x="0" y="0"/>
+          <a:ext cx="0" cy="0"/>
+          <a:chOff x="0" y="0"/>
+          <a:chExt cx="0" cy="0"/>
+        </a:xfrm>
+      </p:grpSpPr>
+      <p:sp>
+        <p:nvSpPr>
+          <p:cNvPr id="15" name="Title 1"/>
+          <p:cNvSpPr>
+            <a:spLocks noGrp="1"/>
+          </p:cNvSpPr>
+          <p:nvPr>
+            <p:ph type="title"/>
+          </p:nvPr>
+        </p:nvSpPr>
+        <p:spPr>
+          <a:xfrm>
+            <a:off x="838200" y="365125"/>
+            <a:ext cx="10515600" cy="1325563"/>
+          </a:xfrm>
+        </p:spPr>
+        <p:txBody>
+          <a:bodyPr/>
+          <a:lstStyle/>
+          <a:p>
+            <a:r>
+              <a:rPr lang="en-US"/>
+              <a:t>Click to edit Master title style</a:t>
+            </a:r>
+            <a:endParaRPr lang="en-US" dirty="0"/>
+          </a:p>
+        </p:txBody>
+      </p:sp>
+      <p:sp>
+        <p:nvSpPr>
+          <p:cNvPr id="7" name="Text Placeholder 2"/>
+          <p:cNvSpPr>
+            <a:spLocks noGrp="1"/>
+          </p:cNvSpPr>
+          <p:nvPr>
+            <p:ph type="body" idx="1"/>
+          </p:nvPr>
+        </p:nvSpPr>
+        <p:spPr>
+          <a:xfrm>
+            <a:off x="1337282" y="1885950"/>
+            <a:ext cx="2946866" cy="576262"/>
+          </a:xfrm>
+        </p:spPr>
+        <p:txBody>
+          <a:bodyPr anchor="b">
+            <a:noAutofit/>
+          </a:bodyPr>
+          <a:lstStyle>
+            <a:lvl1pPr marL="0" indent="0">
+              <a:buNone/>
+              <a:defRPr sz="2400" b="0">
+                <a:gradFill>
+                  <a:gsLst>
+                    <a:gs pos="15000">
+                      <a:schemeClr val="tx2"/>
+                    </a:gs>
+                    <a:gs pos="73000">
+                      <a:schemeClr val="tx2">
+                        <a:lumMod val="60000"/>
+                        <a:lumOff val="40000"/>
+                      </a:schemeClr>
+                    </a:gs>
+                    <a:gs pos="0">
+                      <a:schemeClr val="tx2">
+                        <a:lumMod val="90000"/>
+                        <a:lumOff val="10000"/>
+                      </a:schemeClr>
+                    </a:gs>
+                    <a:gs pos="100000">
+                      <a:schemeClr val="tx2">
+                        <a:lumMod val="0"/>
+                        <a:lumOff val="100000"/>
+                      </a:schemeClr>
+                    </a:gs>
+                  </a:gsLst>
+                  <a:lin ang="16200000" scaled="1"/>
+                </a:gradFill>
+              </a:defRPr>
+            </a:lvl1pPr>
+            <a:lvl2pPr marL="457200" indent="0">
+              <a:buNone/>
+              <a:defRPr sz="2000" b="1"/>
+            </a:lvl2pPr>
+            <a:lvl3pPr marL="914400" indent="0">
+              <a:buNone/>
+              <a:defRPr sz="1800" b="1"/>
+            </a:lvl3pPr>
+            <a:lvl4pPr marL="1371600" indent="0">
+              <a:buNone/>
+              <a:defRPr sz="1600" b="1"/>
+            </a:lvl4pPr>
+            <a:lvl5pPr marL="1828800" indent="0">
+              <a:buNone/>
+              <a:defRPr sz="1600" b="1"/>
+            </a:lvl5pPr>
+            <a:lvl6pPr marL="2286000" indent="0">
+              <a:buNone/>
+              <a:defRPr sz="1600" b="1"/>
+            </a:lvl6pPr>
+            <a:lvl7pPr marL="2743200" indent="0">
+              <a:buNone/>
+              <a:defRPr sz="1600" b="1"/>
+            </a:lvl7pPr>
+            <a:lvl8pPr marL="3200400" indent="0">
+              <a:buNone/>
+              <a:defRPr sz="1600" b="1"/>
+            </a:lvl8pPr>
+            <a:lvl9pPr marL="3657600" indent="0">
+              <a:buNone/>
+              <a:defRPr sz="1600" b="1"/>
+            </a:lvl9pPr>
+          </a:lstStyle>
+          <a:p>
+            <a:pPr lvl="0"/>
+            <a:r>
+              <a:rPr lang="en-US"/>
+              <a:t>Click to edit Master text styles</a:t>
+            </a:r>
+          </a:p>
+        </p:txBody>
+      </p:sp>
+      <p:sp>
+        <p:nvSpPr>
+          <p:cNvPr id="8" name="Text Placeholder 3"/>
+          <p:cNvSpPr>
+            <a:spLocks noGrp="1"/>
+          </p:cNvSpPr>
+          <p:nvPr>
+            <p:ph type="body" sz="half" idx="15"/>
+          </p:nvPr>
+        </p:nvSpPr>
+        <p:spPr>
+          <a:xfrm>
+            <a:off x="1356798" y="2571750"/>
+            <a:ext cx="2927350" cy="3589338"/>
+          </a:xfrm>
+        </p:spPr>
+        <p:txBody>
+          <a:bodyPr anchor="t">
+            <a:normAutofit/>
+          </a:bodyPr>
+          <a:lstStyle>
+            <a:lvl1pPr marL="0" indent="0">
+              <a:buNone/>
+              <a:defRPr sz="1400"/>
+            </a:lvl1pPr>
+            <a:lvl2pPr marL="457200" indent="0">
+              <a:buNone/>
+              <a:defRPr sz="1200"/>
+            </a:lvl2pPr>
+            <a:lvl3pPr marL="914400" indent="0">
+              <a:buNone/>
+              <a:defRPr sz="1000"/>
+            </a:lvl3pPr>
+            <a:lvl4pPr marL="1371600" indent="0">
+              <a:buNone/>
+              <a:defRPr sz="900"/>
+            </a:lvl4pPr>
+            <a:lvl5pPr marL="1828800" indent="0">
+              <a:buNone/>
+              <a:defRPr sz="900"/>
+            </a:lvl5pPr>
+            <a:lvl6pPr marL="2286000" indent="0">
+              <a:buNone/>
+              <a:defRPr sz="900"/>
+            </a:lvl6pPr>
+            <a:lvl7pPr marL="2743200" indent="0">
+              <a:buNone/>
+              <a:defRPr sz="900"/>
+            </a:lvl7pPr>
+            <a:lvl8pPr marL="3200400" indent="0">
+              <a:buNone/>
+              <a:defRPr sz="900"/>
+            </a:lvl8pPr>
+            <a:lvl9pPr marL="3657600" indent="0">
+              <a:buNone/>
+              <a:defRPr sz="900"/>
+            </a:lvl9pPr>
+          </a:lstStyle>
+          <a:p>
+            <a:pPr lvl="0"/>
+            <a:r>
+              <a:rPr lang="en-US"/>
+              <a:t>Click to edit Master text styles</a:t>
+            </a:r>
+          </a:p>
+        </p:txBody>
+      </p:sp>
+      <p:sp>
+        <p:nvSpPr>
+          <p:cNvPr id="9" name="Text Placeholder 4"/>
+          <p:cNvSpPr>
+            <a:spLocks noGrp="1"/>
+          </p:cNvSpPr>
+          <p:nvPr>
+            <p:ph type="body" sz="quarter" idx="3"/>
+          </p:nvPr>
+        </p:nvSpPr>
+        <p:spPr>
+          <a:xfrm>
+            <a:off x="4587994" y="1885950"/>
+            <a:ext cx="2936241" cy="576262"/>
+          </a:xfrm>
+        </p:spPr>
+        <p:txBody>
+          <a:bodyPr vert="horz" lIns="91440" tIns="45720" rIns="91440" bIns="45720" rtlCol="0" anchor="b">
+            <a:noAutofit/>
+          </a:bodyPr>
+          <a:lstStyle>
+            <a:lvl1pPr>
+              <a:buNone/>
+              <a:defRPr lang="en-US" sz="2400" b="0">
+                <a:gradFill>
+                  <a:gsLst>
+                    <a:gs pos="15000">
+                      <a:schemeClr val="tx2"/>
+                    </a:gs>
+                    <a:gs pos="73000">
+                      <a:schemeClr val="tx2">
+                        <a:lumMod val="60000"/>
+                        <a:lumOff val="40000"/>
+                      </a:schemeClr>
+                    </a:gs>
+                    <a:gs pos="0">
+                      <a:schemeClr val="tx2">
+                        <a:lumMod val="90000"/>
+                        <a:lumOff val="10000"/>
+                      </a:schemeClr>
+                    </a:gs>
+                    <a:gs pos="100000">
+                      <a:schemeClr val="tx2">
+                        <a:lumMod val="0"/>
+                        <a:lumOff val="100000"/>
+                      </a:schemeClr>
+                    </a:gs>
+                  </a:gsLst>
+                  <a:lin ang="16200000" scaled="1"/>
+                </a:gradFill>
+              </a:defRPr>
+            </a:lvl1pPr>
+          </a:lstStyle>
+          <a:p>
+            <a:pPr marL="0" lvl="0" indent="0">
+              <a:buNone/>
+            </a:pPr>
+            <a:r>
+              <a:rPr lang="en-US"/>
+              <a:t>Click to edit Master text styles</a:t>
+            </a:r>
+          </a:p>
+        </p:txBody>
+      </p:sp>
+      <p:sp>
+        <p:nvSpPr>
+          <p:cNvPr id="10" name="Text Placeholder 3"/>
+          <p:cNvSpPr>
+            <a:spLocks noGrp="1"/>
+          </p:cNvSpPr>
+          <p:nvPr>
+            <p:ph type="body" sz="half" idx="16"/>
+          </p:nvPr>
+        </p:nvSpPr>
+        <p:spPr>
+          <a:xfrm>
+            <a:off x="4577441" y="2571750"/>
+            <a:ext cx="2946794" cy="3589338"/>
+          </a:xfrm>
+        </p:spPr>
+        <p:txBody>
+          <a:bodyPr anchor="t">
+            <a:normAutofit/>
+          </a:bodyPr>
+          <a:lstStyle>
+            <a:lvl1pPr marL="0" indent="0">
+              <a:buNone/>
+              <a:defRPr sz="1400"/>
+            </a:lvl1pPr>
+            <a:lvl2pPr marL="457200" indent="0">
+              <a:buNone/>
+              <a:defRPr sz="1200"/>
+            </a:lvl2pPr>
+            <a:lvl3pPr marL="914400" indent="0">
+              <a:buNone/>
+              <a:defRPr sz="1000"/>
+            </a:lvl3pPr>
+            <a:lvl4pPr marL="1371600" indent="0">
+              <a:buNone/>
+              <a:defRPr sz="900"/>
+            </a:lvl4pPr>
+            <a:lvl5pPr marL="1828800" indent="0">
+              <a:buNone/>
+              <a:defRPr sz="900"/>
+            </a:lvl5pPr>
+            <a:lvl6pPr marL="2286000" indent="0">
+              <a:buNone/>
+              <a:defRPr sz="900"/>
+            </a:lvl6pPr>
+            <a:lvl7pPr marL="2743200" indent="0">
+              <a:buNone/>
+              <a:defRPr sz="900"/>
+            </a:lvl7pPr>
+            <a:lvl8pPr marL="3200400" indent="0">
+              <a:buNone/>
+              <a:defRPr sz="900"/>
+            </a:lvl8pPr>
+            <a:lvl9pPr marL="3657600" indent="0">
+              <a:buNone/>
+              <a:defRPr sz="900"/>
+            </a:lvl9pPr>
+          </a:lstStyle>
+          <a:p>
+            <a:pPr lvl="0"/>
+            <a:r>
+              <a:rPr lang="en-US"/>
+              <a:t>Click to edit Master text styles</a:t>
+            </a:r>
+          </a:p>
+        </p:txBody>
+      </p:sp>
+      <p:sp>
+        <p:nvSpPr>
+          <p:cNvPr id="11" name="Text Placeholder 4"/>
+          <p:cNvSpPr>
+            <a:spLocks noGrp="1"/>
+          </p:cNvSpPr>
+          <p:nvPr>
+            <p:ph type="body" sz="quarter" idx="13"/>
+          </p:nvPr>
+        </p:nvSpPr>
+        <p:spPr>
+          <a:xfrm>
+            <a:off x="7829035" y="1885950"/>
+            <a:ext cx="2932113" cy="576262"/>
+          </a:xfrm>
+        </p:spPr>
+        <p:txBody>
+          <a:bodyPr vert="horz" lIns="91440" tIns="45720" rIns="91440" bIns="45720" rtlCol="0" anchor="b">
+            <a:noAutofit/>
+          </a:bodyPr>
+          <a:lstStyle>
+            <a:lvl1pPr>
+              <a:buNone/>
+              <a:defRPr lang="en-US" sz="2400" b="0" dirty="0">
+                <a:gradFill>
+                  <a:gsLst>
+                    <a:gs pos="15000">
+                      <a:schemeClr val="tx2"/>
+                    </a:gs>
+                    <a:gs pos="73000">
+                      <a:schemeClr val="tx2">
+                        <a:lumMod val="60000"/>
+                        <a:lumOff val="40000"/>
+                      </a:schemeClr>
+                    </a:gs>
+                    <a:gs pos="0">
+                      <a:schemeClr val="tx2">
+                        <a:lumMod val="90000"/>
+                        <a:lumOff val="10000"/>
+                      </a:schemeClr>
+                    </a:gs>
+                    <a:gs pos="100000">
+                      <a:schemeClr val="tx2">
+                        <a:lumMod val="0"/>
+                        <a:lumOff val="100000"/>
+                      </a:schemeClr>
+                    </a:gs>
+                  </a:gsLst>
+                  <a:lin ang="16200000" scaled="1"/>
+                </a:gradFill>
+              </a:defRPr>
+            </a:lvl1pPr>
+          </a:lstStyle>
+          <a:p>
+            <a:pPr marL="0" lvl="0" indent="0">
+              <a:buNone/>
+            </a:pPr>
+            <a:r>
+              <a:rPr lang="en-US"/>
+              <a:t>Click to edit Master text styles</a:t>
+            </a:r>
+          </a:p>
+        </p:txBody>
+      </p:sp>
+      <p:sp>
+        <p:nvSpPr>
+          <p:cNvPr id="12" name="Text Placeholder 3"/>
+          <p:cNvSpPr>
+            <a:spLocks noGrp="1"/>
+          </p:cNvSpPr>
+          <p:nvPr>
+            <p:ph type="body" sz="half" idx="17"/>
+          </p:nvPr>
+        </p:nvSpPr>
+        <p:spPr>
+          <a:xfrm>
+            <a:off x="7829035" y="2571750"/>
+            <a:ext cx="2932113" cy="3589338"/>
+          </a:xfrm>
+        </p:spPr>
+        <p:txBody>
+          <a:bodyPr anchor="t">
+            <a:normAutofit/>
+          </a:bodyPr>
+          <a:lstStyle>
+            <a:lvl1pPr marL="0" indent="0">
+              <a:buNone/>
+              <a:defRPr sz="1400"/>
+            </a:lvl1pPr>
+            <a:lvl2pPr marL="457200" indent="0">
+              <a:buNone/>
+              <a:defRPr sz="1200"/>
+            </a:lvl2pPr>
+            <a:lvl3pPr marL="914400" indent="0">
+              <a:buNone/>
+              <a:defRPr sz="1000"/>
+            </a:lvl3pPr>
+            <a:lvl4pPr marL="1371600" indent="0">
+              <a:buNone/>
+              <a:defRPr sz="900"/>
+            </a:lvl4pPr>
+            <a:lvl5pPr marL="1828800" indent="0">
+              <a:buNone/>
+              <a:defRPr sz="900"/>
+            </a:lvl5pPr>
+            <a:lvl6pPr marL="2286000" indent="0">
+              <a:buNone/>
+              <a:defRPr sz="900"/>
+            </a:lvl6pPr>
+            <a:lvl7pPr marL="2743200" indent="0">
+              <a:buNone/>
+              <a:defRPr sz="900"/>
+            </a:lvl7pPr>
+            <a:lvl8pPr marL="3200400" indent="0">
+              <a:buNone/>
+              <a:defRPr sz="900"/>
+            </a:lvl8pPr>
+            <a:lvl9pPr marL="3657600" indent="0">
+              <a:buNone/>
+              <a:defRPr sz="900"/>
+            </a:lvl9pPr>
+          </a:lstStyle>
+          <a:p>
+            <a:pPr lvl="0"/>
+            <a:r>
+              <a:rPr lang="en-US"/>
+              <a:t>Click to edit Master text styles</a:t>
+            </a:r>
+          </a:p>
+        </p:txBody>
+      </p:sp>
+      <p:sp>
+        <p:nvSpPr>
+          <p:cNvPr id="3" name="Date Placeholder 2"/>
+          <p:cNvSpPr>
+            <a:spLocks noGrp="1"/>
+          </p:cNvSpPr>
+          <p:nvPr>
+            <p:ph type="dt" sz="half" idx="10"/>
+          </p:nvPr>
+        </p:nvSpPr>
+        <p:spPr/>
+        <p:txBody>
+          <a:bodyPr/>
+          <a:lstStyle/>
+          <a:p>
+            <a:fld id="{6670FE10-F406-47AF-8AE1-E9BA4C7E25F2}" type="datetimeFigureOut">
+              <a:rPr lang="en-GB" smtClean="0"/>
+              <a:t>03/05/2024</a:t>
+            </a:fld>
+            <a:endParaRPr lang="en-GB"/>
+          </a:p>
+        </p:txBody>
+      </p:sp>
+      <p:sp>
+        <p:nvSpPr>
+          <p:cNvPr id="4" name="Footer Placeholder 3"/>
+          <p:cNvSpPr>
+            <a:spLocks noGrp="1"/>
+          </p:cNvSpPr>
+          <p:nvPr>
+            <p:ph type="ftr" sz="quarter" idx="11"/>
+          </p:nvPr>
+        </p:nvSpPr>
+        <p:spPr/>
+        <p:txBody>
+          <a:bodyPr/>
+          <a:lstStyle/>
+          <a:p>
+            <a:endParaRPr lang="en-GB"/>
+          </a:p>
+        </p:txBody>
+      </p:sp>
+      <p:sp>
+        <p:nvSpPr>
+          <p:cNvPr id="5" name="Slide Number Placeholder 4"/>
+          <p:cNvSpPr>
+            <a:spLocks noGrp="1"/>
+          </p:cNvSpPr>
+          <p:nvPr>
+            <p:ph type="sldNum" sz="quarter" idx="12"/>
+          </p:nvPr>
+        </p:nvSpPr>
+        <p:spPr/>
+        <p:txBody>
+          <a:bodyPr/>
+          <a:lstStyle/>
+          <a:p>
+            <a:fld id="{537AB4F7-4BD9-43F1-95BD-EA19DB6F96FE}" type="slidenum">
+              <a:rPr lang="en-GB" smtClean="0"/>
+              <a:t>‹#›</a:t>
+            </a:fld>
+            <a:endParaRPr lang="en-GB"/>
+          </a:p>
+        </p:txBody>
+      </p:sp>
+    </p:spTree>
+    <p:extLst>
+      <p:ext uri="{BB962C8B-B14F-4D97-AF65-F5344CB8AC3E}">
+        <p14:creationId xmlns:p14="http://schemas.microsoft.com/office/powerpoint/2010/main" val="2501863431"/>
+      </p:ext>
+    </p:extLst>
+  </p:cSld>
+  <p:clrMapOvr>
+    <a:masterClrMapping/>
+  </p:clrMapOvr>
+  <p:transition spd="slow">
+    <p:push dir="u"/>
+  </p:transition>
+</p:sldLayout>
+</file>
+
+<file path=ppt/slideLayouts/slideLayout15.xml><?xml version="1.0" encoding="utf-8"?>
+<p:sldLayout xmlns:a="http://schemas.openxmlformats.org/drawingml/2006/main" xmlns:r="http://schemas.openxmlformats.org/officeDocument/2006/relationships" xmlns:p="http://schemas.openxmlformats.org/presentationml/2006/main" preserve="1">
+  <p:cSld name="3 Picture Column">
+    <p:spTree>
+      <p:nvGrpSpPr>
+        <p:cNvPr id="1" name=""/>
+        <p:cNvGrpSpPr/>
+        <p:nvPr/>
+      </p:nvGrpSpPr>
+      <p:grpSpPr>
+        <a:xfrm>
+          <a:off x="0" y="0"/>
+          <a:ext cx="0" cy="0"/>
+          <a:chOff x="0" y="0"/>
+          <a:chExt cx="0" cy="0"/>
+        </a:xfrm>
+      </p:grpSpPr>
+      <p:sp>
+        <p:nvSpPr>
+          <p:cNvPr id="30" name="Title 1"/>
+          <p:cNvSpPr>
+            <a:spLocks noGrp="1"/>
+          </p:cNvSpPr>
+          <p:nvPr>
+            <p:ph type="title"/>
+          </p:nvPr>
+        </p:nvSpPr>
+        <p:spPr>
+          <a:xfrm>
+            <a:off x="838200" y="365125"/>
+            <a:ext cx="10515600" cy="1325563"/>
+          </a:xfrm>
+        </p:spPr>
+        <p:txBody>
+          <a:bodyPr/>
+          <a:lstStyle/>
+          <a:p>
+            <a:r>
+              <a:rPr lang="en-US"/>
+              <a:t>Click to edit Master title style</a:t>
+            </a:r>
+            <a:endParaRPr lang="en-US" dirty="0"/>
+          </a:p>
+        </p:txBody>
+      </p:sp>
+      <p:sp>
+        <p:nvSpPr>
+          <p:cNvPr id="19" name="Text Placeholder 2"/>
+          <p:cNvSpPr>
+            <a:spLocks noGrp="1"/>
+          </p:cNvSpPr>
+          <p:nvPr>
+            <p:ph type="body" idx="1"/>
+          </p:nvPr>
+        </p:nvSpPr>
+        <p:spPr>
+          <a:xfrm>
+            <a:off x="1332085" y="4297503"/>
+            <a:ext cx="2940050" cy="576262"/>
+          </a:xfrm>
+        </p:spPr>
+        <p:txBody>
+          <a:bodyPr anchor="b">
+            <a:noAutofit/>
+          </a:bodyPr>
+          <a:lstStyle>
+            <a:lvl1pPr marL="0" indent="0">
+              <a:buNone/>
+              <a:defRPr sz="2400" b="0">
+                <a:gradFill>
+                  <a:gsLst>
+                    <a:gs pos="34000">
+                      <a:schemeClr val="tx1">
+                        <a:lumMod val="93000"/>
+                      </a:schemeClr>
+                    </a:gs>
+                    <a:gs pos="0">
+                      <a:schemeClr val="bg1">
+                        <a:lumMod val="41000"/>
+                        <a:lumOff val="59000"/>
+                      </a:schemeClr>
+                    </a:gs>
+                    <a:gs pos="100000">
+                      <a:schemeClr val="tx2">
+                        <a:lumMod val="0"/>
+                        <a:lumOff val="100000"/>
+                      </a:schemeClr>
+                    </a:gs>
+                  </a:gsLst>
+                  <a:lin ang="4800000" scaled="0"/>
+                </a:gradFill>
+              </a:defRPr>
+            </a:lvl1pPr>
+            <a:lvl2pPr marL="457200" indent="0">
+              <a:buNone/>
+              <a:defRPr sz="2000" b="1"/>
+            </a:lvl2pPr>
+            <a:lvl3pPr marL="914400" indent="0">
+              <a:buNone/>
+              <a:defRPr sz="1800" b="1"/>
+            </a:lvl3pPr>
+            <a:lvl4pPr marL="1371600" indent="0">
+              <a:buNone/>
+              <a:defRPr sz="1600" b="1"/>
+            </a:lvl4pPr>
+            <a:lvl5pPr marL="1828800" indent="0">
+              <a:buNone/>
+              <a:defRPr sz="1600" b="1"/>
+            </a:lvl5pPr>
+            <a:lvl6pPr marL="2286000" indent="0">
+              <a:buNone/>
+              <a:defRPr sz="1600" b="1"/>
+            </a:lvl6pPr>
+            <a:lvl7pPr marL="2743200" indent="0">
+              <a:buNone/>
+              <a:defRPr sz="1600" b="1"/>
+            </a:lvl7pPr>
+            <a:lvl8pPr marL="3200400" indent="0">
+              <a:buNone/>
+              <a:defRPr sz="1600" b="1"/>
+            </a:lvl8pPr>
+            <a:lvl9pPr marL="3657600" indent="0">
+              <a:buNone/>
+              <a:defRPr sz="1600" b="1"/>
+            </a:lvl9pPr>
+          </a:lstStyle>
+          <a:p>
+            <a:pPr lvl="0"/>
+            <a:r>
+              <a:rPr lang="en-US"/>
+              <a:t>Click to edit Master text styles</a:t>
+            </a:r>
+          </a:p>
+        </p:txBody>
+      </p:sp>
+      <p:sp>
+        <p:nvSpPr>
+          <p:cNvPr id="20" name="Picture Placeholder 2"/>
+          <p:cNvSpPr>
+            <a:spLocks noGrp="1" noChangeAspect="1"/>
+          </p:cNvSpPr>
+          <p:nvPr>
+            <p:ph type="pic" idx="15"/>
+          </p:nvPr>
+        </p:nvSpPr>
+        <p:spPr>
+          <a:xfrm>
+            <a:off x="1332085" y="2256354"/>
+            <a:ext cx="2940050" cy="1524000"/>
+          </a:xfrm>
+          <a:prstGeom prst="roundRect">
+            <a:avLst>
+              <a:gd name="adj" fmla="val 1858"/>
+            </a:avLst>
+          </a:prstGeom>
+          <a:effectLst>
+            <a:outerShdw blurRad="50800" dist="50800" dir="5400000" algn="tl" rotWithShape="0">
+              <a:srgbClr val="000000">
+                <a:alpha val="43000"/>
+              </a:srgbClr>
+            </a:outerShdw>
+          </a:effectLst>
+        </p:spPr>
+        <p:txBody>
+          <a:bodyPr anchor="t">
+            <a:normAutofit/>
+          </a:bodyPr>
+          <a:lstStyle>
+            <a:lvl1pPr marL="0" indent="0" algn="ctr">
+              <a:buNone/>
+              <a:defRPr sz="1600"/>
+            </a:lvl1pPr>
+            <a:lvl2pPr marL="457200" indent="0">
+              <a:buNone/>
+              <a:defRPr sz="1600"/>
+            </a:lvl2pPr>
+            <a:lvl3pPr marL="914400" indent="0">
+              <a:buNone/>
+              <a:defRPr sz="1600"/>
+            </a:lvl3pPr>
+            <a:lvl4pPr marL="1371600" indent="0">
+              <a:buNone/>
+              <a:defRPr sz="1600"/>
+            </a:lvl4pPr>
+            <a:lvl5pPr marL="1828800" indent="0">
+              <a:buNone/>
+              <a:defRPr sz="1600"/>
+            </a:lvl5pPr>
+            <a:lvl6pPr marL="2286000" indent="0">
+              <a:buNone/>
+              <a:defRPr sz="1600"/>
+            </a:lvl6pPr>
+            <a:lvl7pPr marL="2743200" indent="0">
+              <a:buNone/>
+              <a:defRPr sz="1600"/>
+            </a:lvl7pPr>
+            <a:lvl8pPr marL="3200400" indent="0">
+              <a:buNone/>
+              <a:defRPr sz="1600"/>
+            </a:lvl8pPr>
+            <a:lvl9pPr marL="3657600" indent="0">
+              <a:buNone/>
+              <a:defRPr sz="1600"/>
+            </a:lvl9pPr>
+          </a:lstStyle>
+          <a:p>
+            <a:r>
+              <a:rPr lang="en-US"/>
+              <a:t>Click icon to add picture</a:t>
+            </a:r>
+            <a:endParaRPr lang="en-US" dirty="0"/>
+          </a:p>
+        </p:txBody>
+      </p:sp>
+      <p:sp>
+        <p:nvSpPr>
+          <p:cNvPr id="21" name="Text Placeholder 3"/>
+          <p:cNvSpPr>
+            <a:spLocks noGrp="1"/>
+          </p:cNvSpPr>
+          <p:nvPr>
+            <p:ph type="body" sz="half" idx="18"/>
+          </p:nvPr>
+        </p:nvSpPr>
+        <p:spPr>
+          <a:xfrm>
+            <a:off x="1332085" y="4873765"/>
+            <a:ext cx="2940050" cy="659189"/>
+          </a:xfrm>
+        </p:spPr>
+        <p:txBody>
+          <a:bodyPr anchor="t">
+            <a:normAutofit/>
+          </a:bodyPr>
+          <a:lstStyle>
+            <a:lvl1pPr marL="0" indent="0">
+              <a:buNone/>
+              <a:defRPr sz="1400"/>
+            </a:lvl1pPr>
+            <a:lvl2pPr marL="457200" indent="0">
+              <a:buNone/>
+              <a:defRPr sz="1200"/>
+            </a:lvl2pPr>
+            <a:lvl3pPr marL="914400" indent="0">
+              <a:buNone/>
+              <a:defRPr sz="1000"/>
+            </a:lvl3pPr>
+            <a:lvl4pPr marL="1371600" indent="0">
+              <a:buNone/>
+              <a:defRPr sz="900"/>
+            </a:lvl4pPr>
+            <a:lvl5pPr marL="1828800" indent="0">
+              <a:buNone/>
+              <a:defRPr sz="900"/>
+            </a:lvl5pPr>
+            <a:lvl6pPr marL="2286000" indent="0">
+              <a:buNone/>
+              <a:defRPr sz="900"/>
+            </a:lvl6pPr>
+            <a:lvl7pPr marL="2743200" indent="0">
+              <a:buNone/>
+              <a:defRPr sz="900"/>
+            </a:lvl7pPr>
+            <a:lvl8pPr marL="3200400" indent="0">
+              <a:buNone/>
+              <a:defRPr sz="900"/>
+            </a:lvl8pPr>
+            <a:lvl9pPr marL="3657600" indent="0">
+              <a:buNone/>
+              <a:defRPr sz="900"/>
+            </a:lvl9pPr>
+          </a:lstStyle>
+          <a:p>
+            <a:pPr lvl="0"/>
+            <a:r>
+              <a:rPr lang="en-US"/>
+              <a:t>Click to edit Master text styles</a:t>
+            </a:r>
+          </a:p>
+        </p:txBody>
+      </p:sp>
+      <p:sp>
+        <p:nvSpPr>
+          <p:cNvPr id="22" name="Text Placeholder 4"/>
+          <p:cNvSpPr>
+            <a:spLocks noGrp="1"/>
+          </p:cNvSpPr>
+          <p:nvPr>
+            <p:ph type="body" sz="quarter" idx="3"/>
+          </p:nvPr>
+        </p:nvSpPr>
+        <p:spPr>
+          <a:xfrm>
+            <a:off x="4568997" y="4297503"/>
+            <a:ext cx="2930525" cy="576262"/>
+          </a:xfrm>
+        </p:spPr>
+        <p:txBody>
+          <a:bodyPr anchor="b">
+            <a:noAutofit/>
+          </a:bodyPr>
+          <a:lstStyle>
+            <a:lvl1pPr marL="0" indent="0">
+              <a:buNone/>
+              <a:defRPr sz="2400" b="0">
+                <a:gradFill>
+                  <a:gsLst>
+                    <a:gs pos="34000">
+                      <a:schemeClr val="tx1">
+                        <a:lumMod val="93000"/>
+                      </a:schemeClr>
+                    </a:gs>
+                    <a:gs pos="0">
+                      <a:schemeClr val="bg1">
+                        <a:lumMod val="41000"/>
+                        <a:lumOff val="59000"/>
+                      </a:schemeClr>
+                    </a:gs>
+                    <a:gs pos="100000">
+                      <a:schemeClr val="tx2">
+                        <a:lumMod val="0"/>
+                        <a:lumOff val="100000"/>
+                      </a:schemeClr>
+                    </a:gs>
+                  </a:gsLst>
+                  <a:lin ang="4800000" scaled="0"/>
+                </a:gradFill>
+              </a:defRPr>
+            </a:lvl1pPr>
+            <a:lvl2pPr marL="457200" indent="0">
+              <a:buNone/>
+              <a:defRPr sz="2000" b="1"/>
+            </a:lvl2pPr>
+            <a:lvl3pPr marL="914400" indent="0">
+              <a:buNone/>
+              <a:defRPr sz="1800" b="1"/>
+            </a:lvl3pPr>
+            <a:lvl4pPr marL="1371600" indent="0">
+              <a:buNone/>
+              <a:defRPr sz="1600" b="1"/>
+            </a:lvl4pPr>
+            <a:lvl5pPr marL="1828800" indent="0">
+              <a:buNone/>
+              <a:defRPr sz="1600" b="1"/>
+            </a:lvl5pPr>
+            <a:lvl6pPr marL="2286000" indent="0">
+              <a:buNone/>
+              <a:defRPr sz="1600" b="1"/>
+            </a:lvl6pPr>
+            <a:lvl7pPr marL="2743200" indent="0">
+              <a:buNone/>
+              <a:defRPr sz="1600" b="1"/>
+            </a:lvl7pPr>
+            <a:lvl8pPr marL="3200400" indent="0">
+              <a:buNone/>
+              <a:defRPr sz="1600" b="1"/>
+            </a:lvl8pPr>
+            <a:lvl9pPr marL="3657600" indent="0">
+              <a:buNone/>
+              <a:defRPr sz="1600" b="1"/>
+            </a:lvl9pPr>
+          </a:lstStyle>
+          <a:p>
+            <a:pPr lvl="0"/>
+            <a:r>
+              <a:rPr lang="en-US"/>
+              <a:t>Click to edit Master text styles</a:t>
+            </a:r>
+          </a:p>
+        </p:txBody>
+      </p:sp>
+      <p:sp>
+        <p:nvSpPr>
+          <p:cNvPr id="23" name="Picture Placeholder 2"/>
+          <p:cNvSpPr>
+            <a:spLocks noGrp="1" noChangeAspect="1"/>
+          </p:cNvSpPr>
+          <p:nvPr>
+            <p:ph type="pic" idx="21"/>
+          </p:nvPr>
+        </p:nvSpPr>
+        <p:spPr>
+          <a:xfrm>
+            <a:off x="4568996" y="2256354"/>
+            <a:ext cx="2930525" cy="1524000"/>
+          </a:xfrm>
+          <a:prstGeom prst="roundRect">
+            <a:avLst>
+              <a:gd name="adj" fmla="val 1858"/>
+            </a:avLst>
+          </a:prstGeom>
+          <a:effectLst>
+            <a:outerShdw blurRad="50800" dist="50800" dir="5400000" algn="tl" rotWithShape="0">
+              <a:srgbClr val="000000">
+                <a:alpha val="43000"/>
+              </a:srgbClr>
+            </a:outerShdw>
+          </a:effectLst>
+        </p:spPr>
+        <p:txBody>
+          <a:bodyPr anchor="t">
+            <a:normAutofit/>
+          </a:bodyPr>
+          <a:lstStyle>
+            <a:lvl1pPr marL="0" indent="0" algn="ctr">
+              <a:buNone/>
+              <a:defRPr sz="1600"/>
+            </a:lvl1pPr>
+            <a:lvl2pPr marL="457200" indent="0">
+              <a:buNone/>
+              <a:defRPr sz="1600"/>
+            </a:lvl2pPr>
+            <a:lvl3pPr marL="914400" indent="0">
+              <a:buNone/>
+              <a:defRPr sz="1600"/>
+            </a:lvl3pPr>
+            <a:lvl4pPr marL="1371600" indent="0">
+              <a:buNone/>
+              <a:defRPr sz="1600"/>
+            </a:lvl4pPr>
+            <a:lvl5pPr marL="1828800" indent="0">
+              <a:buNone/>
+              <a:defRPr sz="1600"/>
+            </a:lvl5pPr>
+            <a:lvl6pPr marL="2286000" indent="0">
+              <a:buNone/>
+              <a:defRPr sz="1600"/>
+            </a:lvl6pPr>
+            <a:lvl7pPr marL="2743200" indent="0">
+              <a:buNone/>
+              <a:defRPr sz="1600"/>
+            </a:lvl7pPr>
+            <a:lvl8pPr marL="3200400" indent="0">
+              <a:buNone/>
+              <a:defRPr sz="1600"/>
+            </a:lvl8pPr>
+            <a:lvl9pPr marL="3657600" indent="0">
+              <a:buNone/>
+              <a:defRPr sz="1600"/>
+            </a:lvl9pPr>
+          </a:lstStyle>
+          <a:p>
+            <a:r>
+              <a:rPr lang="en-US"/>
+              <a:t>Click icon to add picture</a:t>
+            </a:r>
+            <a:endParaRPr lang="en-US" dirty="0"/>
+          </a:p>
+        </p:txBody>
+      </p:sp>
+      <p:sp>
+        <p:nvSpPr>
+          <p:cNvPr id="24" name="Text Placeholder 3"/>
+          <p:cNvSpPr>
+            <a:spLocks noGrp="1"/>
+          </p:cNvSpPr>
+          <p:nvPr>
+            <p:ph type="body" sz="half" idx="19"/>
+          </p:nvPr>
+        </p:nvSpPr>
+        <p:spPr>
+          <a:xfrm>
+            <a:off x="4567644" y="4873764"/>
+            <a:ext cx="2934406" cy="659189"/>
+          </a:xfrm>
+        </p:spPr>
+        <p:txBody>
+          <a:bodyPr anchor="t">
+            <a:normAutofit/>
+          </a:bodyPr>
+          <a:lstStyle>
+            <a:lvl1pPr marL="0" indent="0">
+              <a:buNone/>
+              <a:defRPr sz="1400"/>
+            </a:lvl1pPr>
+            <a:lvl2pPr marL="457200" indent="0">
+              <a:buNone/>
+              <a:defRPr sz="1200"/>
+            </a:lvl2pPr>
+            <a:lvl3pPr marL="914400" indent="0">
+              <a:buNone/>
+              <a:defRPr sz="1000"/>
+            </a:lvl3pPr>
+            <a:lvl4pPr marL="1371600" indent="0">
+              <a:buNone/>
+              <a:defRPr sz="900"/>
+            </a:lvl4pPr>
+            <a:lvl5pPr marL="1828800" indent="0">
+              <a:buNone/>
+              <a:defRPr sz="900"/>
+            </a:lvl5pPr>
+            <a:lvl6pPr marL="2286000" indent="0">
+              <a:buNone/>
+              <a:defRPr sz="900"/>
+            </a:lvl6pPr>
+            <a:lvl7pPr marL="2743200" indent="0">
+              <a:buNone/>
+              <a:defRPr sz="900"/>
+            </a:lvl7pPr>
+            <a:lvl8pPr marL="3200400" indent="0">
+              <a:buNone/>
+              <a:defRPr sz="900"/>
+            </a:lvl8pPr>
+            <a:lvl9pPr marL="3657600" indent="0">
+              <a:buNone/>
+              <a:defRPr sz="900"/>
+            </a:lvl9pPr>
+          </a:lstStyle>
+          <a:p>
+            <a:pPr lvl="0"/>
+            <a:r>
+              <a:rPr lang="en-US"/>
+              <a:t>Click to edit Master text styles</a:t>
+            </a:r>
+          </a:p>
+        </p:txBody>
+      </p:sp>
+      <p:sp>
+        <p:nvSpPr>
+          <p:cNvPr id="25" name="Text Placeholder 4"/>
+          <p:cNvSpPr>
+            <a:spLocks noGrp="1"/>
+          </p:cNvSpPr>
+          <p:nvPr>
+            <p:ph type="body" sz="quarter" idx="13"/>
+          </p:nvPr>
+        </p:nvSpPr>
+        <p:spPr>
+          <a:xfrm>
+            <a:off x="7804322" y="4297503"/>
+            <a:ext cx="2932113" cy="576262"/>
+          </a:xfrm>
+        </p:spPr>
+        <p:txBody>
+          <a:bodyPr anchor="b">
+            <a:noAutofit/>
+          </a:bodyPr>
+          <a:lstStyle>
+            <a:lvl1pPr marL="0" indent="0">
+              <a:buNone/>
+              <a:defRPr sz="2400" b="0">
+                <a:gradFill>
+                  <a:gsLst>
+                    <a:gs pos="34000">
+                      <a:schemeClr val="tx1">
+                        <a:lumMod val="93000"/>
+                      </a:schemeClr>
+                    </a:gs>
+                    <a:gs pos="0">
+                      <a:schemeClr val="bg1">
+                        <a:lumMod val="41000"/>
+                        <a:lumOff val="59000"/>
+                      </a:schemeClr>
+                    </a:gs>
+                    <a:gs pos="100000">
+                      <a:schemeClr val="tx2">
+                        <a:lumMod val="0"/>
+                        <a:lumOff val="100000"/>
+                      </a:schemeClr>
+                    </a:gs>
+                  </a:gsLst>
+                  <a:lin ang="4800000" scaled="0"/>
+                </a:gradFill>
+              </a:defRPr>
+            </a:lvl1pPr>
+            <a:lvl2pPr marL="457200" indent="0">
+              <a:buNone/>
+              <a:defRPr sz="2000" b="1"/>
+            </a:lvl2pPr>
+            <a:lvl3pPr marL="914400" indent="0">
+              <a:buNone/>
+              <a:defRPr sz="1800" b="1"/>
+            </a:lvl3pPr>
+            <a:lvl4pPr marL="1371600" indent="0">
+              <a:buNone/>
+              <a:defRPr sz="1600" b="1"/>
+            </a:lvl4pPr>
+            <a:lvl5pPr marL="1828800" indent="0">
+              <a:buNone/>
+              <a:defRPr sz="1600" b="1"/>
+            </a:lvl5pPr>
+            <a:lvl6pPr marL="2286000" indent="0">
+              <a:buNone/>
+              <a:defRPr sz="1600" b="1"/>
+            </a:lvl6pPr>
+            <a:lvl7pPr marL="2743200" indent="0">
+              <a:buNone/>
+              <a:defRPr sz="1600" b="1"/>
+            </a:lvl7pPr>
+            <a:lvl8pPr marL="3200400" indent="0">
+              <a:buNone/>
+              <a:defRPr sz="1600" b="1"/>
+            </a:lvl8pPr>
+            <a:lvl9pPr marL="3657600" indent="0">
+              <a:buNone/>
+              <a:defRPr sz="1600" b="1"/>
+            </a:lvl9pPr>
+          </a:lstStyle>
+          <a:p>
+            <a:pPr lvl="0"/>
+            <a:r>
+              <a:rPr lang="en-US"/>
+              <a:t>Click to edit Master text styles</a:t>
+            </a:r>
+          </a:p>
+        </p:txBody>
+      </p:sp>
+      <p:sp>
+        <p:nvSpPr>
+          <p:cNvPr id="26" name="Picture Placeholder 2"/>
+          <p:cNvSpPr>
+            <a:spLocks noGrp="1" noChangeAspect="1"/>
+          </p:cNvSpPr>
+          <p:nvPr>
+            <p:ph type="pic" idx="22"/>
+          </p:nvPr>
+        </p:nvSpPr>
+        <p:spPr>
+          <a:xfrm>
+            <a:off x="7804321" y="2256354"/>
+            <a:ext cx="2932113" cy="1524000"/>
+          </a:xfrm>
+          <a:prstGeom prst="roundRect">
+            <a:avLst>
+              <a:gd name="adj" fmla="val 1858"/>
+            </a:avLst>
+          </a:prstGeom>
+          <a:effectLst>
+            <a:outerShdw blurRad="50800" dist="50800" dir="5400000" algn="tl" rotWithShape="0">
+              <a:srgbClr val="000000">
+                <a:alpha val="43000"/>
+              </a:srgbClr>
+            </a:outerShdw>
+          </a:effectLst>
+        </p:spPr>
+        <p:txBody>
+          <a:bodyPr anchor="t">
+            <a:normAutofit/>
+          </a:bodyPr>
+          <a:lstStyle>
+            <a:lvl1pPr marL="0" indent="0" algn="ctr">
+              <a:buNone/>
+              <a:defRPr sz="1600"/>
+            </a:lvl1pPr>
+            <a:lvl2pPr marL="457200" indent="0">
+              <a:buNone/>
+              <a:defRPr sz="1600"/>
+            </a:lvl2pPr>
+            <a:lvl3pPr marL="914400" indent="0">
+              <a:buNone/>
+              <a:defRPr sz="1600"/>
+            </a:lvl3pPr>
+            <a:lvl4pPr marL="1371600" indent="0">
+              <a:buNone/>
+              <a:defRPr sz="1600"/>
+            </a:lvl4pPr>
+            <a:lvl5pPr marL="1828800" indent="0">
+              <a:buNone/>
+              <a:defRPr sz="1600"/>
+            </a:lvl5pPr>
+            <a:lvl6pPr marL="2286000" indent="0">
+              <a:buNone/>
+              <a:defRPr sz="1600"/>
+            </a:lvl6pPr>
+            <a:lvl7pPr marL="2743200" indent="0">
+              <a:buNone/>
+              <a:defRPr sz="1600"/>
+            </a:lvl7pPr>
+            <a:lvl8pPr marL="3200400" indent="0">
+              <a:buNone/>
+              <a:defRPr sz="1600"/>
+            </a:lvl8pPr>
+            <a:lvl9pPr marL="3657600" indent="0">
+              <a:buNone/>
+              <a:defRPr sz="1600"/>
+            </a:lvl9pPr>
+          </a:lstStyle>
+          <a:p>
+            <a:r>
+              <a:rPr lang="en-US"/>
+              <a:t>Click icon to add picture</a:t>
+            </a:r>
+            <a:endParaRPr lang="en-US" dirty="0"/>
+          </a:p>
+        </p:txBody>
+      </p:sp>
+      <p:sp>
+        <p:nvSpPr>
+          <p:cNvPr id="27" name="Text Placeholder 3"/>
+          <p:cNvSpPr>
+            <a:spLocks noGrp="1"/>
+          </p:cNvSpPr>
+          <p:nvPr>
+            <p:ph type="body" sz="half" idx="20"/>
+          </p:nvPr>
+        </p:nvSpPr>
+        <p:spPr>
+          <a:xfrm>
+            <a:off x="7804197" y="4873762"/>
+            <a:ext cx="2935997" cy="659189"/>
+          </a:xfrm>
+        </p:spPr>
+        <p:txBody>
+          <a:bodyPr anchor="t">
+            <a:normAutofit/>
+          </a:bodyPr>
+          <a:lstStyle>
+            <a:lvl1pPr marL="0" indent="0">
+              <a:buNone/>
+              <a:defRPr sz="1400"/>
+            </a:lvl1pPr>
+            <a:lvl2pPr marL="457200" indent="0">
+              <a:buNone/>
+              <a:defRPr sz="1200"/>
+            </a:lvl2pPr>
+            <a:lvl3pPr marL="914400" indent="0">
+              <a:buNone/>
+              <a:defRPr sz="1000"/>
+            </a:lvl3pPr>
+            <a:lvl4pPr marL="1371600" indent="0">
+              <a:buNone/>
+              <a:defRPr sz="900"/>
+            </a:lvl4pPr>
+            <a:lvl5pPr marL="1828800" indent="0">
+              <a:buNone/>
+              <a:defRPr sz="900"/>
+            </a:lvl5pPr>
+            <a:lvl6pPr marL="2286000" indent="0">
+              <a:buNone/>
+              <a:defRPr sz="900"/>
+            </a:lvl6pPr>
+            <a:lvl7pPr marL="2743200" indent="0">
+              <a:buNone/>
+              <a:defRPr sz="900"/>
+            </a:lvl7pPr>
+            <a:lvl8pPr marL="3200400" indent="0">
+              <a:buNone/>
+              <a:defRPr sz="900"/>
+            </a:lvl8pPr>
+            <a:lvl9pPr marL="3657600" indent="0">
+              <a:buNone/>
+              <a:defRPr sz="900"/>
+            </a:lvl9pPr>
+          </a:lstStyle>
+          <a:p>
+            <a:pPr lvl="0"/>
+            <a:r>
+              <a:rPr lang="en-US"/>
+              <a:t>Click to edit Master text styles</a:t>
+            </a:r>
+          </a:p>
+        </p:txBody>
+      </p:sp>
+      <p:sp>
+        <p:nvSpPr>
+          <p:cNvPr id="3" name="Date Placeholder 2"/>
+          <p:cNvSpPr>
+            <a:spLocks noGrp="1"/>
+          </p:cNvSpPr>
+          <p:nvPr>
+            <p:ph type="dt" sz="half" idx="10"/>
+          </p:nvPr>
+        </p:nvSpPr>
+        <p:spPr/>
+        <p:txBody>
+          <a:bodyPr/>
+          <a:lstStyle/>
+          <a:p>
+            <a:fld id="{6670FE10-F406-47AF-8AE1-E9BA4C7E25F2}" type="datetimeFigureOut">
+              <a:rPr lang="en-GB" smtClean="0"/>
+              <a:t>03/05/2024</a:t>
+            </a:fld>
+            <a:endParaRPr lang="en-GB"/>
+          </a:p>
+        </p:txBody>
+      </p:sp>
+      <p:sp>
+        <p:nvSpPr>
+          <p:cNvPr id="4" name="Footer Placeholder 3"/>
+          <p:cNvSpPr>
+            <a:spLocks noGrp="1"/>
+          </p:cNvSpPr>
+          <p:nvPr>
+            <p:ph type="ftr" sz="quarter" idx="11"/>
+          </p:nvPr>
+        </p:nvSpPr>
+        <p:spPr/>
+        <p:txBody>
+          <a:bodyPr/>
+          <a:lstStyle/>
+          <a:p>
+            <a:endParaRPr lang="en-GB"/>
+          </a:p>
+        </p:txBody>
+      </p:sp>
+      <p:sp>
+        <p:nvSpPr>
+          <p:cNvPr id="5" name="Slide Number Placeholder 4"/>
+          <p:cNvSpPr>
+            <a:spLocks noGrp="1"/>
+          </p:cNvSpPr>
+          <p:nvPr>
+            <p:ph type="sldNum" sz="quarter" idx="12"/>
+          </p:nvPr>
+        </p:nvSpPr>
+        <p:spPr/>
+        <p:txBody>
+          <a:bodyPr/>
+          <a:lstStyle/>
+          <a:p>
+            <a:fld id="{537AB4F7-4BD9-43F1-95BD-EA19DB6F96FE}" type="slidenum">
+              <a:rPr lang="en-GB" smtClean="0"/>
+              <a:t>‹#›</a:t>
+            </a:fld>
+            <a:endParaRPr lang="en-GB"/>
+          </a:p>
+        </p:txBody>
+      </p:sp>
+    </p:spTree>
+    <p:extLst>
+      <p:ext uri="{BB962C8B-B14F-4D97-AF65-F5344CB8AC3E}">
+        <p14:creationId xmlns:p14="http://schemas.microsoft.com/office/powerpoint/2010/main" val="1444870021"/>
+      </p:ext>
+    </p:extLst>
+  </p:cSld>
+  <p:clrMapOvr>
+    <a:masterClrMapping/>
+  </p:clrMapOvr>
+  <p:transition spd="slow">
+    <p:push dir="u"/>
+  </p:transition>
+</p:sldLayout>
+</file>
+
+<file path=ppt/slideLayouts/slideLayout16.xml><?xml version="1.0" encoding="utf-8"?>
 <p:sldLayout xmlns:a="http://schemas.openxmlformats.org/drawingml/2006/main" xmlns:r="http://schemas.openxmlformats.org/officeDocument/2006/relationships" xmlns:p="http://schemas.openxmlformats.org/presentationml/2006/main" type="vertTx" preserve="1">
   <p:cSld name="Title and Vertical Text">
     <p:spTree>
@@ -488,13 +3121,7 @@
       </p:grpSpPr>
       <p:sp>
         <p:nvSpPr>
-          <p:cNvPr id="2" name="Title 1">
-            <a:extLst>
-              <a:ext uri="{FF2B5EF4-FFF2-40B4-BE49-F238E27FC236}">
-                <a16:creationId xmlns:a16="http://schemas.microsoft.com/office/drawing/2014/main" id="{C98F7736-4A28-81E7-C82E-E08B9124291F}"/>
-              </a:ext>
-            </a:extLst>
-          </p:cNvPr>
+          <p:cNvPr id="2" name="Title 1"/>
           <p:cNvSpPr>
             <a:spLocks noGrp="1"/>
           </p:cNvSpPr>
@@ -511,19 +3138,13 @@
               <a:rPr lang="en-US"/>
               <a:t>Click to edit Master title style</a:t>
             </a:r>
-            <a:endParaRPr lang="en-GB"/>
-          </a:p>
-        </p:txBody>
-      </p:sp>
-      <p:sp>
-        <p:nvSpPr>
-          <p:cNvPr id="3" name="Vertical Text Placeholder 2">
-            <a:extLst>
-              <a:ext uri="{FF2B5EF4-FFF2-40B4-BE49-F238E27FC236}">
-                <a16:creationId xmlns:a16="http://schemas.microsoft.com/office/drawing/2014/main" id="{47BF6A39-8901-64F9-CB89-5DEDADC71459}"/>
-              </a:ext>
-            </a:extLst>
-          </p:cNvPr>
+            <a:endParaRPr lang="en-US" dirty="0"/>
+          </a:p>
+        </p:txBody>
+      </p:sp>
+      <p:sp>
+        <p:nvSpPr>
+          <p:cNvPr id="3" name="Vertical Text Placeholder 2"/>
           <p:cNvSpPr>
             <a:spLocks noGrp="1"/>
           </p:cNvSpPr>
@@ -569,19 +3190,13 @@
               <a:rPr lang="en-US"/>
               <a:t>Fifth level</a:t>
             </a:r>
-            <a:endParaRPr lang="en-GB"/>
-          </a:p>
-        </p:txBody>
-      </p:sp>
-      <p:sp>
-        <p:nvSpPr>
-          <p:cNvPr id="4" name="Date Placeholder 3">
-            <a:extLst>
-              <a:ext uri="{FF2B5EF4-FFF2-40B4-BE49-F238E27FC236}">
-                <a16:creationId xmlns:a16="http://schemas.microsoft.com/office/drawing/2014/main" id="{79DCAC13-CEF5-615F-7188-2FF616782B18}"/>
-              </a:ext>
-            </a:extLst>
-          </p:cNvPr>
+            <a:endParaRPr lang="en-US" dirty="0"/>
+          </a:p>
+        </p:txBody>
+      </p:sp>
+      <p:sp>
+        <p:nvSpPr>
+          <p:cNvPr id="4" name="Date Placeholder 3"/>
           <p:cNvSpPr>
             <a:spLocks noGrp="1"/>
           </p:cNvSpPr>
@@ -596,7 +3211,7 @@
           <a:p>
             <a:fld id="{6670FE10-F406-47AF-8AE1-E9BA4C7E25F2}" type="datetimeFigureOut">
               <a:rPr lang="en-GB" smtClean="0"/>
-              <a:t>06/12/2022</a:t>
+              <a:t>03/05/2024</a:t>
             </a:fld>
             <a:endParaRPr lang="en-GB"/>
           </a:p>
@@ -604,13 +3219,7 @@
       </p:sp>
       <p:sp>
         <p:nvSpPr>
-          <p:cNvPr id="5" name="Footer Placeholder 4">
-            <a:extLst>
-              <a:ext uri="{FF2B5EF4-FFF2-40B4-BE49-F238E27FC236}">
-                <a16:creationId xmlns:a16="http://schemas.microsoft.com/office/drawing/2014/main" id="{12A0B23E-BB41-954A-D844-68F59222D930}"/>
-              </a:ext>
-            </a:extLst>
-          </p:cNvPr>
+          <p:cNvPr id="5" name="Footer Placeholder 4"/>
           <p:cNvSpPr>
             <a:spLocks noGrp="1"/>
           </p:cNvSpPr>
@@ -629,13 +3238,7 @@
       </p:sp>
       <p:sp>
         <p:nvSpPr>
-          <p:cNvPr id="6" name="Slide Number Placeholder 5">
-            <a:extLst>
-              <a:ext uri="{FF2B5EF4-FFF2-40B4-BE49-F238E27FC236}">
-                <a16:creationId xmlns:a16="http://schemas.microsoft.com/office/drawing/2014/main" id="{781B89A1-9BF9-CB79-4981-4A057B60A758}"/>
-              </a:ext>
-            </a:extLst>
-          </p:cNvPr>
+          <p:cNvPr id="6" name="Slide Number Placeholder 5"/>
           <p:cNvSpPr>
             <a:spLocks noGrp="1"/>
           </p:cNvSpPr>
@@ -659,17 +3262,20 @@
     </p:spTree>
     <p:extLst>
       <p:ext uri="{BB962C8B-B14F-4D97-AF65-F5344CB8AC3E}">
-        <p14:creationId xmlns:p14="http://schemas.microsoft.com/office/powerpoint/2010/main" val="517234360"/>
+        <p14:creationId xmlns:p14="http://schemas.microsoft.com/office/powerpoint/2010/main" val="20318943"/>
       </p:ext>
     </p:extLst>
   </p:cSld>
   <p:clrMapOvr>
     <a:masterClrMapping/>
   </p:clrMapOvr>
+  <p:transition spd="slow">
+    <p:push dir="u"/>
+  </p:transition>
 </p:sldLayout>
 </file>
 
-<file path=ppt/slideLayouts/slideLayout11.xml><?xml version="1.0" encoding="utf-8"?>
+<file path=ppt/slideLayouts/slideLayout17.xml><?xml version="1.0" encoding="utf-8"?>
 <p:sldLayout xmlns:a="http://schemas.openxmlformats.org/drawingml/2006/main" xmlns:r="http://schemas.openxmlformats.org/officeDocument/2006/relationships" xmlns:p="http://schemas.openxmlformats.org/presentationml/2006/main" type="vertTitleAndTx" preserve="1">
   <p:cSld name="Vertical Title and Text">
     <p:spTree>
@@ -688,13 +3294,7 @@
       </p:grpSpPr>
       <p:sp>
         <p:nvSpPr>
-          <p:cNvPr id="2" name="Vertical Title 1">
-            <a:extLst>
-              <a:ext uri="{FF2B5EF4-FFF2-40B4-BE49-F238E27FC236}">
-                <a16:creationId xmlns:a16="http://schemas.microsoft.com/office/drawing/2014/main" id="{B333CEA5-A5BC-42F6-9417-DE058EAF38DB}"/>
-              </a:ext>
-            </a:extLst>
-          </p:cNvPr>
+          <p:cNvPr id="2" name="Vertical Title 1"/>
           <p:cNvSpPr>
             <a:spLocks noGrp="1"/>
           </p:cNvSpPr>
@@ -716,19 +3316,13 @@
               <a:rPr lang="en-US"/>
               <a:t>Click to edit Master title style</a:t>
             </a:r>
-            <a:endParaRPr lang="en-GB"/>
-          </a:p>
-        </p:txBody>
-      </p:sp>
-      <p:sp>
-        <p:nvSpPr>
-          <p:cNvPr id="3" name="Vertical Text Placeholder 2">
-            <a:extLst>
-              <a:ext uri="{FF2B5EF4-FFF2-40B4-BE49-F238E27FC236}">
-                <a16:creationId xmlns:a16="http://schemas.microsoft.com/office/drawing/2014/main" id="{39B20003-77E7-76F4-127A-9FAD2038EF14}"/>
-              </a:ext>
-            </a:extLst>
-          </p:cNvPr>
+            <a:endParaRPr lang="en-US" dirty="0"/>
+          </a:p>
+        </p:txBody>
+      </p:sp>
+      <p:sp>
+        <p:nvSpPr>
+          <p:cNvPr id="3" name="Vertical Text Placeholder 2"/>
           <p:cNvSpPr>
             <a:spLocks noGrp="1"/>
           </p:cNvSpPr>
@@ -779,19 +3373,13 @@
               <a:rPr lang="en-US"/>
               <a:t>Fifth level</a:t>
             </a:r>
-            <a:endParaRPr lang="en-GB"/>
-          </a:p>
-        </p:txBody>
-      </p:sp>
-      <p:sp>
-        <p:nvSpPr>
-          <p:cNvPr id="4" name="Date Placeholder 3">
-            <a:extLst>
-              <a:ext uri="{FF2B5EF4-FFF2-40B4-BE49-F238E27FC236}">
-                <a16:creationId xmlns:a16="http://schemas.microsoft.com/office/drawing/2014/main" id="{D6F2C76B-2410-6DF5-E769-3F1375B9F60C}"/>
-              </a:ext>
-            </a:extLst>
-          </p:cNvPr>
+            <a:endParaRPr lang="en-US" dirty="0"/>
+          </a:p>
+        </p:txBody>
+      </p:sp>
+      <p:sp>
+        <p:nvSpPr>
+          <p:cNvPr id="4" name="Date Placeholder 3"/>
           <p:cNvSpPr>
             <a:spLocks noGrp="1"/>
           </p:cNvSpPr>
@@ -806,7 +3394,7 @@
           <a:p>
             <a:fld id="{6670FE10-F406-47AF-8AE1-E9BA4C7E25F2}" type="datetimeFigureOut">
               <a:rPr lang="en-GB" smtClean="0"/>
-              <a:t>06/12/2022</a:t>
+              <a:t>03/05/2024</a:t>
             </a:fld>
             <a:endParaRPr lang="en-GB"/>
           </a:p>
@@ -814,13 +3402,7 @@
       </p:sp>
       <p:sp>
         <p:nvSpPr>
-          <p:cNvPr id="5" name="Footer Placeholder 4">
-            <a:extLst>
-              <a:ext uri="{FF2B5EF4-FFF2-40B4-BE49-F238E27FC236}">
-                <a16:creationId xmlns:a16="http://schemas.microsoft.com/office/drawing/2014/main" id="{989A810E-232E-6F62-BDC3-DA16DA4EE14C}"/>
-              </a:ext>
-            </a:extLst>
-          </p:cNvPr>
+          <p:cNvPr id="5" name="Footer Placeholder 4"/>
           <p:cNvSpPr>
             <a:spLocks noGrp="1"/>
           </p:cNvSpPr>
@@ -839,13 +3421,7 @@
       </p:sp>
       <p:sp>
         <p:nvSpPr>
-          <p:cNvPr id="6" name="Slide Number Placeholder 5">
-            <a:extLst>
-              <a:ext uri="{FF2B5EF4-FFF2-40B4-BE49-F238E27FC236}">
-                <a16:creationId xmlns:a16="http://schemas.microsoft.com/office/drawing/2014/main" id="{D809F2B8-DDB4-2806-89D5-BFB2856E1266}"/>
-              </a:ext>
-            </a:extLst>
-          </p:cNvPr>
+          <p:cNvPr id="6" name="Slide Number Placeholder 5"/>
           <p:cNvSpPr>
             <a:spLocks noGrp="1"/>
           </p:cNvSpPr>
@@ -869,13 +3445,16 @@
     </p:spTree>
     <p:extLst>
       <p:ext uri="{BB962C8B-B14F-4D97-AF65-F5344CB8AC3E}">
-        <p14:creationId xmlns:p14="http://schemas.microsoft.com/office/powerpoint/2010/main" val="344925127"/>
+        <p14:creationId xmlns:p14="http://schemas.microsoft.com/office/powerpoint/2010/main" val="3212060348"/>
       </p:ext>
     </p:extLst>
   </p:cSld>
   <p:clrMapOvr>
     <a:masterClrMapping/>
   </p:clrMapOvr>
+  <p:transition spd="slow">
+    <p:push dir="u"/>
+  </p:transition>
 </p:sldLayout>
 </file>
 
@@ -898,13 +3477,7 @@
       </p:grpSpPr>
       <p:sp>
         <p:nvSpPr>
-          <p:cNvPr id="2" name="Title 1">
-            <a:extLst>
-              <a:ext uri="{FF2B5EF4-FFF2-40B4-BE49-F238E27FC236}">
-                <a16:creationId xmlns:a16="http://schemas.microsoft.com/office/drawing/2014/main" id="{32B96570-1523-0FD3-BC20-287B4073C611}"/>
-              </a:ext>
-            </a:extLst>
-          </p:cNvPr>
+          <p:cNvPr id="8" name="Title 1"/>
           <p:cNvSpPr>
             <a:spLocks noGrp="1"/>
           </p:cNvSpPr>
@@ -921,19 +3494,13 @@
               <a:rPr lang="en-US"/>
               <a:t>Click to edit Master title style</a:t>
             </a:r>
-            <a:endParaRPr lang="en-GB"/>
-          </a:p>
-        </p:txBody>
-      </p:sp>
-      <p:sp>
-        <p:nvSpPr>
-          <p:cNvPr id="3" name="Content Placeholder 2">
-            <a:extLst>
-              <a:ext uri="{FF2B5EF4-FFF2-40B4-BE49-F238E27FC236}">
-                <a16:creationId xmlns:a16="http://schemas.microsoft.com/office/drawing/2014/main" id="{8D0B1C4E-5C84-9734-9EE1-BF86FB5C5F2A}"/>
-              </a:ext>
-            </a:extLst>
-          </p:cNvPr>
+            <a:endParaRPr lang="en-US" dirty="0"/>
+          </a:p>
+        </p:txBody>
+      </p:sp>
+      <p:sp>
+        <p:nvSpPr>
+          <p:cNvPr id="3" name="Content Placeholder 2"/>
           <p:cNvSpPr>
             <a:spLocks noGrp="1"/>
           </p:cNvSpPr>
@@ -979,19 +3546,13 @@
               <a:rPr lang="en-US"/>
               <a:t>Fifth level</a:t>
             </a:r>
-            <a:endParaRPr lang="en-GB"/>
-          </a:p>
-        </p:txBody>
-      </p:sp>
-      <p:sp>
-        <p:nvSpPr>
-          <p:cNvPr id="4" name="Date Placeholder 3">
-            <a:extLst>
-              <a:ext uri="{FF2B5EF4-FFF2-40B4-BE49-F238E27FC236}">
-                <a16:creationId xmlns:a16="http://schemas.microsoft.com/office/drawing/2014/main" id="{22056992-9D89-2C0C-4C2C-BAE80A944102}"/>
-              </a:ext>
-            </a:extLst>
-          </p:cNvPr>
+            <a:endParaRPr lang="en-US" dirty="0"/>
+          </a:p>
+        </p:txBody>
+      </p:sp>
+      <p:sp>
+        <p:nvSpPr>
+          <p:cNvPr id="4" name="Date Placeholder 3"/>
           <p:cNvSpPr>
             <a:spLocks noGrp="1"/>
           </p:cNvSpPr>
@@ -1006,7 +3567,7 @@
           <a:p>
             <a:fld id="{6670FE10-F406-47AF-8AE1-E9BA4C7E25F2}" type="datetimeFigureOut">
               <a:rPr lang="en-GB" smtClean="0"/>
-              <a:t>06/12/2022</a:t>
+              <a:t>03/05/2024</a:t>
             </a:fld>
             <a:endParaRPr lang="en-GB"/>
           </a:p>
@@ -1014,13 +3575,7 @@
       </p:sp>
       <p:sp>
         <p:nvSpPr>
-          <p:cNvPr id="5" name="Footer Placeholder 4">
-            <a:extLst>
-              <a:ext uri="{FF2B5EF4-FFF2-40B4-BE49-F238E27FC236}">
-                <a16:creationId xmlns:a16="http://schemas.microsoft.com/office/drawing/2014/main" id="{74DFFCB4-8863-0CCB-49C4-B6B7CD564D67}"/>
-              </a:ext>
-            </a:extLst>
-          </p:cNvPr>
+          <p:cNvPr id="5" name="Footer Placeholder 4"/>
           <p:cNvSpPr>
             <a:spLocks noGrp="1"/>
           </p:cNvSpPr>
@@ -1039,13 +3594,7 @@
       </p:sp>
       <p:sp>
         <p:nvSpPr>
-          <p:cNvPr id="6" name="Slide Number Placeholder 5">
-            <a:extLst>
-              <a:ext uri="{FF2B5EF4-FFF2-40B4-BE49-F238E27FC236}">
-                <a16:creationId xmlns:a16="http://schemas.microsoft.com/office/drawing/2014/main" id="{E36F401C-D4D3-3500-4073-E532BD9F1FD6}"/>
-              </a:ext>
-            </a:extLst>
-          </p:cNvPr>
+          <p:cNvPr id="6" name="Slide Number Placeholder 5"/>
           <p:cNvSpPr>
             <a:spLocks noGrp="1"/>
           </p:cNvSpPr>
@@ -1068,10 +3617,10 @@
       </p:sp>
       <p:sp>
         <p:nvSpPr>
-          <p:cNvPr id="7" name="Footer Placeholder 4">
+          <p:cNvPr id="2" name="Footer Placeholder 4">
             <a:extLst>
               <a:ext uri="{FF2B5EF4-FFF2-40B4-BE49-F238E27FC236}">
-                <a16:creationId xmlns:a16="http://schemas.microsoft.com/office/drawing/2014/main" id="{844B232F-D5B6-DEFE-8440-A43739EF1CB4}"/>
+                <a16:creationId xmlns:a16="http://schemas.microsoft.com/office/drawing/2014/main" id="{62A9DA22-C2CD-1C20-9448-07F3FCB9EAF8}"/>
               </a:ext>
             </a:extLst>
           </p:cNvPr>
@@ -1200,13 +3749,16 @@
     </p:spTree>
     <p:extLst>
       <p:ext uri="{BB962C8B-B14F-4D97-AF65-F5344CB8AC3E}">
-        <p14:creationId xmlns:p14="http://schemas.microsoft.com/office/powerpoint/2010/main" val="49441384"/>
+        <p14:creationId xmlns:p14="http://schemas.microsoft.com/office/powerpoint/2010/main" val="4068786955"/>
       </p:ext>
     </p:extLst>
   </p:cSld>
   <p:clrMapOvr>
     <a:masterClrMapping/>
   </p:clrMapOvr>
+  <p:transition spd="slow">
+    <p:push dir="u"/>
+  </p:transition>
 </p:sldLayout>
 </file>
 
@@ -1229,31 +3781,59 @@
       </p:grpSpPr>
       <p:sp>
         <p:nvSpPr>
-          <p:cNvPr id="2" name="Title 1">
-            <a:extLst>
-              <a:ext uri="{FF2B5EF4-FFF2-40B4-BE49-F238E27FC236}">
-                <a16:creationId xmlns:a16="http://schemas.microsoft.com/office/drawing/2014/main" id="{ACA9419F-3AA8-7780-4AB2-0778AAAFC21C}"/>
-              </a:ext>
-            </a:extLst>
-          </p:cNvPr>
-          <p:cNvSpPr>
-            <a:spLocks noGrp="1"/>
-          </p:cNvSpPr>
-          <p:nvPr>
-            <p:ph type="title"/>
+          <p:cNvPr id="7" name="Title 1"/>
+          <p:cNvSpPr>
+            <a:spLocks noGrp="1"/>
+          </p:cNvSpPr>
+          <p:nvPr>
+            <p:ph type="ctrTitle"/>
           </p:nvPr>
         </p:nvSpPr>
         <p:spPr>
           <a:xfrm>
-            <a:off x="831850" y="1709738"/>
-            <a:ext cx="10515600" cy="2852737"/>
+            <a:off x="854532" y="4464028"/>
+            <a:ext cx="9144000" cy="1641490"/>
           </a:xfrm>
         </p:spPr>
         <p:txBody>
-          <a:bodyPr anchor="b"/>
+          <a:bodyPr wrap="none" anchor="t">
+            <a:normAutofit/>
+          </a:bodyPr>
           <a:lstStyle>
-            <a:lvl1pPr>
-              <a:defRPr sz="6000"/>
+            <a:lvl1pPr algn="l">
+              <a:defRPr sz="9600" b="0" spc="-300">
+                <a:gradFill flip="none" rotWithShape="1">
+                  <a:gsLst>
+                    <a:gs pos="32000">
+                      <a:schemeClr val="tx1">
+                        <a:lumMod val="89000"/>
+                      </a:schemeClr>
+                    </a:gs>
+                    <a:gs pos="0">
+                      <a:schemeClr val="bg1">
+                        <a:lumMod val="47000"/>
+                        <a:lumOff val="53000"/>
+                      </a:schemeClr>
+                    </a:gs>
+                    <a:gs pos="100000">
+                      <a:schemeClr val="tx2">
+                        <a:lumMod val="0"/>
+                        <a:lumOff val="100000"/>
+                      </a:schemeClr>
+                    </a:gs>
+                  </a:gsLst>
+                  <a:lin ang="8100000" scaled="1"/>
+                  <a:tileRect/>
+                </a:gradFill>
+                <a:effectLst>
+                  <a:outerShdw blurRad="469900" dist="342900" dir="5400000" sy="-20000" rotWithShape="0">
+                    <a:prstClr val="black">
+                      <a:alpha val="66000"/>
+                    </a:prstClr>
+                  </a:outerShdw>
+                </a:effectLst>
+                <a:latin typeface="+mj-lt"/>
+              </a:defRPr>
             </a:lvl1pPr>
           </a:lstStyle>
           <a:p>
@@ -1261,144 +3841,109 @@
               <a:rPr lang="en-US"/>
               <a:t>Click to edit Master title style</a:t>
             </a:r>
-            <a:endParaRPr lang="en-GB"/>
-          </a:p>
-        </p:txBody>
-      </p:sp>
-      <p:sp>
-        <p:nvSpPr>
-          <p:cNvPr id="3" name="Text Placeholder 2">
-            <a:extLst>
-              <a:ext uri="{FF2B5EF4-FFF2-40B4-BE49-F238E27FC236}">
-                <a16:creationId xmlns:a16="http://schemas.microsoft.com/office/drawing/2014/main" id="{F7210246-D5F0-A37C-2B2C-D6A6D3CB30DD}"/>
-              </a:ext>
-            </a:extLst>
-          </p:cNvPr>
-          <p:cNvSpPr>
-            <a:spLocks noGrp="1"/>
-          </p:cNvSpPr>
-          <p:nvPr>
-            <p:ph type="body" idx="1"/>
+            <a:endParaRPr lang="en-US" dirty="0"/>
+          </a:p>
+        </p:txBody>
+      </p:sp>
+      <p:sp>
+        <p:nvSpPr>
+          <p:cNvPr id="8" name="Subtitle 2"/>
+          <p:cNvSpPr>
+            <a:spLocks noGrp="1"/>
+          </p:cNvSpPr>
+          <p:nvPr>
+            <p:ph type="subTitle" idx="1"/>
           </p:nvPr>
         </p:nvSpPr>
         <p:spPr>
           <a:xfrm>
-            <a:off x="831850" y="4589463"/>
-            <a:ext cx="10515600" cy="1500187"/>
+            <a:off x="854532" y="3693674"/>
+            <a:ext cx="9144000" cy="754025"/>
           </a:xfrm>
         </p:spPr>
         <p:txBody>
-          <a:bodyPr/>
+          <a:bodyPr anchor="b">
+            <a:normAutofit/>
+          </a:bodyPr>
           <a:lstStyle>
-            <a:lvl1pPr marL="0" indent="0">
-              <a:buNone/>
-              <a:defRPr sz="2400">
-                <a:solidFill>
-                  <a:schemeClr val="tx1">
-                    <a:tint val="75000"/>
-                  </a:schemeClr>
-                </a:solidFill>
+            <a:lvl1pPr marL="0" indent="0" algn="l">
+              <a:buNone/>
+              <a:defRPr sz="3200" b="0">
+                <a:gradFill flip="none" rotWithShape="1">
+                  <a:gsLst>
+                    <a:gs pos="15000">
+                      <a:schemeClr val="tx2"/>
+                    </a:gs>
+                    <a:gs pos="73000">
+                      <a:schemeClr val="tx2">
+                        <a:lumMod val="60000"/>
+                        <a:lumOff val="40000"/>
+                      </a:schemeClr>
+                    </a:gs>
+                    <a:gs pos="0">
+                      <a:schemeClr val="tx2">
+                        <a:lumMod val="90000"/>
+                        <a:lumOff val="10000"/>
+                      </a:schemeClr>
+                    </a:gs>
+                    <a:gs pos="100000">
+                      <a:schemeClr val="tx2">
+                        <a:lumMod val="0"/>
+                        <a:lumOff val="100000"/>
+                      </a:schemeClr>
+                    </a:gs>
+                  </a:gsLst>
+                  <a:lin ang="16200000" scaled="1"/>
+                  <a:tileRect/>
+                </a:gradFill>
+                <a:latin typeface="+mj-lt"/>
               </a:defRPr>
             </a:lvl1pPr>
-            <a:lvl2pPr marL="457200" indent="0">
-              <a:buNone/>
-              <a:defRPr sz="2000">
-                <a:solidFill>
-                  <a:schemeClr val="tx1">
-                    <a:tint val="75000"/>
-                  </a:schemeClr>
-                </a:solidFill>
-              </a:defRPr>
+            <a:lvl2pPr marL="457200" indent="0" algn="ctr">
+              <a:buNone/>
+              <a:defRPr sz="2000"/>
             </a:lvl2pPr>
-            <a:lvl3pPr marL="914400" indent="0">
-              <a:buNone/>
-              <a:defRPr sz="1800">
-                <a:solidFill>
-                  <a:schemeClr val="tx1">
-                    <a:tint val="75000"/>
-                  </a:schemeClr>
-                </a:solidFill>
-              </a:defRPr>
+            <a:lvl3pPr marL="914400" indent="0" algn="ctr">
+              <a:buNone/>
+              <a:defRPr sz="1800"/>
             </a:lvl3pPr>
-            <a:lvl4pPr marL="1371600" indent="0">
-              <a:buNone/>
-              <a:defRPr sz="1600">
-                <a:solidFill>
-                  <a:schemeClr val="tx1">
-                    <a:tint val="75000"/>
-                  </a:schemeClr>
-                </a:solidFill>
-              </a:defRPr>
+            <a:lvl4pPr marL="1371600" indent="0" algn="ctr">
+              <a:buNone/>
+              <a:defRPr sz="1600"/>
             </a:lvl4pPr>
-            <a:lvl5pPr marL="1828800" indent="0">
-              <a:buNone/>
-              <a:defRPr sz="1600">
-                <a:solidFill>
-                  <a:schemeClr val="tx1">
-                    <a:tint val="75000"/>
-                  </a:schemeClr>
-                </a:solidFill>
-              </a:defRPr>
+            <a:lvl5pPr marL="1828800" indent="0" algn="ctr">
+              <a:buNone/>
+              <a:defRPr sz="1600"/>
             </a:lvl5pPr>
-            <a:lvl6pPr marL="2286000" indent="0">
-              <a:buNone/>
-              <a:defRPr sz="1600">
-                <a:solidFill>
-                  <a:schemeClr val="tx1">
-                    <a:tint val="75000"/>
-                  </a:schemeClr>
-                </a:solidFill>
-              </a:defRPr>
+            <a:lvl6pPr marL="2286000" indent="0" algn="ctr">
+              <a:buNone/>
+              <a:defRPr sz="1600"/>
             </a:lvl6pPr>
-            <a:lvl7pPr marL="2743200" indent="0">
-              <a:buNone/>
-              <a:defRPr sz="1600">
-                <a:solidFill>
-                  <a:schemeClr val="tx1">
-                    <a:tint val="75000"/>
-                  </a:schemeClr>
-                </a:solidFill>
-              </a:defRPr>
+            <a:lvl7pPr marL="2743200" indent="0" algn="ctr">
+              <a:buNone/>
+              <a:defRPr sz="1600"/>
             </a:lvl7pPr>
-            <a:lvl8pPr marL="3200400" indent="0">
-              <a:buNone/>
-              <a:defRPr sz="1600">
-                <a:solidFill>
-                  <a:schemeClr val="tx1">
-                    <a:tint val="75000"/>
-                  </a:schemeClr>
-                </a:solidFill>
-              </a:defRPr>
+            <a:lvl8pPr marL="3200400" indent="0" algn="ctr">
+              <a:buNone/>
+              <a:defRPr sz="1600"/>
             </a:lvl8pPr>
-            <a:lvl9pPr marL="3657600" indent="0">
-              <a:buNone/>
-              <a:defRPr sz="1600">
-                <a:solidFill>
-                  <a:schemeClr val="tx1">
-                    <a:tint val="75000"/>
-                  </a:schemeClr>
-                </a:solidFill>
-              </a:defRPr>
+            <a:lvl9pPr marL="3657600" indent="0" algn="ctr">
+              <a:buNone/>
+              <a:defRPr sz="1600"/>
             </a:lvl9pPr>
           </a:lstStyle>
           <a:p>
-            <a:pPr lvl="0"/>
             <a:r>
               <a:rPr lang="en-US"/>
-              <a:t>Click to edit Master text styles</a:t>
-            </a:r>
-          </a:p>
-        </p:txBody>
-      </p:sp>
-      <p:sp>
-        <p:nvSpPr>
-          <p:cNvPr id="4" name="Date Placeholder 3">
-            <a:extLst>
-              <a:ext uri="{FF2B5EF4-FFF2-40B4-BE49-F238E27FC236}">
-                <a16:creationId xmlns:a16="http://schemas.microsoft.com/office/drawing/2014/main" id="{EE42C001-3FCB-0E6B-9E1F-20622B91CBC3}"/>
-              </a:ext>
-            </a:extLst>
-          </p:cNvPr>
+              <a:t>Click to edit Master subtitle style</a:t>
+            </a:r>
+            <a:endParaRPr lang="en-US" dirty="0"/>
+          </a:p>
+        </p:txBody>
+      </p:sp>
+      <p:sp>
+        <p:nvSpPr>
+          <p:cNvPr id="4" name="Date Placeholder 3"/>
           <p:cNvSpPr>
             <a:spLocks noGrp="1"/>
           </p:cNvSpPr>
@@ -1413,7 +3958,7 @@
           <a:p>
             <a:fld id="{6670FE10-F406-47AF-8AE1-E9BA4C7E25F2}" type="datetimeFigureOut">
               <a:rPr lang="en-GB" smtClean="0"/>
-              <a:t>06/12/2022</a:t>
+              <a:t>03/05/2024</a:t>
             </a:fld>
             <a:endParaRPr lang="en-GB"/>
           </a:p>
@@ -1421,13 +3966,7 @@
       </p:sp>
       <p:sp>
         <p:nvSpPr>
-          <p:cNvPr id="5" name="Footer Placeholder 4">
-            <a:extLst>
-              <a:ext uri="{FF2B5EF4-FFF2-40B4-BE49-F238E27FC236}">
-                <a16:creationId xmlns:a16="http://schemas.microsoft.com/office/drawing/2014/main" id="{B80F9F14-D78E-F738-AB9A-82903D4180EC}"/>
-              </a:ext>
-            </a:extLst>
-          </p:cNvPr>
+          <p:cNvPr id="5" name="Footer Placeholder 4"/>
           <p:cNvSpPr>
             <a:spLocks noGrp="1"/>
           </p:cNvSpPr>
@@ -1446,13 +3985,7 @@
       </p:sp>
       <p:sp>
         <p:nvSpPr>
-          <p:cNvPr id="6" name="Slide Number Placeholder 5">
-            <a:extLst>
-              <a:ext uri="{FF2B5EF4-FFF2-40B4-BE49-F238E27FC236}">
-                <a16:creationId xmlns:a16="http://schemas.microsoft.com/office/drawing/2014/main" id="{3DA85AB1-BB89-8FEB-4B9B-6D47D0A3306D}"/>
-              </a:ext>
-            </a:extLst>
-          </p:cNvPr>
+          <p:cNvPr id="6" name="Slide Number Placeholder 5"/>
           <p:cNvSpPr>
             <a:spLocks noGrp="1"/>
           </p:cNvSpPr>
@@ -1476,13 +4009,16 @@
     </p:spTree>
     <p:extLst>
       <p:ext uri="{BB962C8B-B14F-4D97-AF65-F5344CB8AC3E}">
-        <p14:creationId xmlns:p14="http://schemas.microsoft.com/office/powerpoint/2010/main" val="1026108435"/>
+        <p14:creationId xmlns:p14="http://schemas.microsoft.com/office/powerpoint/2010/main" val="328103419"/>
       </p:ext>
     </p:extLst>
   </p:cSld>
   <p:clrMapOvr>
     <a:masterClrMapping/>
   </p:clrMapOvr>
+  <p:transition spd="slow">
+    <p:push dir="u"/>
+  </p:transition>
 </p:sldLayout>
 </file>
 
@@ -1505,13 +4041,7 @@
       </p:grpSpPr>
       <p:sp>
         <p:nvSpPr>
-          <p:cNvPr id="2" name="Title 1">
-            <a:extLst>
-              <a:ext uri="{FF2B5EF4-FFF2-40B4-BE49-F238E27FC236}">
-                <a16:creationId xmlns:a16="http://schemas.microsoft.com/office/drawing/2014/main" id="{24DD90D2-E4BE-3BAB-80D6-46034DFB3151}"/>
-              </a:ext>
-            </a:extLst>
-          </p:cNvPr>
+          <p:cNvPr id="2" name="Title 1"/>
           <p:cNvSpPr>
             <a:spLocks noGrp="1"/>
           </p:cNvSpPr>
@@ -1528,19 +4058,13 @@
               <a:rPr lang="en-US"/>
               <a:t>Click to edit Master title style</a:t>
             </a:r>
-            <a:endParaRPr lang="en-GB"/>
-          </a:p>
-        </p:txBody>
-      </p:sp>
-      <p:sp>
-        <p:nvSpPr>
-          <p:cNvPr id="3" name="Content Placeholder 2">
-            <a:extLst>
-              <a:ext uri="{FF2B5EF4-FFF2-40B4-BE49-F238E27FC236}">
-                <a16:creationId xmlns:a16="http://schemas.microsoft.com/office/drawing/2014/main" id="{1BE216A8-1C74-E2BB-5D51-957032134746}"/>
-              </a:ext>
-            </a:extLst>
-          </p:cNvPr>
+            <a:endParaRPr lang="en-US" dirty="0"/>
+          </a:p>
+        </p:txBody>
+      </p:sp>
+      <p:sp>
+        <p:nvSpPr>
+          <p:cNvPr id="3" name="Content Placeholder 2"/>
           <p:cNvSpPr>
             <a:spLocks noGrp="1"/>
           </p:cNvSpPr>
@@ -1550,8 +4074,8 @@
         </p:nvSpPr>
         <p:spPr>
           <a:xfrm>
-            <a:off x="838200" y="1825625"/>
-            <a:ext cx="5181600" cy="4351338"/>
+            <a:off x="1120000" y="1825625"/>
+            <a:ext cx="5025216" cy="4351338"/>
           </a:xfrm>
         </p:spPr>
         <p:txBody>
@@ -1591,19 +4115,13 @@
               <a:rPr lang="en-US"/>
               <a:t>Fifth level</a:t>
             </a:r>
-            <a:endParaRPr lang="en-GB"/>
-          </a:p>
-        </p:txBody>
-      </p:sp>
-      <p:sp>
-        <p:nvSpPr>
-          <p:cNvPr id="4" name="Content Placeholder 3">
-            <a:extLst>
-              <a:ext uri="{FF2B5EF4-FFF2-40B4-BE49-F238E27FC236}">
-                <a16:creationId xmlns:a16="http://schemas.microsoft.com/office/drawing/2014/main" id="{E482CC0D-CA4E-02C7-076E-55D511571AB6}"/>
-              </a:ext>
-            </a:extLst>
-          </p:cNvPr>
+            <a:endParaRPr lang="en-US" dirty="0"/>
+          </a:p>
+        </p:txBody>
+      </p:sp>
+      <p:sp>
+        <p:nvSpPr>
+          <p:cNvPr id="4" name="Content Placeholder 3"/>
           <p:cNvSpPr>
             <a:spLocks noGrp="1"/>
           </p:cNvSpPr>
@@ -1613,8 +4131,8 @@
         </p:nvSpPr>
         <p:spPr>
           <a:xfrm>
-            <a:off x="6172200" y="1825625"/>
-            <a:ext cx="5181600" cy="4351338"/>
+            <a:off x="6319840" y="1825625"/>
+            <a:ext cx="5033960" cy="4351338"/>
           </a:xfrm>
         </p:spPr>
         <p:txBody>
@@ -1654,19 +4172,13 @@
               <a:rPr lang="en-US"/>
               <a:t>Fifth level</a:t>
             </a:r>
-            <a:endParaRPr lang="en-GB"/>
-          </a:p>
-        </p:txBody>
-      </p:sp>
-      <p:sp>
-        <p:nvSpPr>
-          <p:cNvPr id="5" name="Date Placeholder 4">
-            <a:extLst>
-              <a:ext uri="{FF2B5EF4-FFF2-40B4-BE49-F238E27FC236}">
-                <a16:creationId xmlns:a16="http://schemas.microsoft.com/office/drawing/2014/main" id="{70BDE4EC-111C-93BE-1438-6CDC2E8FCC78}"/>
-              </a:ext>
-            </a:extLst>
-          </p:cNvPr>
+            <a:endParaRPr lang="en-US" dirty="0"/>
+          </a:p>
+        </p:txBody>
+      </p:sp>
+      <p:sp>
+        <p:nvSpPr>
+          <p:cNvPr id="5" name="Date Placeholder 4"/>
           <p:cNvSpPr>
             <a:spLocks noGrp="1"/>
           </p:cNvSpPr>
@@ -1681,7 +4193,7 @@
           <a:p>
             <a:fld id="{6670FE10-F406-47AF-8AE1-E9BA4C7E25F2}" type="datetimeFigureOut">
               <a:rPr lang="en-GB" smtClean="0"/>
-              <a:t>06/12/2022</a:t>
+              <a:t>03/05/2024</a:t>
             </a:fld>
             <a:endParaRPr lang="en-GB"/>
           </a:p>
@@ -1689,13 +4201,7 @@
       </p:sp>
       <p:sp>
         <p:nvSpPr>
-          <p:cNvPr id="6" name="Footer Placeholder 5">
-            <a:extLst>
-              <a:ext uri="{FF2B5EF4-FFF2-40B4-BE49-F238E27FC236}">
-                <a16:creationId xmlns:a16="http://schemas.microsoft.com/office/drawing/2014/main" id="{ABE612E8-024B-A8EE-5D52-CE4D6B315CBE}"/>
-              </a:ext>
-            </a:extLst>
-          </p:cNvPr>
+          <p:cNvPr id="6" name="Footer Placeholder 5"/>
           <p:cNvSpPr>
             <a:spLocks noGrp="1"/>
           </p:cNvSpPr>
@@ -1714,13 +4220,7 @@
       </p:sp>
       <p:sp>
         <p:nvSpPr>
-          <p:cNvPr id="7" name="Slide Number Placeholder 6">
-            <a:extLst>
-              <a:ext uri="{FF2B5EF4-FFF2-40B4-BE49-F238E27FC236}">
-                <a16:creationId xmlns:a16="http://schemas.microsoft.com/office/drawing/2014/main" id="{838136DD-9F31-209F-5224-7E8DA5ED84DF}"/>
-              </a:ext>
-            </a:extLst>
-          </p:cNvPr>
+          <p:cNvPr id="7" name="Slide Number Placeholder 6"/>
           <p:cNvSpPr>
             <a:spLocks noGrp="1"/>
           </p:cNvSpPr>
@@ -1744,13 +4244,16 @@
     </p:spTree>
     <p:extLst>
       <p:ext uri="{BB962C8B-B14F-4D97-AF65-F5344CB8AC3E}">
-        <p14:creationId xmlns:p14="http://schemas.microsoft.com/office/powerpoint/2010/main" val="2319065103"/>
+        <p14:creationId xmlns:p14="http://schemas.microsoft.com/office/powerpoint/2010/main" val="1847731176"/>
       </p:ext>
     </p:extLst>
   </p:cSld>
   <p:clrMapOvr>
     <a:masterClrMapping/>
   </p:clrMapOvr>
+  <p:transition spd="slow">
+    <p:push dir="u"/>
+  </p:transition>
 </p:sldLayout>
 </file>
 
@@ -1773,13 +4276,7 @@
       </p:grpSpPr>
       <p:sp>
         <p:nvSpPr>
-          <p:cNvPr id="2" name="Title 1">
-            <a:extLst>
-              <a:ext uri="{FF2B5EF4-FFF2-40B4-BE49-F238E27FC236}">
-                <a16:creationId xmlns:a16="http://schemas.microsoft.com/office/drawing/2014/main" id="{F0ACAF4E-854C-2F13-E1E3-1FCD814C36C1}"/>
-              </a:ext>
-            </a:extLst>
-          </p:cNvPr>
+          <p:cNvPr id="2" name="Title 1"/>
           <p:cNvSpPr>
             <a:spLocks noGrp="1"/>
           </p:cNvSpPr>
@@ -1801,19 +4298,13 @@
               <a:rPr lang="en-US"/>
               <a:t>Click to edit Master title style</a:t>
             </a:r>
-            <a:endParaRPr lang="en-GB"/>
-          </a:p>
-        </p:txBody>
-      </p:sp>
-      <p:sp>
-        <p:nvSpPr>
-          <p:cNvPr id="3" name="Text Placeholder 2">
-            <a:extLst>
-              <a:ext uri="{FF2B5EF4-FFF2-40B4-BE49-F238E27FC236}">
-                <a16:creationId xmlns:a16="http://schemas.microsoft.com/office/drawing/2014/main" id="{55F20CA3-8962-ED78-5627-E2AFD1FA8C10}"/>
-              </a:ext>
-            </a:extLst>
-          </p:cNvPr>
+            <a:endParaRPr lang="en-US" dirty="0"/>
+          </a:p>
+        </p:txBody>
+      </p:sp>
+      <p:sp>
+        <p:nvSpPr>
+          <p:cNvPr id="3" name="Text Placeholder 2"/>
           <p:cNvSpPr>
             <a:spLocks noGrp="1"/>
           </p:cNvSpPr>
@@ -1823,8 +4314,8 @@
         </p:nvSpPr>
         <p:spPr>
           <a:xfrm>
-            <a:off x="839788" y="1681163"/>
-            <a:ext cx="5157787" cy="823912"/>
+            <a:off x="1120000" y="1681163"/>
+            <a:ext cx="5025216" cy="823912"/>
           </a:xfrm>
         </p:spPr>
         <p:txBody>
@@ -1832,7 +4323,34 @@
           <a:lstStyle>
             <a:lvl1pPr marL="0" indent="0">
               <a:buNone/>
-              <a:defRPr sz="2400" b="1"/>
+              <a:defRPr sz="2400" b="0">
+                <a:gradFill>
+                  <a:gsLst>
+                    <a:gs pos="15000">
+                      <a:schemeClr val="tx2"/>
+                    </a:gs>
+                    <a:gs pos="73000">
+                      <a:schemeClr val="tx2">
+                        <a:lumMod val="60000"/>
+                        <a:lumOff val="40000"/>
+                      </a:schemeClr>
+                    </a:gs>
+                    <a:gs pos="0">
+                      <a:schemeClr val="tx2">
+                        <a:lumMod val="90000"/>
+                        <a:lumOff val="10000"/>
+                      </a:schemeClr>
+                    </a:gs>
+                    <a:gs pos="100000">
+                      <a:schemeClr val="tx2">
+                        <a:lumMod val="0"/>
+                        <a:lumOff val="100000"/>
+                      </a:schemeClr>
+                    </a:gs>
+                  </a:gsLst>
+                  <a:lin ang="16200000" scaled="1"/>
+                </a:gradFill>
+              </a:defRPr>
             </a:lvl1pPr>
             <a:lvl2pPr marL="457200" indent="0">
               <a:buNone/>
@@ -1878,13 +4396,7 @@
       </p:sp>
       <p:sp>
         <p:nvSpPr>
-          <p:cNvPr id="4" name="Content Placeholder 3">
-            <a:extLst>
-              <a:ext uri="{FF2B5EF4-FFF2-40B4-BE49-F238E27FC236}">
-                <a16:creationId xmlns:a16="http://schemas.microsoft.com/office/drawing/2014/main" id="{A9DFED54-B3EB-EDCE-24C1-E05D0B1AAE2D}"/>
-              </a:ext>
-            </a:extLst>
-          </p:cNvPr>
+          <p:cNvPr id="4" name="Content Placeholder 3"/>
           <p:cNvSpPr>
             <a:spLocks noGrp="1"/>
           </p:cNvSpPr>
@@ -1894,8 +4406,8 @@
         </p:nvSpPr>
         <p:spPr>
           <a:xfrm>
-            <a:off x="839788" y="2505075"/>
-            <a:ext cx="5157787" cy="3684588"/>
+            <a:off x="1120000" y="2505075"/>
+            <a:ext cx="5025216" cy="3684588"/>
           </a:xfrm>
         </p:spPr>
         <p:txBody>
@@ -1935,19 +4447,13 @@
               <a:rPr lang="en-US"/>
               <a:t>Fifth level</a:t>
             </a:r>
-            <a:endParaRPr lang="en-GB"/>
-          </a:p>
-        </p:txBody>
-      </p:sp>
-      <p:sp>
-        <p:nvSpPr>
-          <p:cNvPr id="5" name="Text Placeholder 4">
-            <a:extLst>
-              <a:ext uri="{FF2B5EF4-FFF2-40B4-BE49-F238E27FC236}">
-                <a16:creationId xmlns:a16="http://schemas.microsoft.com/office/drawing/2014/main" id="{6DB824DE-EEE0-3583-344D-DEB814DF9A03}"/>
-              </a:ext>
-            </a:extLst>
-          </p:cNvPr>
+            <a:endParaRPr lang="en-US" dirty="0"/>
+          </a:p>
+        </p:txBody>
+      </p:sp>
+      <p:sp>
+        <p:nvSpPr>
+          <p:cNvPr id="5" name="Text Placeholder 4"/>
           <p:cNvSpPr>
             <a:spLocks noGrp="1"/>
           </p:cNvSpPr>
@@ -1957,52 +4463,51 @@
         </p:nvSpPr>
         <p:spPr>
           <a:xfrm>
-            <a:off x="6172200" y="1681163"/>
-            <a:ext cx="5183188" cy="823912"/>
+            <a:off x="6319840" y="1681163"/>
+            <a:ext cx="5035548" cy="823912"/>
           </a:xfrm>
         </p:spPr>
         <p:txBody>
-          <a:bodyPr anchor="b"/>
+          <a:bodyPr vert="horz" lIns="91440" tIns="45720" rIns="91440" bIns="45720" rtlCol="0" anchor="b">
+            <a:normAutofit/>
+          </a:bodyPr>
           <a:lstStyle>
-            <a:lvl1pPr marL="0" indent="0">
-              <a:buNone/>
-              <a:defRPr sz="2400" b="1"/>
+            <a:lvl1pPr>
+              <a:buNone/>
+              <a:defRPr lang="en-US" sz="2400" b="0">
+                <a:gradFill>
+                  <a:gsLst>
+                    <a:gs pos="15000">
+                      <a:schemeClr val="tx2"/>
+                    </a:gs>
+                    <a:gs pos="73000">
+                      <a:schemeClr val="tx2">
+                        <a:lumMod val="60000"/>
+                        <a:lumOff val="40000"/>
+                      </a:schemeClr>
+                    </a:gs>
+                    <a:gs pos="0">
+                      <a:schemeClr val="tx2">
+                        <a:lumMod val="90000"/>
+                        <a:lumOff val="10000"/>
+                      </a:schemeClr>
+                    </a:gs>
+                    <a:gs pos="100000">
+                      <a:schemeClr val="tx2">
+                        <a:lumMod val="0"/>
+                        <a:lumOff val="100000"/>
+                      </a:schemeClr>
+                    </a:gs>
+                  </a:gsLst>
+                  <a:lin ang="16200000" scaled="1"/>
+                </a:gradFill>
+              </a:defRPr>
             </a:lvl1pPr>
-            <a:lvl2pPr marL="457200" indent="0">
-              <a:buNone/>
-              <a:defRPr sz="2000" b="1"/>
-            </a:lvl2pPr>
-            <a:lvl3pPr marL="914400" indent="0">
-              <a:buNone/>
-              <a:defRPr sz="1800" b="1"/>
-            </a:lvl3pPr>
-            <a:lvl4pPr marL="1371600" indent="0">
-              <a:buNone/>
-              <a:defRPr sz="1600" b="1"/>
-            </a:lvl4pPr>
-            <a:lvl5pPr marL="1828800" indent="0">
-              <a:buNone/>
-              <a:defRPr sz="1600" b="1"/>
-            </a:lvl5pPr>
-            <a:lvl6pPr marL="2286000" indent="0">
-              <a:buNone/>
-              <a:defRPr sz="1600" b="1"/>
-            </a:lvl6pPr>
-            <a:lvl7pPr marL="2743200" indent="0">
-              <a:buNone/>
-              <a:defRPr sz="1600" b="1"/>
-            </a:lvl7pPr>
-            <a:lvl8pPr marL="3200400" indent="0">
-              <a:buNone/>
-              <a:defRPr sz="1600" b="1"/>
-            </a:lvl8pPr>
-            <a:lvl9pPr marL="3657600" indent="0">
-              <a:buNone/>
-              <a:defRPr sz="1600" b="1"/>
-            </a:lvl9pPr>
           </a:lstStyle>
           <a:p>
-            <a:pPr lvl="0"/>
+            <a:pPr marL="0" lvl="0" indent="0">
+              <a:buNone/>
+            </a:pPr>
             <a:r>
               <a:rPr lang="en-US"/>
               <a:t>Click to edit Master text styles</a:t>
@@ -2012,13 +4517,7 @@
       </p:sp>
       <p:sp>
         <p:nvSpPr>
-          <p:cNvPr id="6" name="Content Placeholder 5">
-            <a:extLst>
-              <a:ext uri="{FF2B5EF4-FFF2-40B4-BE49-F238E27FC236}">
-                <a16:creationId xmlns:a16="http://schemas.microsoft.com/office/drawing/2014/main" id="{26C3C5AD-D28A-542C-CF9F-7650793A3835}"/>
-              </a:ext>
-            </a:extLst>
-          </p:cNvPr>
+          <p:cNvPr id="6" name="Content Placeholder 5"/>
           <p:cNvSpPr>
             <a:spLocks noGrp="1"/>
           </p:cNvSpPr>
@@ -2028,8 +4527,8 @@
         </p:nvSpPr>
         <p:spPr>
           <a:xfrm>
-            <a:off x="6172200" y="2505075"/>
-            <a:ext cx="5183188" cy="3684588"/>
+            <a:off x="6319840" y="2505075"/>
+            <a:ext cx="5035548" cy="3684588"/>
           </a:xfrm>
         </p:spPr>
         <p:txBody>
@@ -2069,19 +4568,13 @@
               <a:rPr lang="en-US"/>
               <a:t>Fifth level</a:t>
             </a:r>
-            <a:endParaRPr lang="en-GB"/>
-          </a:p>
-        </p:txBody>
-      </p:sp>
-      <p:sp>
-        <p:nvSpPr>
-          <p:cNvPr id="7" name="Date Placeholder 6">
-            <a:extLst>
-              <a:ext uri="{FF2B5EF4-FFF2-40B4-BE49-F238E27FC236}">
-                <a16:creationId xmlns:a16="http://schemas.microsoft.com/office/drawing/2014/main" id="{7BCFE2E4-8192-9EA2-4489-80F4A15EFB6B}"/>
-              </a:ext>
-            </a:extLst>
-          </p:cNvPr>
+            <a:endParaRPr lang="en-US" dirty="0"/>
+          </a:p>
+        </p:txBody>
+      </p:sp>
+      <p:sp>
+        <p:nvSpPr>
+          <p:cNvPr id="7" name="Date Placeholder 6"/>
           <p:cNvSpPr>
             <a:spLocks noGrp="1"/>
           </p:cNvSpPr>
@@ -2096,7 +4589,7 @@
           <a:p>
             <a:fld id="{6670FE10-F406-47AF-8AE1-E9BA4C7E25F2}" type="datetimeFigureOut">
               <a:rPr lang="en-GB" smtClean="0"/>
-              <a:t>06/12/2022</a:t>
+              <a:t>03/05/2024</a:t>
             </a:fld>
             <a:endParaRPr lang="en-GB"/>
           </a:p>
@@ -2104,13 +4597,7 @@
       </p:sp>
       <p:sp>
         <p:nvSpPr>
-          <p:cNvPr id="8" name="Footer Placeholder 7">
-            <a:extLst>
-              <a:ext uri="{FF2B5EF4-FFF2-40B4-BE49-F238E27FC236}">
-                <a16:creationId xmlns:a16="http://schemas.microsoft.com/office/drawing/2014/main" id="{0124C7DB-3AF1-24E1-DCBE-207B96CA5B37}"/>
-              </a:ext>
-            </a:extLst>
-          </p:cNvPr>
+          <p:cNvPr id="8" name="Footer Placeholder 7"/>
           <p:cNvSpPr>
             <a:spLocks noGrp="1"/>
           </p:cNvSpPr>
@@ -2129,13 +4616,7 @@
       </p:sp>
       <p:sp>
         <p:nvSpPr>
-          <p:cNvPr id="9" name="Slide Number Placeholder 8">
-            <a:extLst>
-              <a:ext uri="{FF2B5EF4-FFF2-40B4-BE49-F238E27FC236}">
-                <a16:creationId xmlns:a16="http://schemas.microsoft.com/office/drawing/2014/main" id="{F0FA5518-D3AE-F720-2BE0-3F9DB2DFA9EF}"/>
-              </a:ext>
-            </a:extLst>
-          </p:cNvPr>
+          <p:cNvPr id="9" name="Slide Number Placeholder 8"/>
           <p:cNvSpPr>
             <a:spLocks noGrp="1"/>
           </p:cNvSpPr>
@@ -2159,13 +4640,16 @@
     </p:spTree>
     <p:extLst>
       <p:ext uri="{BB962C8B-B14F-4D97-AF65-F5344CB8AC3E}">
-        <p14:creationId xmlns:p14="http://schemas.microsoft.com/office/powerpoint/2010/main" val="4105295163"/>
+        <p14:creationId xmlns:p14="http://schemas.microsoft.com/office/powerpoint/2010/main" val="1102687491"/>
       </p:ext>
     </p:extLst>
   </p:cSld>
   <p:clrMapOvr>
     <a:masterClrMapping/>
   </p:clrMapOvr>
+  <p:transition spd="slow">
+    <p:push dir="u"/>
+  </p:transition>
 </p:sldLayout>
 </file>
 
@@ -2188,13 +4672,7 @@
       </p:grpSpPr>
       <p:sp>
         <p:nvSpPr>
-          <p:cNvPr id="2" name="Title 1">
-            <a:extLst>
-              <a:ext uri="{FF2B5EF4-FFF2-40B4-BE49-F238E27FC236}">
-                <a16:creationId xmlns:a16="http://schemas.microsoft.com/office/drawing/2014/main" id="{CDBB8F10-4EB4-0C0F-03BF-F531D235ADC4}"/>
-              </a:ext>
-            </a:extLst>
-          </p:cNvPr>
+          <p:cNvPr id="2" name="Title 1"/>
           <p:cNvSpPr>
             <a:spLocks noGrp="1"/>
           </p:cNvSpPr>
@@ -2211,19 +4689,13 @@
               <a:rPr lang="en-US"/>
               <a:t>Click to edit Master title style</a:t>
             </a:r>
-            <a:endParaRPr lang="en-GB"/>
-          </a:p>
-        </p:txBody>
-      </p:sp>
-      <p:sp>
-        <p:nvSpPr>
-          <p:cNvPr id="3" name="Date Placeholder 2">
-            <a:extLst>
-              <a:ext uri="{FF2B5EF4-FFF2-40B4-BE49-F238E27FC236}">
-                <a16:creationId xmlns:a16="http://schemas.microsoft.com/office/drawing/2014/main" id="{0F1CEF92-A5CC-B946-CAFC-8C36EB5A1CA9}"/>
-              </a:ext>
-            </a:extLst>
-          </p:cNvPr>
+            <a:endParaRPr lang="en-US" dirty="0"/>
+          </a:p>
+        </p:txBody>
+      </p:sp>
+      <p:sp>
+        <p:nvSpPr>
+          <p:cNvPr id="3" name="Date Placeholder 2"/>
           <p:cNvSpPr>
             <a:spLocks noGrp="1"/>
           </p:cNvSpPr>
@@ -2238,7 +4710,7 @@
           <a:p>
             <a:fld id="{6670FE10-F406-47AF-8AE1-E9BA4C7E25F2}" type="datetimeFigureOut">
               <a:rPr lang="en-GB" smtClean="0"/>
-              <a:t>06/12/2022</a:t>
+              <a:t>03/05/2024</a:t>
             </a:fld>
             <a:endParaRPr lang="en-GB"/>
           </a:p>
@@ -2246,13 +4718,7 @@
       </p:sp>
       <p:sp>
         <p:nvSpPr>
-          <p:cNvPr id="4" name="Footer Placeholder 3">
-            <a:extLst>
-              <a:ext uri="{FF2B5EF4-FFF2-40B4-BE49-F238E27FC236}">
-                <a16:creationId xmlns:a16="http://schemas.microsoft.com/office/drawing/2014/main" id="{79B0AED2-981A-D1A1-3051-5903B7A77705}"/>
-              </a:ext>
-            </a:extLst>
-          </p:cNvPr>
+          <p:cNvPr id="4" name="Footer Placeholder 3"/>
           <p:cNvSpPr>
             <a:spLocks noGrp="1"/>
           </p:cNvSpPr>
@@ -2271,13 +4737,7 @@
       </p:sp>
       <p:sp>
         <p:nvSpPr>
-          <p:cNvPr id="5" name="Slide Number Placeholder 4">
-            <a:extLst>
-              <a:ext uri="{FF2B5EF4-FFF2-40B4-BE49-F238E27FC236}">
-                <a16:creationId xmlns:a16="http://schemas.microsoft.com/office/drawing/2014/main" id="{30C34D5F-9056-9555-8436-92D63EF82CE5}"/>
-              </a:ext>
-            </a:extLst>
-          </p:cNvPr>
+          <p:cNvPr id="5" name="Slide Number Placeholder 4"/>
           <p:cNvSpPr>
             <a:spLocks noGrp="1"/>
           </p:cNvSpPr>
@@ -2301,13 +4761,16 @@
     </p:spTree>
     <p:extLst>
       <p:ext uri="{BB962C8B-B14F-4D97-AF65-F5344CB8AC3E}">
-        <p14:creationId xmlns:p14="http://schemas.microsoft.com/office/powerpoint/2010/main" val="1815160914"/>
+        <p14:creationId xmlns:p14="http://schemas.microsoft.com/office/powerpoint/2010/main" val="3142270273"/>
       </p:ext>
     </p:extLst>
   </p:cSld>
   <p:clrMapOvr>
     <a:masterClrMapping/>
   </p:clrMapOvr>
+  <p:transition spd="slow">
+    <p:push dir="u"/>
+  </p:transition>
 </p:sldLayout>
 </file>
 
@@ -2330,13 +4793,7 @@
       </p:grpSpPr>
       <p:sp>
         <p:nvSpPr>
-          <p:cNvPr id="2" name="Date Placeholder 1">
-            <a:extLst>
-              <a:ext uri="{FF2B5EF4-FFF2-40B4-BE49-F238E27FC236}">
-                <a16:creationId xmlns:a16="http://schemas.microsoft.com/office/drawing/2014/main" id="{B730EC6A-6AD6-AA45-F17C-03F69F0BC0B1}"/>
-              </a:ext>
-            </a:extLst>
-          </p:cNvPr>
+          <p:cNvPr id="2" name="Date Placeholder 1"/>
           <p:cNvSpPr>
             <a:spLocks noGrp="1"/>
           </p:cNvSpPr>
@@ -2351,7 +4808,7 @@
           <a:p>
             <a:fld id="{6670FE10-F406-47AF-8AE1-E9BA4C7E25F2}" type="datetimeFigureOut">
               <a:rPr lang="en-GB" smtClean="0"/>
-              <a:t>06/12/2022</a:t>
+              <a:t>03/05/2024</a:t>
             </a:fld>
             <a:endParaRPr lang="en-GB"/>
           </a:p>
@@ -2359,13 +4816,7 @@
       </p:sp>
       <p:sp>
         <p:nvSpPr>
-          <p:cNvPr id="3" name="Footer Placeholder 2">
-            <a:extLst>
-              <a:ext uri="{FF2B5EF4-FFF2-40B4-BE49-F238E27FC236}">
-                <a16:creationId xmlns:a16="http://schemas.microsoft.com/office/drawing/2014/main" id="{4CE86569-C17C-085A-6CBC-D1C4A1862CB5}"/>
-              </a:ext>
-            </a:extLst>
-          </p:cNvPr>
+          <p:cNvPr id="3" name="Footer Placeholder 2"/>
           <p:cNvSpPr>
             <a:spLocks noGrp="1"/>
           </p:cNvSpPr>
@@ -2384,13 +4835,7 @@
       </p:sp>
       <p:sp>
         <p:nvSpPr>
-          <p:cNvPr id="4" name="Slide Number Placeholder 3">
-            <a:extLst>
-              <a:ext uri="{FF2B5EF4-FFF2-40B4-BE49-F238E27FC236}">
-                <a16:creationId xmlns:a16="http://schemas.microsoft.com/office/drawing/2014/main" id="{78D85FA6-E886-1316-E77C-F547D63906B5}"/>
-              </a:ext>
-            </a:extLst>
-          </p:cNvPr>
+          <p:cNvPr id="4" name="Slide Number Placeholder 3"/>
           <p:cNvSpPr>
             <a:spLocks noGrp="1"/>
           </p:cNvSpPr>
@@ -2414,13 +4859,16 @@
     </p:spTree>
     <p:extLst>
       <p:ext uri="{BB962C8B-B14F-4D97-AF65-F5344CB8AC3E}">
-        <p14:creationId xmlns:p14="http://schemas.microsoft.com/office/powerpoint/2010/main" val="289950511"/>
+        <p14:creationId xmlns:p14="http://schemas.microsoft.com/office/powerpoint/2010/main" val="2950007288"/>
       </p:ext>
     </p:extLst>
   </p:cSld>
   <p:clrMapOvr>
     <a:masterClrMapping/>
   </p:clrMapOvr>
+  <p:transition spd="slow">
+    <p:push dir="u"/>
+  </p:transition>
 </p:sldLayout>
 </file>
 
@@ -2443,13 +4891,7 @@
       </p:grpSpPr>
       <p:sp>
         <p:nvSpPr>
-          <p:cNvPr id="2" name="Title 1">
-            <a:extLst>
-              <a:ext uri="{FF2B5EF4-FFF2-40B4-BE49-F238E27FC236}">
-                <a16:creationId xmlns:a16="http://schemas.microsoft.com/office/drawing/2014/main" id="{0BD7938B-5BC3-3F7E-C07B-69D21045835A}"/>
-              </a:ext>
-            </a:extLst>
-          </p:cNvPr>
+          <p:cNvPr id="2" name="Title 1"/>
           <p:cNvSpPr>
             <a:spLocks noGrp="1"/>
           </p:cNvSpPr>
@@ -2475,19 +4917,13 @@
               <a:rPr lang="en-US"/>
               <a:t>Click to edit Master title style</a:t>
             </a:r>
-            <a:endParaRPr lang="en-GB"/>
-          </a:p>
-        </p:txBody>
-      </p:sp>
-      <p:sp>
-        <p:nvSpPr>
-          <p:cNvPr id="3" name="Content Placeholder 2">
-            <a:extLst>
-              <a:ext uri="{FF2B5EF4-FFF2-40B4-BE49-F238E27FC236}">
-                <a16:creationId xmlns:a16="http://schemas.microsoft.com/office/drawing/2014/main" id="{8BA5A36E-54F8-095F-63F4-D35F0CEA499E}"/>
-              </a:ext>
-            </a:extLst>
-          </p:cNvPr>
+            <a:endParaRPr lang="en-US" dirty="0"/>
+          </a:p>
+        </p:txBody>
+      </p:sp>
+      <p:sp>
+        <p:nvSpPr>
+          <p:cNvPr id="3" name="Content Placeholder 2"/>
           <p:cNvSpPr>
             <a:spLocks noGrp="1"/>
           </p:cNvSpPr>
@@ -2503,35 +4939,7 @@
         </p:spPr>
         <p:txBody>
           <a:bodyPr/>
-          <a:lstStyle>
-            <a:lvl1pPr>
-              <a:defRPr sz="3200"/>
-            </a:lvl1pPr>
-            <a:lvl2pPr>
-              <a:defRPr sz="2800"/>
-            </a:lvl2pPr>
-            <a:lvl3pPr>
-              <a:defRPr sz="2400"/>
-            </a:lvl3pPr>
-            <a:lvl4pPr>
-              <a:defRPr sz="2000"/>
-            </a:lvl4pPr>
-            <a:lvl5pPr>
-              <a:defRPr sz="2000"/>
-            </a:lvl5pPr>
-            <a:lvl6pPr>
-              <a:defRPr sz="2000"/>
-            </a:lvl6pPr>
-            <a:lvl7pPr>
-              <a:defRPr sz="2000"/>
-            </a:lvl7pPr>
-            <a:lvl8pPr>
-              <a:defRPr sz="2000"/>
-            </a:lvl8pPr>
-            <a:lvl9pPr>
-              <a:defRPr sz="2000"/>
-            </a:lvl9pPr>
-          </a:lstStyle>
+          <a:lstStyle/>
           <a:p>
             <a:pPr lvl="0"/>
             <a:r>
@@ -2566,19 +4974,13 @@
               <a:rPr lang="en-US"/>
               <a:t>Fifth level</a:t>
             </a:r>
-            <a:endParaRPr lang="en-GB"/>
-          </a:p>
-        </p:txBody>
-      </p:sp>
-      <p:sp>
-        <p:nvSpPr>
-          <p:cNvPr id="4" name="Text Placeholder 3">
-            <a:extLst>
-              <a:ext uri="{FF2B5EF4-FFF2-40B4-BE49-F238E27FC236}">
-                <a16:creationId xmlns:a16="http://schemas.microsoft.com/office/drawing/2014/main" id="{6E133D28-5C98-8AD3-E53B-B46BC56EF23C}"/>
-              </a:ext>
-            </a:extLst>
-          </p:cNvPr>
+            <a:endParaRPr lang="en-US" dirty="0"/>
+          </a:p>
+        </p:txBody>
+      </p:sp>
+      <p:sp>
+        <p:nvSpPr>
+          <p:cNvPr id="4" name="Text Placeholder 3"/>
           <p:cNvSpPr>
             <a:spLocks noGrp="1"/>
           </p:cNvSpPr>
@@ -2588,8 +4990,8 @@
         </p:nvSpPr>
         <p:spPr>
           <a:xfrm>
-            <a:off x="839788" y="2057400"/>
-            <a:ext cx="3932237" cy="3811588"/>
+            <a:off x="1120000" y="2057400"/>
+            <a:ext cx="3652025" cy="3811588"/>
           </a:xfrm>
         </p:spPr>
         <p:txBody>
@@ -2597,7 +4999,31 @@
           <a:lstStyle>
             <a:lvl1pPr marL="0" indent="0">
               <a:buNone/>
-              <a:defRPr sz="1600"/>
+              <a:defRPr sz="1600">
+                <a:gradFill>
+                  <a:gsLst>
+                    <a:gs pos="15000">
+                      <a:schemeClr val="tx2"/>
+                    </a:gs>
+                    <a:gs pos="73000">
+                      <a:schemeClr val="tx2">
+                        <a:lumMod val="60000"/>
+                        <a:lumOff val="40000"/>
+                      </a:schemeClr>
+                    </a:gs>
+                    <a:gs pos="0">
+                      <a:schemeClr val="tx1"/>
+                    </a:gs>
+                    <a:gs pos="100000">
+                      <a:schemeClr val="tx2">
+                        <a:lumMod val="0"/>
+                        <a:lumOff val="100000"/>
+                      </a:schemeClr>
+                    </a:gs>
+                  </a:gsLst>
+                  <a:lin ang="16200000" scaled="1"/>
+                </a:gradFill>
+              </a:defRPr>
             </a:lvl1pPr>
             <a:lvl2pPr marL="457200" indent="0">
               <a:buNone/>
@@ -2643,13 +5069,7 @@
       </p:sp>
       <p:sp>
         <p:nvSpPr>
-          <p:cNvPr id="5" name="Date Placeholder 4">
-            <a:extLst>
-              <a:ext uri="{FF2B5EF4-FFF2-40B4-BE49-F238E27FC236}">
-                <a16:creationId xmlns:a16="http://schemas.microsoft.com/office/drawing/2014/main" id="{5B6D2A4C-20E2-A896-97ED-F88A7A2385FF}"/>
-              </a:ext>
-            </a:extLst>
-          </p:cNvPr>
+          <p:cNvPr id="5" name="Date Placeholder 4"/>
           <p:cNvSpPr>
             <a:spLocks noGrp="1"/>
           </p:cNvSpPr>
@@ -2664,7 +5084,7 @@
           <a:p>
             <a:fld id="{6670FE10-F406-47AF-8AE1-E9BA4C7E25F2}" type="datetimeFigureOut">
               <a:rPr lang="en-GB" smtClean="0"/>
-              <a:t>06/12/2022</a:t>
+              <a:t>03/05/2024</a:t>
             </a:fld>
             <a:endParaRPr lang="en-GB"/>
           </a:p>
@@ -2672,13 +5092,7 @@
       </p:sp>
       <p:sp>
         <p:nvSpPr>
-          <p:cNvPr id="6" name="Footer Placeholder 5">
-            <a:extLst>
-              <a:ext uri="{FF2B5EF4-FFF2-40B4-BE49-F238E27FC236}">
-                <a16:creationId xmlns:a16="http://schemas.microsoft.com/office/drawing/2014/main" id="{ED56FC89-B6CF-07FC-4053-C9A2B6E43753}"/>
-              </a:ext>
-            </a:extLst>
-          </p:cNvPr>
+          <p:cNvPr id="6" name="Footer Placeholder 5"/>
           <p:cNvSpPr>
             <a:spLocks noGrp="1"/>
           </p:cNvSpPr>
@@ -2697,13 +5111,7 @@
       </p:sp>
       <p:sp>
         <p:nvSpPr>
-          <p:cNvPr id="7" name="Slide Number Placeholder 6">
-            <a:extLst>
-              <a:ext uri="{FF2B5EF4-FFF2-40B4-BE49-F238E27FC236}">
-                <a16:creationId xmlns:a16="http://schemas.microsoft.com/office/drawing/2014/main" id="{C6B4ECD2-23D6-A678-D6E6-CC8E80A4100C}"/>
-              </a:ext>
-            </a:extLst>
-          </p:cNvPr>
+          <p:cNvPr id="7" name="Slide Number Placeholder 6"/>
           <p:cNvSpPr>
             <a:spLocks noGrp="1"/>
           </p:cNvSpPr>
@@ -2727,13 +5135,16 @@
     </p:spTree>
     <p:extLst>
       <p:ext uri="{BB962C8B-B14F-4D97-AF65-F5344CB8AC3E}">
-        <p14:creationId xmlns:p14="http://schemas.microsoft.com/office/powerpoint/2010/main" val="2702068557"/>
+        <p14:creationId xmlns:p14="http://schemas.microsoft.com/office/powerpoint/2010/main" val="2776027873"/>
       </p:ext>
     </p:extLst>
   </p:cSld>
   <p:clrMapOvr>
     <a:masterClrMapping/>
   </p:clrMapOvr>
+  <p:transition spd="slow">
+    <p:push dir="u"/>
+  </p:transition>
 </p:sldLayout>
 </file>
 
@@ -2756,13 +5167,7 @@
       </p:grpSpPr>
       <p:sp>
         <p:nvSpPr>
-          <p:cNvPr id="2" name="Title 1">
-            <a:extLst>
-              <a:ext uri="{FF2B5EF4-FFF2-40B4-BE49-F238E27FC236}">
-                <a16:creationId xmlns:a16="http://schemas.microsoft.com/office/drawing/2014/main" id="{486D62C0-B9AF-01E3-3121-5E4CEC456534}"/>
-              </a:ext>
-            </a:extLst>
-          </p:cNvPr>
+          <p:cNvPr id="2" name="Title 1"/>
           <p:cNvSpPr>
             <a:spLocks noGrp="1"/>
           </p:cNvSpPr>
@@ -2788,21 +5193,15 @@
               <a:rPr lang="en-US"/>
               <a:t>Click to edit Master title style</a:t>
             </a:r>
-            <a:endParaRPr lang="en-GB"/>
-          </a:p>
-        </p:txBody>
-      </p:sp>
-      <p:sp>
-        <p:nvSpPr>
-          <p:cNvPr id="3" name="Picture Placeholder 2">
-            <a:extLst>
-              <a:ext uri="{FF2B5EF4-FFF2-40B4-BE49-F238E27FC236}">
-                <a16:creationId xmlns:a16="http://schemas.microsoft.com/office/drawing/2014/main" id="{C01E6429-9B79-A736-0B9D-B13183DAC690}"/>
-              </a:ext>
-            </a:extLst>
-          </p:cNvPr>
-          <p:cNvSpPr>
-            <a:spLocks noGrp="1"/>
+            <a:endParaRPr lang="en-US" dirty="0"/>
+          </a:p>
+        </p:txBody>
+      </p:sp>
+      <p:sp>
+        <p:nvSpPr>
+          <p:cNvPr id="3" name="Picture Placeholder 2"/>
+          <p:cNvSpPr>
+            <a:spLocks noGrp="1" noChangeAspect="1"/>
           </p:cNvSpPr>
           <p:nvPr>
             <p:ph type="pic" idx="1"/>
@@ -2815,78 +5214,100 @@
           </a:xfrm>
         </p:spPr>
         <p:txBody>
+          <a:bodyPr anchor="t"/>
+          <a:lstStyle>
+            <a:lvl1pPr marL="0" indent="0">
+              <a:buNone/>
+              <a:defRPr sz="3200"/>
+            </a:lvl1pPr>
+            <a:lvl2pPr marL="457200" indent="0">
+              <a:buNone/>
+              <a:defRPr sz="2800"/>
+            </a:lvl2pPr>
+            <a:lvl3pPr marL="914400" indent="0">
+              <a:buNone/>
+              <a:defRPr sz="2400"/>
+            </a:lvl3pPr>
+            <a:lvl4pPr marL="1371600" indent="0">
+              <a:buNone/>
+              <a:defRPr sz="2000"/>
+            </a:lvl4pPr>
+            <a:lvl5pPr marL="1828800" indent="0">
+              <a:buNone/>
+              <a:defRPr sz="2000"/>
+            </a:lvl5pPr>
+            <a:lvl6pPr marL="2286000" indent="0">
+              <a:buNone/>
+              <a:defRPr sz="2000"/>
+            </a:lvl6pPr>
+            <a:lvl7pPr marL="2743200" indent="0">
+              <a:buNone/>
+              <a:defRPr sz="2000"/>
+            </a:lvl7pPr>
+            <a:lvl8pPr marL="3200400" indent="0">
+              <a:buNone/>
+              <a:defRPr sz="2000"/>
+            </a:lvl8pPr>
+            <a:lvl9pPr marL="3657600" indent="0">
+              <a:buNone/>
+              <a:defRPr sz="2000"/>
+            </a:lvl9pPr>
+          </a:lstStyle>
+          <a:p>
+            <a:r>
+              <a:rPr lang="en-US"/>
+              <a:t>Click icon to add picture</a:t>
+            </a:r>
+            <a:endParaRPr lang="en-US" dirty="0"/>
+          </a:p>
+        </p:txBody>
+      </p:sp>
+      <p:sp>
+        <p:nvSpPr>
+          <p:cNvPr id="4" name="Text Placeholder 3"/>
+          <p:cNvSpPr>
+            <a:spLocks noGrp="1"/>
+          </p:cNvSpPr>
+          <p:nvPr>
+            <p:ph type="body" sz="half" idx="2"/>
+          </p:nvPr>
+        </p:nvSpPr>
+        <p:spPr>
+          <a:xfrm>
+            <a:off x="1120000" y="2057400"/>
+            <a:ext cx="3652025" cy="3811588"/>
+          </a:xfrm>
+        </p:spPr>
+        <p:txBody>
           <a:bodyPr/>
           <a:lstStyle>
             <a:lvl1pPr marL="0" indent="0">
               <a:buNone/>
-              <a:defRPr sz="3200"/>
-            </a:lvl1pPr>
-            <a:lvl2pPr marL="457200" indent="0">
-              <a:buNone/>
-              <a:defRPr sz="2800"/>
-            </a:lvl2pPr>
-            <a:lvl3pPr marL="914400" indent="0">
-              <a:buNone/>
-              <a:defRPr sz="2400"/>
-            </a:lvl3pPr>
-            <a:lvl4pPr marL="1371600" indent="0">
-              <a:buNone/>
-              <a:defRPr sz="2000"/>
-            </a:lvl4pPr>
-            <a:lvl5pPr marL="1828800" indent="0">
-              <a:buNone/>
-              <a:defRPr sz="2000"/>
-            </a:lvl5pPr>
-            <a:lvl6pPr marL="2286000" indent="0">
-              <a:buNone/>
-              <a:defRPr sz="2000"/>
-            </a:lvl6pPr>
-            <a:lvl7pPr marL="2743200" indent="0">
-              <a:buNone/>
-              <a:defRPr sz="2000"/>
-            </a:lvl7pPr>
-            <a:lvl8pPr marL="3200400" indent="0">
-              <a:buNone/>
-              <a:defRPr sz="2000"/>
-            </a:lvl8pPr>
-            <a:lvl9pPr marL="3657600" indent="0">
-              <a:buNone/>
-              <a:defRPr sz="2000"/>
-            </a:lvl9pPr>
-          </a:lstStyle>
-          <a:p>
-            <a:endParaRPr lang="en-GB"/>
-          </a:p>
-        </p:txBody>
-      </p:sp>
-      <p:sp>
-        <p:nvSpPr>
-          <p:cNvPr id="4" name="Text Placeholder 3">
-            <a:extLst>
-              <a:ext uri="{FF2B5EF4-FFF2-40B4-BE49-F238E27FC236}">
-                <a16:creationId xmlns:a16="http://schemas.microsoft.com/office/drawing/2014/main" id="{A38859E1-EE15-4687-0846-74724C476ED6}"/>
-              </a:ext>
-            </a:extLst>
-          </p:cNvPr>
-          <p:cNvSpPr>
-            <a:spLocks noGrp="1"/>
-          </p:cNvSpPr>
-          <p:nvPr>
-            <p:ph type="body" sz="half" idx="2"/>
-          </p:nvPr>
-        </p:nvSpPr>
-        <p:spPr>
-          <a:xfrm>
-            <a:off x="839788" y="2057400"/>
-            <a:ext cx="3932237" cy="3811588"/>
-          </a:xfrm>
-        </p:spPr>
-        <p:txBody>
-          <a:bodyPr/>
-          <a:lstStyle>
-            <a:lvl1pPr marL="0" indent="0">
-              <a:buNone/>
-              <a:defRPr sz="1600"/>
+              <a:defRPr sz="1600">
+                <a:gradFill>
+                  <a:gsLst>
+                    <a:gs pos="15000">
+                      <a:schemeClr val="tx2"/>
+                    </a:gs>
+                    <a:gs pos="73000">
+                      <a:schemeClr val="tx2">
+                        <a:lumMod val="60000"/>
+                        <a:lumOff val="40000"/>
+                      </a:schemeClr>
+                    </a:gs>
+                    <a:gs pos="0">
+                      <a:schemeClr val="tx1"/>
+                    </a:gs>
+                    <a:gs pos="100000">
+                      <a:schemeClr val="tx2">
+                        <a:lumMod val="0"/>
+                        <a:lumOff val="100000"/>
+                      </a:schemeClr>
+                    </a:gs>
+                  </a:gsLst>
+                  <a:lin ang="16200000" scaled="1"/>
+                </a:gradFill>
+              </a:defRPr>
             </a:lvl1pPr>
             <a:lvl2pPr marL="457200" indent="0">
               <a:buNone/>
@@ -2932,13 +5353,7 @@
       </p:sp>
       <p:sp>
         <p:nvSpPr>
-          <p:cNvPr id="5" name="Date Placeholder 4">
-            <a:extLst>
-              <a:ext uri="{FF2B5EF4-FFF2-40B4-BE49-F238E27FC236}">
-                <a16:creationId xmlns:a16="http://schemas.microsoft.com/office/drawing/2014/main" id="{CFB76135-5B72-1EEF-F390-24A30E0C2784}"/>
-              </a:ext>
-            </a:extLst>
-          </p:cNvPr>
+          <p:cNvPr id="5" name="Date Placeholder 4"/>
           <p:cNvSpPr>
             <a:spLocks noGrp="1"/>
           </p:cNvSpPr>
@@ -2953,7 +5368,7 @@
           <a:p>
             <a:fld id="{6670FE10-F406-47AF-8AE1-E9BA4C7E25F2}" type="datetimeFigureOut">
               <a:rPr lang="en-GB" smtClean="0"/>
-              <a:t>06/12/2022</a:t>
+              <a:t>03/05/2024</a:t>
             </a:fld>
             <a:endParaRPr lang="en-GB"/>
           </a:p>
@@ -2961,13 +5376,7 @@
       </p:sp>
       <p:sp>
         <p:nvSpPr>
-          <p:cNvPr id="6" name="Footer Placeholder 5">
-            <a:extLst>
-              <a:ext uri="{FF2B5EF4-FFF2-40B4-BE49-F238E27FC236}">
-                <a16:creationId xmlns:a16="http://schemas.microsoft.com/office/drawing/2014/main" id="{35886E81-CAA3-CA1B-34FD-D779E0A78C49}"/>
-              </a:ext>
-            </a:extLst>
-          </p:cNvPr>
+          <p:cNvPr id="6" name="Footer Placeholder 5"/>
           <p:cNvSpPr>
             <a:spLocks noGrp="1"/>
           </p:cNvSpPr>
@@ -2986,13 +5395,7 @@
       </p:sp>
       <p:sp>
         <p:nvSpPr>
-          <p:cNvPr id="7" name="Slide Number Placeholder 6">
-            <a:extLst>
-              <a:ext uri="{FF2B5EF4-FFF2-40B4-BE49-F238E27FC236}">
-                <a16:creationId xmlns:a16="http://schemas.microsoft.com/office/drawing/2014/main" id="{55CACC89-7C0E-4493-8D29-3D8652C25C7A}"/>
-              </a:ext>
-            </a:extLst>
-          </p:cNvPr>
+          <p:cNvPr id="7" name="Slide Number Placeholder 6"/>
           <p:cNvSpPr>
             <a:spLocks noGrp="1"/>
           </p:cNvSpPr>
@@ -3016,13 +5419,16 @@
     </p:spTree>
     <p:extLst>
       <p:ext uri="{BB962C8B-B14F-4D97-AF65-F5344CB8AC3E}">
-        <p14:creationId xmlns:p14="http://schemas.microsoft.com/office/powerpoint/2010/main" val="3687116624"/>
+        <p14:creationId xmlns:p14="http://schemas.microsoft.com/office/powerpoint/2010/main" val="485476267"/>
       </p:ext>
     </p:extLst>
   </p:cSld>
   <p:clrMapOvr>
     <a:masterClrMapping/>
   </p:clrMapOvr>
+  <p:transition spd="slow">
+    <p:push dir="u"/>
+  </p:transition>
 </p:sldLayout>
 </file>
 
@@ -3030,9 +5436,32 @@
 <p:sldMaster xmlns:a="http://schemas.openxmlformats.org/drawingml/2006/main" xmlns:r="http://schemas.openxmlformats.org/officeDocument/2006/relationships" xmlns:p="http://schemas.openxmlformats.org/presentationml/2006/main">
   <p:cSld>
     <p:bg>
-      <p:bgRef idx="1001">
-        <a:schemeClr val="bg1"/>
-      </p:bgRef>
+      <p:bgPr>
+        <a:gradFill flip="none" rotWithShape="1">
+          <a:gsLst>
+            <a:gs pos="0">
+              <a:srgbClr val="002060"/>
+            </a:gs>
+            <a:gs pos="74000">
+              <a:schemeClr val="accent1"/>
+            </a:gs>
+            <a:gs pos="83000">
+              <a:schemeClr val="accent1"/>
+            </a:gs>
+            <a:gs pos="95000">
+              <a:schemeClr val="tx1">
+                <a:lumMod val="44000"/>
+              </a:schemeClr>
+            </a:gs>
+            <a:gs pos="100000">
+              <a:srgbClr val="002060"/>
+            </a:gs>
+          </a:gsLst>
+          <a:lin ang="5400000" scaled="1"/>
+          <a:tileRect/>
+        </a:gradFill>
+        <a:effectLst/>
+      </p:bgPr>
     </p:bg>
     <p:spTree>
       <p:nvGrpSpPr>
@@ -3050,13 +5479,7 @@
       </p:grpSpPr>
       <p:sp>
         <p:nvSpPr>
-          <p:cNvPr id="2" name="Title Placeholder 1">
-            <a:extLst>
-              <a:ext uri="{FF2B5EF4-FFF2-40B4-BE49-F238E27FC236}">
-                <a16:creationId xmlns:a16="http://schemas.microsoft.com/office/drawing/2014/main" id="{2A2A5E74-E7EA-A582-FEFF-7E8B6526EAE3}"/>
-              </a:ext>
-            </a:extLst>
-          </p:cNvPr>
+          <p:cNvPr id="2" name="Title Placeholder 1"/>
           <p:cNvSpPr>
             <a:spLocks noGrp="1"/>
           </p:cNvSpPr>
@@ -3083,19 +5506,13 @@
               <a:rPr lang="en-US"/>
               <a:t>Click to edit Master title style</a:t>
             </a:r>
-            <a:endParaRPr lang="en-GB"/>
-          </a:p>
-        </p:txBody>
-      </p:sp>
-      <p:sp>
-        <p:nvSpPr>
-          <p:cNvPr id="3" name="Text Placeholder 2">
-            <a:extLst>
-              <a:ext uri="{FF2B5EF4-FFF2-40B4-BE49-F238E27FC236}">
-                <a16:creationId xmlns:a16="http://schemas.microsoft.com/office/drawing/2014/main" id="{81F34B22-10EC-C970-0CA4-B2EEE5D4462F}"/>
-              </a:ext>
-            </a:extLst>
-          </p:cNvPr>
+            <a:endParaRPr lang="en-US" dirty="0"/>
+          </a:p>
+        </p:txBody>
+      </p:sp>
+      <p:sp>
+        <p:nvSpPr>
+          <p:cNvPr id="3" name="Text Placeholder 2"/>
           <p:cNvSpPr>
             <a:spLocks noGrp="1"/>
           </p:cNvSpPr>
@@ -3105,8 +5522,8 @@
         </p:nvSpPr>
         <p:spPr>
           <a:xfrm>
-            <a:off x="838200" y="1825625"/>
-            <a:ext cx="10515600" cy="4351338"/>
+            <a:off x="1120000" y="1825625"/>
+            <a:ext cx="10233800" cy="4351338"/>
           </a:xfrm>
           <a:prstGeom prst="rect">
             <a:avLst/>
@@ -3151,19 +5568,13 @@
               <a:rPr lang="en-US"/>
               <a:t>Fifth level</a:t>
             </a:r>
-            <a:endParaRPr lang="en-GB"/>
-          </a:p>
-        </p:txBody>
-      </p:sp>
-      <p:sp>
-        <p:nvSpPr>
-          <p:cNvPr id="4" name="Date Placeholder 3">
-            <a:extLst>
-              <a:ext uri="{FF2B5EF4-FFF2-40B4-BE49-F238E27FC236}">
-                <a16:creationId xmlns:a16="http://schemas.microsoft.com/office/drawing/2014/main" id="{EB568B27-F4D1-8804-8F24-49F4B5CF6401}"/>
-              </a:ext>
-            </a:extLst>
-          </p:cNvPr>
+            <a:endParaRPr lang="en-US" dirty="0"/>
+          </a:p>
+        </p:txBody>
+      </p:sp>
+      <p:sp>
+        <p:nvSpPr>
+          <p:cNvPr id="4" name="Date Placeholder 3"/>
           <p:cNvSpPr>
             <a:spLocks noGrp="1"/>
           </p:cNvSpPr>
@@ -3185,18 +5596,36 @@
           <a:lstStyle>
             <a:lvl1pPr algn="l">
               <a:defRPr sz="1200">
-                <a:solidFill>
-                  <a:schemeClr val="tx1">
-                    <a:tint val="75000"/>
-                  </a:schemeClr>
-                </a:solidFill>
+                <a:gradFill flip="none" rotWithShape="1">
+                  <a:gsLst>
+                    <a:gs pos="28000">
+                      <a:schemeClr val="tx1">
+                        <a:lumMod val="93000"/>
+                      </a:schemeClr>
+                    </a:gs>
+                    <a:gs pos="0">
+                      <a:schemeClr val="bg1">
+                        <a:lumMod val="38000"/>
+                        <a:lumOff val="62000"/>
+                      </a:schemeClr>
+                    </a:gs>
+                    <a:gs pos="100000">
+                      <a:schemeClr val="tx2">
+                        <a:lumMod val="0"/>
+                        <a:lumOff val="100000"/>
+                      </a:schemeClr>
+                    </a:gs>
+                  </a:gsLst>
+                  <a:lin ang="5400000" scaled="1"/>
+                  <a:tileRect/>
+                </a:gradFill>
               </a:defRPr>
             </a:lvl1pPr>
           </a:lstStyle>
           <a:p>
             <a:fld id="{6670FE10-F406-47AF-8AE1-E9BA4C7E25F2}" type="datetimeFigureOut">
               <a:rPr lang="en-GB" smtClean="0"/>
-              <a:t>06/12/2022</a:t>
+              <a:t>03/05/2024</a:t>
             </a:fld>
             <a:endParaRPr lang="en-GB"/>
           </a:p>
@@ -3204,13 +5633,7 @@
       </p:sp>
       <p:sp>
         <p:nvSpPr>
-          <p:cNvPr id="5" name="Footer Placeholder 4">
-            <a:extLst>
-              <a:ext uri="{FF2B5EF4-FFF2-40B4-BE49-F238E27FC236}">
-                <a16:creationId xmlns:a16="http://schemas.microsoft.com/office/drawing/2014/main" id="{0FE3C49D-7C0D-DBB2-ECF5-D83556B8653A}"/>
-              </a:ext>
-            </a:extLst>
-          </p:cNvPr>
+          <p:cNvPr id="5" name="Footer Placeholder 4"/>
           <p:cNvSpPr>
             <a:spLocks noGrp="1"/>
           </p:cNvSpPr>
@@ -3232,11 +5655,29 @@
           <a:lstStyle>
             <a:lvl1pPr algn="ctr">
               <a:defRPr sz="1200">
-                <a:solidFill>
-                  <a:schemeClr val="tx1">
-                    <a:tint val="75000"/>
-                  </a:schemeClr>
-                </a:solidFill>
+                <a:gradFill flip="none" rotWithShape="1">
+                  <a:gsLst>
+                    <a:gs pos="28000">
+                      <a:schemeClr val="tx1">
+                        <a:lumMod val="93000"/>
+                      </a:schemeClr>
+                    </a:gs>
+                    <a:gs pos="0">
+                      <a:schemeClr val="bg1">
+                        <a:lumMod val="38000"/>
+                        <a:lumOff val="62000"/>
+                      </a:schemeClr>
+                    </a:gs>
+                    <a:gs pos="100000">
+                      <a:schemeClr val="tx2">
+                        <a:lumMod val="0"/>
+                        <a:lumOff val="100000"/>
+                      </a:schemeClr>
+                    </a:gs>
+                  </a:gsLst>
+                  <a:lin ang="5400000" scaled="1"/>
+                  <a:tileRect/>
+                </a:gradFill>
               </a:defRPr>
             </a:lvl1pPr>
           </a:lstStyle>
@@ -3247,13 +5688,7 @@
       </p:sp>
       <p:sp>
         <p:nvSpPr>
-          <p:cNvPr id="6" name="Slide Number Placeholder 5">
-            <a:extLst>
-              <a:ext uri="{FF2B5EF4-FFF2-40B4-BE49-F238E27FC236}">
-                <a16:creationId xmlns:a16="http://schemas.microsoft.com/office/drawing/2014/main" id="{C8EB63AB-DEAA-1B23-7F83-4CF51358DAA8}"/>
-              </a:ext>
-            </a:extLst>
-          </p:cNvPr>
+          <p:cNvPr id="6" name="Slide Number Placeholder 5"/>
           <p:cNvSpPr>
             <a:spLocks noGrp="1"/>
           </p:cNvSpPr>
@@ -3275,11 +5710,29 @@
           <a:lstStyle>
             <a:lvl1pPr algn="r">
               <a:defRPr sz="1200">
-                <a:solidFill>
-                  <a:schemeClr val="tx1">
-                    <a:tint val="75000"/>
-                  </a:schemeClr>
-                </a:solidFill>
+                <a:gradFill flip="none" rotWithShape="1">
+                  <a:gsLst>
+                    <a:gs pos="28000">
+                      <a:schemeClr val="tx1">
+                        <a:lumMod val="93000"/>
+                      </a:schemeClr>
+                    </a:gs>
+                    <a:gs pos="0">
+                      <a:schemeClr val="bg1">
+                        <a:lumMod val="38000"/>
+                        <a:lumOff val="62000"/>
+                      </a:schemeClr>
+                    </a:gs>
+                    <a:gs pos="100000">
+                      <a:schemeClr val="tx2">
+                        <a:lumMod val="0"/>
+                        <a:lumOff val="100000"/>
+                      </a:schemeClr>
+                    </a:gs>
+                  </a:gsLst>
+                  <a:lin ang="5400000" scaled="1"/>
+                  <a:tileRect/>
+                </a:gradFill>
               </a:defRPr>
             </a:lvl1pPr>
           </a:lstStyle>
@@ -3295,24 +5748,33 @@
     </p:spTree>
     <p:extLst>
       <p:ext uri="{BB962C8B-B14F-4D97-AF65-F5344CB8AC3E}">
-        <p14:creationId xmlns:p14="http://schemas.microsoft.com/office/powerpoint/2010/main" val="1381736338"/>
+        <p14:creationId xmlns:p14="http://schemas.microsoft.com/office/powerpoint/2010/main" val="4005417873"/>
       </p:ext>
     </p:extLst>
   </p:cSld>
-  <p:clrMap bg1="lt1" tx1="dk1" bg2="lt2" tx2="dk2" accent1="accent1" accent2="accent2" accent3="accent3" accent4="accent4" accent5="accent5" accent6="accent6" hlink="hlink" folHlink="folHlink"/>
+  <p:clrMap bg1="dk1" tx1="lt1" bg2="dk2" tx2="lt2" accent1="accent1" accent2="accent2" accent3="accent3" accent4="accent4" accent5="accent5" accent6="accent6" hlink="hlink" folHlink="folHlink"/>
   <p:sldLayoutIdLst>
-    <p:sldLayoutId id="2147483649" r:id="rId1"/>
-    <p:sldLayoutId id="2147483650" r:id="rId2"/>
-    <p:sldLayoutId id="2147483651" r:id="rId3"/>
-    <p:sldLayoutId id="2147483652" r:id="rId4"/>
-    <p:sldLayoutId id="2147483653" r:id="rId5"/>
-    <p:sldLayoutId id="2147483654" r:id="rId6"/>
-    <p:sldLayoutId id="2147483655" r:id="rId7"/>
-    <p:sldLayoutId id="2147483656" r:id="rId8"/>
-    <p:sldLayoutId id="2147483657" r:id="rId9"/>
-    <p:sldLayoutId id="2147483658" r:id="rId10"/>
-    <p:sldLayoutId id="2147483659" r:id="rId11"/>
+    <p:sldLayoutId id="2147483661" r:id="rId1"/>
+    <p:sldLayoutId id="2147483662" r:id="rId2"/>
+    <p:sldLayoutId id="2147483663" r:id="rId3"/>
+    <p:sldLayoutId id="2147483664" r:id="rId4"/>
+    <p:sldLayoutId id="2147483665" r:id="rId5"/>
+    <p:sldLayoutId id="2147483666" r:id="rId6"/>
+    <p:sldLayoutId id="2147483667" r:id="rId7"/>
+    <p:sldLayoutId id="2147483668" r:id="rId8"/>
+    <p:sldLayoutId id="2147483669" r:id="rId9"/>
+    <p:sldLayoutId id="2147483670" r:id="rId10"/>
+    <p:sldLayoutId id="2147483671" r:id="rId11"/>
+    <p:sldLayoutId id="2147483672" r:id="rId12"/>
+    <p:sldLayoutId id="2147483673" r:id="rId13"/>
+    <p:sldLayoutId id="2147483674" r:id="rId14"/>
+    <p:sldLayoutId id="2147483675" r:id="rId15"/>
+    <p:sldLayoutId id="2147483676" r:id="rId16"/>
+    <p:sldLayoutId id="2147483677" r:id="rId17"/>
   </p:sldLayoutIdLst>
+  <p:transition spd="slow">
+    <p:push dir="u"/>
+  </p:transition>
   <p:txStyles>
     <p:titleStyle>
       <a:lvl1pPr algn="l" defTabSz="914400" rtl="0" eaLnBrk="1" latinLnBrk="0" hangingPunct="1">
@@ -3323,10 +5785,30 @@
           <a:spcPct val="0"/>
         </a:spcBef>
         <a:buNone/>
-        <a:defRPr sz="4400" kern="1200">
-          <a:solidFill>
-            <a:schemeClr val="tx1"/>
-          </a:solidFill>
+        <a:defRPr sz="5400" b="0" kern="1200">
+          <a:gradFill flip="none" rotWithShape="1">
+            <a:gsLst>
+              <a:gs pos="28000">
+                <a:schemeClr val="tx1">
+                  <a:lumMod val="93000"/>
+                </a:schemeClr>
+              </a:gs>
+              <a:gs pos="0">
+                <a:schemeClr val="bg1">
+                  <a:lumMod val="25000"/>
+                  <a:lumOff val="75000"/>
+                </a:schemeClr>
+              </a:gs>
+              <a:gs pos="100000">
+                <a:schemeClr val="tx2">
+                  <a:lumMod val="0"/>
+                  <a:lumOff val="100000"/>
+                </a:schemeClr>
+              </a:gs>
+            </a:gsLst>
+            <a:lin ang="4800000" scaled="0"/>
+            <a:tileRect/>
+          </a:gradFill>
           <a:latin typeface="+mj-lt"/>
           <a:ea typeface="+mj-ea"/>
           <a:cs typeface="+mj-cs"/>
@@ -3344,9 +5826,28 @@
         <a:buFont typeface="Arial" panose="020B0604020202020204" pitchFamily="34" charset="0"/>
         <a:buChar char="•"/>
         <a:defRPr sz="2800" kern="1200">
-          <a:solidFill>
-            <a:schemeClr val="tx1"/>
-          </a:solidFill>
+          <a:gradFill>
+            <a:gsLst>
+              <a:gs pos="34000">
+                <a:schemeClr val="tx1">
+                  <a:lumMod val="93000"/>
+                </a:schemeClr>
+              </a:gs>
+              <a:gs pos="0">
+                <a:schemeClr val="bg1">
+                  <a:lumMod val="25000"/>
+                  <a:lumOff val="75000"/>
+                </a:schemeClr>
+              </a:gs>
+              <a:gs pos="100000">
+                <a:schemeClr val="tx2">
+                  <a:lumMod val="0"/>
+                  <a:lumOff val="100000"/>
+                </a:schemeClr>
+              </a:gs>
+            </a:gsLst>
+            <a:lin ang="4800000" scaled="0"/>
+          </a:gradFill>
           <a:latin typeface="+mn-lt"/>
           <a:ea typeface="+mn-ea"/>
           <a:cs typeface="+mn-cs"/>
@@ -3362,9 +5863,28 @@
         <a:buFont typeface="Arial" panose="020B0604020202020204" pitchFamily="34" charset="0"/>
         <a:buChar char="•"/>
         <a:defRPr sz="2400" kern="1200">
-          <a:solidFill>
-            <a:schemeClr val="tx1"/>
-          </a:solidFill>
+          <a:gradFill>
+            <a:gsLst>
+              <a:gs pos="34000">
+                <a:schemeClr val="tx1">
+                  <a:lumMod val="93000"/>
+                </a:schemeClr>
+              </a:gs>
+              <a:gs pos="0">
+                <a:schemeClr val="bg1">
+                  <a:lumMod val="25000"/>
+                  <a:lumOff val="75000"/>
+                </a:schemeClr>
+              </a:gs>
+              <a:gs pos="100000">
+                <a:schemeClr val="tx2">
+                  <a:lumMod val="0"/>
+                  <a:lumOff val="100000"/>
+                </a:schemeClr>
+              </a:gs>
+            </a:gsLst>
+            <a:lin ang="4800000" scaled="0"/>
+          </a:gradFill>
           <a:latin typeface="+mn-lt"/>
           <a:ea typeface="+mn-ea"/>
           <a:cs typeface="+mn-cs"/>
@@ -3380,9 +5900,28 @@
         <a:buFont typeface="Arial" panose="020B0604020202020204" pitchFamily="34" charset="0"/>
         <a:buChar char="•"/>
         <a:defRPr sz="2000" kern="1200">
-          <a:solidFill>
-            <a:schemeClr val="tx1"/>
-          </a:solidFill>
+          <a:gradFill>
+            <a:gsLst>
+              <a:gs pos="34000">
+                <a:schemeClr val="tx1">
+                  <a:lumMod val="93000"/>
+                </a:schemeClr>
+              </a:gs>
+              <a:gs pos="0">
+                <a:schemeClr val="bg1">
+                  <a:lumMod val="25000"/>
+                  <a:lumOff val="75000"/>
+                </a:schemeClr>
+              </a:gs>
+              <a:gs pos="100000">
+                <a:schemeClr val="tx2">
+                  <a:lumMod val="0"/>
+                  <a:lumOff val="100000"/>
+                </a:schemeClr>
+              </a:gs>
+            </a:gsLst>
+            <a:lin ang="4800000" scaled="0"/>
+          </a:gradFill>
           <a:latin typeface="+mn-lt"/>
           <a:ea typeface="+mn-ea"/>
           <a:cs typeface="+mn-cs"/>
@@ -3398,9 +5937,28 @@
         <a:buFont typeface="Arial" panose="020B0604020202020204" pitchFamily="34" charset="0"/>
         <a:buChar char="•"/>
         <a:defRPr sz="1800" kern="1200">
-          <a:solidFill>
-            <a:schemeClr val="tx1"/>
-          </a:solidFill>
+          <a:gradFill>
+            <a:gsLst>
+              <a:gs pos="34000">
+                <a:schemeClr val="tx1">
+                  <a:lumMod val="93000"/>
+                </a:schemeClr>
+              </a:gs>
+              <a:gs pos="0">
+                <a:schemeClr val="bg1">
+                  <a:lumMod val="25000"/>
+                  <a:lumOff val="75000"/>
+                </a:schemeClr>
+              </a:gs>
+              <a:gs pos="100000">
+                <a:schemeClr val="tx2">
+                  <a:lumMod val="0"/>
+                  <a:lumOff val="100000"/>
+                </a:schemeClr>
+              </a:gs>
+            </a:gsLst>
+            <a:lin ang="4800000" scaled="0"/>
+          </a:gradFill>
           <a:latin typeface="+mn-lt"/>
           <a:ea typeface="+mn-ea"/>
           <a:cs typeface="+mn-cs"/>
@@ -3416,9 +5974,28 @@
         <a:buFont typeface="Arial" panose="020B0604020202020204" pitchFamily="34" charset="0"/>
         <a:buChar char="•"/>
         <a:defRPr sz="1800" kern="1200">
-          <a:solidFill>
-            <a:schemeClr val="tx1"/>
-          </a:solidFill>
+          <a:gradFill>
+            <a:gsLst>
+              <a:gs pos="34000">
+                <a:schemeClr val="tx1">
+                  <a:lumMod val="93000"/>
+                </a:schemeClr>
+              </a:gs>
+              <a:gs pos="0">
+                <a:schemeClr val="bg1">
+                  <a:lumMod val="25000"/>
+                  <a:lumOff val="75000"/>
+                </a:schemeClr>
+              </a:gs>
+              <a:gs pos="100000">
+                <a:schemeClr val="tx2">
+                  <a:lumMod val="0"/>
+                  <a:lumOff val="100000"/>
+                </a:schemeClr>
+              </a:gs>
+            </a:gsLst>
+            <a:lin ang="4800000" scaled="0"/>
+          </a:gradFill>
           <a:latin typeface="+mn-lt"/>
           <a:ea typeface="+mn-ea"/>
           <a:cs typeface="+mn-cs"/>
@@ -3626,7 +6203,7 @@
             <a:spLocks noGrp="1"/>
           </p:cNvSpPr>
           <p:nvPr>
-            <p:ph type="ctrTitle"/>
+            <p:ph type="title"/>
           </p:nvPr>
         </p:nvSpPr>
         <p:spPr/>
@@ -3641,28 +6218,189 @@
           </a:p>
         </p:txBody>
       </p:sp>
-      <p:sp>
-        <p:nvSpPr>
-          <p:cNvPr id="3" name="Subtitle 2">
+      <p:pic>
+        <p:nvPicPr>
+          <p:cNvPr id="7" name="Picture 6">
             <a:extLst>
               <a:ext uri="{FF2B5EF4-FFF2-40B4-BE49-F238E27FC236}">
-                <a16:creationId xmlns:a16="http://schemas.microsoft.com/office/drawing/2014/main" id="{7730DC87-B7BC-1B7B-AB86-8B0F1FACBC23}"/>
+                <a16:creationId xmlns:a16="http://schemas.microsoft.com/office/drawing/2014/main" id="{284BA440-D813-1B17-7490-FD40CC5FD115}"/>
               </a:ext>
             </a:extLst>
           </p:cNvPr>
-          <p:cNvSpPr>
-            <a:spLocks noGrp="1"/>
-          </p:cNvSpPr>
-          <p:nvPr>
-            <p:ph type="subTitle" idx="1"/>
-          </p:nvPr>
-        </p:nvSpPr>
-        <p:spPr/>
-        <p:txBody>
-          <a:bodyPr/>
-          <a:lstStyle/>
+          <p:cNvPicPr>
+            <a:picLocks noChangeAspect="1"/>
+          </p:cNvPicPr>
+          <p:nvPr/>
+        </p:nvPicPr>
+        <p:blipFill>
+          <a:blip r:embed="rId2">
+            <a:extLst>
+              <a:ext uri="{28A0092B-C50C-407E-A947-70E740481C1C}">
+                <a14:useLocalDpi xmlns:a14="http://schemas.microsoft.com/office/drawing/2010/main" val="0"/>
+              </a:ext>
+            </a:extLst>
+          </a:blip>
+          <a:stretch>
+            <a:fillRect/>
+          </a:stretch>
+        </p:blipFill>
+        <p:spPr>
+          <a:xfrm>
+            <a:off x="0" y="0"/>
+            <a:ext cx="12192000" cy="6858000"/>
+          </a:xfrm>
+          <a:prstGeom prst="rect">
+            <a:avLst/>
+          </a:prstGeom>
+        </p:spPr>
+      </p:pic>
+      <p:sp>
+        <p:nvSpPr>
+          <p:cNvPr id="8" name="Title 1">
+            <a:extLst>
+              <a:ext uri="{FF2B5EF4-FFF2-40B4-BE49-F238E27FC236}">
+                <a16:creationId xmlns:a16="http://schemas.microsoft.com/office/drawing/2014/main" id="{3B3E0D2F-4136-22EC-3962-11FB0A72E39B}"/>
+              </a:ext>
+            </a:extLst>
+          </p:cNvPr>
+          <p:cNvSpPr txBox="1">
+            <a:spLocks/>
+          </p:cNvSpPr>
+          <p:nvPr/>
+        </p:nvSpPr>
+        <p:spPr>
+          <a:xfrm>
+            <a:off x="990600" y="517526"/>
+            <a:ext cx="10515600" cy="1109052"/>
+          </a:xfrm>
+          <a:prstGeom prst="rect">
+            <a:avLst/>
+          </a:prstGeom>
+        </p:spPr>
+        <p:txBody>
+          <a:bodyPr vert="horz" lIns="91440" tIns="45720" rIns="91440" bIns="45720" rtlCol="0" anchor="ctr">
+            <a:normAutofit/>
+          </a:bodyPr>
+          <a:lstStyle>
+            <a:lvl1pPr algn="l" defTabSz="914400" rtl="0" eaLnBrk="1" latinLnBrk="0" hangingPunct="1">
+              <a:lnSpc>
+                <a:spcPct val="90000"/>
+              </a:lnSpc>
+              <a:spcBef>
+                <a:spcPct val="0"/>
+              </a:spcBef>
+              <a:buNone/>
+              <a:defRPr sz="5400" b="0" kern="1200">
+                <a:gradFill flip="none" rotWithShape="1">
+                  <a:gsLst>
+                    <a:gs pos="28000">
+                      <a:schemeClr val="tx1">
+                        <a:lumMod val="93000"/>
+                      </a:schemeClr>
+                    </a:gs>
+                    <a:gs pos="0">
+                      <a:schemeClr val="bg1">
+                        <a:lumMod val="25000"/>
+                        <a:lumOff val="75000"/>
+                      </a:schemeClr>
+                    </a:gs>
+                    <a:gs pos="100000">
+                      <a:schemeClr val="tx2">
+                        <a:lumMod val="0"/>
+                        <a:lumOff val="100000"/>
+                      </a:schemeClr>
+                    </a:gs>
+                  </a:gsLst>
+                  <a:lin ang="4800000" scaled="0"/>
+                  <a:tileRect/>
+                </a:gradFill>
+                <a:latin typeface="+mj-lt"/>
+                <a:ea typeface="+mj-ea"/>
+                <a:cs typeface="+mj-cs"/>
+              </a:defRPr>
+            </a:lvl1pPr>
+          </a:lstStyle>
           <a:p>
             <a:endParaRPr lang="en-GB" dirty="0"/>
+          </a:p>
+        </p:txBody>
+      </p:sp>
+      <p:sp>
+        <p:nvSpPr>
+          <p:cNvPr id="9" name="Title 1">
+            <a:extLst>
+              <a:ext uri="{FF2B5EF4-FFF2-40B4-BE49-F238E27FC236}">
+                <a16:creationId xmlns:a16="http://schemas.microsoft.com/office/drawing/2014/main" id="{6C38DC0C-FF41-99CF-AAD2-220DF25567D5}"/>
+              </a:ext>
+            </a:extLst>
+          </p:cNvPr>
+          <p:cNvSpPr txBox="1">
+            <a:spLocks/>
+          </p:cNvSpPr>
+          <p:nvPr/>
+        </p:nvSpPr>
+        <p:spPr>
+          <a:xfrm>
+            <a:off x="4174578" y="5441921"/>
+            <a:ext cx="5659705" cy="572720"/>
+          </a:xfrm>
+          <a:prstGeom prst="rect">
+            <a:avLst/>
+          </a:prstGeom>
+        </p:spPr>
+        <p:txBody>
+          <a:bodyPr vert="horz" lIns="91440" tIns="45720" rIns="91440" bIns="45720" rtlCol="0" anchor="ctr">
+            <a:noAutofit/>
+          </a:bodyPr>
+          <a:lstStyle>
+            <a:lvl1pPr algn="l" defTabSz="914400" rtl="0" eaLnBrk="1" latinLnBrk="0" hangingPunct="1">
+              <a:lnSpc>
+                <a:spcPct val="90000"/>
+              </a:lnSpc>
+              <a:spcBef>
+                <a:spcPct val="0"/>
+              </a:spcBef>
+              <a:buNone/>
+              <a:defRPr sz="5400" b="0" kern="1200">
+                <a:gradFill flip="none" rotWithShape="1">
+                  <a:gsLst>
+                    <a:gs pos="28000">
+                      <a:schemeClr val="tx1">
+                        <a:lumMod val="93000"/>
+                      </a:schemeClr>
+                    </a:gs>
+                    <a:gs pos="0">
+                      <a:schemeClr val="bg1">
+                        <a:lumMod val="25000"/>
+                        <a:lumOff val="75000"/>
+                      </a:schemeClr>
+                    </a:gs>
+                    <a:gs pos="100000">
+                      <a:schemeClr val="tx2">
+                        <a:lumMod val="0"/>
+                        <a:lumOff val="100000"/>
+                      </a:schemeClr>
+                    </a:gs>
+                  </a:gsLst>
+                  <a:lin ang="4800000" scaled="0"/>
+                  <a:tileRect/>
+                </a:gradFill>
+                <a:latin typeface="+mj-lt"/>
+                <a:ea typeface="+mj-ea"/>
+                <a:cs typeface="+mj-cs"/>
+              </a:defRPr>
+            </a:lvl1pPr>
+          </a:lstStyle>
+          <a:p>
+            <a:r>
+              <a:rPr lang="en-GB" sz="3000" b="1" dirty="0">
+                <a:solidFill>
+                  <a:schemeClr val="tx1"/>
+                </a:solidFill>
+                <a:latin typeface="+mn-lt"/>
+              </a:rPr>
+              <a:t>CUSTOMER REVIEWS INSIGHTS</a:t>
+            </a:r>
           </a:p>
         </p:txBody>
       </p:sp>
@@ -3676,6 +6414,1675 @@
   <p:clrMapOvr>
     <a:masterClrMapping/>
   </p:clrMapOvr>
+  <p:transition spd="slow">
+    <p:push dir="u"/>
+  </p:transition>
+</p:sld>
+</file>
+
+<file path=ppt/slides/slide10.xml><?xml version="1.0" encoding="utf-8"?>
+<p:sld xmlns:a="http://schemas.openxmlformats.org/drawingml/2006/main" xmlns:r="http://schemas.openxmlformats.org/officeDocument/2006/relationships" xmlns:p="http://schemas.openxmlformats.org/presentationml/2006/main">
+  <p:cSld>
+    <p:spTree>
+      <p:nvGrpSpPr>
+        <p:cNvPr id="1" name=""/>
+        <p:cNvGrpSpPr/>
+        <p:nvPr/>
+      </p:nvGrpSpPr>
+      <p:grpSpPr>
+        <a:xfrm>
+          <a:off x="0" y="0"/>
+          <a:ext cx="0" cy="0"/>
+          <a:chOff x="0" y="0"/>
+          <a:chExt cx="0" cy="0"/>
+        </a:xfrm>
+      </p:grpSpPr>
+      <p:sp>
+        <p:nvSpPr>
+          <p:cNvPr id="2" name="Title 1">
+            <a:extLst>
+              <a:ext uri="{FF2B5EF4-FFF2-40B4-BE49-F238E27FC236}">
+                <a16:creationId xmlns:a16="http://schemas.microsoft.com/office/drawing/2014/main" id="{63CB85E3-3BE4-86A0-FDED-90B08E3D6A83}"/>
+              </a:ext>
+            </a:extLst>
+          </p:cNvPr>
+          <p:cNvSpPr>
+            <a:spLocks noGrp="1"/>
+          </p:cNvSpPr>
+          <p:nvPr>
+            <p:ph type="title"/>
+          </p:nvPr>
+        </p:nvSpPr>
+        <p:spPr/>
+        <p:txBody>
+          <a:bodyPr>
+            <a:normAutofit/>
+          </a:bodyPr>
+          <a:lstStyle/>
+          <a:p>
+            <a:r>
+              <a:rPr lang="en-US" sz="3200" b="1" dirty="0">
+                <a:latin typeface="Calibri" panose="020F0502020204030204" pitchFamily="34" charset="0"/>
+                <a:cs typeface="Calibri" panose="020F0502020204030204" pitchFamily="34" charset="0"/>
+              </a:rPr>
+              <a:t>WEAKNESS OF BRITISH AIRWAYS</a:t>
+            </a:r>
+            <a:endParaRPr lang="en-IN" sz="3200" b="1" dirty="0">
+              <a:latin typeface="Calibri" panose="020F0502020204030204" pitchFamily="34" charset="0"/>
+              <a:cs typeface="Calibri" panose="020F0502020204030204" pitchFamily="34" charset="0"/>
+            </a:endParaRPr>
+          </a:p>
+        </p:txBody>
+      </p:sp>
+      <p:sp>
+        <p:nvSpPr>
+          <p:cNvPr id="4" name="Rectangle 1">
+            <a:extLst>
+              <a:ext uri="{FF2B5EF4-FFF2-40B4-BE49-F238E27FC236}">
+                <a16:creationId xmlns:a16="http://schemas.microsoft.com/office/drawing/2014/main" id="{AFBE0B7B-286C-E70C-1F9F-8662D6EDE4E6}"/>
+              </a:ext>
+            </a:extLst>
+          </p:cNvPr>
+          <p:cNvSpPr>
+            <a:spLocks noGrp="1" noChangeArrowheads="1"/>
+          </p:cNvSpPr>
+          <p:nvPr>
+            <p:ph idx="1"/>
+          </p:nvPr>
+        </p:nvSpPr>
+        <p:spPr bwMode="auto">
+          <a:xfrm>
+            <a:off x="923925" y="2087165"/>
+            <a:ext cx="10493194" cy="3693319"/>
+          </a:xfrm>
+          <a:prstGeom prst="rect">
+            <a:avLst/>
+          </a:prstGeom>
+          <a:noFill/>
+          <a:ln>
+            <a:noFill/>
+          </a:ln>
+          <a:effectLst/>
+          <a:extLst>
+            <a:ext uri="{909E8E84-426E-40DD-AFC4-6F175D3DCCD1}">
+              <a14:hiddenFill xmlns:a14="http://schemas.microsoft.com/office/drawing/2010/main">
+                <a:solidFill>
+                  <a:schemeClr val="accent1"/>
+                </a:solidFill>
+              </a14:hiddenFill>
+            </a:ext>
+            <a:ext uri="{91240B29-F687-4F45-9708-019B960494DF}">
+              <a14:hiddenLine xmlns:a14="http://schemas.microsoft.com/office/drawing/2010/main" w="9525">
+                <a:solidFill>
+                  <a:schemeClr val="tx1"/>
+                </a:solidFill>
+                <a:miter lim="800000"/>
+                <a:headEnd/>
+                <a:tailEnd/>
+              </a14:hiddenLine>
+            </a:ext>
+            <a:ext uri="{AF507438-7753-43E0-B8FC-AC1667EBCBE1}">
+              <a14:hiddenEffects xmlns:a14="http://schemas.microsoft.com/office/drawing/2010/main">
+                <a:effectLst>
+                  <a:outerShdw dist="35921" dir="2700000" algn="ctr" rotWithShape="0">
+                    <a:schemeClr val="bg2"/>
+                  </a:outerShdw>
+                </a:effectLst>
+              </a14:hiddenEffects>
+            </a:ext>
+          </a:extLst>
+        </p:spPr>
+        <p:txBody>
+          <a:bodyPr vert="horz" wrap="none" lIns="91440" tIns="45720" rIns="91440" bIns="45720" numCol="1" anchor="ctr" anchorCtr="0" compatLnSpc="1">
+            <a:prstTxWarp prst="textNoShape">
+              <a:avLst/>
+            </a:prstTxWarp>
+            <a:spAutoFit/>
+          </a:bodyPr>
+          <a:lstStyle/>
+          <a:p>
+            <a:pPr marL="0" marR="0" lvl="0" indent="0" algn="l" defTabSz="914400" rtl="0" eaLnBrk="0" fontAlgn="base" latinLnBrk="0" hangingPunct="0">
+              <a:lnSpc>
+                <a:spcPct val="100000"/>
+              </a:lnSpc>
+              <a:spcBef>
+                <a:spcPct val="0"/>
+              </a:spcBef>
+              <a:spcAft>
+                <a:spcPct val="0"/>
+              </a:spcAft>
+              <a:buClrTx/>
+              <a:buSzTx/>
+              <a:buFontTx/>
+              <a:buAutoNum type="arabicPeriod"/>
+              <a:tabLst/>
+            </a:pPr>
+            <a:r>
+              <a:rPr kumimoji="0" lang="en-US" altLang="en-US" sz="1800" b="1" i="0" u="none" strike="noStrike" cap="none" normalizeH="0" baseline="0" dirty="0">
+                <a:ln>
+                  <a:noFill/>
+                </a:ln>
+                <a:solidFill>
+                  <a:schemeClr val="tx1"/>
+                </a:solidFill>
+                <a:effectLst/>
+                <a:latin typeface="Calibri" panose="020F0502020204030204" pitchFamily="34" charset="0"/>
+                <a:cs typeface="Calibri" panose="020F0502020204030204" pitchFamily="34" charset="0"/>
+              </a:rPr>
+              <a:t>Inadequate Customer Service</a:t>
+            </a:r>
+            <a:r>
+              <a:rPr kumimoji="0" lang="en-US" altLang="en-US" sz="1800" b="0" i="0" u="none" strike="noStrike" cap="none" normalizeH="0" baseline="0" dirty="0">
+                <a:ln>
+                  <a:noFill/>
+                </a:ln>
+                <a:solidFill>
+                  <a:schemeClr val="tx1"/>
+                </a:solidFill>
+                <a:effectLst/>
+                <a:latin typeface="Calibri" panose="020F0502020204030204" pitchFamily="34" charset="0"/>
+                <a:cs typeface="Calibri" panose="020F0502020204030204" pitchFamily="34" charset="0"/>
+              </a:rPr>
+              <a:t>:</a:t>
+            </a:r>
+          </a:p>
+          <a:p>
+            <a:pPr marL="457200" marR="0" lvl="1" indent="0" algn="l" defTabSz="914400" rtl="0" eaLnBrk="0" fontAlgn="base" latinLnBrk="0" hangingPunct="0">
+              <a:lnSpc>
+                <a:spcPct val="100000"/>
+              </a:lnSpc>
+              <a:spcBef>
+                <a:spcPct val="0"/>
+              </a:spcBef>
+              <a:spcAft>
+                <a:spcPct val="0"/>
+              </a:spcAft>
+              <a:buClrTx/>
+              <a:buSzTx/>
+              <a:buFontTx/>
+              <a:buChar char="•"/>
+              <a:tabLst/>
+            </a:pPr>
+            <a:r>
+              <a:rPr kumimoji="0" lang="en-US" altLang="en-US" sz="1800" b="0" i="0" u="none" strike="noStrike" cap="none" normalizeH="0" baseline="0" dirty="0">
+                <a:ln>
+                  <a:noFill/>
+                </a:ln>
+                <a:solidFill>
+                  <a:schemeClr val="tx1"/>
+                </a:solidFill>
+                <a:effectLst/>
+                <a:latin typeface="Calibri" panose="020F0502020204030204" pitchFamily="34" charset="0"/>
+                <a:cs typeface="Calibri" panose="020F0502020204030204" pitchFamily="34" charset="0"/>
+              </a:rPr>
+              <a:t>Negative reviews highlighted instances where the airline’s customer service fell short. </a:t>
+            </a:r>
+          </a:p>
+          <a:p>
+            <a:pPr marL="457200" marR="0" lvl="1" indent="0" algn="l" defTabSz="914400" rtl="0" eaLnBrk="0" fontAlgn="base" latinLnBrk="0" hangingPunct="0">
+              <a:lnSpc>
+                <a:spcPct val="100000"/>
+              </a:lnSpc>
+              <a:spcBef>
+                <a:spcPct val="0"/>
+              </a:spcBef>
+              <a:spcAft>
+                <a:spcPct val="0"/>
+              </a:spcAft>
+              <a:buClrTx/>
+              <a:buSzTx/>
+              <a:buFontTx/>
+              <a:buChar char="•"/>
+              <a:tabLst/>
+            </a:pPr>
+            <a:r>
+              <a:rPr kumimoji="0" lang="en-US" altLang="en-US" sz="1800" b="0" i="0" u="none" strike="noStrike" cap="none" normalizeH="0" baseline="0" dirty="0">
+                <a:ln>
+                  <a:noFill/>
+                </a:ln>
+                <a:solidFill>
+                  <a:schemeClr val="tx1"/>
+                </a:solidFill>
+                <a:effectLst/>
+                <a:latin typeface="Calibri" panose="020F0502020204030204" pitchFamily="34" charset="0"/>
+                <a:cs typeface="Calibri" panose="020F0502020204030204" pitchFamily="34" charset="0"/>
+              </a:rPr>
+              <a:t>Passengers reported a lack of care and insufficient assistance during flight disruptions. </a:t>
+            </a:r>
+          </a:p>
+          <a:p>
+            <a:pPr marL="457200" marR="0" lvl="1" indent="0" algn="l" defTabSz="914400" rtl="0" eaLnBrk="0" fontAlgn="base" latinLnBrk="0" hangingPunct="0">
+              <a:lnSpc>
+                <a:spcPct val="100000"/>
+              </a:lnSpc>
+              <a:spcBef>
+                <a:spcPct val="0"/>
+              </a:spcBef>
+              <a:spcAft>
+                <a:spcPct val="0"/>
+              </a:spcAft>
+              <a:buClrTx/>
+              <a:buSzTx/>
+              <a:buFontTx/>
+              <a:buChar char="•"/>
+              <a:tabLst/>
+            </a:pPr>
+            <a:r>
+              <a:rPr kumimoji="0" lang="en-US" altLang="en-US" sz="1800" b="0" i="0" u="none" strike="noStrike" cap="none" normalizeH="0" baseline="0" dirty="0">
+                <a:ln>
+                  <a:noFill/>
+                </a:ln>
+                <a:solidFill>
+                  <a:schemeClr val="tx1"/>
+                </a:solidFill>
+                <a:effectLst/>
+                <a:latin typeface="Calibri" panose="020F0502020204030204" pitchFamily="34" charset="0"/>
+                <a:cs typeface="Calibri" panose="020F0502020204030204" pitchFamily="34" charset="0"/>
+              </a:rPr>
+              <a:t>Specific complaints included no explanation, no apology, and no assistance in finding alternative flights. </a:t>
+            </a:r>
+          </a:p>
+          <a:p>
+            <a:pPr marL="0" marR="0" lvl="0" indent="0" algn="l" defTabSz="914400" rtl="0" eaLnBrk="0" fontAlgn="base" latinLnBrk="0" hangingPunct="0">
+              <a:lnSpc>
+                <a:spcPct val="100000"/>
+              </a:lnSpc>
+              <a:spcBef>
+                <a:spcPct val="0"/>
+              </a:spcBef>
+              <a:spcAft>
+                <a:spcPct val="0"/>
+              </a:spcAft>
+              <a:buClrTx/>
+              <a:buSzTx/>
+              <a:buFontTx/>
+              <a:buAutoNum type="arabicPeriod" startAt="2"/>
+              <a:tabLst/>
+            </a:pPr>
+            <a:r>
+              <a:rPr kumimoji="0" lang="en-US" altLang="en-US" sz="1800" b="1" i="0" u="none" strike="noStrike" cap="none" normalizeH="0" baseline="0" dirty="0">
+                <a:ln>
+                  <a:noFill/>
+                </a:ln>
+                <a:solidFill>
+                  <a:schemeClr val="tx1"/>
+                </a:solidFill>
+                <a:effectLst/>
+                <a:latin typeface="Calibri" panose="020F0502020204030204" pitchFamily="34" charset="0"/>
+                <a:cs typeface="Calibri" panose="020F0502020204030204" pitchFamily="34" charset="0"/>
+              </a:rPr>
+              <a:t>Seating and Comfort Issues</a:t>
+            </a:r>
+            <a:r>
+              <a:rPr kumimoji="0" lang="en-US" altLang="en-US" sz="1800" b="0" i="0" u="none" strike="noStrike" cap="none" normalizeH="0" baseline="0" dirty="0">
+                <a:ln>
+                  <a:noFill/>
+                </a:ln>
+                <a:solidFill>
+                  <a:schemeClr val="tx1"/>
+                </a:solidFill>
+                <a:effectLst/>
+                <a:latin typeface="Calibri" panose="020F0502020204030204" pitchFamily="34" charset="0"/>
+                <a:cs typeface="Calibri" panose="020F0502020204030204" pitchFamily="34" charset="0"/>
+              </a:rPr>
+              <a:t>:</a:t>
+            </a:r>
+          </a:p>
+          <a:p>
+            <a:pPr marL="457200" marR="0" lvl="1" indent="0" algn="l" defTabSz="914400" rtl="0" eaLnBrk="0" fontAlgn="base" latinLnBrk="0" hangingPunct="0">
+              <a:lnSpc>
+                <a:spcPct val="100000"/>
+              </a:lnSpc>
+              <a:spcBef>
+                <a:spcPct val="0"/>
+              </a:spcBef>
+              <a:spcAft>
+                <a:spcPct val="0"/>
+              </a:spcAft>
+              <a:buClrTx/>
+              <a:buSzTx/>
+              <a:buFontTx/>
+              <a:buChar char="•"/>
+              <a:tabLst/>
+            </a:pPr>
+            <a:r>
+              <a:rPr kumimoji="0" lang="en-US" altLang="en-US" sz="1800" b="0" i="0" u="none" strike="noStrike" cap="none" normalizeH="0" baseline="0" dirty="0">
+                <a:ln>
+                  <a:noFill/>
+                </a:ln>
+                <a:solidFill>
+                  <a:schemeClr val="tx1"/>
+                </a:solidFill>
+                <a:effectLst/>
+                <a:latin typeface="Calibri" panose="020F0502020204030204" pitchFamily="34" charset="0"/>
+                <a:cs typeface="Calibri" panose="020F0502020204030204" pitchFamily="34" charset="0"/>
+              </a:rPr>
+              <a:t>Customers expressed dissatisfaction with cramped seating and uncomfortable conditions during flights. </a:t>
+            </a:r>
+          </a:p>
+          <a:p>
+            <a:pPr marL="457200" marR="0" lvl="1" indent="0" algn="l" defTabSz="914400" rtl="0" eaLnBrk="0" fontAlgn="base" latinLnBrk="0" hangingPunct="0">
+              <a:lnSpc>
+                <a:spcPct val="100000"/>
+              </a:lnSpc>
+              <a:spcBef>
+                <a:spcPct val="0"/>
+              </a:spcBef>
+              <a:spcAft>
+                <a:spcPct val="0"/>
+              </a:spcAft>
+              <a:buClrTx/>
+              <a:buSzTx/>
+              <a:buFontTx/>
+              <a:buChar char="•"/>
+              <a:tabLst/>
+            </a:pPr>
+            <a:r>
+              <a:rPr kumimoji="0" lang="en-US" altLang="en-US" sz="1800" b="0" i="0" u="none" strike="noStrike" cap="none" normalizeH="0" baseline="0" dirty="0">
+                <a:ln>
+                  <a:noFill/>
+                </a:ln>
+                <a:solidFill>
+                  <a:schemeClr val="tx1"/>
+                </a:solidFill>
+                <a:effectLst/>
+                <a:latin typeface="Calibri" panose="020F0502020204030204" pitchFamily="34" charset="0"/>
+                <a:cs typeface="Calibri" panose="020F0502020204030204" pitchFamily="34" charset="0"/>
+              </a:rPr>
+              <a:t>Economy seats were described as tiny, leading to shoulder-to-shoulder seating. </a:t>
+            </a:r>
+          </a:p>
+          <a:p>
+            <a:pPr marL="0" marR="0" lvl="0" indent="0" algn="l" defTabSz="914400" rtl="0" eaLnBrk="0" fontAlgn="base" latinLnBrk="0" hangingPunct="0">
+              <a:lnSpc>
+                <a:spcPct val="100000"/>
+              </a:lnSpc>
+              <a:spcBef>
+                <a:spcPct val="0"/>
+              </a:spcBef>
+              <a:spcAft>
+                <a:spcPct val="0"/>
+              </a:spcAft>
+              <a:buClrTx/>
+              <a:buSzTx/>
+              <a:buFontTx/>
+              <a:buAutoNum type="arabicPeriod" startAt="3"/>
+              <a:tabLst/>
+            </a:pPr>
+            <a:r>
+              <a:rPr kumimoji="0" lang="en-US" altLang="en-US" sz="1800" b="1" i="0" u="none" strike="noStrike" cap="none" normalizeH="0" baseline="0" dirty="0">
+                <a:ln>
+                  <a:noFill/>
+                </a:ln>
+                <a:solidFill>
+                  <a:schemeClr val="tx1"/>
+                </a:solidFill>
+                <a:effectLst/>
+                <a:latin typeface="Calibri" panose="020F0502020204030204" pitchFamily="34" charset="0"/>
+                <a:cs typeface="Calibri" panose="020F0502020204030204" pitchFamily="34" charset="0"/>
+              </a:rPr>
+              <a:t>Lack of Communication</a:t>
+            </a:r>
+            <a:r>
+              <a:rPr kumimoji="0" lang="en-US" altLang="en-US" sz="1800" b="0" i="0" u="none" strike="noStrike" cap="none" normalizeH="0" baseline="0" dirty="0">
+                <a:ln>
+                  <a:noFill/>
+                </a:ln>
+                <a:solidFill>
+                  <a:schemeClr val="tx1"/>
+                </a:solidFill>
+                <a:effectLst/>
+                <a:latin typeface="Calibri" panose="020F0502020204030204" pitchFamily="34" charset="0"/>
+                <a:cs typeface="Calibri" panose="020F0502020204030204" pitchFamily="34" charset="0"/>
+              </a:rPr>
+              <a:t>:</a:t>
+            </a:r>
+          </a:p>
+          <a:p>
+            <a:pPr marL="457200" marR="0" lvl="1" indent="0" algn="l" defTabSz="914400" rtl="0" eaLnBrk="0" fontAlgn="base" latinLnBrk="0" hangingPunct="0">
+              <a:lnSpc>
+                <a:spcPct val="100000"/>
+              </a:lnSpc>
+              <a:spcBef>
+                <a:spcPct val="0"/>
+              </a:spcBef>
+              <a:spcAft>
+                <a:spcPct val="0"/>
+              </a:spcAft>
+              <a:buClrTx/>
+              <a:buSzTx/>
+              <a:buFontTx/>
+              <a:buChar char="•"/>
+              <a:tabLst/>
+            </a:pPr>
+            <a:r>
+              <a:rPr kumimoji="0" lang="en-US" altLang="en-US" sz="1800" b="0" i="0" u="none" strike="noStrike" cap="none" normalizeH="0" baseline="0" dirty="0">
+                <a:ln>
+                  <a:noFill/>
+                </a:ln>
+                <a:solidFill>
+                  <a:schemeClr val="tx1"/>
+                </a:solidFill>
+                <a:effectLst/>
+                <a:latin typeface="Calibri" panose="020F0502020204030204" pitchFamily="34" charset="0"/>
+                <a:cs typeface="Calibri" panose="020F0502020204030204" pitchFamily="34" charset="0"/>
+              </a:rPr>
+              <a:t>Negative feedback pointed out a lack of proactive communication with passengers. </a:t>
+            </a:r>
+          </a:p>
+          <a:p>
+            <a:pPr marL="457200" marR="0" lvl="1" indent="0" algn="l" defTabSz="914400" rtl="0" eaLnBrk="0" fontAlgn="base" latinLnBrk="0" hangingPunct="0">
+              <a:lnSpc>
+                <a:spcPct val="100000"/>
+              </a:lnSpc>
+              <a:spcBef>
+                <a:spcPct val="0"/>
+              </a:spcBef>
+              <a:spcAft>
+                <a:spcPct val="0"/>
+              </a:spcAft>
+              <a:buClrTx/>
+              <a:buSzTx/>
+              <a:buFontTx/>
+              <a:buChar char="•"/>
+              <a:tabLst/>
+            </a:pPr>
+            <a:r>
+              <a:rPr kumimoji="0" lang="en-US" altLang="en-US" sz="1800" b="0" i="0" u="none" strike="noStrike" cap="none" normalizeH="0" baseline="0" dirty="0">
+                <a:ln>
+                  <a:noFill/>
+                </a:ln>
+                <a:solidFill>
+                  <a:schemeClr val="tx1"/>
+                </a:solidFill>
+                <a:effectLst/>
+                <a:latin typeface="Calibri" panose="020F0502020204030204" pitchFamily="34" charset="0"/>
+                <a:cs typeface="Calibri" panose="020F0502020204030204" pitchFamily="34" charset="0"/>
+              </a:rPr>
+              <a:t>Specifically, passengers were not notified proactively about flight cancellations or delays. </a:t>
+            </a:r>
+          </a:p>
+          <a:p>
+            <a:pPr marL="0" marR="0" lvl="0" indent="0" algn="l" defTabSz="914400" rtl="0" eaLnBrk="0" fontAlgn="base" latinLnBrk="0" hangingPunct="0">
+              <a:lnSpc>
+                <a:spcPct val="100000"/>
+              </a:lnSpc>
+              <a:spcBef>
+                <a:spcPct val="0"/>
+              </a:spcBef>
+              <a:spcAft>
+                <a:spcPct val="0"/>
+              </a:spcAft>
+              <a:buClrTx/>
+              <a:buSzTx/>
+              <a:buFontTx/>
+              <a:buAutoNum type="arabicPeriod" startAt="4"/>
+              <a:tabLst/>
+            </a:pPr>
+            <a:r>
+              <a:rPr kumimoji="0" lang="en-US" altLang="en-US" sz="1800" b="1" i="0" u="none" strike="noStrike" cap="none" normalizeH="0" baseline="0" dirty="0">
+                <a:ln>
+                  <a:noFill/>
+                </a:ln>
+                <a:solidFill>
+                  <a:schemeClr val="tx1"/>
+                </a:solidFill>
+                <a:effectLst/>
+                <a:latin typeface="Calibri" panose="020F0502020204030204" pitchFamily="34" charset="0"/>
+                <a:cs typeface="Calibri" panose="020F0502020204030204" pitchFamily="34" charset="0"/>
+              </a:rPr>
+              <a:t>Quality of In-Flight Meals</a:t>
+            </a:r>
+            <a:r>
+              <a:rPr kumimoji="0" lang="en-US" altLang="en-US" sz="1800" b="0" i="0" u="none" strike="noStrike" cap="none" normalizeH="0" baseline="0" dirty="0">
+                <a:ln>
+                  <a:noFill/>
+                </a:ln>
+                <a:solidFill>
+                  <a:schemeClr val="tx1"/>
+                </a:solidFill>
+                <a:effectLst/>
+                <a:latin typeface="Calibri" panose="020F0502020204030204" pitchFamily="34" charset="0"/>
+                <a:cs typeface="Calibri" panose="020F0502020204030204" pitchFamily="34" charset="0"/>
+              </a:rPr>
+              <a:t>:</a:t>
+            </a:r>
+          </a:p>
+          <a:p>
+            <a:pPr marL="457200" marR="0" lvl="1" indent="0" algn="l" defTabSz="914400" rtl="0" eaLnBrk="0" fontAlgn="base" latinLnBrk="0" hangingPunct="0">
+              <a:lnSpc>
+                <a:spcPct val="100000"/>
+              </a:lnSpc>
+              <a:spcBef>
+                <a:spcPct val="0"/>
+              </a:spcBef>
+              <a:spcAft>
+                <a:spcPct val="0"/>
+              </a:spcAft>
+              <a:buClrTx/>
+              <a:buSzTx/>
+              <a:buFontTx/>
+              <a:buChar char="•"/>
+              <a:tabLst/>
+            </a:pPr>
+            <a:r>
+              <a:rPr kumimoji="0" lang="en-US" altLang="en-US" sz="1800" b="0" i="0" u="none" strike="noStrike" cap="none" normalizeH="0" baseline="0" dirty="0">
+                <a:ln>
+                  <a:noFill/>
+                </a:ln>
+                <a:solidFill>
+                  <a:schemeClr val="tx1"/>
+                </a:solidFill>
+                <a:effectLst/>
+                <a:latin typeface="Calibri" panose="020F0502020204030204" pitchFamily="34" charset="0"/>
+                <a:cs typeface="Calibri" panose="020F0502020204030204" pitchFamily="34" charset="0"/>
+              </a:rPr>
+              <a:t>Some reviews criticized the quality and suitability of the in-flight meal options provided. </a:t>
+            </a:r>
+          </a:p>
+          <a:p>
+            <a:pPr marL="457200" marR="0" lvl="1" indent="0" algn="l" defTabSz="914400" rtl="0" eaLnBrk="0" fontAlgn="base" latinLnBrk="0" hangingPunct="0">
+              <a:lnSpc>
+                <a:spcPct val="100000"/>
+              </a:lnSpc>
+              <a:spcBef>
+                <a:spcPct val="0"/>
+              </a:spcBef>
+              <a:spcAft>
+                <a:spcPct val="0"/>
+              </a:spcAft>
+              <a:buClrTx/>
+              <a:buSzTx/>
+              <a:buFontTx/>
+              <a:buChar char="•"/>
+              <a:tabLst/>
+            </a:pPr>
+            <a:r>
+              <a:rPr kumimoji="0" lang="en-US" altLang="en-US" sz="1800" b="0" i="0" u="none" strike="noStrike" cap="none" normalizeH="0" baseline="0" dirty="0">
+                <a:ln>
+                  <a:noFill/>
+                </a:ln>
+                <a:solidFill>
+                  <a:schemeClr val="tx1"/>
+                </a:solidFill>
+                <a:effectLst/>
+                <a:latin typeface="Calibri" panose="020F0502020204030204" pitchFamily="34" charset="0"/>
+                <a:cs typeface="Calibri" panose="020F0502020204030204" pitchFamily="34" charset="0"/>
+              </a:rPr>
+              <a:t>An evening meal was described as near-inedible, with both choices being spicy foods. </a:t>
+            </a:r>
+          </a:p>
+        </p:txBody>
+      </p:sp>
+    </p:spTree>
+    <p:extLst>
+      <p:ext uri="{BB962C8B-B14F-4D97-AF65-F5344CB8AC3E}">
+        <p14:creationId xmlns:p14="http://schemas.microsoft.com/office/powerpoint/2010/main" val="1476885144"/>
+      </p:ext>
+    </p:extLst>
+  </p:cSld>
+  <p:clrMapOvr>
+    <a:masterClrMapping/>
+  </p:clrMapOvr>
+  <p:transition spd="slow">
+    <p:push dir="u"/>
+  </p:transition>
+</p:sld>
+</file>
+
+<file path=ppt/slides/slide11.xml><?xml version="1.0" encoding="utf-8"?>
+<p:sld xmlns:a="http://schemas.openxmlformats.org/drawingml/2006/main" xmlns:r="http://schemas.openxmlformats.org/officeDocument/2006/relationships" xmlns:p="http://schemas.openxmlformats.org/presentationml/2006/main">
+  <p:cSld>
+    <p:spTree>
+      <p:nvGrpSpPr>
+        <p:cNvPr id="1" name=""/>
+        <p:cNvGrpSpPr/>
+        <p:nvPr/>
+      </p:nvGrpSpPr>
+      <p:grpSpPr>
+        <a:xfrm>
+          <a:off x="0" y="0"/>
+          <a:ext cx="0" cy="0"/>
+          <a:chOff x="0" y="0"/>
+          <a:chExt cx="0" cy="0"/>
+        </a:xfrm>
+      </p:grpSpPr>
+      <p:sp>
+        <p:nvSpPr>
+          <p:cNvPr id="2" name="Title 1">
+            <a:extLst>
+              <a:ext uri="{FF2B5EF4-FFF2-40B4-BE49-F238E27FC236}">
+                <a16:creationId xmlns:a16="http://schemas.microsoft.com/office/drawing/2014/main" id="{4FE3AAED-714E-998D-26A4-30ACC4DCFC16}"/>
+              </a:ext>
+            </a:extLst>
+          </p:cNvPr>
+          <p:cNvSpPr>
+            <a:spLocks noGrp="1"/>
+          </p:cNvSpPr>
+          <p:nvPr>
+            <p:ph type="title"/>
+          </p:nvPr>
+        </p:nvSpPr>
+        <p:spPr>
+          <a:xfrm>
+            <a:off x="838200" y="365125"/>
+            <a:ext cx="10515600" cy="1235075"/>
+          </a:xfrm>
+        </p:spPr>
+        <p:txBody>
+          <a:bodyPr>
+            <a:normAutofit/>
+          </a:bodyPr>
+          <a:lstStyle/>
+          <a:p>
+            <a:r>
+              <a:rPr lang="en-US" sz="3200" b="1" dirty="0">
+                <a:latin typeface="Calibri" panose="020F0502020204030204" pitchFamily="34" charset="0"/>
+                <a:cs typeface="Calibri" panose="020F0502020204030204" pitchFamily="34" charset="0"/>
+              </a:rPr>
+              <a:t>Recommendations for British Airways based on customer feedback</a:t>
+            </a:r>
+            <a:endParaRPr lang="en-IN" sz="3200" b="1" dirty="0">
+              <a:latin typeface="Calibri" panose="020F0502020204030204" pitchFamily="34" charset="0"/>
+              <a:cs typeface="Calibri" panose="020F0502020204030204" pitchFamily="34" charset="0"/>
+            </a:endParaRPr>
+          </a:p>
+        </p:txBody>
+      </p:sp>
+      <p:sp>
+        <p:nvSpPr>
+          <p:cNvPr id="3" name="Content Placeholder 2">
+            <a:extLst>
+              <a:ext uri="{FF2B5EF4-FFF2-40B4-BE49-F238E27FC236}">
+                <a16:creationId xmlns:a16="http://schemas.microsoft.com/office/drawing/2014/main" id="{ACD62F48-FA81-BE5D-5265-DC9368A06AA5}"/>
+              </a:ext>
+            </a:extLst>
+          </p:cNvPr>
+          <p:cNvSpPr>
+            <a:spLocks noGrp="1"/>
+          </p:cNvSpPr>
+          <p:nvPr>
+            <p:ph idx="1"/>
+          </p:nvPr>
+        </p:nvSpPr>
+        <p:spPr>
+          <a:xfrm>
+            <a:off x="838200" y="1690688"/>
+            <a:ext cx="10515600" cy="4486275"/>
+          </a:xfrm>
+        </p:spPr>
+        <p:txBody>
+          <a:bodyPr>
+            <a:noAutofit/>
+          </a:bodyPr>
+          <a:lstStyle/>
+          <a:p>
+            <a:pPr marL="0" indent="0">
+              <a:buNone/>
+            </a:pPr>
+            <a:r>
+              <a:rPr lang="en-US" sz="1800" b="1" dirty="0">
+                <a:solidFill>
+                  <a:schemeClr val="tx1"/>
+                </a:solidFill>
+                <a:latin typeface="Calibri" panose="020F0502020204030204" pitchFamily="34" charset="0"/>
+                <a:cs typeface="Calibri" panose="020F0502020204030204" pitchFamily="34" charset="0"/>
+              </a:rPr>
+              <a:t>1. Improve In-flight Entertainment:</a:t>
+            </a:r>
+          </a:p>
+          <a:p>
+            <a:r>
+              <a:rPr lang="en-US" sz="1800" dirty="0">
+                <a:solidFill>
+                  <a:schemeClr val="tx1"/>
+                </a:solidFill>
+                <a:latin typeface="Calibri" panose="020F0502020204030204" pitchFamily="34" charset="0"/>
+                <a:cs typeface="Calibri" panose="020F0502020204030204" pitchFamily="34" charset="0"/>
+              </a:rPr>
+              <a:t>Enhance the variety and quality of in-flight entertainment options.</a:t>
+            </a:r>
+          </a:p>
+          <a:p>
+            <a:r>
+              <a:rPr lang="en-US" sz="1800" dirty="0">
+                <a:solidFill>
+                  <a:schemeClr val="tx1"/>
+                </a:solidFill>
+                <a:latin typeface="Calibri" panose="020F0502020204030204" pitchFamily="34" charset="0"/>
+                <a:cs typeface="Calibri" panose="020F0502020204030204" pitchFamily="34" charset="0"/>
+              </a:rPr>
+              <a:t>Provide a wide selection of movies, TV shows, music, and games.</a:t>
+            </a:r>
+          </a:p>
+          <a:p>
+            <a:pPr marL="0" indent="0">
+              <a:buNone/>
+            </a:pPr>
+            <a:endParaRPr lang="en-US" sz="1800" dirty="0">
+              <a:solidFill>
+                <a:schemeClr val="tx1"/>
+              </a:solidFill>
+              <a:latin typeface="Calibri" panose="020F0502020204030204" pitchFamily="34" charset="0"/>
+              <a:cs typeface="Calibri" panose="020F0502020204030204" pitchFamily="34" charset="0"/>
+            </a:endParaRPr>
+          </a:p>
+          <a:p>
+            <a:pPr marL="0" indent="0">
+              <a:buNone/>
+            </a:pPr>
+            <a:r>
+              <a:rPr lang="en-US" sz="1800" b="1" dirty="0">
+                <a:solidFill>
+                  <a:schemeClr val="tx1"/>
+                </a:solidFill>
+                <a:latin typeface="Calibri" panose="020F0502020204030204" pitchFamily="34" charset="0"/>
+                <a:cs typeface="Calibri" panose="020F0502020204030204" pitchFamily="34" charset="0"/>
+              </a:rPr>
+              <a:t>2. Optimize Flight Scheduling:</a:t>
+            </a:r>
+          </a:p>
+          <a:p>
+            <a:r>
+              <a:rPr lang="en-US" sz="1800" dirty="0">
+                <a:solidFill>
+                  <a:schemeClr val="tx1"/>
+                </a:solidFill>
+                <a:latin typeface="Calibri" panose="020F0502020204030204" pitchFamily="34" charset="0"/>
+                <a:cs typeface="Calibri" panose="020F0502020204030204" pitchFamily="34" charset="0"/>
+              </a:rPr>
+              <a:t>Address frequent delays and cancellations by evaluating flight schedules.</a:t>
+            </a:r>
+          </a:p>
+          <a:p>
+            <a:r>
+              <a:rPr lang="en-US" sz="1800" dirty="0">
+                <a:solidFill>
+                  <a:schemeClr val="tx1"/>
+                </a:solidFill>
+                <a:latin typeface="Calibri" panose="020F0502020204030204" pitchFamily="34" charset="0"/>
+                <a:cs typeface="Calibri" panose="020F0502020204030204" pitchFamily="34" charset="0"/>
+              </a:rPr>
+              <a:t>Proactively manage potential issues to minimize disruptions.</a:t>
+            </a:r>
+          </a:p>
+          <a:p>
+            <a:pPr marL="0" indent="0">
+              <a:buNone/>
+            </a:pPr>
+            <a:endParaRPr lang="en-US" sz="1800" dirty="0">
+              <a:solidFill>
+                <a:schemeClr val="tx1"/>
+              </a:solidFill>
+              <a:latin typeface="Calibri" panose="020F0502020204030204" pitchFamily="34" charset="0"/>
+              <a:cs typeface="Calibri" panose="020F0502020204030204" pitchFamily="34" charset="0"/>
+            </a:endParaRPr>
+          </a:p>
+          <a:p>
+            <a:pPr marL="0" indent="0">
+              <a:buNone/>
+            </a:pPr>
+            <a:r>
+              <a:rPr lang="en-US" sz="1800" b="1" dirty="0">
+                <a:solidFill>
+                  <a:schemeClr val="tx1"/>
+                </a:solidFill>
+                <a:latin typeface="Calibri" panose="020F0502020204030204" pitchFamily="34" charset="0"/>
+                <a:cs typeface="Calibri" panose="020F0502020204030204" pitchFamily="34" charset="0"/>
+              </a:rPr>
+              <a:t>3. Enhance Customer Service Training:</a:t>
+            </a:r>
+          </a:p>
+          <a:p>
+            <a:r>
+              <a:rPr lang="en-US" sz="1800" dirty="0">
+                <a:solidFill>
+                  <a:schemeClr val="tx1"/>
+                </a:solidFill>
+                <a:latin typeface="Calibri" panose="020F0502020204030204" pitchFamily="34" charset="0"/>
+                <a:cs typeface="Calibri" panose="020F0502020204030204" pitchFamily="34" charset="0"/>
+              </a:rPr>
+              <a:t>Invest in comprehensive training for flight attendants.</a:t>
+            </a:r>
+          </a:p>
+          <a:p>
+            <a:r>
+              <a:rPr lang="en-US" sz="1800" dirty="0">
+                <a:solidFill>
+                  <a:schemeClr val="tx1"/>
+                </a:solidFill>
+                <a:latin typeface="Calibri" panose="020F0502020204030204" pitchFamily="34" charset="0"/>
+                <a:cs typeface="Calibri" panose="020F0502020204030204" pitchFamily="34" charset="0"/>
+              </a:rPr>
+              <a:t>Focus on empathy, problem-solving, and effective communication.</a:t>
+            </a:r>
+          </a:p>
+        </p:txBody>
+      </p:sp>
+    </p:spTree>
+    <p:extLst>
+      <p:ext uri="{BB962C8B-B14F-4D97-AF65-F5344CB8AC3E}">
+        <p14:creationId xmlns:p14="http://schemas.microsoft.com/office/powerpoint/2010/main" val="378992795"/>
+      </p:ext>
+    </p:extLst>
+  </p:cSld>
+  <p:clrMapOvr>
+    <a:masterClrMapping/>
+  </p:clrMapOvr>
+  <p:transition spd="slow">
+    <p:push dir="u"/>
+  </p:transition>
+</p:sld>
+</file>
+
+<file path=ppt/slides/slide12.xml><?xml version="1.0" encoding="utf-8"?>
+<p:sld xmlns:a="http://schemas.openxmlformats.org/drawingml/2006/main" xmlns:r="http://schemas.openxmlformats.org/officeDocument/2006/relationships" xmlns:p="http://schemas.openxmlformats.org/presentationml/2006/main">
+  <p:cSld>
+    <p:spTree>
+      <p:nvGrpSpPr>
+        <p:cNvPr id="1" name=""/>
+        <p:cNvGrpSpPr/>
+        <p:nvPr/>
+      </p:nvGrpSpPr>
+      <p:grpSpPr>
+        <a:xfrm>
+          <a:off x="0" y="0"/>
+          <a:ext cx="0" cy="0"/>
+          <a:chOff x="0" y="0"/>
+          <a:chExt cx="0" cy="0"/>
+        </a:xfrm>
+      </p:grpSpPr>
+      <p:sp>
+        <p:nvSpPr>
+          <p:cNvPr id="2" name="Title 1">
+            <a:extLst>
+              <a:ext uri="{FF2B5EF4-FFF2-40B4-BE49-F238E27FC236}">
+                <a16:creationId xmlns:a16="http://schemas.microsoft.com/office/drawing/2014/main" id="{749CFEDE-630B-7B13-1D97-E5C8904F46D3}"/>
+              </a:ext>
+            </a:extLst>
+          </p:cNvPr>
+          <p:cNvSpPr>
+            <a:spLocks noGrp="1"/>
+          </p:cNvSpPr>
+          <p:nvPr>
+            <p:ph type="title"/>
+          </p:nvPr>
+        </p:nvSpPr>
+        <p:spPr/>
+        <p:txBody>
+          <a:bodyPr>
+            <a:normAutofit/>
+          </a:bodyPr>
+          <a:lstStyle/>
+          <a:p>
+            <a:endParaRPr lang="en-IN" sz="3200" b="1" dirty="0">
+              <a:solidFill>
+                <a:schemeClr val="tx1"/>
+              </a:solidFill>
+              <a:latin typeface="Calibri" panose="020F0502020204030204" pitchFamily="34" charset="0"/>
+              <a:cs typeface="Calibri" panose="020F0502020204030204" pitchFamily="34" charset="0"/>
+            </a:endParaRPr>
+          </a:p>
+        </p:txBody>
+      </p:sp>
+      <p:sp>
+        <p:nvSpPr>
+          <p:cNvPr id="3" name="Content Placeholder 2">
+            <a:extLst>
+              <a:ext uri="{FF2B5EF4-FFF2-40B4-BE49-F238E27FC236}">
+                <a16:creationId xmlns:a16="http://schemas.microsoft.com/office/drawing/2014/main" id="{C99823C1-23CF-A923-F3D8-C47AD1533E01}"/>
+              </a:ext>
+            </a:extLst>
+          </p:cNvPr>
+          <p:cNvSpPr>
+            <a:spLocks noGrp="1"/>
+          </p:cNvSpPr>
+          <p:nvPr>
+            <p:ph idx="1"/>
+          </p:nvPr>
+        </p:nvSpPr>
+        <p:spPr/>
+        <p:txBody>
+          <a:bodyPr>
+            <a:normAutofit/>
+          </a:bodyPr>
+          <a:lstStyle/>
+          <a:p>
+            <a:pPr marL="0" indent="0">
+              <a:buNone/>
+            </a:pPr>
+            <a:r>
+              <a:rPr lang="en-US" sz="1800" b="1" dirty="0">
+                <a:solidFill>
+                  <a:schemeClr val="tx1"/>
+                </a:solidFill>
+                <a:latin typeface="Calibri" panose="020F0502020204030204" pitchFamily="34" charset="0"/>
+                <a:cs typeface="Calibri" panose="020F0502020204030204" pitchFamily="34" charset="0"/>
+              </a:rPr>
+              <a:t>4. Implement a Robust Feedback System:</a:t>
+            </a:r>
+          </a:p>
+          <a:p>
+            <a:r>
+              <a:rPr lang="en-US" sz="1800" dirty="0">
+                <a:solidFill>
+                  <a:schemeClr val="tx1"/>
+                </a:solidFill>
+                <a:latin typeface="Calibri" panose="020F0502020204030204" pitchFamily="34" charset="0"/>
+                <a:cs typeface="Calibri" panose="020F0502020204030204" pitchFamily="34" charset="0"/>
+              </a:rPr>
+              <a:t>Establish a streamlined feedback system.</a:t>
+            </a:r>
+          </a:p>
+          <a:p>
+            <a:r>
+              <a:rPr lang="en-US" sz="1800" dirty="0">
+                <a:solidFill>
+                  <a:schemeClr val="tx1"/>
+                </a:solidFill>
+                <a:latin typeface="Calibri" panose="020F0502020204030204" pitchFamily="34" charset="0"/>
+                <a:cs typeface="Calibri" panose="020F0502020204030204" pitchFamily="34" charset="0"/>
+              </a:rPr>
+              <a:t>Promptly respond to feedback and take necessary actions.</a:t>
+            </a:r>
+          </a:p>
+          <a:p>
+            <a:pPr marL="0" indent="0">
+              <a:buNone/>
+            </a:pPr>
+            <a:endParaRPr lang="en-US" sz="1800" dirty="0">
+              <a:solidFill>
+                <a:schemeClr val="tx1"/>
+              </a:solidFill>
+              <a:latin typeface="Calibri" panose="020F0502020204030204" pitchFamily="34" charset="0"/>
+              <a:cs typeface="Calibri" panose="020F0502020204030204" pitchFamily="34" charset="0"/>
+            </a:endParaRPr>
+          </a:p>
+          <a:p>
+            <a:pPr marL="0" indent="0">
+              <a:buNone/>
+            </a:pPr>
+            <a:r>
+              <a:rPr lang="en-US" sz="1800" b="1" dirty="0">
+                <a:solidFill>
+                  <a:schemeClr val="tx1"/>
+                </a:solidFill>
+                <a:latin typeface="Calibri" panose="020F0502020204030204" pitchFamily="34" charset="0"/>
+                <a:cs typeface="Calibri" panose="020F0502020204030204" pitchFamily="34" charset="0"/>
+              </a:rPr>
+              <a:t>5. Personalized Offers and Loyalty Rewards:</a:t>
+            </a:r>
+          </a:p>
+          <a:p>
+            <a:r>
+              <a:rPr lang="en-US" sz="1800" dirty="0">
+                <a:solidFill>
+                  <a:schemeClr val="tx1"/>
+                </a:solidFill>
+                <a:latin typeface="Calibri" panose="020F0502020204030204" pitchFamily="34" charset="0"/>
+                <a:cs typeface="Calibri" panose="020F0502020204030204" pitchFamily="34" charset="0"/>
+              </a:rPr>
+              <a:t>Implement personalized offers and loyalty rewards.</a:t>
+            </a:r>
+          </a:p>
+          <a:p>
+            <a:r>
+              <a:rPr lang="en-US" sz="1800" dirty="0">
+                <a:solidFill>
+                  <a:schemeClr val="tx1"/>
+                </a:solidFill>
+                <a:latin typeface="Calibri" panose="020F0502020204030204" pitchFamily="34" charset="0"/>
+                <a:cs typeface="Calibri" panose="020F0502020204030204" pitchFamily="34" charset="0"/>
+              </a:rPr>
+              <a:t>Tailor offers based on individual preferences to enhance customer retention.</a:t>
+            </a:r>
+            <a:endParaRPr lang="en-IN" sz="1800" dirty="0">
+              <a:solidFill>
+                <a:schemeClr val="tx1"/>
+              </a:solidFill>
+              <a:latin typeface="Calibri" panose="020F0502020204030204" pitchFamily="34" charset="0"/>
+              <a:cs typeface="Calibri" panose="020F0502020204030204" pitchFamily="34" charset="0"/>
+            </a:endParaRPr>
+          </a:p>
+          <a:p>
+            <a:endParaRPr lang="en-IN" sz="1800" dirty="0">
+              <a:solidFill>
+                <a:schemeClr val="tx1"/>
+              </a:solidFill>
+            </a:endParaRPr>
+          </a:p>
+        </p:txBody>
+      </p:sp>
+    </p:spTree>
+    <p:extLst>
+      <p:ext uri="{BB962C8B-B14F-4D97-AF65-F5344CB8AC3E}">
+        <p14:creationId xmlns:p14="http://schemas.microsoft.com/office/powerpoint/2010/main" val="1827821095"/>
+      </p:ext>
+    </p:extLst>
+  </p:cSld>
+  <p:clrMapOvr>
+    <a:masterClrMapping/>
+  </p:clrMapOvr>
+  <p:transition spd="slow">
+    <p:push dir="u"/>
+  </p:transition>
+</p:sld>
+</file>
+
+<file path=ppt/slides/slide13.xml><?xml version="1.0" encoding="utf-8"?>
+<p:sld xmlns:a="http://schemas.openxmlformats.org/drawingml/2006/main" xmlns:r="http://schemas.openxmlformats.org/officeDocument/2006/relationships" xmlns:p="http://schemas.openxmlformats.org/presentationml/2006/main">
+  <p:cSld>
+    <p:spTree>
+      <p:nvGrpSpPr>
+        <p:cNvPr id="1" name=""/>
+        <p:cNvGrpSpPr/>
+        <p:nvPr/>
+      </p:nvGrpSpPr>
+      <p:grpSpPr>
+        <a:xfrm>
+          <a:off x="0" y="0"/>
+          <a:ext cx="0" cy="0"/>
+          <a:chOff x="0" y="0"/>
+          <a:chExt cx="0" cy="0"/>
+        </a:xfrm>
+      </p:grpSpPr>
+      <p:sp>
+        <p:nvSpPr>
+          <p:cNvPr id="2" name="Title 1">
+            <a:extLst>
+              <a:ext uri="{FF2B5EF4-FFF2-40B4-BE49-F238E27FC236}">
+                <a16:creationId xmlns:a16="http://schemas.microsoft.com/office/drawing/2014/main" id="{70F20BB3-F809-DD6D-0AFA-EF32EBF88A08}"/>
+              </a:ext>
+            </a:extLst>
+          </p:cNvPr>
+          <p:cNvSpPr>
+            <a:spLocks noGrp="1"/>
+          </p:cNvSpPr>
+          <p:nvPr>
+            <p:ph type="title"/>
+          </p:nvPr>
+        </p:nvSpPr>
+        <p:spPr/>
+        <p:txBody>
+          <a:bodyPr>
+            <a:normAutofit/>
+          </a:bodyPr>
+          <a:lstStyle/>
+          <a:p>
+            <a:r>
+              <a:rPr lang="en-US" sz="3200" b="1" dirty="0">
+                <a:solidFill>
+                  <a:schemeClr val="tx1"/>
+                </a:solidFill>
+                <a:latin typeface="Calibri" panose="020F0502020204030204" pitchFamily="34" charset="0"/>
+                <a:cs typeface="Calibri" panose="020F0502020204030204" pitchFamily="34" charset="0"/>
+              </a:rPr>
+              <a:t>Conclusion</a:t>
+            </a:r>
+            <a:endParaRPr lang="en-IN" sz="3200" dirty="0"/>
+          </a:p>
+        </p:txBody>
+      </p:sp>
+      <p:sp>
+        <p:nvSpPr>
+          <p:cNvPr id="3" name="Content Placeholder 2">
+            <a:extLst>
+              <a:ext uri="{FF2B5EF4-FFF2-40B4-BE49-F238E27FC236}">
+                <a16:creationId xmlns:a16="http://schemas.microsoft.com/office/drawing/2014/main" id="{DB798ACC-FD2B-DD4D-62B5-EF48F9689F67}"/>
+              </a:ext>
+            </a:extLst>
+          </p:cNvPr>
+          <p:cNvSpPr>
+            <a:spLocks noGrp="1"/>
+          </p:cNvSpPr>
+          <p:nvPr>
+            <p:ph idx="1"/>
+          </p:nvPr>
+        </p:nvSpPr>
+        <p:spPr>
+          <a:xfrm>
+            <a:off x="838200" y="1690688"/>
+            <a:ext cx="10515600" cy="4486275"/>
+          </a:xfrm>
+        </p:spPr>
+        <p:txBody>
+          <a:bodyPr>
+            <a:noAutofit/>
+          </a:bodyPr>
+          <a:lstStyle/>
+          <a:p>
+            <a:pPr marL="0" indent="0">
+              <a:buNone/>
+            </a:pPr>
+            <a:r>
+              <a:rPr lang="en-US" sz="1800" b="1" dirty="0">
+                <a:solidFill>
+                  <a:schemeClr val="tx1"/>
+                </a:solidFill>
+                <a:latin typeface="Calibri" panose="020F0502020204030204" pitchFamily="34" charset="0"/>
+                <a:cs typeface="Calibri" panose="020F0502020204030204" pitchFamily="34" charset="0"/>
+              </a:rPr>
+              <a:t>1.Customer Sentiment Overview: </a:t>
+            </a:r>
+            <a:r>
+              <a:rPr lang="en-US" sz="1800" dirty="0">
+                <a:solidFill>
+                  <a:schemeClr val="tx1"/>
+                </a:solidFill>
+                <a:latin typeface="Calibri" panose="020F0502020204030204" pitchFamily="34" charset="0"/>
+                <a:cs typeface="Calibri" panose="020F0502020204030204" pitchFamily="34" charset="0"/>
+              </a:rPr>
+              <a:t>The sentiment analysis indicates a predominantly neutral sentiment among reviews, suggesting a balanced mix of positive and negative feedback. However, there is potential for enhancing overall customer satisfaction.</a:t>
+            </a:r>
+          </a:p>
+          <a:p>
+            <a:endParaRPr lang="en-US" sz="1800" dirty="0">
+              <a:solidFill>
+                <a:schemeClr val="tx1"/>
+              </a:solidFill>
+              <a:latin typeface="Calibri" panose="020F0502020204030204" pitchFamily="34" charset="0"/>
+              <a:cs typeface="Calibri" panose="020F0502020204030204" pitchFamily="34" charset="0"/>
+            </a:endParaRPr>
+          </a:p>
+          <a:p>
+            <a:pPr marL="0" indent="0">
+              <a:buNone/>
+            </a:pPr>
+            <a:r>
+              <a:rPr lang="en-US" sz="1800" b="1" dirty="0">
+                <a:solidFill>
+                  <a:schemeClr val="tx1"/>
+                </a:solidFill>
+                <a:latin typeface="Calibri" panose="020F0502020204030204" pitchFamily="34" charset="0"/>
+                <a:cs typeface="Calibri" panose="020F0502020204030204" pitchFamily="34" charset="0"/>
+              </a:rPr>
+              <a:t>2. Strengths Recognized:</a:t>
+            </a:r>
+          </a:p>
+          <a:p>
+            <a:r>
+              <a:rPr lang="en-US" sz="1800" dirty="0">
+                <a:solidFill>
+                  <a:schemeClr val="tx1"/>
+                </a:solidFill>
+                <a:latin typeface="Calibri" panose="020F0502020204030204" pitchFamily="34" charset="0"/>
+                <a:cs typeface="Calibri" panose="020F0502020204030204" pitchFamily="34" charset="0"/>
+              </a:rPr>
+              <a:t> British Airways was praised for its efficient and friendly check-in process.</a:t>
+            </a:r>
+          </a:p>
+          <a:p>
+            <a:r>
+              <a:rPr lang="en-US" sz="1800" dirty="0">
+                <a:solidFill>
+                  <a:schemeClr val="tx1"/>
+                </a:solidFill>
+                <a:latin typeface="Calibri" panose="020F0502020204030204" pitchFamily="34" charset="0"/>
+                <a:cs typeface="Calibri" panose="020F0502020204030204" pitchFamily="34" charset="0"/>
+              </a:rPr>
+              <a:t> Passengers appreciated the substantial in-flight meals provided.</a:t>
+            </a:r>
+          </a:p>
+          <a:p>
+            <a:r>
+              <a:rPr lang="en-US" sz="1800" dirty="0">
+                <a:solidFill>
+                  <a:schemeClr val="tx1"/>
+                </a:solidFill>
+                <a:latin typeface="Calibri" panose="020F0502020204030204" pitchFamily="34" charset="0"/>
+                <a:cs typeface="Calibri" panose="020F0502020204030204" pitchFamily="34" charset="0"/>
+              </a:rPr>
+              <a:t> The range of in-flight entertainment options was deemed satisfactory.</a:t>
+            </a:r>
+          </a:p>
+          <a:p>
+            <a:endParaRPr lang="en-US" sz="1800" dirty="0">
+              <a:solidFill>
+                <a:schemeClr val="tx1"/>
+              </a:solidFill>
+              <a:latin typeface="Calibri" panose="020F0502020204030204" pitchFamily="34" charset="0"/>
+              <a:cs typeface="Calibri" panose="020F0502020204030204" pitchFamily="34" charset="0"/>
+            </a:endParaRPr>
+          </a:p>
+          <a:p>
+            <a:pPr marL="0" indent="0">
+              <a:buNone/>
+            </a:pPr>
+            <a:r>
+              <a:rPr lang="en-US" sz="1800" b="1" dirty="0">
+                <a:solidFill>
+                  <a:schemeClr val="tx1"/>
+                </a:solidFill>
+                <a:latin typeface="Calibri" panose="020F0502020204030204" pitchFamily="34" charset="0"/>
+                <a:cs typeface="Calibri" panose="020F0502020204030204" pitchFamily="34" charset="0"/>
+              </a:rPr>
+              <a:t>3. Identified Weaknesses:</a:t>
+            </a:r>
+          </a:p>
+          <a:p>
+            <a:r>
+              <a:rPr lang="en-US" sz="1800" dirty="0">
+                <a:solidFill>
+                  <a:schemeClr val="tx1"/>
+                </a:solidFill>
+                <a:latin typeface="Calibri" panose="020F0502020204030204" pitchFamily="34" charset="0"/>
+                <a:cs typeface="Calibri" panose="020F0502020204030204" pitchFamily="34" charset="0"/>
+              </a:rPr>
+              <a:t> Negative feedback highlighted issues with flight delays and insufficient communication during disruptions.</a:t>
+            </a:r>
+          </a:p>
+          <a:p>
+            <a:r>
+              <a:rPr lang="en-US" sz="1800" dirty="0">
+                <a:solidFill>
+                  <a:schemeClr val="tx1"/>
+                </a:solidFill>
+                <a:latin typeface="Calibri" panose="020F0502020204030204" pitchFamily="34" charset="0"/>
+                <a:cs typeface="Calibri" panose="020F0502020204030204" pitchFamily="34" charset="0"/>
+              </a:rPr>
+              <a:t> Some passengers reported subpar customer service experiences.</a:t>
+            </a:r>
+          </a:p>
+        </p:txBody>
+      </p:sp>
+    </p:spTree>
+    <p:extLst>
+      <p:ext uri="{BB962C8B-B14F-4D97-AF65-F5344CB8AC3E}">
+        <p14:creationId xmlns:p14="http://schemas.microsoft.com/office/powerpoint/2010/main" val="1669315875"/>
+      </p:ext>
+    </p:extLst>
+  </p:cSld>
+  <p:clrMapOvr>
+    <a:masterClrMapping/>
+  </p:clrMapOvr>
+  <p:transition spd="slow">
+    <p:push dir="u"/>
+  </p:transition>
+</p:sld>
+</file>
+
+<file path=ppt/slides/slide14.xml><?xml version="1.0" encoding="utf-8"?>
+<p:sld xmlns:a="http://schemas.openxmlformats.org/drawingml/2006/main" xmlns:r="http://schemas.openxmlformats.org/officeDocument/2006/relationships" xmlns:p="http://schemas.openxmlformats.org/presentationml/2006/main">
+  <p:cSld>
+    <p:spTree>
+      <p:nvGrpSpPr>
+        <p:cNvPr id="1" name=""/>
+        <p:cNvGrpSpPr/>
+        <p:nvPr/>
+      </p:nvGrpSpPr>
+      <p:grpSpPr>
+        <a:xfrm>
+          <a:off x="0" y="0"/>
+          <a:ext cx="0" cy="0"/>
+          <a:chOff x="0" y="0"/>
+          <a:chExt cx="0" cy="0"/>
+        </a:xfrm>
+      </p:grpSpPr>
+      <p:sp>
+        <p:nvSpPr>
+          <p:cNvPr id="2" name="Title 1">
+            <a:extLst>
+              <a:ext uri="{FF2B5EF4-FFF2-40B4-BE49-F238E27FC236}">
+                <a16:creationId xmlns:a16="http://schemas.microsoft.com/office/drawing/2014/main" id="{7F34E435-C179-4E3B-3D69-B8E0CBA8F55A}"/>
+              </a:ext>
+            </a:extLst>
+          </p:cNvPr>
+          <p:cNvSpPr>
+            <a:spLocks noGrp="1"/>
+          </p:cNvSpPr>
+          <p:nvPr>
+            <p:ph type="title"/>
+          </p:nvPr>
+        </p:nvSpPr>
+        <p:spPr/>
+        <p:txBody>
+          <a:bodyPr/>
+          <a:lstStyle/>
+          <a:p>
+            <a:endParaRPr lang="en-IN"/>
+          </a:p>
+        </p:txBody>
+      </p:sp>
+      <p:sp>
+        <p:nvSpPr>
+          <p:cNvPr id="3" name="Content Placeholder 2">
+            <a:extLst>
+              <a:ext uri="{FF2B5EF4-FFF2-40B4-BE49-F238E27FC236}">
+                <a16:creationId xmlns:a16="http://schemas.microsoft.com/office/drawing/2014/main" id="{B18DCBB2-C1FB-E683-C3F5-359C047F9AB8}"/>
+              </a:ext>
+            </a:extLst>
+          </p:cNvPr>
+          <p:cNvSpPr>
+            <a:spLocks noGrp="1"/>
+          </p:cNvSpPr>
+          <p:nvPr>
+            <p:ph idx="1"/>
+          </p:nvPr>
+        </p:nvSpPr>
+        <p:spPr/>
+        <p:txBody>
+          <a:bodyPr>
+            <a:normAutofit/>
+          </a:bodyPr>
+          <a:lstStyle/>
+          <a:p>
+            <a:pPr marL="0" indent="0">
+              <a:buNone/>
+            </a:pPr>
+            <a:r>
+              <a:rPr lang="en-US" sz="1800" b="1" dirty="0">
+                <a:solidFill>
+                  <a:schemeClr val="tx1"/>
+                </a:solidFill>
+                <a:latin typeface="Calibri" panose="020F0502020204030204" pitchFamily="34" charset="0"/>
+                <a:cs typeface="Calibri" panose="020F0502020204030204" pitchFamily="34" charset="0"/>
+              </a:rPr>
+              <a:t>4. Actionable Recommendations:</a:t>
+            </a:r>
+          </a:p>
+          <a:p>
+            <a:r>
+              <a:rPr lang="en-US" sz="1800" dirty="0">
+                <a:solidFill>
+                  <a:schemeClr val="tx1"/>
+                </a:solidFill>
+                <a:latin typeface="Calibri" panose="020F0502020204030204" pitchFamily="34" charset="0"/>
+                <a:cs typeface="Calibri" panose="020F0502020204030204" pitchFamily="34" charset="0"/>
+              </a:rPr>
+              <a:t> Enhance in-flight entertainment to cater to diverse passenger preferences.</a:t>
+            </a:r>
+          </a:p>
+          <a:p>
+            <a:r>
+              <a:rPr lang="en-US" sz="1800" dirty="0">
+                <a:solidFill>
+                  <a:schemeClr val="tx1"/>
+                </a:solidFill>
+                <a:latin typeface="Calibri" panose="020F0502020204030204" pitchFamily="34" charset="0"/>
+                <a:cs typeface="Calibri" panose="020F0502020204030204" pitchFamily="34" charset="0"/>
+              </a:rPr>
+              <a:t> Optimize flight scheduling to minimize delays and disruptions.</a:t>
+            </a:r>
+          </a:p>
+          <a:p>
+            <a:r>
+              <a:rPr lang="en-US" sz="1800" dirty="0">
+                <a:solidFill>
+                  <a:schemeClr val="tx1"/>
+                </a:solidFill>
+                <a:latin typeface="Calibri" panose="020F0502020204030204" pitchFamily="34" charset="0"/>
+                <a:cs typeface="Calibri" panose="020F0502020204030204" pitchFamily="34" charset="0"/>
+              </a:rPr>
+              <a:t>  Invest in comprehensive customer service training to improve interactions with passengers.</a:t>
+            </a:r>
+          </a:p>
+          <a:p>
+            <a:r>
+              <a:rPr lang="en-US" sz="1800" dirty="0">
+                <a:solidFill>
+                  <a:schemeClr val="tx1"/>
+                </a:solidFill>
+                <a:latin typeface="Calibri" panose="020F0502020204030204" pitchFamily="34" charset="0"/>
+                <a:cs typeface="Calibri" panose="020F0502020204030204" pitchFamily="34" charset="0"/>
+              </a:rPr>
+              <a:t> Implement a robust feedback system to promptly address customer concerns.</a:t>
+            </a:r>
+          </a:p>
+          <a:p>
+            <a:r>
+              <a:rPr lang="en-US" sz="1800" dirty="0">
+                <a:solidFill>
+                  <a:schemeClr val="tx1"/>
+                </a:solidFill>
+                <a:latin typeface="Calibri" panose="020F0502020204030204" pitchFamily="34" charset="0"/>
+                <a:cs typeface="Calibri" panose="020F0502020204030204" pitchFamily="34" charset="0"/>
+              </a:rPr>
+              <a:t> Offer personalized incentives and loyalty rewards to enhance customer retention.</a:t>
+            </a:r>
+          </a:p>
+          <a:p>
+            <a:pPr marL="0" indent="0">
+              <a:buNone/>
+            </a:pPr>
+            <a:endParaRPr lang="en-US" sz="1800" dirty="0">
+              <a:solidFill>
+                <a:schemeClr val="tx1"/>
+              </a:solidFill>
+              <a:latin typeface="Calibri" panose="020F0502020204030204" pitchFamily="34" charset="0"/>
+              <a:cs typeface="Calibri" panose="020F0502020204030204" pitchFamily="34" charset="0"/>
+            </a:endParaRPr>
+          </a:p>
+          <a:p>
+            <a:pPr marL="0" indent="0">
+              <a:buNone/>
+            </a:pPr>
+            <a:r>
+              <a:rPr lang="en-US" sz="1800" dirty="0">
+                <a:solidFill>
+                  <a:schemeClr val="tx1"/>
+                </a:solidFill>
+                <a:latin typeface="Calibri" panose="020F0502020204030204" pitchFamily="34" charset="0"/>
+                <a:cs typeface="Calibri" panose="020F0502020204030204" pitchFamily="34" charset="0"/>
+              </a:rPr>
+              <a:t>Implementing these recommendations will enable British Airways to address key issues and capitalize on opportunities to enhance overall customer satisfaction and service quality.</a:t>
+            </a:r>
+            <a:endParaRPr lang="en-IN" sz="1800" dirty="0">
+              <a:solidFill>
+                <a:schemeClr val="tx1"/>
+              </a:solidFill>
+              <a:latin typeface="Calibri" panose="020F0502020204030204" pitchFamily="34" charset="0"/>
+              <a:cs typeface="Calibri" panose="020F0502020204030204" pitchFamily="34" charset="0"/>
+            </a:endParaRPr>
+          </a:p>
+          <a:p>
+            <a:endParaRPr lang="en-IN" sz="1800" dirty="0">
+              <a:solidFill>
+                <a:schemeClr val="tx1"/>
+              </a:solidFill>
+            </a:endParaRPr>
+          </a:p>
+        </p:txBody>
+      </p:sp>
+    </p:spTree>
+    <p:extLst>
+      <p:ext uri="{BB962C8B-B14F-4D97-AF65-F5344CB8AC3E}">
+        <p14:creationId xmlns:p14="http://schemas.microsoft.com/office/powerpoint/2010/main" val="1650339380"/>
+      </p:ext>
+    </p:extLst>
+  </p:cSld>
+  <p:clrMapOvr>
+    <a:masterClrMapping/>
+  </p:clrMapOvr>
+  <p:transition spd="slow">
+    <p:push dir="u"/>
+  </p:transition>
+</p:sld>
+</file>
+
+<file path=ppt/slides/slide15.xml><?xml version="1.0" encoding="utf-8"?>
+<p:sld xmlns:a="http://schemas.openxmlformats.org/drawingml/2006/main" xmlns:r="http://schemas.openxmlformats.org/officeDocument/2006/relationships" xmlns:p="http://schemas.openxmlformats.org/presentationml/2006/main">
+  <p:cSld>
+    <p:spTree>
+      <p:nvGrpSpPr>
+        <p:cNvPr id="1" name=""/>
+        <p:cNvGrpSpPr/>
+        <p:nvPr/>
+      </p:nvGrpSpPr>
+      <p:grpSpPr>
+        <a:xfrm>
+          <a:off x="0" y="0"/>
+          <a:ext cx="0" cy="0"/>
+          <a:chOff x="0" y="0"/>
+          <a:chExt cx="0" cy="0"/>
+        </a:xfrm>
+      </p:grpSpPr>
+      <p:sp>
+        <p:nvSpPr>
+          <p:cNvPr id="2" name="Title 1">
+            <a:extLst>
+              <a:ext uri="{FF2B5EF4-FFF2-40B4-BE49-F238E27FC236}">
+                <a16:creationId xmlns:a16="http://schemas.microsoft.com/office/drawing/2014/main" id="{B8AB32AC-B188-1ADE-2975-05267FA3DA1C}"/>
+              </a:ext>
+            </a:extLst>
+          </p:cNvPr>
+          <p:cNvSpPr>
+            <a:spLocks noGrp="1"/>
+          </p:cNvSpPr>
+          <p:nvPr>
+            <p:ph type="title"/>
+          </p:nvPr>
+        </p:nvSpPr>
+        <p:spPr/>
+        <p:txBody>
+          <a:bodyPr/>
+          <a:lstStyle/>
+          <a:p>
+            <a:endParaRPr lang="en-IN"/>
+          </a:p>
+        </p:txBody>
+      </p:sp>
+      <p:sp>
+        <p:nvSpPr>
+          <p:cNvPr id="3" name="Content Placeholder 2">
+            <a:extLst>
+              <a:ext uri="{FF2B5EF4-FFF2-40B4-BE49-F238E27FC236}">
+                <a16:creationId xmlns:a16="http://schemas.microsoft.com/office/drawing/2014/main" id="{FE89FA7A-6C78-E26B-BBB3-9D7B40348AEC}"/>
+              </a:ext>
+            </a:extLst>
+          </p:cNvPr>
+          <p:cNvSpPr>
+            <a:spLocks noGrp="1"/>
+          </p:cNvSpPr>
+          <p:nvPr>
+            <p:ph idx="1"/>
+          </p:nvPr>
+        </p:nvSpPr>
+        <p:spPr/>
+        <p:txBody>
+          <a:bodyPr/>
+          <a:lstStyle/>
+          <a:p>
+            <a:endParaRPr lang="en-IN" dirty="0"/>
+          </a:p>
+        </p:txBody>
+      </p:sp>
+      <p:sp>
+        <p:nvSpPr>
+          <p:cNvPr id="4" name="Rectangle 3">
+            <a:extLst>
+              <a:ext uri="{FF2B5EF4-FFF2-40B4-BE49-F238E27FC236}">
+                <a16:creationId xmlns:a16="http://schemas.microsoft.com/office/drawing/2014/main" id="{E17CBE10-219A-DB3D-4975-F3C03496AC0F}"/>
+              </a:ext>
+            </a:extLst>
+          </p:cNvPr>
+          <p:cNvSpPr/>
+          <p:nvPr/>
+        </p:nvSpPr>
+        <p:spPr>
+          <a:xfrm>
+            <a:off x="3092572" y="2417885"/>
+            <a:ext cx="5883764" cy="2554545"/>
+          </a:xfrm>
+          <a:prstGeom prst="rect">
+            <a:avLst/>
+          </a:prstGeom>
+          <a:noFill/>
+          <a:ln>
+            <a:noFill/>
+          </a:ln>
+          <a:effectLst>
+            <a:outerShdw blurRad="190500" dist="228600" dir="2700000" algn="ctr">
+              <a:srgbClr val="000000">
+                <a:alpha val="30000"/>
+              </a:srgbClr>
+            </a:outerShdw>
+          </a:effectLst>
+          <a:scene3d>
+            <a:camera prst="obliqueTopLeft"/>
+            <a:lightRig rig="glow" dir="t">
+              <a:rot lat="0" lon="0" rev="4800000"/>
+            </a:lightRig>
+          </a:scene3d>
+          <a:sp3d prstMaterial="matte">
+            <a:bevelT w="127000" h="63500"/>
+          </a:sp3d>
+        </p:spPr>
+        <p:style>
+          <a:lnRef idx="2">
+            <a:schemeClr val="accent6"/>
+          </a:lnRef>
+          <a:fillRef idx="1">
+            <a:schemeClr val="lt1"/>
+          </a:fillRef>
+          <a:effectRef idx="0">
+            <a:schemeClr val="accent6"/>
+          </a:effectRef>
+          <a:fontRef idx="minor">
+            <a:schemeClr val="dk1"/>
+          </a:fontRef>
+        </p:style>
+        <p:txBody>
+          <a:bodyPr wrap="square" lIns="91440" tIns="45720" rIns="91440" bIns="45720">
+            <a:spAutoFit/>
+          </a:bodyPr>
+          <a:lstStyle/>
+          <a:p>
+            <a:pPr algn="ctr"/>
+            <a:r>
+              <a:rPr lang="en-US" sz="8000" dirty="0">
+                <a:ln w="0"/>
+                <a:solidFill>
+                  <a:schemeClr val="tx1"/>
+                </a:solidFill>
+                <a:effectLst>
+                  <a:outerShdw blurRad="50800" dist="38100" dir="18900000" algn="bl" rotWithShape="0">
+                    <a:prstClr val="black">
+                      <a:alpha val="40000"/>
+                    </a:prstClr>
+                  </a:outerShdw>
+                </a:effectLst>
+                <a:latin typeface="Algerian" panose="04020705040A02060702" pitchFamily="82" charset="0"/>
+                <a:cs typeface="Calibri" panose="020F0502020204030204" pitchFamily="34" charset="0"/>
+              </a:rPr>
+              <a:t>Thank </a:t>
+            </a:r>
+          </a:p>
+          <a:p>
+            <a:pPr algn="ctr"/>
+            <a:r>
+              <a:rPr lang="en-US" sz="8000" dirty="0">
+                <a:ln w="0"/>
+                <a:solidFill>
+                  <a:schemeClr val="tx1"/>
+                </a:solidFill>
+                <a:effectLst>
+                  <a:outerShdw blurRad="50800" dist="38100" dir="18900000" algn="bl" rotWithShape="0">
+                    <a:prstClr val="black">
+                      <a:alpha val="40000"/>
+                    </a:prstClr>
+                  </a:outerShdw>
+                </a:effectLst>
+                <a:latin typeface="Algerian" panose="04020705040A02060702" pitchFamily="82" charset="0"/>
+                <a:cs typeface="Calibri" panose="020F0502020204030204" pitchFamily="34" charset="0"/>
+              </a:rPr>
+              <a:t>You</a:t>
+            </a:r>
+          </a:p>
+        </p:txBody>
+      </p:sp>
+    </p:spTree>
+    <p:extLst>
+      <p:ext uri="{BB962C8B-B14F-4D97-AF65-F5344CB8AC3E}">
+        <p14:creationId xmlns:p14="http://schemas.microsoft.com/office/powerpoint/2010/main" val="1466719335"/>
+      </p:ext>
+    </p:extLst>
+  </p:cSld>
+  <p:clrMapOvr>
+    <a:masterClrMapping/>
+  </p:clrMapOvr>
+  <p:transition spd="slow">
+    <p:push dir="u"/>
+  </p:transition>
 </p:sld>
 </file>
 
@@ -3712,12 +8119,22 @@
             <p:ph type="title"/>
           </p:nvPr>
         </p:nvSpPr>
-        <p:spPr/>
-        <p:txBody>
-          <a:bodyPr/>
+        <p:spPr>
+          <a:noFill/>
+        </p:spPr>
+        <p:txBody>
+          <a:bodyPr>
+            <a:normAutofit/>
+          </a:bodyPr>
           <a:lstStyle/>
           <a:p>
-            <a:endParaRPr lang="en-GB"/>
+            <a:r>
+              <a:rPr lang="en-GB" sz="3200" b="1" dirty="0">
+                <a:latin typeface="Calibri" panose="020F0502020204030204" pitchFamily="34" charset="0"/>
+                <a:cs typeface="Calibri" panose="020F0502020204030204" pitchFamily="34" charset="0"/>
+              </a:rPr>
+              <a:t>INTRODUCTION</a:t>
+            </a:r>
           </a:p>
         </p:txBody>
       </p:sp>
@@ -3737,12 +8154,57 @@
             <p:ph idx="1"/>
           </p:nvPr>
         </p:nvSpPr>
-        <p:spPr/>
-        <p:txBody>
-          <a:bodyPr/>
+        <p:spPr>
+          <a:xfrm>
+            <a:off x="1042737" y="1507958"/>
+            <a:ext cx="10311063" cy="4669005"/>
+          </a:xfrm>
+          <a:noFill/>
+        </p:spPr>
+        <p:txBody>
+          <a:bodyPr>
+            <a:normAutofit/>
+          </a:bodyPr>
           <a:lstStyle/>
           <a:p>
-            <a:endParaRPr lang="en-GB"/>
+            <a:r>
+              <a:rPr lang="en-US" sz="1800" dirty="0">
+                <a:solidFill>
+                  <a:schemeClr val="tx1"/>
+                </a:solidFill>
+                <a:latin typeface="Calibri" panose="020F0502020204030204" pitchFamily="34" charset="0"/>
+                <a:cs typeface="Calibri" panose="020F0502020204030204" pitchFamily="34" charset="0"/>
+              </a:rPr>
+              <a:t>Today's highly competitive airline industry, customer satisfaction and experience play a pivotal role in driving business success and fostering customer loyalty. British Airways, as a renowned airline, recognizes the importance of understanding customer sentiments and continuously improving service quality to meet evolving passenger expectations.</a:t>
+            </a:r>
+          </a:p>
+          <a:p>
+            <a:endParaRPr lang="en-US" sz="1800" dirty="0">
+              <a:solidFill>
+                <a:schemeClr val="tx1"/>
+              </a:solidFill>
+              <a:latin typeface="Calibri" panose="020F0502020204030204" pitchFamily="34" charset="0"/>
+              <a:cs typeface="Calibri" panose="020F0502020204030204" pitchFamily="34" charset="0"/>
+            </a:endParaRPr>
+          </a:p>
+          <a:p>
+            <a:r>
+              <a:rPr lang="en-US" sz="1800" dirty="0">
+                <a:solidFill>
+                  <a:schemeClr val="tx1"/>
+                </a:solidFill>
+                <a:latin typeface="Calibri" panose="020F0502020204030204" pitchFamily="34" charset="0"/>
+                <a:cs typeface="Calibri" panose="020F0502020204030204" pitchFamily="34" charset="0"/>
+              </a:rPr>
+              <a:t>The objective of this project is to conduct a comprehensive analysis of customer review data pertaining to British Airways. By harnessing the power of natural language processing (NLP), sentiment analysis, and data visualization techniques, we aim to derive actionable insights from customer feedback. This analysis will provide valuable information about customer sentiments, concerns, and satisfaction levels, enabling British Airways to make informed decisions and implement targeted improvements across various service touchpoints.</a:t>
+            </a:r>
+            <a:endParaRPr lang="en-GB" sz="1800" dirty="0">
+              <a:solidFill>
+                <a:schemeClr val="tx1"/>
+              </a:solidFill>
+              <a:latin typeface="Calibri" panose="020F0502020204030204" pitchFamily="34" charset="0"/>
+              <a:cs typeface="Calibri" panose="020F0502020204030204" pitchFamily="34" charset="0"/>
+            </a:endParaRPr>
           </a:p>
         </p:txBody>
       </p:sp>
@@ -3756,13 +8218,1925 @@
   <p:clrMapOvr>
     <a:masterClrMapping/>
   </p:clrMapOvr>
+  <p:transition spd="slow">
+    <p:push dir="u"/>
+  </p:transition>
+</p:sld>
+</file>
+
+<file path=ppt/slides/slide3.xml><?xml version="1.0" encoding="utf-8"?>
+<p:sld xmlns:a="http://schemas.openxmlformats.org/drawingml/2006/main" xmlns:r="http://schemas.openxmlformats.org/officeDocument/2006/relationships" xmlns:p="http://schemas.openxmlformats.org/presentationml/2006/main">
+  <p:cSld>
+    <p:spTree>
+      <p:nvGrpSpPr>
+        <p:cNvPr id="1" name=""/>
+        <p:cNvGrpSpPr/>
+        <p:nvPr/>
+      </p:nvGrpSpPr>
+      <p:grpSpPr>
+        <a:xfrm>
+          <a:off x="0" y="0"/>
+          <a:ext cx="0" cy="0"/>
+          <a:chOff x="0" y="0"/>
+          <a:chExt cx="0" cy="0"/>
+        </a:xfrm>
+      </p:grpSpPr>
+      <p:sp>
+        <p:nvSpPr>
+          <p:cNvPr id="2" name="Title 1">
+            <a:extLst>
+              <a:ext uri="{FF2B5EF4-FFF2-40B4-BE49-F238E27FC236}">
+                <a16:creationId xmlns:a16="http://schemas.microsoft.com/office/drawing/2014/main" id="{8F12443B-65BD-1940-FAA2-1A667220DC55}"/>
+              </a:ext>
+            </a:extLst>
+          </p:cNvPr>
+          <p:cNvSpPr>
+            <a:spLocks noGrp="1"/>
+          </p:cNvSpPr>
+          <p:nvPr>
+            <p:ph type="title"/>
+          </p:nvPr>
+        </p:nvSpPr>
+        <p:spPr/>
+        <p:txBody>
+          <a:bodyPr>
+            <a:normAutofit/>
+          </a:bodyPr>
+          <a:lstStyle/>
+          <a:p>
+            <a:r>
+              <a:rPr lang="en-US" sz="3200" b="1" dirty="0">
+                <a:latin typeface="Calibri" panose="020F0502020204030204" pitchFamily="34" charset="0"/>
+                <a:cs typeface="Calibri" panose="020F0502020204030204" pitchFamily="34" charset="0"/>
+              </a:rPr>
+              <a:t>OVERVIEW OF CUSTOMER FEEDBACK DATASET</a:t>
+            </a:r>
+            <a:endParaRPr lang="en-IN" sz="3200" b="1" dirty="0">
+              <a:latin typeface="Calibri" panose="020F0502020204030204" pitchFamily="34" charset="0"/>
+              <a:cs typeface="Calibri" panose="020F0502020204030204" pitchFamily="34" charset="0"/>
+            </a:endParaRPr>
+          </a:p>
+        </p:txBody>
+      </p:sp>
+      <p:sp>
+        <p:nvSpPr>
+          <p:cNvPr id="3" name="Content Placeholder 2">
+            <a:extLst>
+              <a:ext uri="{FF2B5EF4-FFF2-40B4-BE49-F238E27FC236}">
+                <a16:creationId xmlns:a16="http://schemas.microsoft.com/office/drawing/2014/main" id="{7B2DC2BB-E023-1936-FB46-B0E871D36873}"/>
+              </a:ext>
+            </a:extLst>
+          </p:cNvPr>
+          <p:cNvSpPr>
+            <a:spLocks noGrp="1"/>
+          </p:cNvSpPr>
+          <p:nvPr>
+            <p:ph idx="1"/>
+          </p:nvPr>
+        </p:nvSpPr>
+        <p:spPr>
+          <a:xfrm>
+            <a:off x="1090863" y="1690688"/>
+            <a:ext cx="10262937" cy="5035427"/>
+          </a:xfrm>
+        </p:spPr>
+        <p:txBody>
+          <a:bodyPr>
+            <a:noAutofit/>
+          </a:bodyPr>
+          <a:lstStyle/>
+          <a:p>
+            <a:r>
+              <a:rPr lang="en-US" sz="1800" b="1" dirty="0">
+                <a:solidFill>
+                  <a:schemeClr val="tx1"/>
+                </a:solidFill>
+                <a:latin typeface="Calibri" panose="020F0502020204030204" pitchFamily="34" charset="0"/>
+                <a:cs typeface="Calibri" panose="020F0502020204030204" pitchFamily="34" charset="0"/>
+              </a:rPr>
+              <a:t>Dataset Source: </a:t>
+            </a:r>
+            <a:r>
+              <a:rPr lang="en-US" sz="1800" dirty="0">
+                <a:solidFill>
+                  <a:schemeClr val="tx1"/>
+                </a:solidFill>
+                <a:latin typeface="Calibri" panose="020F0502020204030204" pitchFamily="34" charset="0"/>
+                <a:cs typeface="Calibri" panose="020F0502020204030204" pitchFamily="34" charset="0"/>
+              </a:rPr>
+              <a:t>Customer feedback reviews related to British Airways is extracted from the Skytrax website using web scraping.</a:t>
+            </a:r>
+          </a:p>
+          <a:p>
+            <a:r>
+              <a:rPr lang="en-US" sz="1800" b="1" dirty="0">
+                <a:solidFill>
+                  <a:schemeClr val="tx1"/>
+                </a:solidFill>
+                <a:latin typeface="Calibri" panose="020F0502020204030204" pitchFamily="34" charset="0"/>
+                <a:cs typeface="Calibri" panose="020F0502020204030204" pitchFamily="34" charset="0"/>
+              </a:rPr>
+              <a:t>Total Number of Reviews: </a:t>
+            </a:r>
+            <a:r>
+              <a:rPr lang="en-US" sz="1800" dirty="0">
+                <a:solidFill>
+                  <a:schemeClr val="tx1"/>
+                </a:solidFill>
+                <a:latin typeface="Calibri" panose="020F0502020204030204" pitchFamily="34" charset="0"/>
+                <a:cs typeface="Calibri" panose="020F0502020204030204" pitchFamily="34" charset="0"/>
+              </a:rPr>
+              <a:t>3500</a:t>
+            </a:r>
+            <a:endParaRPr lang="en-US" sz="1800" b="1" dirty="0">
+              <a:solidFill>
+                <a:schemeClr val="tx1"/>
+              </a:solidFill>
+              <a:latin typeface="Calibri" panose="020F0502020204030204" pitchFamily="34" charset="0"/>
+              <a:cs typeface="Calibri" panose="020F0502020204030204" pitchFamily="34" charset="0"/>
+            </a:endParaRPr>
+          </a:p>
+          <a:p>
+            <a:r>
+              <a:rPr lang="en-US" sz="1800" b="1" dirty="0">
+                <a:solidFill>
+                  <a:schemeClr val="tx1"/>
+                </a:solidFill>
+                <a:latin typeface="Calibri" panose="020F0502020204030204" pitchFamily="34" charset="0"/>
+                <a:cs typeface="Calibri" panose="020F0502020204030204" pitchFamily="34" charset="0"/>
+              </a:rPr>
+              <a:t>Scraping and Data Collection: </a:t>
+            </a:r>
+            <a:r>
+              <a:rPr lang="en-US" sz="1800" dirty="0">
+                <a:solidFill>
+                  <a:schemeClr val="tx1"/>
+                </a:solidFill>
+                <a:latin typeface="Calibri" panose="020F0502020204030204" pitchFamily="34" charset="0"/>
+                <a:cs typeface="Calibri" panose="020F0502020204030204" pitchFamily="34" charset="0"/>
+              </a:rPr>
+              <a:t>Utilized Python and BeautifulSoup for web scraping to extract review data from the Skytrax website.</a:t>
+            </a:r>
+          </a:p>
+          <a:p>
+            <a:endParaRPr lang="en-US" sz="1800" dirty="0">
+              <a:solidFill>
+                <a:schemeClr val="tx1"/>
+              </a:solidFill>
+              <a:latin typeface="Calibri" panose="020F0502020204030204" pitchFamily="34" charset="0"/>
+              <a:cs typeface="Calibri" panose="020F0502020204030204" pitchFamily="34" charset="0"/>
+            </a:endParaRPr>
+          </a:p>
+        </p:txBody>
+      </p:sp>
+    </p:spTree>
+    <p:extLst>
+      <p:ext uri="{BB962C8B-B14F-4D97-AF65-F5344CB8AC3E}">
+        <p14:creationId xmlns:p14="http://schemas.microsoft.com/office/powerpoint/2010/main" val="3431453825"/>
+      </p:ext>
+    </p:extLst>
+  </p:cSld>
+  <p:clrMapOvr>
+    <a:masterClrMapping/>
+  </p:clrMapOvr>
+  <p:transition spd="slow">
+    <p:push dir="u"/>
+  </p:transition>
+</p:sld>
+</file>
+
+<file path=ppt/slides/slide4.xml><?xml version="1.0" encoding="utf-8"?>
+<p:sld xmlns:a="http://schemas.openxmlformats.org/drawingml/2006/main" xmlns:r="http://schemas.openxmlformats.org/officeDocument/2006/relationships" xmlns:p="http://schemas.openxmlformats.org/presentationml/2006/main">
+  <p:cSld>
+    <p:spTree>
+      <p:nvGrpSpPr>
+        <p:cNvPr id="1" name=""/>
+        <p:cNvGrpSpPr/>
+        <p:nvPr/>
+      </p:nvGrpSpPr>
+      <p:grpSpPr>
+        <a:xfrm>
+          <a:off x="0" y="0"/>
+          <a:ext cx="0" cy="0"/>
+          <a:chOff x="0" y="0"/>
+          <a:chExt cx="0" cy="0"/>
+        </a:xfrm>
+      </p:grpSpPr>
+      <p:sp>
+        <p:nvSpPr>
+          <p:cNvPr id="2" name="Title 1">
+            <a:extLst>
+              <a:ext uri="{FF2B5EF4-FFF2-40B4-BE49-F238E27FC236}">
+                <a16:creationId xmlns:a16="http://schemas.microsoft.com/office/drawing/2014/main" id="{C8423432-08A0-5AE8-C445-C11B2F0FB9A9}"/>
+              </a:ext>
+            </a:extLst>
+          </p:cNvPr>
+          <p:cNvSpPr>
+            <a:spLocks noGrp="1"/>
+          </p:cNvSpPr>
+          <p:nvPr>
+            <p:ph type="title"/>
+          </p:nvPr>
+        </p:nvSpPr>
+        <p:spPr/>
+        <p:txBody>
+          <a:bodyPr>
+            <a:normAutofit/>
+          </a:bodyPr>
+          <a:lstStyle/>
+          <a:p>
+            <a:r>
+              <a:rPr lang="en-IN" sz="3200" b="1" dirty="0">
+                <a:latin typeface="Calibri" panose="020F0502020204030204" pitchFamily="34" charset="0"/>
+                <a:cs typeface="Calibri" panose="020F0502020204030204" pitchFamily="34" charset="0"/>
+              </a:rPr>
+              <a:t>Data Preprocessing</a:t>
+            </a:r>
+            <a:endParaRPr lang="en-IN" sz="3200" dirty="0"/>
+          </a:p>
+        </p:txBody>
+      </p:sp>
+      <p:sp>
+        <p:nvSpPr>
+          <p:cNvPr id="3" name="Content Placeholder 2">
+            <a:extLst>
+              <a:ext uri="{FF2B5EF4-FFF2-40B4-BE49-F238E27FC236}">
+                <a16:creationId xmlns:a16="http://schemas.microsoft.com/office/drawing/2014/main" id="{A268F457-E705-9076-14DB-52DD2B0D6DC7}"/>
+              </a:ext>
+            </a:extLst>
+          </p:cNvPr>
+          <p:cNvSpPr>
+            <a:spLocks noGrp="1"/>
+          </p:cNvSpPr>
+          <p:nvPr>
+            <p:ph idx="1"/>
+          </p:nvPr>
+        </p:nvSpPr>
+        <p:spPr/>
+        <p:txBody>
+          <a:bodyPr>
+            <a:normAutofit/>
+          </a:bodyPr>
+          <a:lstStyle/>
+          <a:p>
+            <a:r>
+              <a:rPr lang="en-US" sz="1800" b="1" dirty="0">
+                <a:solidFill>
+                  <a:schemeClr val="tx1"/>
+                </a:solidFill>
+                <a:latin typeface="Calibri" panose="020F0502020204030204" pitchFamily="34" charset="0"/>
+                <a:cs typeface="Calibri" panose="020F0502020204030204" pitchFamily="34" charset="0"/>
+              </a:rPr>
+              <a:t>Text Cleaning: </a:t>
+            </a:r>
+            <a:r>
+              <a:rPr lang="en-US" sz="1800" dirty="0">
+                <a:solidFill>
+                  <a:schemeClr val="tx1"/>
+                </a:solidFill>
+                <a:latin typeface="Calibri" panose="020F0502020204030204" pitchFamily="34" charset="0"/>
+                <a:cs typeface="Calibri" panose="020F0502020204030204" pitchFamily="34" charset="0"/>
+              </a:rPr>
+              <a:t>Removed irrelevant text like "✅ Trip Verified" and other noise from each review to focus on meaningful content.</a:t>
+            </a:r>
+          </a:p>
+          <a:p>
+            <a:r>
+              <a:rPr lang="en-US" sz="1800" b="1" dirty="0">
+                <a:solidFill>
+                  <a:schemeClr val="tx1"/>
+                </a:solidFill>
+                <a:latin typeface="Calibri" panose="020F0502020204030204" pitchFamily="34" charset="0"/>
+                <a:cs typeface="Calibri" panose="020F0502020204030204" pitchFamily="34" charset="0"/>
+              </a:rPr>
+              <a:t>Data Cleaning: </a:t>
+            </a:r>
+            <a:r>
+              <a:rPr lang="en-US" sz="1800" dirty="0">
+                <a:solidFill>
+                  <a:schemeClr val="tx1"/>
+                </a:solidFill>
+                <a:latin typeface="Calibri" panose="020F0502020204030204" pitchFamily="34" charset="0"/>
+                <a:cs typeface="Calibri" panose="020F0502020204030204" pitchFamily="34" charset="0"/>
+              </a:rPr>
+              <a:t>Performed comprehensive data cleaning tasks, including handling missing or duplicate entries, standardizing text formats and removing special characters, user handles, tokenization and removal of stop words.</a:t>
+            </a:r>
+          </a:p>
+          <a:p>
+            <a:r>
+              <a:rPr lang="en-US" sz="1800" b="1" dirty="0">
+                <a:solidFill>
+                  <a:schemeClr val="tx1"/>
+                </a:solidFill>
+                <a:latin typeface="Calibri" panose="020F0502020204030204" pitchFamily="34" charset="0"/>
+                <a:cs typeface="Calibri" panose="020F0502020204030204" pitchFamily="34" charset="0"/>
+              </a:rPr>
+              <a:t>Data Transformation:</a:t>
+            </a:r>
+            <a:r>
+              <a:rPr lang="en-US" sz="1800" dirty="0">
+                <a:solidFill>
+                  <a:schemeClr val="tx1"/>
+                </a:solidFill>
+                <a:latin typeface="Calibri" panose="020F0502020204030204" pitchFamily="34" charset="0"/>
+                <a:cs typeface="Calibri" panose="020F0502020204030204" pitchFamily="34" charset="0"/>
+              </a:rPr>
+              <a:t> lemmatization or stemming to normalize text data, tokenization of the dataset using </a:t>
+            </a:r>
+            <a:r>
+              <a:rPr lang="en-US" sz="1800" dirty="0" err="1">
+                <a:solidFill>
+                  <a:schemeClr val="tx1"/>
+                </a:solidFill>
+                <a:latin typeface="Calibri" panose="020F0502020204030204" pitchFamily="34" charset="0"/>
+                <a:cs typeface="Calibri" panose="020F0502020204030204" pitchFamily="34" charset="0"/>
+              </a:rPr>
+              <a:t>RegexpTokenizer</a:t>
+            </a:r>
+            <a:r>
+              <a:rPr lang="en-US" sz="1800" dirty="0">
+                <a:solidFill>
+                  <a:schemeClr val="tx1"/>
+                </a:solidFill>
+                <a:latin typeface="Calibri" panose="020F0502020204030204" pitchFamily="34" charset="0"/>
+                <a:cs typeface="Calibri" panose="020F0502020204030204" pitchFamily="34" charset="0"/>
+              </a:rPr>
+              <a:t>.</a:t>
+            </a:r>
+          </a:p>
+          <a:p>
+            <a:r>
+              <a:rPr lang="en-US" sz="1800" b="1" dirty="0">
+                <a:solidFill>
+                  <a:schemeClr val="tx1"/>
+                </a:solidFill>
+                <a:latin typeface="Calibri" panose="020F0502020204030204" pitchFamily="34" charset="0"/>
+                <a:cs typeface="Calibri" panose="020F0502020204030204" pitchFamily="34" charset="0"/>
+              </a:rPr>
+              <a:t>Model Selection: </a:t>
+            </a:r>
+            <a:r>
+              <a:rPr lang="en-US" sz="1800" dirty="0">
+                <a:solidFill>
+                  <a:schemeClr val="tx1"/>
+                </a:solidFill>
+                <a:latin typeface="Calibri" panose="020F0502020204030204" pitchFamily="34" charset="0"/>
+                <a:cs typeface="Calibri" panose="020F0502020204030204" pitchFamily="34" charset="0"/>
+              </a:rPr>
+              <a:t>Count Vectorization and TF-IDF Vectorization both are tested along with </a:t>
+            </a:r>
+            <a:r>
+              <a:rPr lang="en-US" sz="1800" dirty="0" err="1">
+                <a:solidFill>
+                  <a:schemeClr val="tx1"/>
+                </a:solidFill>
+                <a:latin typeface="Calibri" panose="020F0502020204030204" pitchFamily="34" charset="0"/>
+                <a:cs typeface="Calibri" panose="020F0502020204030204" pitchFamily="34" charset="0"/>
+              </a:rPr>
+              <a:t>kmeans</a:t>
+            </a:r>
+            <a:r>
+              <a:rPr lang="en-US" sz="1800" dirty="0">
+                <a:solidFill>
+                  <a:schemeClr val="tx1"/>
+                </a:solidFill>
+                <a:latin typeface="Calibri" panose="020F0502020204030204" pitchFamily="34" charset="0"/>
+                <a:cs typeface="Calibri" panose="020F0502020204030204" pitchFamily="34" charset="0"/>
+              </a:rPr>
+              <a:t> algorithm for identifying the best vectorization technique for the dataset. TF-IDF stood out to be the best because of its Document Frequency dependents of our data.</a:t>
+            </a:r>
+          </a:p>
+          <a:p>
+            <a:endParaRPr lang="en-US" sz="1800" dirty="0">
+              <a:solidFill>
+                <a:schemeClr val="tx1"/>
+              </a:solidFill>
+              <a:latin typeface="Calibri" panose="020F0502020204030204" pitchFamily="34" charset="0"/>
+              <a:cs typeface="Calibri" panose="020F0502020204030204" pitchFamily="34" charset="0"/>
+            </a:endParaRPr>
+          </a:p>
+          <a:p>
+            <a:endParaRPr lang="en-IN" sz="1800" dirty="0">
+              <a:solidFill>
+                <a:schemeClr val="tx1"/>
+              </a:solidFill>
+            </a:endParaRPr>
+          </a:p>
+        </p:txBody>
+      </p:sp>
+    </p:spTree>
+    <p:extLst>
+      <p:ext uri="{BB962C8B-B14F-4D97-AF65-F5344CB8AC3E}">
+        <p14:creationId xmlns:p14="http://schemas.microsoft.com/office/powerpoint/2010/main" val="1817884526"/>
+      </p:ext>
+    </p:extLst>
+  </p:cSld>
+  <p:clrMapOvr>
+    <a:masterClrMapping/>
+  </p:clrMapOvr>
+  <p:transition spd="slow">
+    <p:push dir="u"/>
+  </p:transition>
+</p:sld>
+</file>
+
+<file path=ppt/slides/slide5.xml><?xml version="1.0" encoding="utf-8"?>
+<p:sld xmlns:a="http://schemas.openxmlformats.org/drawingml/2006/main" xmlns:r="http://schemas.openxmlformats.org/officeDocument/2006/relationships" xmlns:p="http://schemas.openxmlformats.org/presentationml/2006/main">
+  <p:cSld>
+    <p:spTree>
+      <p:nvGrpSpPr>
+        <p:cNvPr id="1" name=""/>
+        <p:cNvGrpSpPr/>
+        <p:nvPr/>
+      </p:nvGrpSpPr>
+      <p:grpSpPr>
+        <a:xfrm>
+          <a:off x="0" y="0"/>
+          <a:ext cx="0" cy="0"/>
+          <a:chOff x="0" y="0"/>
+          <a:chExt cx="0" cy="0"/>
+        </a:xfrm>
+      </p:grpSpPr>
+      <p:sp>
+        <p:nvSpPr>
+          <p:cNvPr id="2" name="Title 1">
+            <a:extLst>
+              <a:ext uri="{FF2B5EF4-FFF2-40B4-BE49-F238E27FC236}">
+                <a16:creationId xmlns:a16="http://schemas.microsoft.com/office/drawing/2014/main" id="{BFB1CE5D-9763-5E19-28E2-63380E180142}"/>
+              </a:ext>
+            </a:extLst>
+          </p:cNvPr>
+          <p:cNvSpPr>
+            <a:spLocks noGrp="1"/>
+          </p:cNvSpPr>
+          <p:nvPr>
+            <p:ph type="title"/>
+          </p:nvPr>
+        </p:nvSpPr>
+        <p:spPr/>
+        <p:txBody>
+          <a:bodyPr>
+            <a:normAutofit/>
+          </a:bodyPr>
+          <a:lstStyle/>
+          <a:p>
+            <a:r>
+              <a:rPr lang="en-US" sz="3200" b="1" dirty="0">
+                <a:latin typeface="Calibri" panose="020F0502020204030204" pitchFamily="34" charset="0"/>
+                <a:cs typeface="Calibri" panose="020F0502020204030204" pitchFamily="34" charset="0"/>
+              </a:rPr>
+              <a:t>CLUSTERING ANALYSIS</a:t>
+            </a:r>
+            <a:endParaRPr lang="en-IN" sz="3200" b="1" dirty="0">
+              <a:latin typeface="Calibri" panose="020F0502020204030204" pitchFamily="34" charset="0"/>
+              <a:cs typeface="Calibri" panose="020F0502020204030204" pitchFamily="34" charset="0"/>
+            </a:endParaRPr>
+          </a:p>
+        </p:txBody>
+      </p:sp>
+      <p:sp>
+        <p:nvSpPr>
+          <p:cNvPr id="3" name="Content Placeholder 2">
+            <a:extLst>
+              <a:ext uri="{FF2B5EF4-FFF2-40B4-BE49-F238E27FC236}">
+                <a16:creationId xmlns:a16="http://schemas.microsoft.com/office/drawing/2014/main" id="{CBCBFF4A-0785-CAD4-A283-0428B7701E51}"/>
+              </a:ext>
+            </a:extLst>
+          </p:cNvPr>
+          <p:cNvSpPr>
+            <a:spLocks noGrp="1"/>
+          </p:cNvSpPr>
+          <p:nvPr>
+            <p:ph idx="1"/>
+          </p:nvPr>
+        </p:nvSpPr>
+        <p:spPr>
+          <a:xfrm>
+            <a:off x="838200" y="1837591"/>
+            <a:ext cx="10515600" cy="4339371"/>
+          </a:xfrm>
+        </p:spPr>
+        <p:txBody>
+          <a:bodyPr>
+            <a:normAutofit/>
+          </a:bodyPr>
+          <a:lstStyle/>
+          <a:p>
+            <a:r>
+              <a:rPr lang="en-US" sz="1800" dirty="0">
+                <a:latin typeface="Calibri" panose="020F0502020204030204" pitchFamily="34" charset="0"/>
+                <a:cs typeface="Calibri" panose="020F0502020204030204" pitchFamily="34" charset="0"/>
+              </a:rPr>
+              <a:t>Created a cluster model using the k-means algorithm to analyze reviews scraped from a website.</a:t>
+            </a:r>
+          </a:p>
+          <a:p>
+            <a:r>
+              <a:rPr lang="en-US" sz="1800" dirty="0">
+                <a:latin typeface="Calibri" panose="020F0502020204030204" pitchFamily="34" charset="0"/>
+                <a:cs typeface="Calibri" panose="020F0502020204030204" pitchFamily="34" charset="0"/>
+              </a:rPr>
+              <a:t>The goal was to differentiate between positive and negative reviews, which were intermingled on the website.</a:t>
+            </a:r>
+          </a:p>
+          <a:p>
+            <a:r>
+              <a:rPr lang="en-US" sz="1800" dirty="0">
+                <a:latin typeface="Calibri" panose="020F0502020204030204" pitchFamily="34" charset="0"/>
+                <a:cs typeface="Calibri" panose="020F0502020204030204" pitchFamily="34" charset="0"/>
+              </a:rPr>
+              <a:t>The model clusters reviews based on similarities, aiding in the identification of sentiment without manual analysis.</a:t>
+            </a:r>
+          </a:p>
+          <a:p>
+            <a:endParaRPr lang="en-IN" sz="1800" dirty="0">
+              <a:latin typeface="Calibri" panose="020F0502020204030204" pitchFamily="34" charset="0"/>
+              <a:cs typeface="Calibri" panose="020F0502020204030204" pitchFamily="34" charset="0"/>
+            </a:endParaRPr>
+          </a:p>
+        </p:txBody>
+      </p:sp>
+      <p:pic>
+        <p:nvPicPr>
+          <p:cNvPr id="5" name="Picture 4">
+            <a:extLst>
+              <a:ext uri="{FF2B5EF4-FFF2-40B4-BE49-F238E27FC236}">
+                <a16:creationId xmlns:a16="http://schemas.microsoft.com/office/drawing/2014/main" id="{74CA3322-0998-270E-AB38-0952AC6EB06C}"/>
+              </a:ext>
+            </a:extLst>
+          </p:cNvPr>
+          <p:cNvPicPr>
+            <a:picLocks noChangeAspect="1"/>
+          </p:cNvPicPr>
+          <p:nvPr/>
+        </p:nvPicPr>
+        <p:blipFill>
+          <a:blip r:embed="rId2">
+            <a:extLst>
+              <a:ext uri="{28A0092B-C50C-407E-A947-70E740481C1C}">
+                <a14:useLocalDpi xmlns:a14="http://schemas.microsoft.com/office/drawing/2010/main" val="0"/>
+              </a:ext>
+            </a:extLst>
+          </a:blip>
+          <a:stretch>
+            <a:fillRect/>
+          </a:stretch>
+        </p:blipFill>
+        <p:spPr>
+          <a:xfrm>
+            <a:off x="941591" y="3429000"/>
+            <a:ext cx="5608677" cy="2894865"/>
+          </a:xfrm>
+          <a:prstGeom prst="rect">
+            <a:avLst/>
+          </a:prstGeom>
+        </p:spPr>
+      </p:pic>
+      <p:sp>
+        <p:nvSpPr>
+          <p:cNvPr id="6" name="TextBox 5">
+            <a:extLst>
+              <a:ext uri="{FF2B5EF4-FFF2-40B4-BE49-F238E27FC236}">
+                <a16:creationId xmlns:a16="http://schemas.microsoft.com/office/drawing/2014/main" id="{9C0155EC-F669-E4F9-F30F-5C185822B4C4}"/>
+              </a:ext>
+            </a:extLst>
+          </p:cNvPr>
+          <p:cNvSpPr txBox="1"/>
+          <p:nvPr/>
+        </p:nvSpPr>
+        <p:spPr>
+          <a:xfrm>
+            <a:off x="7077808" y="3613638"/>
+            <a:ext cx="3851030" cy="1200329"/>
+          </a:xfrm>
+          <a:prstGeom prst="rect">
+            <a:avLst/>
+          </a:prstGeom>
+          <a:noFill/>
+        </p:spPr>
+        <p:txBody>
+          <a:bodyPr wrap="square" rtlCol="0">
+            <a:spAutoFit/>
+          </a:bodyPr>
+          <a:lstStyle/>
+          <a:p>
+            <a:r>
+              <a:rPr lang="en-US" dirty="0"/>
+              <a:t>Scatter plot of the clusters centers of the reviews</a:t>
+            </a:r>
+          </a:p>
+          <a:p>
+            <a:pPr marL="285750" indent="-285750">
+              <a:buFont typeface="Arial" panose="020B0604020202020204" pitchFamily="34" charset="0"/>
+              <a:buChar char="•"/>
+            </a:pPr>
+            <a:r>
+              <a:rPr lang="en-US" dirty="0"/>
+              <a:t>Red dots –  Count Vectorization</a:t>
+            </a:r>
+          </a:p>
+          <a:p>
+            <a:pPr marL="285750" indent="-285750">
+              <a:buFont typeface="Arial" panose="020B0604020202020204" pitchFamily="34" charset="0"/>
+              <a:buChar char="•"/>
+            </a:pPr>
+            <a:r>
+              <a:rPr lang="en-US" dirty="0"/>
+              <a:t>Violet dots – TF-IDF Vectorization</a:t>
+            </a:r>
+            <a:endParaRPr lang="en-IN" dirty="0"/>
+          </a:p>
+        </p:txBody>
+      </p:sp>
+    </p:spTree>
+    <p:extLst>
+      <p:ext uri="{BB962C8B-B14F-4D97-AF65-F5344CB8AC3E}">
+        <p14:creationId xmlns:p14="http://schemas.microsoft.com/office/powerpoint/2010/main" val="661570550"/>
+      </p:ext>
+    </p:extLst>
+  </p:cSld>
+  <p:clrMapOvr>
+    <a:masterClrMapping/>
+  </p:clrMapOvr>
+  <p:transition spd="slow">
+    <p:push dir="u"/>
+  </p:transition>
+</p:sld>
+</file>
+
+<file path=ppt/slides/slide6.xml><?xml version="1.0" encoding="utf-8"?>
+<p:sld xmlns:a="http://schemas.openxmlformats.org/drawingml/2006/main" xmlns:r="http://schemas.openxmlformats.org/officeDocument/2006/relationships" xmlns:p="http://schemas.openxmlformats.org/presentationml/2006/main">
+  <p:cSld>
+    <p:spTree>
+      <p:nvGrpSpPr>
+        <p:cNvPr id="1" name=""/>
+        <p:cNvGrpSpPr/>
+        <p:nvPr/>
+      </p:nvGrpSpPr>
+      <p:grpSpPr>
+        <a:xfrm>
+          <a:off x="0" y="0"/>
+          <a:ext cx="0" cy="0"/>
+          <a:chOff x="0" y="0"/>
+          <a:chExt cx="0" cy="0"/>
+        </a:xfrm>
+      </p:grpSpPr>
+      <p:sp>
+        <p:nvSpPr>
+          <p:cNvPr id="2" name="Title 1">
+            <a:extLst>
+              <a:ext uri="{FF2B5EF4-FFF2-40B4-BE49-F238E27FC236}">
+                <a16:creationId xmlns:a16="http://schemas.microsoft.com/office/drawing/2014/main" id="{B95BCEC4-A947-E28C-FECC-041224A62E0B}"/>
+              </a:ext>
+            </a:extLst>
+          </p:cNvPr>
+          <p:cNvSpPr>
+            <a:spLocks noGrp="1"/>
+          </p:cNvSpPr>
+          <p:nvPr>
+            <p:ph type="title"/>
+          </p:nvPr>
+        </p:nvSpPr>
+        <p:spPr/>
+        <p:txBody>
+          <a:bodyPr>
+            <a:normAutofit/>
+          </a:bodyPr>
+          <a:lstStyle/>
+          <a:p>
+            <a:r>
+              <a:rPr lang="en-US" sz="3200" b="1" dirty="0">
+                <a:latin typeface="Calibri" panose="020F0502020204030204" pitchFamily="34" charset="0"/>
+                <a:cs typeface="Calibri" panose="020F0502020204030204" pitchFamily="34" charset="0"/>
+              </a:rPr>
+              <a:t>INITIAL DATA EXPLORATION</a:t>
+            </a:r>
+            <a:endParaRPr lang="en-IN" sz="3200" b="1" dirty="0">
+              <a:latin typeface="Calibri" panose="020F0502020204030204" pitchFamily="34" charset="0"/>
+              <a:cs typeface="Calibri" panose="020F0502020204030204" pitchFamily="34" charset="0"/>
+            </a:endParaRPr>
+          </a:p>
+        </p:txBody>
+      </p:sp>
+      <p:pic>
+        <p:nvPicPr>
+          <p:cNvPr id="5" name="Content Placeholder 4">
+            <a:extLst>
+              <a:ext uri="{FF2B5EF4-FFF2-40B4-BE49-F238E27FC236}">
+                <a16:creationId xmlns:a16="http://schemas.microsoft.com/office/drawing/2014/main" id="{0DB9F1CA-2145-1498-2722-1229D371FF81}"/>
+              </a:ext>
+            </a:extLst>
+          </p:cNvPr>
+          <p:cNvPicPr>
+            <a:picLocks noGrp="1" noChangeAspect="1"/>
+          </p:cNvPicPr>
+          <p:nvPr>
+            <p:ph idx="1"/>
+          </p:nvPr>
+        </p:nvPicPr>
+        <p:blipFill>
+          <a:blip r:embed="rId2">
+            <a:extLst>
+              <a:ext uri="{28A0092B-C50C-407E-A947-70E740481C1C}">
+                <a14:useLocalDpi xmlns:a14="http://schemas.microsoft.com/office/drawing/2010/main" val="0"/>
+              </a:ext>
+            </a:extLst>
+          </a:blip>
+          <a:stretch>
+            <a:fillRect/>
+          </a:stretch>
+        </p:blipFill>
+        <p:spPr>
+          <a:xfrm>
+            <a:off x="838200" y="1544921"/>
+            <a:ext cx="6609347" cy="4456367"/>
+          </a:xfrm>
+        </p:spPr>
+      </p:pic>
+      <p:sp>
+        <p:nvSpPr>
+          <p:cNvPr id="9" name="TextBox 8">
+            <a:extLst>
+              <a:ext uri="{FF2B5EF4-FFF2-40B4-BE49-F238E27FC236}">
+                <a16:creationId xmlns:a16="http://schemas.microsoft.com/office/drawing/2014/main" id="{C6E7EEEE-8022-ED4C-F5BB-097EF678C593}"/>
+              </a:ext>
+            </a:extLst>
+          </p:cNvPr>
+          <p:cNvSpPr txBox="1"/>
+          <p:nvPr/>
+        </p:nvSpPr>
+        <p:spPr>
+          <a:xfrm>
+            <a:off x="7528018" y="1544922"/>
+            <a:ext cx="4346180" cy="1200329"/>
+          </a:xfrm>
+          <a:prstGeom prst="rect">
+            <a:avLst/>
+          </a:prstGeom>
+          <a:noFill/>
+        </p:spPr>
+        <p:txBody>
+          <a:bodyPr wrap="square" rtlCol="0">
+            <a:spAutoFit/>
+          </a:bodyPr>
+          <a:lstStyle/>
+          <a:p>
+            <a:pPr marL="285750" indent="-285750">
+              <a:buFont typeface="Arial" panose="020B0604020202020204" pitchFamily="34" charset="0"/>
+              <a:buChar char="•"/>
+            </a:pPr>
+            <a:r>
+              <a:rPr lang="en-US" dirty="0"/>
+              <a:t>This step provides the key insight about the high frequency used words used by the customers in their reviews.</a:t>
+            </a:r>
+          </a:p>
+          <a:p>
+            <a:pPr marL="285750" indent="-285750">
+              <a:buFont typeface="Arial" panose="020B0604020202020204" pitchFamily="34" charset="0"/>
+              <a:buChar char="•"/>
+            </a:pPr>
+            <a:endParaRPr lang="en-IN" dirty="0"/>
+          </a:p>
+        </p:txBody>
+      </p:sp>
+      <p:pic>
+        <p:nvPicPr>
+          <p:cNvPr id="11" name="Picture 10">
+            <a:extLst>
+              <a:ext uri="{FF2B5EF4-FFF2-40B4-BE49-F238E27FC236}">
+                <a16:creationId xmlns:a16="http://schemas.microsoft.com/office/drawing/2014/main" id="{95B0CC36-9954-05EF-24CD-2F5E31778A62}"/>
+              </a:ext>
+            </a:extLst>
+          </p:cNvPr>
+          <p:cNvPicPr>
+            <a:picLocks noChangeAspect="1"/>
+          </p:cNvPicPr>
+          <p:nvPr/>
+        </p:nvPicPr>
+        <p:blipFill>
+          <a:blip r:embed="rId3">
+            <a:extLst>
+              <a:ext uri="{28A0092B-C50C-407E-A947-70E740481C1C}">
+                <a14:useLocalDpi xmlns:a14="http://schemas.microsoft.com/office/drawing/2010/main" val="0"/>
+              </a:ext>
+            </a:extLst>
+          </a:blip>
+          <a:stretch>
+            <a:fillRect/>
+          </a:stretch>
+        </p:blipFill>
+        <p:spPr>
+          <a:xfrm>
+            <a:off x="7528018" y="2745251"/>
+            <a:ext cx="4211965" cy="3256037"/>
+          </a:xfrm>
+          <a:prstGeom prst="rect">
+            <a:avLst/>
+          </a:prstGeom>
+        </p:spPr>
+      </p:pic>
+    </p:spTree>
+    <p:extLst>
+      <p:ext uri="{BB962C8B-B14F-4D97-AF65-F5344CB8AC3E}">
+        <p14:creationId xmlns:p14="http://schemas.microsoft.com/office/powerpoint/2010/main" val="1332767253"/>
+      </p:ext>
+    </p:extLst>
+  </p:cSld>
+  <p:clrMapOvr>
+    <a:masterClrMapping/>
+  </p:clrMapOvr>
+  <p:transition spd="slow">
+    <p:push dir="u"/>
+  </p:transition>
+</p:sld>
+</file>
+
+<file path=ppt/slides/slide7.xml><?xml version="1.0" encoding="utf-8"?>
+<p:sld xmlns:a="http://schemas.openxmlformats.org/drawingml/2006/main" xmlns:r="http://schemas.openxmlformats.org/officeDocument/2006/relationships" xmlns:p="http://schemas.openxmlformats.org/presentationml/2006/main">
+  <p:cSld>
+    <p:spTree>
+      <p:nvGrpSpPr>
+        <p:cNvPr id="1" name=""/>
+        <p:cNvGrpSpPr/>
+        <p:nvPr/>
+      </p:nvGrpSpPr>
+      <p:grpSpPr>
+        <a:xfrm>
+          <a:off x="0" y="0"/>
+          <a:ext cx="0" cy="0"/>
+          <a:chOff x="0" y="0"/>
+          <a:chExt cx="0" cy="0"/>
+        </a:xfrm>
+      </p:grpSpPr>
+      <p:sp>
+        <p:nvSpPr>
+          <p:cNvPr id="2" name="Title 1">
+            <a:extLst>
+              <a:ext uri="{FF2B5EF4-FFF2-40B4-BE49-F238E27FC236}">
+                <a16:creationId xmlns:a16="http://schemas.microsoft.com/office/drawing/2014/main" id="{AE9A2849-38E3-72AB-17DB-6B9389EA44EC}"/>
+              </a:ext>
+            </a:extLst>
+          </p:cNvPr>
+          <p:cNvSpPr>
+            <a:spLocks noGrp="1"/>
+          </p:cNvSpPr>
+          <p:nvPr>
+            <p:ph type="title"/>
+          </p:nvPr>
+        </p:nvSpPr>
+        <p:spPr/>
+        <p:txBody>
+          <a:bodyPr>
+            <a:normAutofit/>
+          </a:bodyPr>
+          <a:lstStyle/>
+          <a:p>
+            <a:r>
+              <a:rPr lang="en-US" sz="3200" b="1" dirty="0">
+                <a:latin typeface="Calibri" panose="020F0502020204030204" pitchFamily="34" charset="0"/>
+                <a:cs typeface="Calibri" panose="020F0502020204030204" pitchFamily="34" charset="0"/>
+              </a:rPr>
+              <a:t>SENTIMENT ANALYSIS</a:t>
+            </a:r>
+            <a:endParaRPr lang="en-IN" sz="3200" b="1" dirty="0">
+              <a:latin typeface="Calibri" panose="020F0502020204030204" pitchFamily="34" charset="0"/>
+              <a:cs typeface="Calibri" panose="020F0502020204030204" pitchFamily="34" charset="0"/>
+            </a:endParaRPr>
+          </a:p>
+        </p:txBody>
+      </p:sp>
+      <p:sp>
+        <p:nvSpPr>
+          <p:cNvPr id="3" name="Content Placeholder 2">
+            <a:extLst>
+              <a:ext uri="{FF2B5EF4-FFF2-40B4-BE49-F238E27FC236}">
+                <a16:creationId xmlns:a16="http://schemas.microsoft.com/office/drawing/2014/main" id="{D272F6EB-A3A3-C02E-8C9C-85641B7EC6E4}"/>
+              </a:ext>
+            </a:extLst>
+          </p:cNvPr>
+          <p:cNvSpPr>
+            <a:spLocks noGrp="1"/>
+          </p:cNvSpPr>
+          <p:nvPr>
+            <p:ph idx="1"/>
+          </p:nvPr>
+        </p:nvSpPr>
+        <p:spPr/>
+        <p:txBody>
+          <a:bodyPr>
+            <a:normAutofit/>
+          </a:bodyPr>
+          <a:lstStyle/>
+          <a:p>
+            <a:r>
+              <a:rPr lang="en-US" sz="1800" dirty="0">
+                <a:solidFill>
+                  <a:schemeClr val="tx1"/>
+                </a:solidFill>
+                <a:latin typeface="Calibri" panose="020F0502020204030204" pitchFamily="34" charset="0"/>
+                <a:cs typeface="Calibri" panose="020F0502020204030204" pitchFamily="34" charset="0"/>
+              </a:rPr>
+              <a:t>The sentimental analysis step consists of finding the different sentiments present in the data. We are using </a:t>
+            </a:r>
+            <a:r>
+              <a:rPr lang="en-US" sz="1800" dirty="0" err="1">
+                <a:solidFill>
+                  <a:schemeClr val="tx1"/>
+                </a:solidFill>
+                <a:latin typeface="Calibri" panose="020F0502020204030204" pitchFamily="34" charset="0"/>
+                <a:cs typeface="Calibri" panose="020F0502020204030204" pitchFamily="34" charset="0"/>
+              </a:rPr>
+              <a:t>vader</a:t>
+            </a:r>
+            <a:r>
+              <a:rPr lang="en-US" sz="1800" dirty="0">
+                <a:solidFill>
+                  <a:schemeClr val="tx1"/>
+                </a:solidFill>
+                <a:latin typeface="Calibri" panose="020F0502020204030204" pitchFamily="34" charset="0"/>
+                <a:cs typeface="Calibri" panose="020F0502020204030204" pitchFamily="34" charset="0"/>
+              </a:rPr>
+              <a:t> module for this purpose.</a:t>
+            </a:r>
+          </a:p>
+          <a:p>
+            <a:r>
+              <a:rPr lang="en-US" sz="1800" dirty="0">
+                <a:solidFill>
+                  <a:schemeClr val="tx1"/>
+                </a:solidFill>
+                <a:latin typeface="Calibri" panose="020F0502020204030204" pitchFamily="34" charset="0"/>
+                <a:cs typeface="Calibri" panose="020F0502020204030204" pitchFamily="34" charset="0"/>
+              </a:rPr>
+              <a:t>The </a:t>
+            </a:r>
+            <a:r>
+              <a:rPr lang="en-US" sz="1800" dirty="0" err="1">
+                <a:solidFill>
+                  <a:schemeClr val="tx1"/>
+                </a:solidFill>
+                <a:latin typeface="Calibri" panose="020F0502020204030204" pitchFamily="34" charset="0"/>
+                <a:cs typeface="Calibri" panose="020F0502020204030204" pitchFamily="34" charset="0"/>
+              </a:rPr>
+              <a:t>vader</a:t>
+            </a:r>
+            <a:r>
+              <a:rPr lang="en-US" sz="1800" dirty="0">
+                <a:solidFill>
+                  <a:schemeClr val="tx1"/>
+                </a:solidFill>
+                <a:latin typeface="Calibri" panose="020F0502020204030204" pitchFamily="34" charset="0"/>
+                <a:cs typeface="Calibri" panose="020F0502020204030204" pitchFamily="34" charset="0"/>
+              </a:rPr>
+              <a:t> module is used to determine the polarity scores for different reviews that is used for identification of the sentiment of that review.</a:t>
+            </a:r>
+          </a:p>
+          <a:p>
+            <a:r>
+              <a:rPr lang="en-US" sz="1800" dirty="0">
+                <a:solidFill>
+                  <a:schemeClr val="tx1"/>
+                </a:solidFill>
+                <a:latin typeface="Calibri" panose="020F0502020204030204" pitchFamily="34" charset="0"/>
+                <a:cs typeface="Calibri" panose="020F0502020204030204" pitchFamily="34" charset="0"/>
+              </a:rPr>
+              <a:t>While the majority of reviews are positive, there is a higher proportion of negative feedback than usual.</a:t>
+            </a:r>
+          </a:p>
+          <a:p>
+            <a:endParaRPr lang="en-US" sz="1800" dirty="0">
+              <a:solidFill>
+                <a:schemeClr val="tx1"/>
+              </a:solidFill>
+              <a:latin typeface="Calibri" panose="020F0502020204030204" pitchFamily="34" charset="0"/>
+              <a:cs typeface="Calibri" panose="020F0502020204030204" pitchFamily="34" charset="0"/>
+            </a:endParaRPr>
+          </a:p>
+          <a:p>
+            <a:endParaRPr lang="en-IN" sz="1800" dirty="0">
+              <a:solidFill>
+                <a:schemeClr val="tx1"/>
+              </a:solidFill>
+              <a:latin typeface="Calibri" panose="020F0502020204030204" pitchFamily="34" charset="0"/>
+              <a:cs typeface="Calibri" panose="020F0502020204030204" pitchFamily="34" charset="0"/>
+            </a:endParaRPr>
+          </a:p>
+        </p:txBody>
+      </p:sp>
+      <p:pic>
+        <p:nvPicPr>
+          <p:cNvPr id="5" name="Picture 4">
+            <a:extLst>
+              <a:ext uri="{FF2B5EF4-FFF2-40B4-BE49-F238E27FC236}">
+                <a16:creationId xmlns:a16="http://schemas.microsoft.com/office/drawing/2014/main" id="{FFB6BE5F-06F3-E260-EB35-AEC0FB57E1FB}"/>
+              </a:ext>
+            </a:extLst>
+          </p:cNvPr>
+          <p:cNvPicPr>
+            <a:picLocks noChangeAspect="1"/>
+          </p:cNvPicPr>
+          <p:nvPr/>
+        </p:nvPicPr>
+        <p:blipFill>
+          <a:blip r:embed="rId2">
+            <a:extLst>
+              <a:ext uri="{28A0092B-C50C-407E-A947-70E740481C1C}">
+                <a14:useLocalDpi xmlns:a14="http://schemas.microsoft.com/office/drawing/2010/main" val="0"/>
+              </a:ext>
+            </a:extLst>
+          </a:blip>
+          <a:stretch>
+            <a:fillRect/>
+          </a:stretch>
+        </p:blipFill>
+        <p:spPr>
+          <a:xfrm>
+            <a:off x="1420246" y="3499339"/>
+            <a:ext cx="4936592" cy="2812561"/>
+          </a:xfrm>
+          <a:prstGeom prst="rect">
+            <a:avLst/>
+          </a:prstGeom>
+        </p:spPr>
+      </p:pic>
+      <p:sp>
+        <p:nvSpPr>
+          <p:cNvPr id="6" name="TextBox 5">
+            <a:extLst>
+              <a:ext uri="{FF2B5EF4-FFF2-40B4-BE49-F238E27FC236}">
+                <a16:creationId xmlns:a16="http://schemas.microsoft.com/office/drawing/2014/main" id="{185539F0-0DCC-0009-BB62-94F08498FFC7}"/>
+              </a:ext>
+            </a:extLst>
+          </p:cNvPr>
+          <p:cNvSpPr txBox="1"/>
+          <p:nvPr/>
+        </p:nvSpPr>
+        <p:spPr>
+          <a:xfrm>
+            <a:off x="6972523" y="3560886"/>
+            <a:ext cx="4240377" cy="646331"/>
+          </a:xfrm>
+          <a:prstGeom prst="rect">
+            <a:avLst/>
+          </a:prstGeom>
+          <a:noFill/>
+        </p:spPr>
+        <p:txBody>
+          <a:bodyPr wrap="square" rtlCol="0">
+            <a:spAutoFit/>
+          </a:bodyPr>
+          <a:lstStyle/>
+          <a:p>
+            <a:r>
+              <a:rPr lang="en-US" dirty="0"/>
+              <a:t>The distribution of the polarity scores of the reviews.</a:t>
+            </a:r>
+            <a:endParaRPr lang="en-IN" dirty="0"/>
+          </a:p>
+        </p:txBody>
+      </p:sp>
+    </p:spTree>
+    <p:extLst>
+      <p:ext uri="{BB962C8B-B14F-4D97-AF65-F5344CB8AC3E}">
+        <p14:creationId xmlns:p14="http://schemas.microsoft.com/office/powerpoint/2010/main" val="1400038584"/>
+      </p:ext>
+    </p:extLst>
+  </p:cSld>
+  <p:clrMapOvr>
+    <a:masterClrMapping/>
+  </p:clrMapOvr>
+  <p:transition spd="slow">
+    <p:push dir="u"/>
+  </p:transition>
+</p:sld>
+</file>
+
+<file path=ppt/slides/slide8.xml><?xml version="1.0" encoding="utf-8"?>
+<p:sld xmlns:a="http://schemas.openxmlformats.org/drawingml/2006/main" xmlns:r="http://schemas.openxmlformats.org/officeDocument/2006/relationships" xmlns:p="http://schemas.openxmlformats.org/presentationml/2006/main">
+  <p:cSld>
+    <p:spTree>
+      <p:nvGrpSpPr>
+        <p:cNvPr id="1" name=""/>
+        <p:cNvGrpSpPr/>
+        <p:nvPr/>
+      </p:nvGrpSpPr>
+      <p:grpSpPr>
+        <a:xfrm>
+          <a:off x="0" y="0"/>
+          <a:ext cx="0" cy="0"/>
+          <a:chOff x="0" y="0"/>
+          <a:chExt cx="0" cy="0"/>
+        </a:xfrm>
+      </p:grpSpPr>
+      <p:sp>
+        <p:nvSpPr>
+          <p:cNvPr id="2" name="Title 1">
+            <a:extLst>
+              <a:ext uri="{FF2B5EF4-FFF2-40B4-BE49-F238E27FC236}">
+                <a16:creationId xmlns:a16="http://schemas.microsoft.com/office/drawing/2014/main" id="{F8CB035D-5C96-6FF1-E75F-341B00A8E696}"/>
+              </a:ext>
+            </a:extLst>
+          </p:cNvPr>
+          <p:cNvSpPr>
+            <a:spLocks noGrp="1"/>
+          </p:cNvSpPr>
+          <p:nvPr>
+            <p:ph type="title"/>
+          </p:nvPr>
+        </p:nvSpPr>
+        <p:spPr/>
+        <p:txBody>
+          <a:bodyPr>
+            <a:normAutofit/>
+          </a:bodyPr>
+          <a:lstStyle/>
+          <a:p>
+            <a:r>
+              <a:rPr lang="en-US" sz="3200" b="1" dirty="0">
+                <a:latin typeface="Calibri" panose="020F0502020204030204" pitchFamily="34" charset="0"/>
+                <a:cs typeface="Calibri" panose="020F0502020204030204" pitchFamily="34" charset="0"/>
+              </a:rPr>
+              <a:t>OVERVIEW OF REVIEWS</a:t>
+            </a:r>
+            <a:endParaRPr lang="en-IN" sz="3200" b="1" dirty="0">
+              <a:latin typeface="Calibri" panose="020F0502020204030204" pitchFamily="34" charset="0"/>
+              <a:cs typeface="Calibri" panose="020F0502020204030204" pitchFamily="34" charset="0"/>
+            </a:endParaRPr>
+          </a:p>
+        </p:txBody>
+      </p:sp>
+      <p:pic>
+        <p:nvPicPr>
+          <p:cNvPr id="5" name="Content Placeholder 4">
+            <a:extLst>
+              <a:ext uri="{FF2B5EF4-FFF2-40B4-BE49-F238E27FC236}">
+                <a16:creationId xmlns:a16="http://schemas.microsoft.com/office/drawing/2014/main" id="{2BC0169F-38BE-81EE-5594-21225BFE3B1E}"/>
+              </a:ext>
+            </a:extLst>
+          </p:cNvPr>
+          <p:cNvPicPr>
+            <a:picLocks noGrp="1" noChangeAspect="1"/>
+          </p:cNvPicPr>
+          <p:nvPr>
+            <p:ph idx="1"/>
+          </p:nvPr>
+        </p:nvPicPr>
+        <p:blipFill>
+          <a:blip r:embed="rId2">
+            <a:extLst>
+              <a:ext uri="{28A0092B-C50C-407E-A947-70E740481C1C}">
+                <a14:useLocalDpi xmlns:a14="http://schemas.microsoft.com/office/drawing/2010/main" val="0"/>
+              </a:ext>
+            </a:extLst>
+          </a:blip>
+          <a:stretch>
+            <a:fillRect/>
+          </a:stretch>
+        </p:blipFill>
+        <p:spPr>
+          <a:xfrm>
+            <a:off x="6304085" y="1690687"/>
+            <a:ext cx="5049715" cy="4557631"/>
+          </a:xfrm>
+        </p:spPr>
+      </p:pic>
+      <p:sp>
+        <p:nvSpPr>
+          <p:cNvPr id="8" name="TextBox 7">
+            <a:extLst>
+              <a:ext uri="{FF2B5EF4-FFF2-40B4-BE49-F238E27FC236}">
+                <a16:creationId xmlns:a16="http://schemas.microsoft.com/office/drawing/2014/main" id="{05AFC60F-D593-B5BB-3167-AD50C038493E}"/>
+              </a:ext>
+            </a:extLst>
+          </p:cNvPr>
+          <p:cNvSpPr txBox="1"/>
+          <p:nvPr/>
+        </p:nvSpPr>
+        <p:spPr>
+          <a:xfrm>
+            <a:off x="914400" y="1521069"/>
+            <a:ext cx="5605096" cy="2031325"/>
+          </a:xfrm>
+          <a:prstGeom prst="rect">
+            <a:avLst/>
+          </a:prstGeom>
+          <a:noFill/>
+        </p:spPr>
+        <p:txBody>
+          <a:bodyPr wrap="square" rtlCol="0">
+            <a:spAutoFit/>
+          </a:bodyPr>
+          <a:lstStyle/>
+          <a:p>
+            <a:pPr marL="285750" indent="-285750">
+              <a:buFont typeface="Arial" panose="020B0604020202020204" pitchFamily="34" charset="0"/>
+              <a:buChar char="•"/>
+            </a:pPr>
+            <a:r>
+              <a:rPr lang="en-US" dirty="0">
+                <a:latin typeface="Calibri" panose="020F0502020204030204" pitchFamily="34" charset="0"/>
+                <a:cs typeface="Calibri" panose="020F0502020204030204" pitchFamily="34" charset="0"/>
+              </a:rPr>
+              <a:t>In the dataset of 3500 reviews, After conducting a VADER analysis we observed.</a:t>
+            </a:r>
+          </a:p>
+          <a:p>
+            <a:pPr marL="285750" indent="-285750">
+              <a:buFont typeface="Arial" panose="020B0604020202020204" pitchFamily="34" charset="0"/>
+              <a:buChar char="•"/>
+            </a:pPr>
+            <a:r>
+              <a:rPr lang="en-US" dirty="0">
+                <a:latin typeface="Calibri" panose="020F0502020204030204" pitchFamily="34" charset="0"/>
+                <a:cs typeface="Calibri" panose="020F0502020204030204" pitchFamily="34" charset="0"/>
+              </a:rPr>
+              <a:t>Positive Sentiment reviews: 2251 (64.3%)</a:t>
+            </a:r>
+          </a:p>
+          <a:p>
+            <a:pPr marL="285750" indent="-285750">
+              <a:buFont typeface="Arial" panose="020B0604020202020204" pitchFamily="34" charset="0"/>
+              <a:buChar char="•"/>
+            </a:pPr>
+            <a:r>
+              <a:rPr lang="en-US" dirty="0">
+                <a:latin typeface="Calibri" panose="020F0502020204030204" pitchFamily="34" charset="0"/>
+                <a:cs typeface="Calibri" panose="020F0502020204030204" pitchFamily="34" charset="0"/>
+              </a:rPr>
+              <a:t>Negative Sentiment reviews: 1227 (35.1%)</a:t>
+            </a:r>
+          </a:p>
+          <a:p>
+            <a:pPr marL="285750" indent="-285750">
+              <a:buFont typeface="Arial" panose="020B0604020202020204" pitchFamily="34" charset="0"/>
+              <a:buChar char="•"/>
+            </a:pPr>
+            <a:r>
+              <a:rPr lang="en-US" dirty="0">
+                <a:latin typeface="Calibri" panose="020F0502020204030204" pitchFamily="34" charset="0"/>
+                <a:cs typeface="Calibri" panose="020F0502020204030204" pitchFamily="34" charset="0"/>
+              </a:rPr>
+              <a:t>Neutral Sentiment reviews: 22 (0.6%)</a:t>
+            </a:r>
+          </a:p>
+          <a:p>
+            <a:pPr marL="285750" indent="-285750">
+              <a:buFont typeface="Arial" panose="020B0604020202020204" pitchFamily="34" charset="0"/>
+              <a:buChar char="•"/>
+            </a:pPr>
+            <a:endParaRPr lang="en-US" dirty="0">
+              <a:latin typeface="Calibri" panose="020F0502020204030204" pitchFamily="34" charset="0"/>
+              <a:cs typeface="Calibri" panose="020F0502020204030204" pitchFamily="34" charset="0"/>
+            </a:endParaRPr>
+          </a:p>
+          <a:p>
+            <a:pPr marL="285750" indent="-285750">
+              <a:buFont typeface="Arial" panose="020B0604020202020204" pitchFamily="34" charset="0"/>
+              <a:buChar char="•"/>
+            </a:pPr>
+            <a:endParaRPr lang="en-US" dirty="0">
+              <a:latin typeface="Calibri" panose="020F0502020204030204" pitchFamily="34" charset="0"/>
+              <a:cs typeface="Calibri" panose="020F0502020204030204" pitchFamily="34" charset="0"/>
+            </a:endParaRPr>
+          </a:p>
+        </p:txBody>
+      </p:sp>
+      <p:pic>
+        <p:nvPicPr>
+          <p:cNvPr id="10" name="Picture 9">
+            <a:extLst>
+              <a:ext uri="{FF2B5EF4-FFF2-40B4-BE49-F238E27FC236}">
+                <a16:creationId xmlns:a16="http://schemas.microsoft.com/office/drawing/2014/main" id="{FF0BFBD9-D244-F813-6F65-A86FE32ECAE5}"/>
+              </a:ext>
+            </a:extLst>
+          </p:cNvPr>
+          <p:cNvPicPr>
+            <a:picLocks noChangeAspect="1"/>
+          </p:cNvPicPr>
+          <p:nvPr/>
+        </p:nvPicPr>
+        <p:blipFill>
+          <a:blip r:embed="rId3">
+            <a:extLst>
+              <a:ext uri="{28A0092B-C50C-407E-A947-70E740481C1C}">
+                <a14:useLocalDpi xmlns:a14="http://schemas.microsoft.com/office/drawing/2010/main" val="0"/>
+              </a:ext>
+            </a:extLst>
+          </a:blip>
+          <a:stretch>
+            <a:fillRect/>
+          </a:stretch>
+        </p:blipFill>
+        <p:spPr>
+          <a:xfrm>
+            <a:off x="1039769" y="3077308"/>
+            <a:ext cx="4965378" cy="3165231"/>
+          </a:xfrm>
+          <a:prstGeom prst="rect">
+            <a:avLst/>
+          </a:prstGeom>
+        </p:spPr>
+      </p:pic>
+    </p:spTree>
+    <p:extLst>
+      <p:ext uri="{BB962C8B-B14F-4D97-AF65-F5344CB8AC3E}">
+        <p14:creationId xmlns:p14="http://schemas.microsoft.com/office/powerpoint/2010/main" val="2900316529"/>
+      </p:ext>
+    </p:extLst>
+  </p:cSld>
+  <p:clrMapOvr>
+    <a:masterClrMapping/>
+  </p:clrMapOvr>
+  <p:transition spd="slow">
+    <p:push dir="u"/>
+  </p:transition>
+</p:sld>
+</file>
+
+<file path=ppt/slides/slide9.xml><?xml version="1.0" encoding="utf-8"?>
+<p:sld xmlns:a="http://schemas.openxmlformats.org/drawingml/2006/main" xmlns:r="http://schemas.openxmlformats.org/officeDocument/2006/relationships" xmlns:p="http://schemas.openxmlformats.org/presentationml/2006/main">
+  <p:cSld>
+    <p:spTree>
+      <p:nvGrpSpPr>
+        <p:cNvPr id="1" name=""/>
+        <p:cNvGrpSpPr/>
+        <p:nvPr/>
+      </p:nvGrpSpPr>
+      <p:grpSpPr>
+        <a:xfrm>
+          <a:off x="0" y="0"/>
+          <a:ext cx="0" cy="0"/>
+          <a:chOff x="0" y="0"/>
+          <a:chExt cx="0" cy="0"/>
+        </a:xfrm>
+      </p:grpSpPr>
+      <p:sp>
+        <p:nvSpPr>
+          <p:cNvPr id="2" name="Title 1">
+            <a:extLst>
+              <a:ext uri="{FF2B5EF4-FFF2-40B4-BE49-F238E27FC236}">
+                <a16:creationId xmlns:a16="http://schemas.microsoft.com/office/drawing/2014/main" id="{90ACB625-E37D-3C7E-C699-F37A2EDA2CBE}"/>
+              </a:ext>
+            </a:extLst>
+          </p:cNvPr>
+          <p:cNvSpPr>
+            <a:spLocks noGrp="1"/>
+          </p:cNvSpPr>
+          <p:nvPr>
+            <p:ph type="title"/>
+          </p:nvPr>
+        </p:nvSpPr>
+        <p:spPr>
+          <a:xfrm>
+            <a:off x="838200" y="365126"/>
+            <a:ext cx="10515600" cy="1155944"/>
+          </a:xfrm>
+        </p:spPr>
+        <p:txBody>
+          <a:bodyPr>
+            <a:normAutofit/>
+          </a:bodyPr>
+          <a:lstStyle/>
+          <a:p>
+            <a:r>
+              <a:rPr lang="en-US" sz="3200" b="1" dirty="0">
+                <a:latin typeface="Calibri" panose="020F0502020204030204" pitchFamily="34" charset="0"/>
+                <a:cs typeface="Calibri" panose="020F0502020204030204" pitchFamily="34" charset="0"/>
+              </a:rPr>
+              <a:t>STRENGTHS OF BRITISH AIRWAYS</a:t>
+            </a:r>
+            <a:endParaRPr lang="en-IN" sz="3200" b="1" dirty="0">
+              <a:latin typeface="Calibri" panose="020F0502020204030204" pitchFamily="34" charset="0"/>
+              <a:cs typeface="Calibri" panose="020F0502020204030204" pitchFamily="34" charset="0"/>
+            </a:endParaRPr>
+          </a:p>
+        </p:txBody>
+      </p:sp>
+      <p:sp>
+        <p:nvSpPr>
+          <p:cNvPr id="4" name="Rectangle 1">
+            <a:extLst>
+              <a:ext uri="{FF2B5EF4-FFF2-40B4-BE49-F238E27FC236}">
+                <a16:creationId xmlns:a16="http://schemas.microsoft.com/office/drawing/2014/main" id="{11394EFF-54F9-AB7B-7BB3-3579EE5274FA}"/>
+              </a:ext>
+            </a:extLst>
+          </p:cNvPr>
+          <p:cNvSpPr>
+            <a:spLocks noGrp="1" noChangeArrowheads="1"/>
+          </p:cNvSpPr>
+          <p:nvPr>
+            <p:ph idx="1"/>
+          </p:nvPr>
+        </p:nvSpPr>
+        <p:spPr bwMode="auto">
+          <a:xfrm>
+            <a:off x="838200" y="1720840"/>
+            <a:ext cx="9430980" cy="3416320"/>
+          </a:xfrm>
+          <a:prstGeom prst="rect">
+            <a:avLst/>
+          </a:prstGeom>
+          <a:noFill/>
+          <a:ln>
+            <a:noFill/>
+          </a:ln>
+          <a:effectLst/>
+          <a:extLst>
+            <a:ext uri="{909E8E84-426E-40DD-AFC4-6F175D3DCCD1}">
+              <a14:hiddenFill xmlns:a14="http://schemas.microsoft.com/office/drawing/2010/main">
+                <a:solidFill>
+                  <a:schemeClr val="accent1"/>
+                </a:solidFill>
+              </a14:hiddenFill>
+            </a:ext>
+            <a:ext uri="{91240B29-F687-4F45-9708-019B960494DF}">
+              <a14:hiddenLine xmlns:a14="http://schemas.microsoft.com/office/drawing/2010/main" w="9525">
+                <a:solidFill>
+                  <a:schemeClr val="tx1"/>
+                </a:solidFill>
+                <a:miter lim="800000"/>
+                <a:headEnd/>
+                <a:tailEnd/>
+              </a14:hiddenLine>
+            </a:ext>
+            <a:ext uri="{AF507438-7753-43E0-B8FC-AC1667EBCBE1}">
+              <a14:hiddenEffects xmlns:a14="http://schemas.microsoft.com/office/drawing/2010/main">
+                <a:effectLst>
+                  <a:outerShdw dist="35921" dir="2700000" algn="ctr" rotWithShape="0">
+                    <a:schemeClr val="bg2"/>
+                  </a:outerShdw>
+                </a:effectLst>
+              </a14:hiddenEffects>
+            </a:ext>
+          </a:extLst>
+        </p:spPr>
+        <p:txBody>
+          <a:bodyPr vert="horz" wrap="none" lIns="91440" tIns="45720" rIns="91440" bIns="45720" numCol="1" anchor="ctr" anchorCtr="0" compatLnSpc="1">
+            <a:prstTxWarp prst="textNoShape">
+              <a:avLst/>
+            </a:prstTxWarp>
+            <a:spAutoFit/>
+          </a:bodyPr>
+          <a:lstStyle/>
+          <a:p>
+            <a:pPr marL="0" marR="0" lvl="0" indent="0" algn="l" defTabSz="914400" rtl="0" eaLnBrk="0" fontAlgn="base" latinLnBrk="0" hangingPunct="0">
+              <a:lnSpc>
+                <a:spcPct val="100000"/>
+              </a:lnSpc>
+              <a:spcBef>
+                <a:spcPct val="0"/>
+              </a:spcBef>
+              <a:spcAft>
+                <a:spcPct val="0"/>
+              </a:spcAft>
+              <a:buClrTx/>
+              <a:buSzTx/>
+              <a:buFontTx/>
+              <a:buAutoNum type="arabicPeriod"/>
+              <a:tabLst/>
+            </a:pPr>
+            <a:r>
+              <a:rPr kumimoji="0" lang="en-US" altLang="en-US" sz="1800" b="1" i="0" u="none" strike="noStrike" cap="none" normalizeH="0" baseline="0" dirty="0">
+                <a:ln>
+                  <a:noFill/>
+                </a:ln>
+                <a:solidFill>
+                  <a:schemeClr val="tx1"/>
+                </a:solidFill>
+                <a:effectLst/>
+                <a:latin typeface="Calibri" panose="020F0502020204030204" pitchFamily="34" charset="0"/>
+                <a:cs typeface="Calibri" panose="020F0502020204030204" pitchFamily="34" charset="0"/>
+              </a:rPr>
+              <a:t>Excellent Customer Service</a:t>
+            </a:r>
+            <a:r>
+              <a:rPr kumimoji="0" lang="en-US" altLang="en-US" sz="1800" b="0" i="0" u="none" strike="noStrike" cap="none" normalizeH="0" baseline="0" dirty="0">
+                <a:ln>
+                  <a:noFill/>
+                </a:ln>
+                <a:solidFill>
+                  <a:schemeClr val="tx1"/>
+                </a:solidFill>
+                <a:effectLst/>
+                <a:latin typeface="Calibri" panose="020F0502020204030204" pitchFamily="34" charset="0"/>
+                <a:cs typeface="Calibri" panose="020F0502020204030204" pitchFamily="34" charset="0"/>
+              </a:rPr>
+              <a:t>:</a:t>
+            </a:r>
+          </a:p>
+          <a:p>
+            <a:pPr marL="457200" marR="0" lvl="1" indent="0" algn="l" defTabSz="914400" rtl="0" eaLnBrk="0" fontAlgn="base" latinLnBrk="0" hangingPunct="0">
+              <a:lnSpc>
+                <a:spcPct val="100000"/>
+              </a:lnSpc>
+              <a:spcBef>
+                <a:spcPct val="0"/>
+              </a:spcBef>
+              <a:spcAft>
+                <a:spcPct val="0"/>
+              </a:spcAft>
+              <a:buClrTx/>
+              <a:buSzTx/>
+              <a:buFontTx/>
+              <a:buChar char="•"/>
+              <a:tabLst/>
+            </a:pPr>
+            <a:r>
+              <a:rPr kumimoji="0" lang="en-US" altLang="en-US" sz="1800" b="0" i="0" u="none" strike="noStrike" cap="none" normalizeH="0" baseline="0" dirty="0">
+                <a:ln>
+                  <a:noFill/>
+                </a:ln>
+                <a:solidFill>
+                  <a:schemeClr val="tx1"/>
+                </a:solidFill>
+                <a:effectLst/>
+                <a:latin typeface="Calibri" panose="020F0502020204030204" pitchFamily="34" charset="0"/>
+                <a:cs typeface="Calibri" panose="020F0502020204030204" pitchFamily="34" charset="0"/>
+              </a:rPr>
+              <a:t>Several customers praised the friendly and efficient check-in process. </a:t>
+            </a:r>
+          </a:p>
+          <a:p>
+            <a:pPr marL="457200" marR="0" lvl="1" indent="0" algn="l" defTabSz="914400" rtl="0" eaLnBrk="0" fontAlgn="base" latinLnBrk="0" hangingPunct="0">
+              <a:lnSpc>
+                <a:spcPct val="100000"/>
+              </a:lnSpc>
+              <a:spcBef>
+                <a:spcPct val="0"/>
+              </a:spcBef>
+              <a:spcAft>
+                <a:spcPct val="0"/>
+              </a:spcAft>
+              <a:buClrTx/>
+              <a:buSzTx/>
+              <a:buFontTx/>
+              <a:buChar char="•"/>
+              <a:tabLst/>
+            </a:pPr>
+            <a:r>
+              <a:rPr kumimoji="0" lang="en-US" altLang="en-US" sz="1800" b="0" i="0" u="none" strike="noStrike" cap="none" normalizeH="0" baseline="0" dirty="0">
+                <a:ln>
+                  <a:noFill/>
+                </a:ln>
+                <a:solidFill>
+                  <a:schemeClr val="tx1"/>
+                </a:solidFill>
+                <a:effectLst/>
+                <a:latin typeface="Calibri" panose="020F0502020204030204" pitchFamily="34" charset="0"/>
+                <a:cs typeface="Calibri" panose="020F0502020204030204" pitchFamily="34" charset="0"/>
+              </a:rPr>
+              <a:t>They highlighted the fast and friendly service provided by the staff. </a:t>
+            </a:r>
+          </a:p>
+          <a:p>
+            <a:pPr marL="0" marR="0" lvl="0" indent="0" algn="l" defTabSz="914400" rtl="0" eaLnBrk="0" fontAlgn="base" latinLnBrk="0" hangingPunct="0">
+              <a:lnSpc>
+                <a:spcPct val="100000"/>
+              </a:lnSpc>
+              <a:spcBef>
+                <a:spcPct val="0"/>
+              </a:spcBef>
+              <a:spcAft>
+                <a:spcPct val="0"/>
+              </a:spcAft>
+              <a:buClrTx/>
+              <a:buSzTx/>
+              <a:buFontTx/>
+              <a:buAutoNum type="arabicPeriod" startAt="2"/>
+              <a:tabLst/>
+            </a:pPr>
+            <a:r>
+              <a:rPr kumimoji="0" lang="en-US" altLang="en-US" sz="1800" b="1" i="0" u="none" strike="noStrike" cap="none" normalizeH="0" baseline="0" dirty="0">
+                <a:ln>
+                  <a:noFill/>
+                </a:ln>
+                <a:solidFill>
+                  <a:schemeClr val="tx1"/>
+                </a:solidFill>
+                <a:effectLst/>
+                <a:latin typeface="Calibri" panose="020F0502020204030204" pitchFamily="34" charset="0"/>
+                <a:cs typeface="Calibri" panose="020F0502020204030204" pitchFamily="34" charset="0"/>
+              </a:rPr>
+              <a:t>High-Quality In-Flight Meals</a:t>
+            </a:r>
+            <a:r>
+              <a:rPr kumimoji="0" lang="en-US" altLang="en-US" sz="1800" b="0" i="0" u="none" strike="noStrike" cap="none" normalizeH="0" baseline="0" dirty="0">
+                <a:ln>
+                  <a:noFill/>
+                </a:ln>
+                <a:solidFill>
+                  <a:schemeClr val="tx1"/>
+                </a:solidFill>
+                <a:effectLst/>
+                <a:latin typeface="Calibri" panose="020F0502020204030204" pitchFamily="34" charset="0"/>
+                <a:cs typeface="Calibri" panose="020F0502020204030204" pitchFamily="34" charset="0"/>
+              </a:rPr>
+              <a:t>:</a:t>
+            </a:r>
+          </a:p>
+          <a:p>
+            <a:pPr marL="457200" marR="0" lvl="1" indent="0" algn="l" defTabSz="914400" rtl="0" eaLnBrk="0" fontAlgn="base" latinLnBrk="0" hangingPunct="0">
+              <a:lnSpc>
+                <a:spcPct val="100000"/>
+              </a:lnSpc>
+              <a:spcBef>
+                <a:spcPct val="0"/>
+              </a:spcBef>
+              <a:spcAft>
+                <a:spcPct val="0"/>
+              </a:spcAft>
+              <a:buClrTx/>
+              <a:buSzTx/>
+              <a:buFontTx/>
+              <a:buChar char="•"/>
+              <a:tabLst/>
+            </a:pPr>
+            <a:r>
+              <a:rPr kumimoji="0" lang="en-US" altLang="en-US" sz="1800" b="0" i="0" u="none" strike="noStrike" cap="none" normalizeH="0" baseline="0" dirty="0">
+                <a:ln>
+                  <a:noFill/>
+                </a:ln>
+                <a:solidFill>
+                  <a:schemeClr val="tx1"/>
+                </a:solidFill>
+                <a:effectLst/>
+                <a:latin typeface="Calibri" panose="020F0502020204030204" pitchFamily="34" charset="0"/>
+                <a:cs typeface="Calibri" panose="020F0502020204030204" pitchFamily="34" charset="0"/>
+              </a:rPr>
+              <a:t>Positive reviews commended the quality and substantial portions of the in-flight meals. </a:t>
+            </a:r>
+          </a:p>
+          <a:p>
+            <a:pPr marL="0" marR="0" lvl="0" indent="0" algn="l" defTabSz="914400" rtl="0" eaLnBrk="0" fontAlgn="base" latinLnBrk="0" hangingPunct="0">
+              <a:lnSpc>
+                <a:spcPct val="100000"/>
+              </a:lnSpc>
+              <a:spcBef>
+                <a:spcPct val="0"/>
+              </a:spcBef>
+              <a:spcAft>
+                <a:spcPct val="0"/>
+              </a:spcAft>
+              <a:buClrTx/>
+              <a:buSzTx/>
+              <a:buFontTx/>
+              <a:buAutoNum type="arabicPeriod" startAt="3"/>
+              <a:tabLst/>
+            </a:pPr>
+            <a:r>
+              <a:rPr kumimoji="0" lang="en-US" altLang="en-US" sz="1800" b="1" i="0" u="none" strike="noStrike" cap="none" normalizeH="0" baseline="0" dirty="0">
+                <a:ln>
+                  <a:noFill/>
+                </a:ln>
+                <a:solidFill>
+                  <a:schemeClr val="tx1"/>
+                </a:solidFill>
+                <a:effectLst/>
+                <a:latin typeface="Calibri" panose="020F0502020204030204" pitchFamily="34" charset="0"/>
+                <a:cs typeface="Calibri" panose="020F0502020204030204" pitchFamily="34" charset="0"/>
+              </a:rPr>
+              <a:t>Attentive and Responsive Crew</a:t>
+            </a:r>
+            <a:r>
+              <a:rPr kumimoji="0" lang="en-US" altLang="en-US" sz="1800" b="0" i="0" u="none" strike="noStrike" cap="none" normalizeH="0" baseline="0" dirty="0">
+                <a:ln>
+                  <a:noFill/>
+                </a:ln>
+                <a:solidFill>
+                  <a:schemeClr val="tx1"/>
+                </a:solidFill>
+                <a:effectLst/>
+                <a:latin typeface="Calibri" panose="020F0502020204030204" pitchFamily="34" charset="0"/>
+                <a:cs typeface="Calibri" panose="020F0502020204030204" pitchFamily="34" charset="0"/>
+              </a:rPr>
+              <a:t>:</a:t>
+            </a:r>
+          </a:p>
+          <a:p>
+            <a:pPr marL="457200" marR="0" lvl="1" indent="0" algn="l" defTabSz="914400" rtl="0" eaLnBrk="0" fontAlgn="base" latinLnBrk="0" hangingPunct="0">
+              <a:lnSpc>
+                <a:spcPct val="100000"/>
+              </a:lnSpc>
+              <a:spcBef>
+                <a:spcPct val="0"/>
+              </a:spcBef>
+              <a:spcAft>
+                <a:spcPct val="0"/>
+              </a:spcAft>
+              <a:buClrTx/>
+              <a:buSzTx/>
+              <a:buFontTx/>
+              <a:buChar char="•"/>
+              <a:tabLst/>
+            </a:pPr>
+            <a:r>
+              <a:rPr kumimoji="0" lang="en-US" altLang="en-US" sz="1800" b="0" i="0" u="none" strike="noStrike" cap="none" normalizeH="0" baseline="0" dirty="0">
+                <a:ln>
+                  <a:noFill/>
+                </a:ln>
+                <a:solidFill>
+                  <a:schemeClr val="tx1"/>
+                </a:solidFill>
+                <a:effectLst/>
+                <a:latin typeface="Calibri" panose="020F0502020204030204" pitchFamily="34" charset="0"/>
+                <a:cs typeface="Calibri" panose="020F0502020204030204" pitchFamily="34" charset="0"/>
+              </a:rPr>
+              <a:t>Some passengers appreciated the crew’s attentiveness and responsiveness during the flight. </a:t>
+            </a:r>
+          </a:p>
+          <a:p>
+            <a:pPr marL="457200" marR="0" lvl="1" indent="0" algn="l" defTabSz="914400" rtl="0" eaLnBrk="0" fontAlgn="base" latinLnBrk="0" hangingPunct="0">
+              <a:lnSpc>
+                <a:spcPct val="100000"/>
+              </a:lnSpc>
+              <a:spcBef>
+                <a:spcPct val="0"/>
+              </a:spcBef>
+              <a:spcAft>
+                <a:spcPct val="0"/>
+              </a:spcAft>
+              <a:buClrTx/>
+              <a:buSzTx/>
+              <a:buFontTx/>
+              <a:buChar char="•"/>
+              <a:tabLst/>
+            </a:pPr>
+            <a:r>
+              <a:rPr kumimoji="0" lang="en-US" altLang="en-US" sz="1800" b="0" i="0" u="none" strike="noStrike" cap="none" normalizeH="0" baseline="0" dirty="0">
+                <a:ln>
+                  <a:noFill/>
+                </a:ln>
+                <a:solidFill>
+                  <a:schemeClr val="tx1"/>
+                </a:solidFill>
+                <a:effectLst/>
+                <a:latin typeface="Calibri" panose="020F0502020204030204" pitchFamily="34" charset="0"/>
+                <a:cs typeface="Calibri" panose="020F0502020204030204" pitchFamily="34" charset="0"/>
+              </a:rPr>
+              <a:t>Particularly, they promptly topped up drinks. </a:t>
+            </a:r>
+          </a:p>
+          <a:p>
+            <a:pPr marL="0" marR="0" lvl="0" indent="0" algn="l" defTabSz="914400" rtl="0" eaLnBrk="0" fontAlgn="base" latinLnBrk="0" hangingPunct="0">
+              <a:lnSpc>
+                <a:spcPct val="100000"/>
+              </a:lnSpc>
+              <a:spcBef>
+                <a:spcPct val="0"/>
+              </a:spcBef>
+              <a:spcAft>
+                <a:spcPct val="0"/>
+              </a:spcAft>
+              <a:buClrTx/>
+              <a:buSzTx/>
+              <a:buFontTx/>
+              <a:buAutoNum type="arabicPeriod" startAt="4"/>
+              <a:tabLst/>
+            </a:pPr>
+            <a:r>
+              <a:rPr kumimoji="0" lang="en-US" altLang="en-US" sz="1800" b="1" i="0" u="none" strike="noStrike" cap="none" normalizeH="0" baseline="0" dirty="0">
+                <a:ln>
+                  <a:noFill/>
+                </a:ln>
+                <a:solidFill>
+                  <a:schemeClr val="tx1"/>
+                </a:solidFill>
+                <a:effectLst/>
+                <a:latin typeface="Calibri" panose="020F0502020204030204" pitchFamily="34" charset="0"/>
+                <a:cs typeface="Calibri" panose="020F0502020204030204" pitchFamily="34" charset="0"/>
+              </a:rPr>
+              <a:t>Good In-Flight Entertainment</a:t>
+            </a:r>
+            <a:r>
+              <a:rPr kumimoji="0" lang="en-US" altLang="en-US" sz="1800" b="0" i="0" u="none" strike="noStrike" cap="none" normalizeH="0" baseline="0" dirty="0">
+                <a:ln>
+                  <a:noFill/>
+                </a:ln>
+                <a:solidFill>
+                  <a:schemeClr val="tx1"/>
+                </a:solidFill>
+                <a:effectLst/>
+                <a:latin typeface="Calibri" panose="020F0502020204030204" pitchFamily="34" charset="0"/>
+                <a:cs typeface="Calibri" panose="020F0502020204030204" pitchFamily="34" charset="0"/>
+              </a:rPr>
+              <a:t>:</a:t>
+            </a:r>
+          </a:p>
+          <a:p>
+            <a:pPr marL="457200" marR="0" lvl="1" indent="0" algn="l" defTabSz="914400" rtl="0" eaLnBrk="0" fontAlgn="base" latinLnBrk="0" hangingPunct="0">
+              <a:lnSpc>
+                <a:spcPct val="100000"/>
+              </a:lnSpc>
+              <a:spcBef>
+                <a:spcPct val="0"/>
+              </a:spcBef>
+              <a:spcAft>
+                <a:spcPct val="0"/>
+              </a:spcAft>
+              <a:buClrTx/>
+              <a:buSzTx/>
+              <a:buFontTx/>
+              <a:buChar char="•"/>
+              <a:tabLst/>
+            </a:pPr>
+            <a:r>
+              <a:rPr kumimoji="0" lang="en-US" altLang="en-US" sz="1800" b="0" i="0" u="none" strike="noStrike" cap="none" normalizeH="0" baseline="0" dirty="0">
+                <a:ln>
+                  <a:noFill/>
+                </a:ln>
+                <a:solidFill>
+                  <a:schemeClr val="tx1"/>
+                </a:solidFill>
+                <a:effectLst/>
+                <a:latin typeface="Calibri" panose="020F0502020204030204" pitchFamily="34" charset="0"/>
+                <a:cs typeface="Calibri" panose="020F0502020204030204" pitchFamily="34" charset="0"/>
+              </a:rPr>
+              <a:t>The inflight entertainment was generally well-received. </a:t>
+            </a:r>
+          </a:p>
+          <a:p>
+            <a:pPr marL="457200" marR="0" lvl="1" indent="0" algn="l" defTabSz="914400" rtl="0" eaLnBrk="0" fontAlgn="base" latinLnBrk="0" hangingPunct="0">
+              <a:lnSpc>
+                <a:spcPct val="100000"/>
+              </a:lnSpc>
+              <a:spcBef>
+                <a:spcPct val="0"/>
+              </a:spcBef>
+              <a:spcAft>
+                <a:spcPct val="0"/>
+              </a:spcAft>
+              <a:buClrTx/>
+              <a:buSzTx/>
+              <a:buFontTx/>
+              <a:buChar char="•"/>
+              <a:tabLst/>
+            </a:pPr>
+            <a:r>
+              <a:rPr kumimoji="0" lang="en-US" altLang="en-US" sz="1800" b="0" i="0" u="none" strike="noStrike" cap="none" normalizeH="0" baseline="0" dirty="0">
+                <a:ln>
+                  <a:noFill/>
+                </a:ln>
+                <a:solidFill>
+                  <a:schemeClr val="tx1"/>
+                </a:solidFill>
+                <a:effectLst/>
+                <a:latin typeface="Calibri" panose="020F0502020204030204" pitchFamily="34" charset="0"/>
+                <a:cs typeface="Calibri" panose="020F0502020204030204" pitchFamily="34" charset="0"/>
+              </a:rPr>
+              <a:t>It provided passengers with a satisfactory selection of entertainment options. </a:t>
+            </a:r>
+          </a:p>
+          <a:p>
+            <a:pPr marL="0" marR="0" lvl="0" indent="0" algn="l" defTabSz="914400" rtl="0" eaLnBrk="0" fontAlgn="base" latinLnBrk="0" hangingPunct="0">
+              <a:lnSpc>
+                <a:spcPct val="100000"/>
+              </a:lnSpc>
+              <a:spcBef>
+                <a:spcPct val="0"/>
+              </a:spcBef>
+              <a:spcAft>
+                <a:spcPct val="0"/>
+              </a:spcAft>
+              <a:buClrTx/>
+              <a:buSzTx/>
+              <a:buFontTx/>
+              <a:buNone/>
+              <a:tabLst/>
+            </a:pPr>
+            <a:endParaRPr kumimoji="0" lang="en-US" altLang="en-US" sz="1800" b="0" i="0" u="none" strike="noStrike" cap="none" normalizeH="0" baseline="0" dirty="0">
+              <a:ln>
+                <a:noFill/>
+              </a:ln>
+              <a:solidFill>
+                <a:schemeClr val="tx1"/>
+              </a:solidFill>
+              <a:effectLst/>
+              <a:latin typeface="Calibri" panose="020F0502020204030204" pitchFamily="34" charset="0"/>
+              <a:cs typeface="Calibri" panose="020F0502020204030204" pitchFamily="34" charset="0"/>
+            </a:endParaRPr>
+          </a:p>
+        </p:txBody>
+      </p:sp>
+    </p:spTree>
+    <p:extLst>
+      <p:ext uri="{BB962C8B-B14F-4D97-AF65-F5344CB8AC3E}">
+        <p14:creationId xmlns:p14="http://schemas.microsoft.com/office/powerpoint/2010/main" val="2157076477"/>
+      </p:ext>
+    </p:extLst>
+  </p:cSld>
+  <p:clrMapOvr>
+    <a:masterClrMapping/>
+  </p:clrMapOvr>
+  <p:transition spd="slow">
+    <p:push dir="u"/>
+  </p:transition>
 </p:sld>
 </file>
 
 <file path=ppt/theme/theme1.xml><?xml version="1.0" encoding="utf-8"?>
-<a:theme xmlns:a="http://schemas.openxmlformats.org/drawingml/2006/main" name="Office Theme">
+<a:theme xmlns:a="http://schemas.openxmlformats.org/drawingml/2006/main" name="Depth">
   <a:themeElements>
-    <a:clrScheme name="Office">
+    <a:clrScheme name="Red">
       <a:dk1>
         <a:sysClr val="windowText" lastClr="000000"/>
       </a:dk1>
@@ -3770,100 +10144,48 @@
         <a:sysClr val="window" lastClr="FFFFFF"/>
       </a:lt1>
       <a:dk2>
-        <a:srgbClr val="44546A"/>
+        <a:srgbClr val="323232"/>
       </a:dk2>
       <a:lt2>
-        <a:srgbClr val="E7E6E6"/>
+        <a:srgbClr val="E5C243"/>
       </a:lt2>
       <a:accent1>
-        <a:srgbClr val="4472C4"/>
+        <a:srgbClr val="A5300F"/>
       </a:accent1>
       <a:accent2>
-        <a:srgbClr val="ED7D31"/>
+        <a:srgbClr val="D55816"/>
       </a:accent2>
       <a:accent3>
-        <a:srgbClr val="A5A5A5"/>
+        <a:srgbClr val="E19825"/>
       </a:accent3>
       <a:accent4>
-        <a:srgbClr val="FFC000"/>
+        <a:srgbClr val="B19C7D"/>
       </a:accent4>
       <a:accent5>
-        <a:srgbClr val="5B9BD5"/>
+        <a:srgbClr val="7F5F52"/>
       </a:accent5>
       <a:accent6>
-        <a:srgbClr val="70AD47"/>
+        <a:srgbClr val="B27D49"/>
       </a:accent6>
       <a:hlink>
-        <a:srgbClr val="0563C1"/>
+        <a:srgbClr val="6B9F25"/>
       </a:hlink>
       <a:folHlink>
-        <a:srgbClr val="954F72"/>
+        <a:srgbClr val="B26B02"/>
       </a:folHlink>
     </a:clrScheme>
-    <a:fontScheme name="Office">
+    <a:fontScheme name="Depth">
       <a:majorFont>
-        <a:latin typeface="Calibri Light" panose="020F0302020204030204"/>
+        <a:latin typeface="Corbel" panose="020B0503020204020204"/>
         <a:ea typeface=""/>
         <a:cs typeface=""/>
-        <a:font script="Jpan" typeface="游ゴシック Light"/>
-        <a:font script="Hang" typeface="맑은 고딕"/>
-        <a:font script="Hans" typeface="等线 Light"/>
+        <a:font script="Jpan" typeface="メイリオ"/>
+        <a:font script="Hang" typeface="HY엽서L"/>
+        <a:font script="Hans" typeface="华文楷体"/>
         <a:font script="Hant" typeface="新細明體"/>
-        <a:font script="Arab" typeface="Times New Roman"/>
-        <a:font script="Hebr" typeface="Times New Roman"/>
-        <a:font script="Thai" typeface="Angsana New"/>
-        <a:font script="Ethi" typeface="Nyala"/>
-        <a:font script="Beng" typeface="Vrinda"/>
-        <a:font script="Gujr" typeface="Shruti"/>
-        <a:font script="Khmr" typeface="MoolBoran"/>
-        <a:font script="Knda" typeface="Tunga"/>
-        <a:font script="Guru" typeface="Raavi"/>
-        <a:font script="Cans" typeface="Euphemia"/>
-        <a:font script="Cher" typeface="Plantagenet Cherokee"/>
-        <a:font script="Yiii" typeface="Microsoft Yi Baiti"/>
-        <a:font script="Tibt" typeface="Microsoft Himalaya"/>
-        <a:font script="Thaa" typeface="MV Boli"/>
-        <a:font script="Deva" typeface="Mangal"/>
-        <a:font script="Telu" typeface="Gautami"/>
-        <a:font script="Taml" typeface="Latha"/>
-        <a:font script="Syrc" typeface="Estrangelo Edessa"/>
-        <a:font script="Orya" typeface="Kalinga"/>
-        <a:font script="Mlym" typeface="Kartika"/>
-        <a:font script="Laoo" typeface="DokChampa"/>
-        <a:font script="Sinh" typeface="Iskoola Pota"/>
-        <a:font script="Mong" typeface="Mongolian Baiti"/>
-        <a:font script="Viet" typeface="Times New Roman"/>
-        <a:font script="Uigh" typeface="Microsoft Uighur"/>
-        <a:font script="Geor" typeface="Sylfaen"/>
-        <a:font script="Armn" typeface="Arial"/>
-        <a:font script="Bugi" typeface="Leelawadee UI"/>
-        <a:font script="Bopo" typeface="Microsoft JhengHei"/>
-        <a:font script="Java" typeface="Javanese Text"/>
-        <a:font script="Lisu" typeface="Segoe UI"/>
-        <a:font script="Mymr" typeface="Myanmar Text"/>
-        <a:font script="Nkoo" typeface="Ebrima"/>
-        <a:font script="Olck" typeface="Nirmala UI"/>
-        <a:font script="Osma" typeface="Ebrima"/>
-        <a:font script="Phag" typeface="Phagspa"/>
-        <a:font script="Syrn" typeface="Estrangelo Edessa"/>
-        <a:font script="Syrj" typeface="Estrangelo Edessa"/>
-        <a:font script="Syre" typeface="Estrangelo Edessa"/>
-        <a:font script="Sora" typeface="Nirmala UI"/>
-        <a:font script="Tale" typeface="Microsoft Tai Le"/>
-        <a:font script="Talu" typeface="Microsoft New Tai Lue"/>
-        <a:font script="Tfng" typeface="Ebrima"/>
-      </a:majorFont>
-      <a:minorFont>
-        <a:latin typeface="Calibri" panose="020F0502020204030204"/>
-        <a:ea typeface=""/>
-        <a:cs typeface=""/>
-        <a:font script="Jpan" typeface="游ゴシック"/>
-        <a:font script="Hang" typeface="맑은 고딕"/>
-        <a:font script="Hans" typeface="等线"/>
-        <a:font script="Hant" typeface="新細明體"/>
-        <a:font script="Arab" typeface="Arial"/>
-        <a:font script="Hebr" typeface="Arial"/>
-        <a:font script="Thai" typeface="Cordia New"/>
+        <a:font script="Arab" typeface="Tahoma"/>
+        <a:font script="Hebr" typeface="Miriam"/>
+        <a:font script="Thai" typeface="DilleniaUPC"/>
         <a:font script="Ethi" typeface="Nyala"/>
         <a:font script="Beng" typeface="Vrinda"/>
         <a:font script="Gujr" typeface="Shruti"/>
@@ -3887,26 +10209,44 @@
         <a:font script="Viet" typeface="Arial"/>
         <a:font script="Uigh" typeface="Microsoft Uighur"/>
         <a:font script="Geor" typeface="Sylfaen"/>
-        <a:font script="Armn" typeface="Arial"/>
-        <a:font script="Bugi" typeface="Leelawadee UI"/>
-        <a:font script="Bopo" typeface="Microsoft JhengHei"/>
-        <a:font script="Java" typeface="Javanese Text"/>
-        <a:font script="Lisu" typeface="Segoe UI"/>
-        <a:font script="Mymr" typeface="Myanmar Text"/>
-        <a:font script="Nkoo" typeface="Ebrima"/>
-        <a:font script="Olck" typeface="Nirmala UI"/>
-        <a:font script="Osma" typeface="Ebrima"/>
-        <a:font script="Phag" typeface="Phagspa"/>
-        <a:font script="Syrn" typeface="Estrangelo Edessa"/>
-        <a:font script="Syrj" typeface="Estrangelo Edessa"/>
-        <a:font script="Syre" typeface="Estrangelo Edessa"/>
-        <a:font script="Sora" typeface="Nirmala UI"/>
-        <a:font script="Tale" typeface="Microsoft Tai Le"/>
-        <a:font script="Talu" typeface="Microsoft New Tai Lue"/>
-        <a:font script="Tfng" typeface="Ebrima"/>
+      </a:majorFont>
+      <a:minorFont>
+        <a:latin typeface="Corbel" panose="020B0503020204020204"/>
+        <a:ea typeface=""/>
+        <a:cs typeface=""/>
+        <a:font script="Jpan" typeface="メイリオ"/>
+        <a:font script="Hang" typeface="HY엽서L"/>
+        <a:font script="Hans" typeface="华文楷体"/>
+        <a:font script="Hant" typeface="新細明體"/>
+        <a:font script="Arab" typeface="Tahoma"/>
+        <a:font script="Hebr" typeface="Miriam"/>
+        <a:font script="Thai" typeface="DilleniaUPC"/>
+        <a:font script="Ethi" typeface="Nyala"/>
+        <a:font script="Beng" typeface="Vrinda"/>
+        <a:font script="Gujr" typeface="Shruti"/>
+        <a:font script="Khmr" typeface="DaunPenh"/>
+        <a:font script="Knda" typeface="Tunga"/>
+        <a:font script="Guru" typeface="Raavi"/>
+        <a:font script="Cans" typeface="Euphemia"/>
+        <a:font script="Cher" typeface="Plantagenet Cherokee"/>
+        <a:font script="Yiii" typeface="Microsoft Yi Baiti"/>
+        <a:font script="Tibt" typeface="Microsoft Himalaya"/>
+        <a:font script="Thaa" typeface="MV Boli"/>
+        <a:font script="Deva" typeface="Mangal"/>
+        <a:font script="Telu" typeface="Gautami"/>
+        <a:font script="Taml" typeface="Latha"/>
+        <a:font script="Syrc" typeface="Estrangelo Edessa"/>
+        <a:font script="Orya" typeface="Kalinga"/>
+        <a:font script="Mlym" typeface="Kartika"/>
+        <a:font script="Laoo" typeface="DokChampa"/>
+        <a:font script="Sinh" typeface="Iskoola Pota"/>
+        <a:font script="Mong" typeface="Mongolian Baiti"/>
+        <a:font script="Viet" typeface="Arial"/>
+        <a:font script="Uigh" typeface="Microsoft Uighur"/>
+        <a:font script="Geor" typeface="Sylfaen"/>
       </a:minorFont>
     </a:fontScheme>
-    <a:fmtScheme name="Office">
+    <a:fmtScheme name="Depth">
       <a:fillStyleLst>
         <a:solidFill>
           <a:schemeClr val="phClr"/>
@@ -4048,7 +10388,7 @@
   <a:extraClrSchemeLst/>
   <a:extLst>
     <a:ext uri="{05A4C25C-085E-4340-85A3-A5531E510DB2}">
-      <thm15:themeFamily xmlns:thm15="http://schemas.microsoft.com/office/thememl/2012/main" name="Office Theme" id="{62F939B6-93AF-4DB8-9C6B-D6C7DFDC589F}" vid="{4A3C46E8-61CC-4603-A589-7422A47A8E4A}"/>
+      <thm15:themeFamily xmlns:thm15="http://schemas.microsoft.com/office/thememl/2012/main" name="Depth" id="{7BEAFC2A-325C-49C4-AC08-2B765DA903F9}" vid="{1735E755-43E6-43AA-ABA2-C989ECC79AF5}"/>
     </a:ext>
   </a:extLst>
 </a:theme>
